--- a/激情演讲.pptx
+++ b/激情演讲.pptx
@@ -9,8 +9,13 @@
     <p:sldId id="257" r:id="rId3"/>
     <p:sldId id="258" r:id="rId4"/>
     <p:sldId id="259" r:id="rId5"/>
-    <p:sldId id="260" r:id="rId6"/>
-    <p:sldId id="261" r:id="rId7"/>
+    <p:sldId id="263" r:id="rId6"/>
+    <p:sldId id="260" r:id="rId7"/>
+    <p:sldId id="265" r:id="rId8"/>
+    <p:sldId id="264" r:id="rId9"/>
+    <p:sldId id="266" r:id="rId10"/>
+    <p:sldId id="267" r:id="rId11"/>
+    <p:sldId id="261" r:id="rId12"/>
   </p:sldIdLst>
   <p:sldSz cx="12192000" cy="6858000"/>
   <p:notesSz cx="6858000" cy="9144000"/>
@@ -111,7 +116,7 @@
   </p:defaultTextStyle>
   <p:extLst>
     <p:ext uri="{EFAFB233-063F-42B5-8137-9DF3F51BA10A}">
-      <p15:sldGuideLst xmlns:p15="http://schemas.microsoft.com/office/powerpoint/2012/main"/>
+      <p15:sldGuideLst xmlns:p15="http://schemas.microsoft.com/office/powerpoint/2012/main" xmlns=""/>
     </p:ext>
   </p:extLst>
 </p:presentation>
@@ -248,7 +253,8 @@
           <a:p>
             <a:fld id="{088B0906-6CF8-4B6F-9999-52E9B8B394F6}" type="datetimeFigureOut">
               <a:rPr lang="zh-CN" altLang="en-US" smtClean="0"/>
-              <a:t>2023/11/22</a:t>
+              <a:pPr/>
+              <a:t>2023/11/26</a:t>
             </a:fld>
             <a:endParaRPr lang="zh-CN" altLang="en-US"/>
           </a:p>
@@ -290,6 +296,7 @@
           <a:p>
             <a:fld id="{B310910F-BD99-4839-8CA7-02DAE490B12F}" type="slidenum">
               <a:rPr lang="zh-CN" altLang="en-US" smtClean="0"/>
+              <a:pPr/>
               <a:t>‹#›</a:t>
             </a:fld>
             <a:endParaRPr lang="zh-CN" altLang="en-US"/>
@@ -299,7 +306,7 @@
     </p:spTree>
     <p:extLst>
       <p:ext uri="{BB962C8B-B14F-4D97-AF65-F5344CB8AC3E}">
-        <p14:creationId xmlns:p14="http://schemas.microsoft.com/office/powerpoint/2010/main" val="3243702133"/>
+        <p14:creationId xmlns:p14="http://schemas.microsoft.com/office/powerpoint/2010/main" xmlns="" val="3243702133"/>
       </p:ext>
     </p:extLst>
   </p:cSld>
@@ -418,7 +425,8 @@
           <a:p>
             <a:fld id="{088B0906-6CF8-4B6F-9999-52E9B8B394F6}" type="datetimeFigureOut">
               <a:rPr lang="zh-CN" altLang="en-US" smtClean="0"/>
-              <a:t>2023/11/22</a:t>
+              <a:pPr/>
+              <a:t>2023/11/26</a:t>
             </a:fld>
             <a:endParaRPr lang="zh-CN" altLang="en-US"/>
           </a:p>
@@ -460,6 +468,7 @@
           <a:p>
             <a:fld id="{B310910F-BD99-4839-8CA7-02DAE490B12F}" type="slidenum">
               <a:rPr lang="zh-CN" altLang="en-US" smtClean="0"/>
+              <a:pPr/>
               <a:t>‹#›</a:t>
             </a:fld>
             <a:endParaRPr lang="zh-CN" altLang="en-US"/>
@@ -469,7 +478,7 @@
     </p:spTree>
     <p:extLst>
       <p:ext uri="{BB962C8B-B14F-4D97-AF65-F5344CB8AC3E}">
-        <p14:creationId xmlns:p14="http://schemas.microsoft.com/office/powerpoint/2010/main" val="1240899321"/>
+        <p14:creationId xmlns:p14="http://schemas.microsoft.com/office/powerpoint/2010/main" xmlns="" val="1240899321"/>
       </p:ext>
     </p:extLst>
   </p:cSld>
@@ -598,7 +607,8 @@
           <a:p>
             <a:fld id="{088B0906-6CF8-4B6F-9999-52E9B8B394F6}" type="datetimeFigureOut">
               <a:rPr lang="zh-CN" altLang="en-US" smtClean="0"/>
-              <a:t>2023/11/22</a:t>
+              <a:pPr/>
+              <a:t>2023/11/26</a:t>
             </a:fld>
             <a:endParaRPr lang="zh-CN" altLang="en-US"/>
           </a:p>
@@ -640,6 +650,7 @@
           <a:p>
             <a:fld id="{B310910F-BD99-4839-8CA7-02DAE490B12F}" type="slidenum">
               <a:rPr lang="zh-CN" altLang="en-US" smtClean="0"/>
+              <a:pPr/>
               <a:t>‹#›</a:t>
             </a:fld>
             <a:endParaRPr lang="zh-CN" altLang="en-US"/>
@@ -649,7 +660,7 @@
     </p:spTree>
     <p:extLst>
       <p:ext uri="{BB962C8B-B14F-4D97-AF65-F5344CB8AC3E}">
-        <p14:creationId xmlns:p14="http://schemas.microsoft.com/office/powerpoint/2010/main" val="2590562766"/>
+        <p14:creationId xmlns:p14="http://schemas.microsoft.com/office/powerpoint/2010/main" xmlns="" val="2590562766"/>
       </p:ext>
     </p:extLst>
   </p:cSld>
@@ -768,7 +779,8 @@
           <a:p>
             <a:fld id="{088B0906-6CF8-4B6F-9999-52E9B8B394F6}" type="datetimeFigureOut">
               <a:rPr lang="zh-CN" altLang="en-US" smtClean="0"/>
-              <a:t>2023/11/22</a:t>
+              <a:pPr/>
+              <a:t>2023/11/26</a:t>
             </a:fld>
             <a:endParaRPr lang="zh-CN" altLang="en-US"/>
           </a:p>
@@ -810,6 +822,7 @@
           <a:p>
             <a:fld id="{B310910F-BD99-4839-8CA7-02DAE490B12F}" type="slidenum">
               <a:rPr lang="zh-CN" altLang="en-US" smtClean="0"/>
+              <a:pPr/>
               <a:t>‹#›</a:t>
             </a:fld>
             <a:endParaRPr lang="zh-CN" altLang="en-US"/>
@@ -819,7 +832,7 @@
     </p:spTree>
     <p:extLst>
       <p:ext uri="{BB962C8B-B14F-4D97-AF65-F5344CB8AC3E}">
-        <p14:creationId xmlns:p14="http://schemas.microsoft.com/office/powerpoint/2010/main" val="2613875596"/>
+        <p14:creationId xmlns:p14="http://schemas.microsoft.com/office/powerpoint/2010/main" xmlns="" val="2613875596"/>
       </p:ext>
     </p:extLst>
   </p:cSld>
@@ -1014,7 +1027,8 @@
           <a:p>
             <a:fld id="{088B0906-6CF8-4B6F-9999-52E9B8B394F6}" type="datetimeFigureOut">
               <a:rPr lang="zh-CN" altLang="en-US" smtClean="0"/>
-              <a:t>2023/11/22</a:t>
+              <a:pPr/>
+              <a:t>2023/11/26</a:t>
             </a:fld>
             <a:endParaRPr lang="zh-CN" altLang="en-US"/>
           </a:p>
@@ -1056,6 +1070,7 @@
           <a:p>
             <a:fld id="{B310910F-BD99-4839-8CA7-02DAE490B12F}" type="slidenum">
               <a:rPr lang="zh-CN" altLang="en-US" smtClean="0"/>
+              <a:pPr/>
               <a:t>‹#›</a:t>
             </a:fld>
             <a:endParaRPr lang="zh-CN" altLang="en-US"/>
@@ -1065,7 +1080,7 @@
     </p:spTree>
     <p:extLst>
       <p:ext uri="{BB962C8B-B14F-4D97-AF65-F5344CB8AC3E}">
-        <p14:creationId xmlns:p14="http://schemas.microsoft.com/office/powerpoint/2010/main" val="213276529"/>
+        <p14:creationId xmlns:p14="http://schemas.microsoft.com/office/powerpoint/2010/main" xmlns="" val="213276529"/>
       </p:ext>
     </p:extLst>
   </p:cSld>
@@ -1246,7 +1261,8 @@
           <a:p>
             <a:fld id="{088B0906-6CF8-4B6F-9999-52E9B8B394F6}" type="datetimeFigureOut">
               <a:rPr lang="zh-CN" altLang="en-US" smtClean="0"/>
-              <a:t>2023/11/22</a:t>
+              <a:pPr/>
+              <a:t>2023/11/26</a:t>
             </a:fld>
             <a:endParaRPr lang="zh-CN" altLang="en-US"/>
           </a:p>
@@ -1288,6 +1304,7 @@
           <a:p>
             <a:fld id="{B310910F-BD99-4839-8CA7-02DAE490B12F}" type="slidenum">
               <a:rPr lang="zh-CN" altLang="en-US" smtClean="0"/>
+              <a:pPr/>
               <a:t>‹#›</a:t>
             </a:fld>
             <a:endParaRPr lang="zh-CN" altLang="en-US"/>
@@ -1297,7 +1314,7 @@
     </p:spTree>
     <p:extLst>
       <p:ext uri="{BB962C8B-B14F-4D97-AF65-F5344CB8AC3E}">
-        <p14:creationId xmlns:p14="http://schemas.microsoft.com/office/powerpoint/2010/main" val="247186576"/>
+        <p14:creationId xmlns:p14="http://schemas.microsoft.com/office/powerpoint/2010/main" xmlns="" val="247186576"/>
       </p:ext>
     </p:extLst>
   </p:cSld>
@@ -1613,7 +1630,8 @@
           <a:p>
             <a:fld id="{088B0906-6CF8-4B6F-9999-52E9B8B394F6}" type="datetimeFigureOut">
               <a:rPr lang="zh-CN" altLang="en-US" smtClean="0"/>
-              <a:t>2023/11/22</a:t>
+              <a:pPr/>
+              <a:t>2023/11/26</a:t>
             </a:fld>
             <a:endParaRPr lang="zh-CN" altLang="en-US"/>
           </a:p>
@@ -1655,6 +1673,7 @@
           <a:p>
             <a:fld id="{B310910F-BD99-4839-8CA7-02DAE490B12F}" type="slidenum">
               <a:rPr lang="zh-CN" altLang="en-US" smtClean="0"/>
+              <a:pPr/>
               <a:t>‹#›</a:t>
             </a:fld>
             <a:endParaRPr lang="zh-CN" altLang="en-US"/>
@@ -1664,7 +1683,7 @@
     </p:spTree>
     <p:extLst>
       <p:ext uri="{BB962C8B-B14F-4D97-AF65-F5344CB8AC3E}">
-        <p14:creationId xmlns:p14="http://schemas.microsoft.com/office/powerpoint/2010/main" val="2155751304"/>
+        <p14:creationId xmlns:p14="http://schemas.microsoft.com/office/powerpoint/2010/main" xmlns="" val="2155751304"/>
       </p:ext>
     </p:extLst>
   </p:cSld>
@@ -1731,7 +1750,8 @@
           <a:p>
             <a:fld id="{088B0906-6CF8-4B6F-9999-52E9B8B394F6}" type="datetimeFigureOut">
               <a:rPr lang="zh-CN" altLang="en-US" smtClean="0"/>
-              <a:t>2023/11/22</a:t>
+              <a:pPr/>
+              <a:t>2023/11/26</a:t>
             </a:fld>
             <a:endParaRPr lang="zh-CN" altLang="en-US"/>
           </a:p>
@@ -1773,6 +1793,7 @@
           <a:p>
             <a:fld id="{B310910F-BD99-4839-8CA7-02DAE490B12F}" type="slidenum">
               <a:rPr lang="zh-CN" altLang="en-US" smtClean="0"/>
+              <a:pPr/>
               <a:t>‹#›</a:t>
             </a:fld>
             <a:endParaRPr lang="zh-CN" altLang="en-US"/>
@@ -1782,7 +1803,7 @@
     </p:spTree>
     <p:extLst>
       <p:ext uri="{BB962C8B-B14F-4D97-AF65-F5344CB8AC3E}">
-        <p14:creationId xmlns:p14="http://schemas.microsoft.com/office/powerpoint/2010/main" val="3260696510"/>
+        <p14:creationId xmlns:p14="http://schemas.microsoft.com/office/powerpoint/2010/main" xmlns="" val="3260696510"/>
       </p:ext>
     </p:extLst>
   </p:cSld>
@@ -1826,7 +1847,8 @@
           <a:p>
             <a:fld id="{088B0906-6CF8-4B6F-9999-52E9B8B394F6}" type="datetimeFigureOut">
               <a:rPr lang="zh-CN" altLang="en-US" smtClean="0"/>
-              <a:t>2023/11/22</a:t>
+              <a:pPr/>
+              <a:t>2023/11/26</a:t>
             </a:fld>
             <a:endParaRPr lang="zh-CN" altLang="en-US"/>
           </a:p>
@@ -1868,6 +1890,7 @@
           <a:p>
             <a:fld id="{B310910F-BD99-4839-8CA7-02DAE490B12F}" type="slidenum">
               <a:rPr lang="zh-CN" altLang="en-US" smtClean="0"/>
+              <a:pPr/>
               <a:t>‹#›</a:t>
             </a:fld>
             <a:endParaRPr lang="zh-CN" altLang="en-US"/>
@@ -1877,7 +1900,7 @@
     </p:spTree>
     <p:extLst>
       <p:ext uri="{BB962C8B-B14F-4D97-AF65-F5344CB8AC3E}">
-        <p14:creationId xmlns:p14="http://schemas.microsoft.com/office/powerpoint/2010/main" val="4159628063"/>
+        <p14:creationId xmlns:p14="http://schemas.microsoft.com/office/powerpoint/2010/main" xmlns="" val="4159628063"/>
       </p:ext>
     </p:extLst>
   </p:cSld>
@@ -2103,7 +2126,8 @@
           <a:p>
             <a:fld id="{088B0906-6CF8-4B6F-9999-52E9B8B394F6}" type="datetimeFigureOut">
               <a:rPr lang="zh-CN" altLang="en-US" smtClean="0"/>
-              <a:t>2023/11/22</a:t>
+              <a:pPr/>
+              <a:t>2023/11/26</a:t>
             </a:fld>
             <a:endParaRPr lang="zh-CN" altLang="en-US"/>
           </a:p>
@@ -2145,6 +2169,7 @@
           <a:p>
             <a:fld id="{B310910F-BD99-4839-8CA7-02DAE490B12F}" type="slidenum">
               <a:rPr lang="zh-CN" altLang="en-US" smtClean="0"/>
+              <a:pPr/>
               <a:t>‹#›</a:t>
             </a:fld>
             <a:endParaRPr lang="zh-CN" altLang="en-US"/>
@@ -2154,7 +2179,7 @@
     </p:spTree>
     <p:extLst>
       <p:ext uri="{BB962C8B-B14F-4D97-AF65-F5344CB8AC3E}">
-        <p14:creationId xmlns:p14="http://schemas.microsoft.com/office/powerpoint/2010/main" val="2139939528"/>
+        <p14:creationId xmlns:p14="http://schemas.microsoft.com/office/powerpoint/2010/main" xmlns="" val="2139939528"/>
       </p:ext>
     </p:extLst>
   </p:cSld>
@@ -2356,7 +2381,8 @@
           <a:p>
             <a:fld id="{088B0906-6CF8-4B6F-9999-52E9B8B394F6}" type="datetimeFigureOut">
               <a:rPr lang="zh-CN" altLang="en-US" smtClean="0"/>
-              <a:t>2023/11/22</a:t>
+              <a:pPr/>
+              <a:t>2023/11/26</a:t>
             </a:fld>
             <a:endParaRPr lang="zh-CN" altLang="en-US"/>
           </a:p>
@@ -2398,6 +2424,7 @@
           <a:p>
             <a:fld id="{B310910F-BD99-4839-8CA7-02DAE490B12F}" type="slidenum">
               <a:rPr lang="zh-CN" altLang="en-US" smtClean="0"/>
+              <a:pPr/>
               <a:t>‹#›</a:t>
             </a:fld>
             <a:endParaRPr lang="zh-CN" altLang="en-US"/>
@@ -2407,7 +2434,7 @@
     </p:spTree>
     <p:extLst>
       <p:ext uri="{BB962C8B-B14F-4D97-AF65-F5344CB8AC3E}">
-        <p14:creationId xmlns:p14="http://schemas.microsoft.com/office/powerpoint/2010/main" val="270694529"/>
+        <p14:creationId xmlns:p14="http://schemas.microsoft.com/office/powerpoint/2010/main" xmlns="" val="270694529"/>
       </p:ext>
     </p:extLst>
   </p:cSld>
@@ -2569,7 +2596,8 @@
           <a:p>
             <a:fld id="{088B0906-6CF8-4B6F-9999-52E9B8B394F6}" type="datetimeFigureOut">
               <a:rPr lang="zh-CN" altLang="en-US" smtClean="0"/>
-              <a:t>2023/11/22</a:t>
+              <a:pPr/>
+              <a:t>2023/11/26</a:t>
             </a:fld>
             <a:endParaRPr lang="zh-CN" altLang="en-US"/>
           </a:p>
@@ -2647,6 +2675,7 @@
           <a:p>
             <a:fld id="{B310910F-BD99-4839-8CA7-02DAE490B12F}" type="slidenum">
               <a:rPr lang="zh-CN" altLang="en-US" smtClean="0"/>
+              <a:pPr/>
               <a:t>‹#›</a:t>
             </a:fld>
             <a:endParaRPr lang="zh-CN" altLang="en-US"/>
@@ -2656,7 +2685,7 @@
     </p:spTree>
     <p:extLst>
       <p:ext uri="{BB962C8B-B14F-4D97-AF65-F5344CB8AC3E}">
-        <p14:creationId xmlns:p14="http://schemas.microsoft.com/office/powerpoint/2010/main" val="3518305882"/>
+        <p14:creationId xmlns:p14="http://schemas.microsoft.com/office/powerpoint/2010/main" xmlns="" val="3518305882"/>
       </p:ext>
     </p:extLst>
   </p:cSld>
@@ -3084,7 +3113,7 @@
           <a:blip r:embed="rId2">
             <a:extLst>
               <a:ext uri="{28A0092B-C50C-407E-A947-70E740481C1C}">
-                <a14:useLocalDpi xmlns:a14="http://schemas.microsoft.com/office/drawing/2010/main" val="0"/>
+                <a14:useLocalDpi xmlns:a14="http://schemas.microsoft.com/office/drawing/2010/main" xmlns="" val="0"/>
               </a:ext>
             </a:extLst>
           </a:blip>
@@ -3143,7 +3172,2148 @@
     </p:spTree>
     <p:extLst>
       <p:ext uri="{BB962C8B-B14F-4D97-AF65-F5344CB8AC3E}">
-        <p14:creationId xmlns:p14="http://schemas.microsoft.com/office/powerpoint/2010/main" val="353376672"/>
+        <p14:creationId xmlns:p14="http://schemas.microsoft.com/office/powerpoint/2010/main" xmlns="" val="353376672"/>
+      </p:ext>
+    </p:extLst>
+  </p:cSld>
+  <p:clrMapOvr>
+    <a:masterClrMapping/>
+  </p:clrMapOvr>
+  <p:timing>
+    <p:tnLst>
+      <p:par>
+        <p:cTn id="1" dur="indefinite" restart="never" nodeType="tmRoot"/>
+      </p:par>
+    </p:tnLst>
+  </p:timing>
+</p:sld>
+</file>
+
+<file path=ppt/slides/slide10.xml><?xml version="1.0" encoding="utf-8"?>
+<p:sld xmlns:a="http://schemas.openxmlformats.org/drawingml/2006/main" xmlns:r="http://schemas.openxmlformats.org/officeDocument/2006/relationships" xmlns:p="http://schemas.openxmlformats.org/presentationml/2006/main">
+  <p:cSld>
+    <p:spTree>
+      <p:nvGrpSpPr>
+        <p:cNvPr id="1" name=""/>
+        <p:cNvGrpSpPr/>
+        <p:nvPr/>
+      </p:nvGrpSpPr>
+      <p:grpSpPr>
+        <a:xfrm>
+          <a:off x="0" y="0"/>
+          <a:ext cx="0" cy="0"/>
+          <a:chOff x="0" y="0"/>
+          <a:chExt cx="0" cy="0"/>
+        </a:xfrm>
+      </p:grpSpPr>
+      <p:sp>
+        <p:nvSpPr>
+          <p:cNvPr id="2" name="标题 1"/>
+          <p:cNvSpPr>
+            <a:spLocks noGrp="1"/>
+          </p:cNvSpPr>
+          <p:nvPr>
+            <p:ph type="title"/>
+          </p:nvPr>
+        </p:nvSpPr>
+        <p:spPr/>
+        <p:txBody>
+          <a:bodyPr/>
+          <a:lstStyle/>
+          <a:p>
+            <a:endParaRPr lang="zh-CN" altLang="en-US"/>
+          </a:p>
+        </p:txBody>
+      </p:sp>
+      <p:sp>
+        <p:nvSpPr>
+          <p:cNvPr id="3" name="内容占位符 2"/>
+          <p:cNvSpPr>
+            <a:spLocks noGrp="1"/>
+          </p:cNvSpPr>
+          <p:nvPr>
+            <p:ph idx="1"/>
+          </p:nvPr>
+        </p:nvSpPr>
+        <p:spPr>
+          <a:xfrm>
+            <a:off x="604683" y="5456902"/>
+            <a:ext cx="10542639" cy="1000279"/>
+          </a:xfrm>
+        </p:spPr>
+        <p:txBody>
+          <a:bodyPr/>
+          <a:lstStyle/>
+          <a:p>
+            <a:pPr>
+              <a:buNone/>
+            </a:pPr>
+            <a:r>
+              <a:rPr lang="en-US" altLang="zh-CN" dirty="0" smtClean="0"/>
+              <a:t>				</a:t>
+            </a:r>
+            <a:r>
+              <a:rPr lang="zh-CN" altLang="en-US" sz="4400" strike="sngStrike" dirty="0" smtClean="0"/>
+              <a:t>聪明人都能看懂的字</a:t>
+            </a:r>
+            <a:endParaRPr lang="zh-CN" altLang="en-US" sz="4400" strike="sngStrike" dirty="0"/>
+          </a:p>
+        </p:txBody>
+      </p:sp>
+      <p:pic>
+        <p:nvPicPr>
+          <p:cNvPr id="3074" name="Picture 2"/>
+          <p:cNvPicPr>
+            <a:picLocks noChangeAspect="1" noChangeArrowheads="1"/>
+          </p:cNvPicPr>
+          <p:nvPr/>
+        </p:nvPicPr>
+        <p:blipFill>
+          <a:blip r:embed="rId2"/>
+          <a:srcRect/>
+          <a:stretch>
+            <a:fillRect/>
+          </a:stretch>
+        </p:blipFill>
+        <p:spPr bwMode="auto">
+          <a:xfrm>
+            <a:off x="1165123" y="339214"/>
+            <a:ext cx="9748683" cy="4802718"/>
+          </a:xfrm>
+          <a:prstGeom prst="rect">
+            <a:avLst/>
+          </a:prstGeom>
+          <a:noFill/>
+          <a:ln w="9525">
+            <a:noFill/>
+            <a:miter lim="800000"/>
+            <a:headEnd/>
+            <a:tailEnd/>
+          </a:ln>
+          <a:effectLst/>
+        </p:spPr>
+      </p:pic>
+    </p:spTree>
+  </p:cSld>
+  <p:clrMapOvr>
+    <a:masterClrMapping/>
+  </p:clrMapOvr>
+  <p:timing>
+    <p:tnLst>
+      <p:par>
+        <p:cTn id="1" dur="indefinite" restart="never" nodeType="tmRoot"/>
+      </p:par>
+    </p:tnLst>
+  </p:timing>
+</p:sld>
+</file>
+
+<file path=ppt/slides/slide11.xml><?xml version="1.0" encoding="utf-8"?>
+<p:sld xmlns:a="http://schemas.openxmlformats.org/drawingml/2006/main" xmlns:r="http://schemas.openxmlformats.org/officeDocument/2006/relationships" xmlns:p="http://schemas.openxmlformats.org/presentationml/2006/main">
+  <p:cSld>
+    <p:spTree>
+      <p:nvGrpSpPr>
+        <p:cNvPr id="1" name=""/>
+        <p:cNvGrpSpPr/>
+        <p:nvPr/>
+      </p:nvGrpSpPr>
+      <p:grpSpPr>
+        <a:xfrm>
+          <a:off x="0" y="0"/>
+          <a:ext cx="0" cy="0"/>
+          <a:chOff x="0" y="0"/>
+          <a:chExt cx="0" cy="0"/>
+        </a:xfrm>
+      </p:grpSpPr>
+      <p:sp>
+        <p:nvSpPr>
+          <p:cNvPr id="2" name="标题 1"/>
+          <p:cNvSpPr>
+            <a:spLocks noGrp="1"/>
+          </p:cNvSpPr>
+          <p:nvPr>
+            <p:ph type="title"/>
+          </p:nvPr>
+        </p:nvSpPr>
+        <p:spPr>
+          <a:xfrm>
+            <a:off x="4942768" y="2363130"/>
+            <a:ext cx="10515600" cy="1325563"/>
+          </a:xfrm>
+        </p:spPr>
+        <p:txBody>
+          <a:bodyPr>
+            <a:noAutofit/>
+          </a:bodyPr>
+          <a:lstStyle/>
+          <a:p>
+            <a:r>
+              <a:rPr lang="zh-CN" altLang="en-US" sz="13800" dirty="0">
+                <a:latin typeface="黑体" panose="02010609060101010101" pitchFamily="49" charset="-122"/>
+                <a:ea typeface="黑体" panose="02010609060101010101" pitchFamily="49" charset="-122"/>
+              </a:rPr>
+              <a:t>完</a:t>
+            </a:r>
+          </a:p>
+        </p:txBody>
+      </p:sp>
+      <p:sp>
+        <p:nvSpPr>
+          <p:cNvPr id="3" name="内容占位符 2"/>
+          <p:cNvSpPr>
+            <a:spLocks noGrp="1"/>
+          </p:cNvSpPr>
+          <p:nvPr>
+            <p:ph idx="1"/>
+          </p:nvPr>
+        </p:nvSpPr>
+        <p:spPr>
+          <a:xfrm>
+            <a:off x="331207" y="4297220"/>
+            <a:ext cx="10515600" cy="4351338"/>
+          </a:xfrm>
+        </p:spPr>
+        <p:txBody>
+          <a:bodyPr>
+            <a:normAutofit/>
+          </a:bodyPr>
+          <a:lstStyle/>
+          <a:p>
+            <a:pPr marL="0" indent="0">
+              <a:buNone/>
+            </a:pPr>
+            <a:r>
+              <a:rPr lang="zh-CN" altLang="en-US" sz="2000" dirty="0" smtClean="0"/>
+              <a:t>参考资料：</a:t>
+            </a:r>
+            <a:endParaRPr lang="en-US" altLang="zh-CN" sz="2000" dirty="0" smtClean="0"/>
+          </a:p>
+          <a:p>
+            <a:pPr marL="0" indent="0">
+              <a:buNone/>
+            </a:pPr>
+            <a:r>
+              <a:rPr lang="en-US" altLang="zh-CN" sz="2000" dirty="0"/>
+              <a:t>	</a:t>
+            </a:r>
+            <a:r>
+              <a:rPr lang="zh-CN" altLang="en-US" sz="2000" dirty="0" smtClean="0"/>
+              <a:t>信息学奥林匹克竞赛江苏省队论文</a:t>
+            </a:r>
+            <a:endParaRPr lang="en-US" altLang="zh-CN" sz="2000" dirty="0"/>
+          </a:p>
+          <a:p>
+            <a:pPr marL="0" indent="0">
+              <a:buNone/>
+            </a:pPr>
+            <a:r>
+              <a:rPr lang="en-US" altLang="zh-CN" sz="2000" dirty="0" smtClean="0"/>
+              <a:t>		</a:t>
+            </a:r>
+            <a:r>
+              <a:rPr lang="zh-CN" altLang="en-US" sz="2000" dirty="0" smtClean="0"/>
+              <a:t>吴翼</a:t>
+            </a:r>
+            <a:r>
+              <a:rPr lang="en-US" altLang="zh-CN" sz="2000" dirty="0" smtClean="0"/>
+              <a:t>《</a:t>
+            </a:r>
+            <a:r>
+              <a:rPr lang="zh-CN" altLang="en-US" sz="2000" dirty="0" smtClean="0"/>
+              <a:t>谈比赛发挥</a:t>
+            </a:r>
+            <a:r>
+              <a:rPr lang="en-US" altLang="zh-CN" sz="2000" dirty="0" smtClean="0"/>
+              <a:t>——</a:t>
+            </a:r>
+            <a:r>
+              <a:rPr lang="zh-CN" altLang="en-US" sz="2000" dirty="0" smtClean="0"/>
+              <a:t>浅析信息学竞赛考场策略与程序测试</a:t>
+            </a:r>
+            <a:r>
+              <a:rPr lang="en-US" altLang="zh-CN" sz="2000" dirty="0" smtClean="0"/>
+              <a:t>》</a:t>
+            </a:r>
+          </a:p>
+          <a:p>
+            <a:pPr marL="0" indent="0">
+              <a:buNone/>
+            </a:pPr>
+            <a:r>
+              <a:rPr lang="en-US" altLang="zh-CN" sz="2000" dirty="0"/>
+              <a:t>	</a:t>
+            </a:r>
+            <a:r>
+              <a:rPr lang="zh-CN" altLang="en-US" sz="2000" dirty="0" smtClean="0"/>
+              <a:t>河南省队论文</a:t>
+            </a:r>
+            <a:r>
+              <a:rPr lang="en-US" altLang="zh-CN" sz="2000" dirty="0" smtClean="0"/>
+              <a:t>《</a:t>
+            </a:r>
+            <a:r>
+              <a:rPr lang="zh-CN" altLang="en-US" sz="2000" dirty="0" smtClean="0"/>
+              <a:t>骗分导论</a:t>
+            </a:r>
+            <a:r>
+              <a:rPr lang="en-US" altLang="zh-CN" sz="2000" dirty="0" smtClean="0"/>
+              <a:t>》</a:t>
+            </a:r>
+          </a:p>
+          <a:p>
+            <a:pPr marL="0" indent="0">
+              <a:buNone/>
+            </a:pPr>
+            <a:r>
+              <a:rPr lang="en-US" altLang="zh-CN" sz="2000" dirty="0"/>
+              <a:t>	</a:t>
+            </a:r>
+            <a:r>
+              <a:rPr lang="en-US" altLang="zh-CN" sz="2000" dirty="0" err="1" smtClean="0"/>
+              <a:t>BambooDay</a:t>
+            </a:r>
+            <a:r>
+              <a:rPr lang="en-US" altLang="zh-CN" sz="2000" dirty="0" smtClean="0"/>
+              <a:t> </a:t>
+            </a:r>
+            <a:r>
+              <a:rPr lang="zh-CN" altLang="en-US" sz="2000" dirty="0" smtClean="0"/>
+              <a:t>著作 </a:t>
+            </a:r>
+            <a:r>
+              <a:rPr lang="en-US" altLang="zh-CN" sz="2000" dirty="0" smtClean="0"/>
+              <a:t>《</a:t>
+            </a:r>
+            <a:r>
+              <a:rPr lang="zh-CN" altLang="en-US" sz="2000" dirty="0" smtClean="0"/>
+              <a:t>命运论</a:t>
+            </a:r>
+            <a:r>
+              <a:rPr lang="en-US" altLang="zh-CN" sz="2000" dirty="0" smtClean="0"/>
+              <a:t>》</a:t>
+            </a:r>
+            <a:endParaRPr lang="en-US" altLang="zh-CN" sz="2000" dirty="0"/>
+          </a:p>
+          <a:p>
+            <a:pPr marL="0" indent="0">
+              <a:buNone/>
+            </a:pPr>
+            <a:r>
+              <a:rPr lang="en-US" altLang="zh-CN" sz="2000" dirty="0" smtClean="0"/>
+              <a:t>	and </a:t>
+            </a:r>
+            <a:r>
+              <a:rPr lang="zh-CN" altLang="en-US" sz="2000" dirty="0" smtClean="0"/>
+              <a:t>百度</a:t>
+            </a:r>
+            <a:endParaRPr lang="en-US" altLang="zh-CN" sz="2000" dirty="0" smtClean="0"/>
+          </a:p>
+        </p:txBody>
+      </p:sp>
+      <p:pic>
+        <p:nvPicPr>
+          <p:cNvPr id="7" name="图片 6"/>
+          <p:cNvPicPr>
+            <a:picLocks noChangeAspect="1"/>
+          </p:cNvPicPr>
+          <p:nvPr/>
+        </p:nvPicPr>
+        <p:blipFill>
+          <a:blip r:embed="rId2">
+            <a:extLst>
+              <a:ext uri="{28A0092B-C50C-407E-A947-70E740481C1C}">
+                <a14:useLocalDpi xmlns:a14="http://schemas.microsoft.com/office/drawing/2010/main" xmlns="" val="0"/>
+              </a:ext>
+            </a:extLst>
+          </a:blip>
+          <a:stretch>
+            <a:fillRect/>
+          </a:stretch>
+        </p:blipFill>
+        <p:spPr>
+          <a:xfrm>
+            <a:off x="96456" y="77061"/>
+            <a:ext cx="1002146" cy="1002146"/>
+          </a:xfrm>
+          <a:prstGeom prst="rect">
+            <a:avLst/>
+          </a:prstGeom>
+        </p:spPr>
+      </p:pic>
+      <p:pic>
+        <p:nvPicPr>
+          <p:cNvPr id="9" name="图片 8"/>
+          <p:cNvPicPr>
+            <a:picLocks noChangeAspect="1"/>
+          </p:cNvPicPr>
+          <p:nvPr/>
+        </p:nvPicPr>
+        <p:blipFill>
+          <a:blip r:embed="rId2">
+            <a:extLst>
+              <a:ext uri="{28A0092B-C50C-407E-A947-70E740481C1C}">
+                <a14:useLocalDpi xmlns:a14="http://schemas.microsoft.com/office/drawing/2010/main" xmlns="" val="0"/>
+              </a:ext>
+            </a:extLst>
+          </a:blip>
+          <a:stretch>
+            <a:fillRect/>
+          </a:stretch>
+        </p:blipFill>
+        <p:spPr>
+          <a:xfrm>
+            <a:off x="1098602" y="77061"/>
+            <a:ext cx="1002146" cy="1002146"/>
+          </a:xfrm>
+          <a:prstGeom prst="rect">
+            <a:avLst/>
+          </a:prstGeom>
+        </p:spPr>
+      </p:pic>
+      <p:pic>
+        <p:nvPicPr>
+          <p:cNvPr id="10" name="图片 9"/>
+          <p:cNvPicPr>
+            <a:picLocks noChangeAspect="1"/>
+          </p:cNvPicPr>
+          <p:nvPr/>
+        </p:nvPicPr>
+        <p:blipFill>
+          <a:blip r:embed="rId2">
+            <a:extLst>
+              <a:ext uri="{28A0092B-C50C-407E-A947-70E740481C1C}">
+                <a14:useLocalDpi xmlns:a14="http://schemas.microsoft.com/office/drawing/2010/main" xmlns="" val="0"/>
+              </a:ext>
+            </a:extLst>
+          </a:blip>
+          <a:stretch>
+            <a:fillRect/>
+          </a:stretch>
+        </p:blipFill>
+        <p:spPr>
+          <a:xfrm>
+            <a:off x="2100748" y="77061"/>
+            <a:ext cx="1002146" cy="1002146"/>
+          </a:xfrm>
+          <a:prstGeom prst="rect">
+            <a:avLst/>
+          </a:prstGeom>
+        </p:spPr>
+      </p:pic>
+      <p:pic>
+        <p:nvPicPr>
+          <p:cNvPr id="11" name="图片 10"/>
+          <p:cNvPicPr>
+            <a:picLocks noChangeAspect="1"/>
+          </p:cNvPicPr>
+          <p:nvPr/>
+        </p:nvPicPr>
+        <p:blipFill>
+          <a:blip r:embed="rId2">
+            <a:extLst>
+              <a:ext uri="{28A0092B-C50C-407E-A947-70E740481C1C}">
+                <a14:useLocalDpi xmlns:a14="http://schemas.microsoft.com/office/drawing/2010/main" xmlns="" val="0"/>
+              </a:ext>
+            </a:extLst>
+          </a:blip>
+          <a:stretch>
+            <a:fillRect/>
+          </a:stretch>
+        </p:blipFill>
+        <p:spPr>
+          <a:xfrm>
+            <a:off x="3102894" y="101089"/>
+            <a:ext cx="1002146" cy="1002146"/>
+          </a:xfrm>
+          <a:prstGeom prst="rect">
+            <a:avLst/>
+          </a:prstGeom>
+        </p:spPr>
+      </p:pic>
+      <p:pic>
+        <p:nvPicPr>
+          <p:cNvPr id="12" name="图片 11"/>
+          <p:cNvPicPr>
+            <a:picLocks noChangeAspect="1"/>
+          </p:cNvPicPr>
+          <p:nvPr/>
+        </p:nvPicPr>
+        <p:blipFill>
+          <a:blip r:embed="rId2">
+            <a:extLst>
+              <a:ext uri="{28A0092B-C50C-407E-A947-70E740481C1C}">
+                <a14:useLocalDpi xmlns:a14="http://schemas.microsoft.com/office/drawing/2010/main" xmlns="" val="0"/>
+              </a:ext>
+            </a:extLst>
+          </a:blip>
+          <a:stretch>
+            <a:fillRect/>
+          </a:stretch>
+        </p:blipFill>
+        <p:spPr>
+          <a:xfrm>
+            <a:off x="4105040" y="77061"/>
+            <a:ext cx="1002146" cy="1002146"/>
+          </a:xfrm>
+          <a:prstGeom prst="rect">
+            <a:avLst/>
+          </a:prstGeom>
+        </p:spPr>
+      </p:pic>
+      <p:pic>
+        <p:nvPicPr>
+          <p:cNvPr id="13" name="图片 12"/>
+          <p:cNvPicPr>
+            <a:picLocks noChangeAspect="1"/>
+          </p:cNvPicPr>
+          <p:nvPr/>
+        </p:nvPicPr>
+        <p:blipFill>
+          <a:blip r:embed="rId2">
+            <a:extLst>
+              <a:ext uri="{28A0092B-C50C-407E-A947-70E740481C1C}">
+                <a14:useLocalDpi xmlns:a14="http://schemas.microsoft.com/office/drawing/2010/main" xmlns="" val="0"/>
+              </a:ext>
+            </a:extLst>
+          </a:blip>
+          <a:stretch>
+            <a:fillRect/>
+          </a:stretch>
+        </p:blipFill>
+        <p:spPr>
+          <a:xfrm>
+            <a:off x="5107186" y="77061"/>
+            <a:ext cx="1002146" cy="1002146"/>
+          </a:xfrm>
+          <a:prstGeom prst="rect">
+            <a:avLst/>
+          </a:prstGeom>
+        </p:spPr>
+      </p:pic>
+      <p:pic>
+        <p:nvPicPr>
+          <p:cNvPr id="14" name="图片 13"/>
+          <p:cNvPicPr>
+            <a:picLocks noChangeAspect="1"/>
+          </p:cNvPicPr>
+          <p:nvPr/>
+        </p:nvPicPr>
+        <p:blipFill>
+          <a:blip r:embed="rId2">
+            <a:extLst>
+              <a:ext uri="{28A0092B-C50C-407E-A947-70E740481C1C}">
+                <a14:useLocalDpi xmlns:a14="http://schemas.microsoft.com/office/drawing/2010/main" xmlns="" val="0"/>
+              </a:ext>
+            </a:extLst>
+          </a:blip>
+          <a:stretch>
+            <a:fillRect/>
+          </a:stretch>
+        </p:blipFill>
+        <p:spPr>
+          <a:xfrm>
+            <a:off x="6109332" y="77061"/>
+            <a:ext cx="1002146" cy="1002146"/>
+          </a:xfrm>
+          <a:prstGeom prst="rect">
+            <a:avLst/>
+          </a:prstGeom>
+        </p:spPr>
+      </p:pic>
+      <p:pic>
+        <p:nvPicPr>
+          <p:cNvPr id="15" name="图片 14"/>
+          <p:cNvPicPr>
+            <a:picLocks noChangeAspect="1"/>
+          </p:cNvPicPr>
+          <p:nvPr/>
+        </p:nvPicPr>
+        <p:blipFill>
+          <a:blip r:embed="rId2">
+            <a:extLst>
+              <a:ext uri="{28A0092B-C50C-407E-A947-70E740481C1C}">
+                <a14:useLocalDpi xmlns:a14="http://schemas.microsoft.com/office/drawing/2010/main" xmlns="" val="0"/>
+              </a:ext>
+            </a:extLst>
+          </a:blip>
+          <a:stretch>
+            <a:fillRect/>
+          </a:stretch>
+        </p:blipFill>
+        <p:spPr>
+          <a:xfrm>
+            <a:off x="7111478" y="77061"/>
+            <a:ext cx="1002146" cy="1002146"/>
+          </a:xfrm>
+          <a:prstGeom prst="rect">
+            <a:avLst/>
+          </a:prstGeom>
+        </p:spPr>
+      </p:pic>
+      <p:pic>
+        <p:nvPicPr>
+          <p:cNvPr id="16" name="图片 15"/>
+          <p:cNvPicPr>
+            <a:picLocks noChangeAspect="1"/>
+          </p:cNvPicPr>
+          <p:nvPr/>
+        </p:nvPicPr>
+        <p:blipFill>
+          <a:blip r:embed="rId2">
+            <a:extLst>
+              <a:ext uri="{28A0092B-C50C-407E-A947-70E740481C1C}">
+                <a14:useLocalDpi xmlns:a14="http://schemas.microsoft.com/office/drawing/2010/main" xmlns="" val="0"/>
+              </a:ext>
+            </a:extLst>
+          </a:blip>
+          <a:stretch>
+            <a:fillRect/>
+          </a:stretch>
+        </p:blipFill>
+        <p:spPr>
+          <a:xfrm>
+            <a:off x="8110250" y="84270"/>
+            <a:ext cx="1002146" cy="1002146"/>
+          </a:xfrm>
+          <a:prstGeom prst="rect">
+            <a:avLst/>
+          </a:prstGeom>
+        </p:spPr>
+      </p:pic>
+      <p:pic>
+        <p:nvPicPr>
+          <p:cNvPr id="17" name="图片 16"/>
+          <p:cNvPicPr>
+            <a:picLocks noChangeAspect="1"/>
+          </p:cNvPicPr>
+          <p:nvPr/>
+        </p:nvPicPr>
+        <p:blipFill>
+          <a:blip r:embed="rId2">
+            <a:extLst>
+              <a:ext uri="{28A0092B-C50C-407E-A947-70E740481C1C}">
+                <a14:useLocalDpi xmlns:a14="http://schemas.microsoft.com/office/drawing/2010/main" xmlns="" val="0"/>
+              </a:ext>
+            </a:extLst>
+          </a:blip>
+          <a:stretch>
+            <a:fillRect/>
+          </a:stretch>
+        </p:blipFill>
+        <p:spPr>
+          <a:xfrm>
+            <a:off x="9105648" y="108298"/>
+            <a:ext cx="1002146" cy="1002146"/>
+          </a:xfrm>
+          <a:prstGeom prst="rect">
+            <a:avLst/>
+          </a:prstGeom>
+        </p:spPr>
+      </p:pic>
+      <p:pic>
+        <p:nvPicPr>
+          <p:cNvPr id="18" name="图片 17"/>
+          <p:cNvPicPr>
+            <a:picLocks noChangeAspect="1"/>
+          </p:cNvPicPr>
+          <p:nvPr/>
+        </p:nvPicPr>
+        <p:blipFill>
+          <a:blip r:embed="rId2">
+            <a:extLst>
+              <a:ext uri="{28A0092B-C50C-407E-A947-70E740481C1C}">
+                <a14:useLocalDpi xmlns:a14="http://schemas.microsoft.com/office/drawing/2010/main" xmlns="" val="0"/>
+              </a:ext>
+            </a:extLst>
+          </a:blip>
+          <a:stretch>
+            <a:fillRect/>
+          </a:stretch>
+        </p:blipFill>
+        <p:spPr>
+          <a:xfrm>
+            <a:off x="10111168" y="108298"/>
+            <a:ext cx="1002146" cy="1002146"/>
+          </a:xfrm>
+          <a:prstGeom prst="rect">
+            <a:avLst/>
+          </a:prstGeom>
+        </p:spPr>
+      </p:pic>
+      <p:pic>
+        <p:nvPicPr>
+          <p:cNvPr id="19" name="图片 18"/>
+          <p:cNvPicPr>
+            <a:picLocks noChangeAspect="1"/>
+          </p:cNvPicPr>
+          <p:nvPr/>
+        </p:nvPicPr>
+        <p:blipFill>
+          <a:blip r:embed="rId2">
+            <a:extLst>
+              <a:ext uri="{28A0092B-C50C-407E-A947-70E740481C1C}">
+                <a14:useLocalDpi xmlns:a14="http://schemas.microsoft.com/office/drawing/2010/main" xmlns="" val="0"/>
+              </a:ext>
+            </a:extLst>
+          </a:blip>
+          <a:stretch>
+            <a:fillRect/>
+          </a:stretch>
+        </p:blipFill>
+        <p:spPr>
+          <a:xfrm>
+            <a:off x="11116688" y="108298"/>
+            <a:ext cx="1002146" cy="1002146"/>
+          </a:xfrm>
+          <a:prstGeom prst="rect">
+            <a:avLst/>
+          </a:prstGeom>
+        </p:spPr>
+      </p:pic>
+      <p:pic>
+        <p:nvPicPr>
+          <p:cNvPr id="20" name="图片 19"/>
+          <p:cNvPicPr>
+            <a:picLocks noChangeAspect="1"/>
+          </p:cNvPicPr>
+          <p:nvPr/>
+        </p:nvPicPr>
+        <p:blipFill>
+          <a:blip r:embed="rId2">
+            <a:extLst>
+              <a:ext uri="{28A0092B-C50C-407E-A947-70E740481C1C}">
+                <a14:useLocalDpi xmlns:a14="http://schemas.microsoft.com/office/drawing/2010/main" xmlns="" val="0"/>
+              </a:ext>
+            </a:extLst>
+          </a:blip>
+          <a:stretch>
+            <a:fillRect/>
+          </a:stretch>
+        </p:blipFill>
+        <p:spPr>
+          <a:xfrm>
+            <a:off x="96456" y="915680"/>
+            <a:ext cx="1002146" cy="1002146"/>
+          </a:xfrm>
+          <a:prstGeom prst="rect">
+            <a:avLst/>
+          </a:prstGeom>
+        </p:spPr>
+      </p:pic>
+      <p:pic>
+        <p:nvPicPr>
+          <p:cNvPr id="23" name="图片 22"/>
+          <p:cNvPicPr>
+            <a:picLocks noChangeAspect="1"/>
+          </p:cNvPicPr>
+          <p:nvPr/>
+        </p:nvPicPr>
+        <p:blipFill>
+          <a:blip r:embed="rId2">
+            <a:extLst>
+              <a:ext uri="{28A0092B-C50C-407E-A947-70E740481C1C}">
+                <a14:useLocalDpi xmlns:a14="http://schemas.microsoft.com/office/drawing/2010/main" xmlns="" val="0"/>
+              </a:ext>
+            </a:extLst>
+          </a:blip>
+          <a:stretch>
+            <a:fillRect/>
+          </a:stretch>
+        </p:blipFill>
+        <p:spPr>
+          <a:xfrm>
+            <a:off x="1168935" y="909415"/>
+            <a:ext cx="1002146" cy="1002146"/>
+          </a:xfrm>
+          <a:prstGeom prst="rect">
+            <a:avLst/>
+          </a:prstGeom>
+        </p:spPr>
+      </p:pic>
+      <p:pic>
+        <p:nvPicPr>
+          <p:cNvPr id="26" name="图片 25"/>
+          <p:cNvPicPr>
+            <a:picLocks noChangeAspect="1"/>
+          </p:cNvPicPr>
+          <p:nvPr/>
+        </p:nvPicPr>
+        <p:blipFill>
+          <a:blip r:embed="rId2">
+            <a:extLst>
+              <a:ext uri="{28A0092B-C50C-407E-A947-70E740481C1C}">
+                <a14:useLocalDpi xmlns:a14="http://schemas.microsoft.com/office/drawing/2010/main" xmlns="" val="0"/>
+              </a:ext>
+            </a:extLst>
+          </a:blip>
+          <a:stretch>
+            <a:fillRect/>
+          </a:stretch>
+        </p:blipFill>
+        <p:spPr>
+          <a:xfrm>
+            <a:off x="2097374" y="917787"/>
+            <a:ext cx="1002146" cy="1002146"/>
+          </a:xfrm>
+          <a:prstGeom prst="rect">
+            <a:avLst/>
+          </a:prstGeom>
+        </p:spPr>
+      </p:pic>
+      <p:pic>
+        <p:nvPicPr>
+          <p:cNvPr id="27" name="图片 26"/>
+          <p:cNvPicPr>
+            <a:picLocks noChangeAspect="1"/>
+          </p:cNvPicPr>
+          <p:nvPr/>
+        </p:nvPicPr>
+        <p:blipFill>
+          <a:blip r:embed="rId2">
+            <a:extLst>
+              <a:ext uri="{28A0092B-C50C-407E-A947-70E740481C1C}">
+                <a14:useLocalDpi xmlns:a14="http://schemas.microsoft.com/office/drawing/2010/main" xmlns="" val="0"/>
+              </a:ext>
+            </a:extLst>
+          </a:blip>
+          <a:stretch>
+            <a:fillRect/>
+          </a:stretch>
+        </p:blipFill>
+        <p:spPr>
+          <a:xfrm>
+            <a:off x="3099520" y="941815"/>
+            <a:ext cx="1002146" cy="1002146"/>
+          </a:xfrm>
+          <a:prstGeom prst="rect">
+            <a:avLst/>
+          </a:prstGeom>
+        </p:spPr>
+      </p:pic>
+      <p:pic>
+        <p:nvPicPr>
+          <p:cNvPr id="28" name="图片 27"/>
+          <p:cNvPicPr>
+            <a:picLocks noChangeAspect="1"/>
+          </p:cNvPicPr>
+          <p:nvPr/>
+        </p:nvPicPr>
+        <p:blipFill>
+          <a:blip r:embed="rId2">
+            <a:extLst>
+              <a:ext uri="{28A0092B-C50C-407E-A947-70E740481C1C}">
+                <a14:useLocalDpi xmlns:a14="http://schemas.microsoft.com/office/drawing/2010/main" xmlns="" val="0"/>
+              </a:ext>
+            </a:extLst>
+          </a:blip>
+          <a:stretch>
+            <a:fillRect/>
+          </a:stretch>
+        </p:blipFill>
+        <p:spPr>
+          <a:xfrm>
+            <a:off x="4101666" y="917787"/>
+            <a:ext cx="1002146" cy="1002146"/>
+          </a:xfrm>
+          <a:prstGeom prst="rect">
+            <a:avLst/>
+          </a:prstGeom>
+        </p:spPr>
+      </p:pic>
+      <p:pic>
+        <p:nvPicPr>
+          <p:cNvPr id="29" name="图片 28"/>
+          <p:cNvPicPr>
+            <a:picLocks noChangeAspect="1"/>
+          </p:cNvPicPr>
+          <p:nvPr/>
+        </p:nvPicPr>
+        <p:blipFill>
+          <a:blip r:embed="rId2">
+            <a:extLst>
+              <a:ext uri="{28A0092B-C50C-407E-A947-70E740481C1C}">
+                <a14:useLocalDpi xmlns:a14="http://schemas.microsoft.com/office/drawing/2010/main" xmlns="" val="0"/>
+              </a:ext>
+            </a:extLst>
+          </a:blip>
+          <a:stretch>
+            <a:fillRect/>
+          </a:stretch>
+        </p:blipFill>
+        <p:spPr>
+          <a:xfrm>
+            <a:off x="5103812" y="917787"/>
+            <a:ext cx="1002146" cy="1002146"/>
+          </a:xfrm>
+          <a:prstGeom prst="rect">
+            <a:avLst/>
+          </a:prstGeom>
+        </p:spPr>
+      </p:pic>
+      <p:pic>
+        <p:nvPicPr>
+          <p:cNvPr id="30" name="图片 29"/>
+          <p:cNvPicPr>
+            <a:picLocks noChangeAspect="1"/>
+          </p:cNvPicPr>
+          <p:nvPr/>
+        </p:nvPicPr>
+        <p:blipFill>
+          <a:blip r:embed="rId2">
+            <a:extLst>
+              <a:ext uri="{28A0092B-C50C-407E-A947-70E740481C1C}">
+                <a14:useLocalDpi xmlns:a14="http://schemas.microsoft.com/office/drawing/2010/main" xmlns="" val="0"/>
+              </a:ext>
+            </a:extLst>
+          </a:blip>
+          <a:stretch>
+            <a:fillRect/>
+          </a:stretch>
+        </p:blipFill>
+        <p:spPr>
+          <a:xfrm>
+            <a:off x="6105958" y="917787"/>
+            <a:ext cx="1002146" cy="1002146"/>
+          </a:xfrm>
+          <a:prstGeom prst="rect">
+            <a:avLst/>
+          </a:prstGeom>
+        </p:spPr>
+      </p:pic>
+      <p:pic>
+        <p:nvPicPr>
+          <p:cNvPr id="31" name="图片 30"/>
+          <p:cNvPicPr>
+            <a:picLocks noChangeAspect="1"/>
+          </p:cNvPicPr>
+          <p:nvPr/>
+        </p:nvPicPr>
+        <p:blipFill>
+          <a:blip r:embed="rId2">
+            <a:extLst>
+              <a:ext uri="{28A0092B-C50C-407E-A947-70E740481C1C}">
+                <a14:useLocalDpi xmlns:a14="http://schemas.microsoft.com/office/drawing/2010/main" xmlns="" val="0"/>
+              </a:ext>
+            </a:extLst>
+          </a:blip>
+          <a:stretch>
+            <a:fillRect/>
+          </a:stretch>
+        </p:blipFill>
+        <p:spPr>
+          <a:xfrm>
+            <a:off x="7108104" y="917787"/>
+            <a:ext cx="1002146" cy="1002146"/>
+          </a:xfrm>
+          <a:prstGeom prst="rect">
+            <a:avLst/>
+          </a:prstGeom>
+        </p:spPr>
+      </p:pic>
+      <p:pic>
+        <p:nvPicPr>
+          <p:cNvPr id="32" name="图片 31"/>
+          <p:cNvPicPr>
+            <a:picLocks noChangeAspect="1"/>
+          </p:cNvPicPr>
+          <p:nvPr/>
+        </p:nvPicPr>
+        <p:blipFill>
+          <a:blip r:embed="rId2">
+            <a:extLst>
+              <a:ext uri="{28A0092B-C50C-407E-A947-70E740481C1C}">
+                <a14:useLocalDpi xmlns:a14="http://schemas.microsoft.com/office/drawing/2010/main" xmlns="" val="0"/>
+              </a:ext>
+            </a:extLst>
+          </a:blip>
+          <a:stretch>
+            <a:fillRect/>
+          </a:stretch>
+        </p:blipFill>
+        <p:spPr>
+          <a:xfrm>
+            <a:off x="8110250" y="917787"/>
+            <a:ext cx="1002146" cy="1002146"/>
+          </a:xfrm>
+          <a:prstGeom prst="rect">
+            <a:avLst/>
+          </a:prstGeom>
+        </p:spPr>
+      </p:pic>
+      <p:pic>
+        <p:nvPicPr>
+          <p:cNvPr id="33" name="图片 32"/>
+          <p:cNvPicPr>
+            <a:picLocks noChangeAspect="1"/>
+          </p:cNvPicPr>
+          <p:nvPr/>
+        </p:nvPicPr>
+        <p:blipFill>
+          <a:blip r:embed="rId2">
+            <a:extLst>
+              <a:ext uri="{28A0092B-C50C-407E-A947-70E740481C1C}">
+                <a14:useLocalDpi xmlns:a14="http://schemas.microsoft.com/office/drawing/2010/main" xmlns="" val="0"/>
+              </a:ext>
+            </a:extLst>
+          </a:blip>
+          <a:stretch>
+            <a:fillRect/>
+          </a:stretch>
+        </p:blipFill>
+        <p:spPr>
+          <a:xfrm>
+            <a:off x="9112396" y="941815"/>
+            <a:ext cx="1002146" cy="1002146"/>
+          </a:xfrm>
+          <a:prstGeom prst="rect">
+            <a:avLst/>
+          </a:prstGeom>
+        </p:spPr>
+      </p:pic>
+      <p:pic>
+        <p:nvPicPr>
+          <p:cNvPr id="34" name="图片 33"/>
+          <p:cNvPicPr>
+            <a:picLocks noChangeAspect="1"/>
+          </p:cNvPicPr>
+          <p:nvPr/>
+        </p:nvPicPr>
+        <p:blipFill>
+          <a:blip r:embed="rId2">
+            <a:extLst>
+              <a:ext uri="{28A0092B-C50C-407E-A947-70E740481C1C}">
+                <a14:useLocalDpi xmlns:a14="http://schemas.microsoft.com/office/drawing/2010/main" xmlns="" val="0"/>
+              </a:ext>
+            </a:extLst>
+          </a:blip>
+          <a:stretch>
+            <a:fillRect/>
+          </a:stretch>
+        </p:blipFill>
+        <p:spPr>
+          <a:xfrm>
+            <a:off x="10111168" y="941815"/>
+            <a:ext cx="1002146" cy="1002146"/>
+          </a:xfrm>
+          <a:prstGeom prst="rect">
+            <a:avLst/>
+          </a:prstGeom>
+        </p:spPr>
+      </p:pic>
+      <p:pic>
+        <p:nvPicPr>
+          <p:cNvPr id="35" name="图片 34"/>
+          <p:cNvPicPr>
+            <a:picLocks noChangeAspect="1"/>
+          </p:cNvPicPr>
+          <p:nvPr/>
+        </p:nvPicPr>
+        <p:blipFill>
+          <a:blip r:embed="rId2">
+            <a:extLst>
+              <a:ext uri="{28A0092B-C50C-407E-A947-70E740481C1C}">
+                <a14:useLocalDpi xmlns:a14="http://schemas.microsoft.com/office/drawing/2010/main" xmlns="" val="0"/>
+              </a:ext>
+            </a:extLst>
+          </a:blip>
+          <a:stretch>
+            <a:fillRect/>
+          </a:stretch>
+        </p:blipFill>
+        <p:spPr>
+          <a:xfrm>
+            <a:off x="11116688" y="941815"/>
+            <a:ext cx="1002146" cy="1002146"/>
+          </a:xfrm>
+          <a:prstGeom prst="rect">
+            <a:avLst/>
+          </a:prstGeom>
+        </p:spPr>
+      </p:pic>
+      <p:pic>
+        <p:nvPicPr>
+          <p:cNvPr id="37" name="图片 36"/>
+          <p:cNvPicPr>
+            <a:picLocks noChangeAspect="1"/>
+          </p:cNvPicPr>
+          <p:nvPr/>
+        </p:nvPicPr>
+        <p:blipFill>
+          <a:blip r:embed="rId2">
+            <a:extLst>
+              <a:ext uri="{28A0092B-C50C-407E-A947-70E740481C1C}">
+                <a14:useLocalDpi xmlns:a14="http://schemas.microsoft.com/office/drawing/2010/main" xmlns="" val="0"/>
+              </a:ext>
+            </a:extLst>
+          </a:blip>
+          <a:stretch>
+            <a:fillRect/>
+          </a:stretch>
+        </p:blipFill>
+        <p:spPr>
+          <a:xfrm>
+            <a:off x="96456" y="1714137"/>
+            <a:ext cx="1002146" cy="1002146"/>
+          </a:xfrm>
+          <a:prstGeom prst="rect">
+            <a:avLst/>
+          </a:prstGeom>
+        </p:spPr>
+      </p:pic>
+      <p:pic>
+        <p:nvPicPr>
+          <p:cNvPr id="38" name="图片 37"/>
+          <p:cNvPicPr>
+            <a:picLocks noChangeAspect="1"/>
+          </p:cNvPicPr>
+          <p:nvPr/>
+        </p:nvPicPr>
+        <p:blipFill>
+          <a:blip r:embed="rId2">
+            <a:extLst>
+              <a:ext uri="{28A0092B-C50C-407E-A947-70E740481C1C}">
+                <a14:useLocalDpi xmlns:a14="http://schemas.microsoft.com/office/drawing/2010/main" xmlns="" val="0"/>
+              </a:ext>
+            </a:extLst>
+          </a:blip>
+          <a:stretch>
+            <a:fillRect/>
+          </a:stretch>
+        </p:blipFill>
+        <p:spPr>
+          <a:xfrm>
+            <a:off x="1098602" y="1714137"/>
+            <a:ext cx="1002146" cy="1002146"/>
+          </a:xfrm>
+          <a:prstGeom prst="rect">
+            <a:avLst/>
+          </a:prstGeom>
+        </p:spPr>
+      </p:pic>
+      <p:pic>
+        <p:nvPicPr>
+          <p:cNvPr id="39" name="图片 38"/>
+          <p:cNvPicPr>
+            <a:picLocks noChangeAspect="1"/>
+          </p:cNvPicPr>
+          <p:nvPr/>
+        </p:nvPicPr>
+        <p:blipFill>
+          <a:blip r:embed="rId2">
+            <a:extLst>
+              <a:ext uri="{28A0092B-C50C-407E-A947-70E740481C1C}">
+                <a14:useLocalDpi xmlns:a14="http://schemas.microsoft.com/office/drawing/2010/main" xmlns="" val="0"/>
+              </a:ext>
+            </a:extLst>
+          </a:blip>
+          <a:stretch>
+            <a:fillRect/>
+          </a:stretch>
+        </p:blipFill>
+        <p:spPr>
+          <a:xfrm>
+            <a:off x="2100748" y="1714137"/>
+            <a:ext cx="1002146" cy="1002146"/>
+          </a:xfrm>
+          <a:prstGeom prst="rect">
+            <a:avLst/>
+          </a:prstGeom>
+        </p:spPr>
+      </p:pic>
+      <p:pic>
+        <p:nvPicPr>
+          <p:cNvPr id="40" name="图片 39"/>
+          <p:cNvPicPr>
+            <a:picLocks noChangeAspect="1"/>
+          </p:cNvPicPr>
+          <p:nvPr/>
+        </p:nvPicPr>
+        <p:blipFill>
+          <a:blip r:embed="rId2">
+            <a:extLst>
+              <a:ext uri="{28A0092B-C50C-407E-A947-70E740481C1C}">
+                <a14:useLocalDpi xmlns:a14="http://schemas.microsoft.com/office/drawing/2010/main" xmlns="" val="0"/>
+              </a:ext>
+            </a:extLst>
+          </a:blip>
+          <a:stretch>
+            <a:fillRect/>
+          </a:stretch>
+        </p:blipFill>
+        <p:spPr>
+          <a:xfrm>
+            <a:off x="3102894" y="1738165"/>
+            <a:ext cx="1002146" cy="1002146"/>
+          </a:xfrm>
+          <a:prstGeom prst="rect">
+            <a:avLst/>
+          </a:prstGeom>
+        </p:spPr>
+      </p:pic>
+      <p:pic>
+        <p:nvPicPr>
+          <p:cNvPr id="41" name="图片 40"/>
+          <p:cNvPicPr>
+            <a:picLocks noChangeAspect="1"/>
+          </p:cNvPicPr>
+          <p:nvPr/>
+        </p:nvPicPr>
+        <p:blipFill>
+          <a:blip r:embed="rId2">
+            <a:extLst>
+              <a:ext uri="{28A0092B-C50C-407E-A947-70E740481C1C}">
+                <a14:useLocalDpi xmlns:a14="http://schemas.microsoft.com/office/drawing/2010/main" xmlns="" val="0"/>
+              </a:ext>
+            </a:extLst>
+          </a:blip>
+          <a:stretch>
+            <a:fillRect/>
+          </a:stretch>
+        </p:blipFill>
+        <p:spPr>
+          <a:xfrm>
+            <a:off x="4105040" y="1714137"/>
+            <a:ext cx="1002146" cy="1002146"/>
+          </a:xfrm>
+          <a:prstGeom prst="rect">
+            <a:avLst/>
+          </a:prstGeom>
+        </p:spPr>
+      </p:pic>
+      <p:pic>
+        <p:nvPicPr>
+          <p:cNvPr id="42" name="图片 41"/>
+          <p:cNvPicPr>
+            <a:picLocks noChangeAspect="1"/>
+          </p:cNvPicPr>
+          <p:nvPr/>
+        </p:nvPicPr>
+        <p:blipFill>
+          <a:blip r:embed="rId2">
+            <a:extLst>
+              <a:ext uri="{28A0092B-C50C-407E-A947-70E740481C1C}">
+                <a14:useLocalDpi xmlns:a14="http://schemas.microsoft.com/office/drawing/2010/main" xmlns="" val="0"/>
+              </a:ext>
+            </a:extLst>
+          </a:blip>
+          <a:stretch>
+            <a:fillRect/>
+          </a:stretch>
+        </p:blipFill>
+        <p:spPr>
+          <a:xfrm>
+            <a:off x="166789" y="5937211"/>
+            <a:ext cx="1002146" cy="1002146"/>
+          </a:xfrm>
+          <a:prstGeom prst="rect">
+            <a:avLst/>
+          </a:prstGeom>
+        </p:spPr>
+      </p:pic>
+      <p:pic>
+        <p:nvPicPr>
+          <p:cNvPr id="43" name="图片 42"/>
+          <p:cNvPicPr>
+            <a:picLocks noChangeAspect="1"/>
+          </p:cNvPicPr>
+          <p:nvPr/>
+        </p:nvPicPr>
+        <p:blipFill>
+          <a:blip r:embed="rId2">
+            <a:extLst>
+              <a:ext uri="{28A0092B-C50C-407E-A947-70E740481C1C}">
+                <a14:useLocalDpi xmlns:a14="http://schemas.microsoft.com/office/drawing/2010/main" xmlns="" val="0"/>
+              </a:ext>
+            </a:extLst>
+          </a:blip>
+          <a:stretch>
+            <a:fillRect/>
+          </a:stretch>
+        </p:blipFill>
+        <p:spPr>
+          <a:xfrm>
+            <a:off x="166789" y="4935065"/>
+            <a:ext cx="1002146" cy="1002146"/>
+          </a:xfrm>
+          <a:prstGeom prst="rect">
+            <a:avLst/>
+          </a:prstGeom>
+        </p:spPr>
+      </p:pic>
+      <p:pic>
+        <p:nvPicPr>
+          <p:cNvPr id="44" name="图片 43"/>
+          <p:cNvPicPr>
+            <a:picLocks noChangeAspect="1"/>
+          </p:cNvPicPr>
+          <p:nvPr/>
+        </p:nvPicPr>
+        <p:blipFill>
+          <a:blip r:embed="rId2">
+            <a:extLst>
+              <a:ext uri="{28A0092B-C50C-407E-A947-70E740481C1C}">
+                <a14:useLocalDpi xmlns:a14="http://schemas.microsoft.com/office/drawing/2010/main" xmlns="" val="0"/>
+              </a:ext>
+            </a:extLst>
+          </a:blip>
+          <a:stretch>
+            <a:fillRect/>
+          </a:stretch>
+        </p:blipFill>
+        <p:spPr>
+          <a:xfrm>
+            <a:off x="7111478" y="1714137"/>
+            <a:ext cx="1002146" cy="1002146"/>
+          </a:xfrm>
+          <a:prstGeom prst="rect">
+            <a:avLst/>
+          </a:prstGeom>
+        </p:spPr>
+      </p:pic>
+      <p:pic>
+        <p:nvPicPr>
+          <p:cNvPr id="45" name="图片 44"/>
+          <p:cNvPicPr>
+            <a:picLocks noChangeAspect="1"/>
+          </p:cNvPicPr>
+          <p:nvPr/>
+        </p:nvPicPr>
+        <p:blipFill>
+          <a:blip r:embed="rId2">
+            <a:extLst>
+              <a:ext uri="{28A0092B-C50C-407E-A947-70E740481C1C}">
+                <a14:useLocalDpi xmlns:a14="http://schemas.microsoft.com/office/drawing/2010/main" xmlns="" val="0"/>
+              </a:ext>
+            </a:extLst>
+          </a:blip>
+          <a:stretch>
+            <a:fillRect/>
+          </a:stretch>
+        </p:blipFill>
+        <p:spPr>
+          <a:xfrm>
+            <a:off x="8110250" y="1721346"/>
+            <a:ext cx="1002146" cy="1002146"/>
+          </a:xfrm>
+          <a:prstGeom prst="rect">
+            <a:avLst/>
+          </a:prstGeom>
+        </p:spPr>
+      </p:pic>
+      <p:pic>
+        <p:nvPicPr>
+          <p:cNvPr id="46" name="图片 45"/>
+          <p:cNvPicPr>
+            <a:picLocks noChangeAspect="1"/>
+          </p:cNvPicPr>
+          <p:nvPr/>
+        </p:nvPicPr>
+        <p:blipFill>
+          <a:blip r:embed="rId2">
+            <a:extLst>
+              <a:ext uri="{28A0092B-C50C-407E-A947-70E740481C1C}">
+                <a14:useLocalDpi xmlns:a14="http://schemas.microsoft.com/office/drawing/2010/main" xmlns="" val="0"/>
+              </a:ext>
+            </a:extLst>
+          </a:blip>
+          <a:stretch>
+            <a:fillRect/>
+          </a:stretch>
+        </p:blipFill>
+        <p:spPr>
+          <a:xfrm>
+            <a:off x="9105648" y="1745374"/>
+            <a:ext cx="1002146" cy="1002146"/>
+          </a:xfrm>
+          <a:prstGeom prst="rect">
+            <a:avLst/>
+          </a:prstGeom>
+        </p:spPr>
+      </p:pic>
+      <p:pic>
+        <p:nvPicPr>
+          <p:cNvPr id="47" name="图片 46"/>
+          <p:cNvPicPr>
+            <a:picLocks noChangeAspect="1"/>
+          </p:cNvPicPr>
+          <p:nvPr/>
+        </p:nvPicPr>
+        <p:blipFill>
+          <a:blip r:embed="rId2">
+            <a:extLst>
+              <a:ext uri="{28A0092B-C50C-407E-A947-70E740481C1C}">
+                <a14:useLocalDpi xmlns:a14="http://schemas.microsoft.com/office/drawing/2010/main" xmlns="" val="0"/>
+              </a:ext>
+            </a:extLst>
+          </a:blip>
+          <a:stretch>
+            <a:fillRect/>
+          </a:stretch>
+        </p:blipFill>
+        <p:spPr>
+          <a:xfrm>
+            <a:off x="10111168" y="1745374"/>
+            <a:ext cx="1002146" cy="1002146"/>
+          </a:xfrm>
+          <a:prstGeom prst="rect">
+            <a:avLst/>
+          </a:prstGeom>
+        </p:spPr>
+      </p:pic>
+      <p:pic>
+        <p:nvPicPr>
+          <p:cNvPr id="48" name="图片 47"/>
+          <p:cNvPicPr>
+            <a:picLocks noChangeAspect="1"/>
+          </p:cNvPicPr>
+          <p:nvPr/>
+        </p:nvPicPr>
+        <p:blipFill>
+          <a:blip r:embed="rId2">
+            <a:extLst>
+              <a:ext uri="{28A0092B-C50C-407E-A947-70E740481C1C}">
+                <a14:useLocalDpi xmlns:a14="http://schemas.microsoft.com/office/drawing/2010/main" xmlns="" val="0"/>
+              </a:ext>
+            </a:extLst>
+          </a:blip>
+          <a:stretch>
+            <a:fillRect/>
+          </a:stretch>
+        </p:blipFill>
+        <p:spPr>
+          <a:xfrm>
+            <a:off x="11116688" y="1745374"/>
+            <a:ext cx="1002146" cy="1002146"/>
+          </a:xfrm>
+          <a:prstGeom prst="rect">
+            <a:avLst/>
+          </a:prstGeom>
+        </p:spPr>
+      </p:pic>
+      <p:pic>
+        <p:nvPicPr>
+          <p:cNvPr id="49" name="图片 48"/>
+          <p:cNvPicPr>
+            <a:picLocks noChangeAspect="1"/>
+          </p:cNvPicPr>
+          <p:nvPr/>
+        </p:nvPicPr>
+        <p:blipFill>
+          <a:blip r:embed="rId2">
+            <a:extLst>
+              <a:ext uri="{28A0092B-C50C-407E-A947-70E740481C1C}">
+                <a14:useLocalDpi xmlns:a14="http://schemas.microsoft.com/office/drawing/2010/main" xmlns="" val="0"/>
+              </a:ext>
+            </a:extLst>
+          </a:blip>
+          <a:stretch>
+            <a:fillRect/>
+          </a:stretch>
+        </p:blipFill>
+        <p:spPr>
+          <a:xfrm>
+            <a:off x="166789" y="2546491"/>
+            <a:ext cx="1002146" cy="1002146"/>
+          </a:xfrm>
+          <a:prstGeom prst="rect">
+            <a:avLst/>
+          </a:prstGeom>
+        </p:spPr>
+      </p:pic>
+      <p:pic>
+        <p:nvPicPr>
+          <p:cNvPr id="50" name="图片 49"/>
+          <p:cNvPicPr>
+            <a:picLocks noChangeAspect="1"/>
+          </p:cNvPicPr>
+          <p:nvPr/>
+        </p:nvPicPr>
+        <p:blipFill>
+          <a:blip r:embed="rId2">
+            <a:extLst>
+              <a:ext uri="{28A0092B-C50C-407E-A947-70E740481C1C}">
+                <a14:useLocalDpi xmlns:a14="http://schemas.microsoft.com/office/drawing/2010/main" xmlns="" val="0"/>
+              </a:ext>
+            </a:extLst>
+          </a:blip>
+          <a:stretch>
+            <a:fillRect/>
+          </a:stretch>
+        </p:blipFill>
+        <p:spPr>
+          <a:xfrm>
+            <a:off x="1168935" y="2546491"/>
+            <a:ext cx="1002146" cy="1002146"/>
+          </a:xfrm>
+          <a:prstGeom prst="rect">
+            <a:avLst/>
+          </a:prstGeom>
+        </p:spPr>
+      </p:pic>
+      <p:pic>
+        <p:nvPicPr>
+          <p:cNvPr id="51" name="图片 50"/>
+          <p:cNvPicPr>
+            <a:picLocks noChangeAspect="1"/>
+          </p:cNvPicPr>
+          <p:nvPr/>
+        </p:nvPicPr>
+        <p:blipFill>
+          <a:blip r:embed="rId2">
+            <a:extLst>
+              <a:ext uri="{28A0092B-C50C-407E-A947-70E740481C1C}">
+                <a14:useLocalDpi xmlns:a14="http://schemas.microsoft.com/office/drawing/2010/main" xmlns="" val="0"/>
+              </a:ext>
+            </a:extLst>
+          </a:blip>
+          <a:stretch>
+            <a:fillRect/>
+          </a:stretch>
+        </p:blipFill>
+        <p:spPr>
+          <a:xfrm>
+            <a:off x="2171081" y="2546491"/>
+            <a:ext cx="1002146" cy="1002146"/>
+          </a:xfrm>
+          <a:prstGeom prst="rect">
+            <a:avLst/>
+          </a:prstGeom>
+        </p:spPr>
+      </p:pic>
+      <p:pic>
+        <p:nvPicPr>
+          <p:cNvPr id="52" name="图片 51"/>
+          <p:cNvPicPr>
+            <a:picLocks noChangeAspect="1"/>
+          </p:cNvPicPr>
+          <p:nvPr/>
+        </p:nvPicPr>
+        <p:blipFill>
+          <a:blip r:embed="rId2">
+            <a:extLst>
+              <a:ext uri="{28A0092B-C50C-407E-A947-70E740481C1C}">
+                <a14:useLocalDpi xmlns:a14="http://schemas.microsoft.com/office/drawing/2010/main" xmlns="" val="0"/>
+              </a:ext>
+            </a:extLst>
+          </a:blip>
+          <a:stretch>
+            <a:fillRect/>
+          </a:stretch>
+        </p:blipFill>
+        <p:spPr>
+          <a:xfrm>
+            <a:off x="3173227" y="2570519"/>
+            <a:ext cx="1002146" cy="1002146"/>
+          </a:xfrm>
+          <a:prstGeom prst="rect">
+            <a:avLst/>
+          </a:prstGeom>
+        </p:spPr>
+      </p:pic>
+      <p:pic>
+        <p:nvPicPr>
+          <p:cNvPr id="53" name="图片 52"/>
+          <p:cNvPicPr>
+            <a:picLocks noChangeAspect="1"/>
+          </p:cNvPicPr>
+          <p:nvPr/>
+        </p:nvPicPr>
+        <p:blipFill>
+          <a:blip r:embed="rId2">
+            <a:extLst>
+              <a:ext uri="{28A0092B-C50C-407E-A947-70E740481C1C}">
+                <a14:useLocalDpi xmlns:a14="http://schemas.microsoft.com/office/drawing/2010/main" xmlns="" val="0"/>
+              </a:ext>
+            </a:extLst>
+          </a:blip>
+          <a:stretch>
+            <a:fillRect/>
+          </a:stretch>
+        </p:blipFill>
+        <p:spPr>
+          <a:xfrm>
+            <a:off x="4175373" y="2546491"/>
+            <a:ext cx="1002146" cy="1002146"/>
+          </a:xfrm>
+          <a:prstGeom prst="rect">
+            <a:avLst/>
+          </a:prstGeom>
+        </p:spPr>
+      </p:pic>
+      <p:pic>
+        <p:nvPicPr>
+          <p:cNvPr id="54" name="图片 53"/>
+          <p:cNvPicPr>
+            <a:picLocks noChangeAspect="1"/>
+          </p:cNvPicPr>
+          <p:nvPr/>
+        </p:nvPicPr>
+        <p:blipFill>
+          <a:blip r:embed="rId2">
+            <a:extLst>
+              <a:ext uri="{28A0092B-C50C-407E-A947-70E740481C1C}">
+                <a14:useLocalDpi xmlns:a14="http://schemas.microsoft.com/office/drawing/2010/main" xmlns="" val="0"/>
+              </a:ext>
+            </a:extLst>
+          </a:blip>
+          <a:stretch>
+            <a:fillRect/>
+          </a:stretch>
+        </p:blipFill>
+        <p:spPr>
+          <a:xfrm>
+            <a:off x="10184875" y="5406510"/>
+            <a:ext cx="1002146" cy="1002146"/>
+          </a:xfrm>
+          <a:prstGeom prst="rect">
+            <a:avLst/>
+          </a:prstGeom>
+        </p:spPr>
+      </p:pic>
+      <p:pic>
+        <p:nvPicPr>
+          <p:cNvPr id="55" name="图片 54"/>
+          <p:cNvPicPr>
+            <a:picLocks noChangeAspect="1"/>
+          </p:cNvPicPr>
+          <p:nvPr/>
+        </p:nvPicPr>
+        <p:blipFill>
+          <a:blip r:embed="rId2">
+            <a:extLst>
+              <a:ext uri="{28A0092B-C50C-407E-A947-70E740481C1C}">
+                <a14:useLocalDpi xmlns:a14="http://schemas.microsoft.com/office/drawing/2010/main" xmlns="" val="0"/>
+              </a:ext>
+            </a:extLst>
+          </a:blip>
+          <a:stretch>
+            <a:fillRect/>
+          </a:stretch>
+        </p:blipFill>
+        <p:spPr>
+          <a:xfrm>
+            <a:off x="10178127" y="4433992"/>
+            <a:ext cx="1002146" cy="1002146"/>
+          </a:xfrm>
+          <a:prstGeom prst="rect">
+            <a:avLst/>
+          </a:prstGeom>
+        </p:spPr>
+      </p:pic>
+      <p:pic>
+        <p:nvPicPr>
+          <p:cNvPr id="56" name="图片 55"/>
+          <p:cNvPicPr>
+            <a:picLocks noChangeAspect="1"/>
+          </p:cNvPicPr>
+          <p:nvPr/>
+        </p:nvPicPr>
+        <p:blipFill>
+          <a:blip r:embed="rId2">
+            <a:extLst>
+              <a:ext uri="{28A0092B-C50C-407E-A947-70E740481C1C}">
+                <a14:useLocalDpi xmlns:a14="http://schemas.microsoft.com/office/drawing/2010/main" xmlns="" val="0"/>
+              </a:ext>
+            </a:extLst>
+          </a:blip>
+          <a:stretch>
+            <a:fillRect/>
+          </a:stretch>
+        </p:blipFill>
+        <p:spPr>
+          <a:xfrm>
+            <a:off x="7181811" y="2546491"/>
+            <a:ext cx="1002146" cy="1002146"/>
+          </a:xfrm>
+          <a:prstGeom prst="rect">
+            <a:avLst/>
+          </a:prstGeom>
+        </p:spPr>
+      </p:pic>
+      <p:pic>
+        <p:nvPicPr>
+          <p:cNvPr id="57" name="图片 56"/>
+          <p:cNvPicPr>
+            <a:picLocks noChangeAspect="1"/>
+          </p:cNvPicPr>
+          <p:nvPr/>
+        </p:nvPicPr>
+        <p:blipFill>
+          <a:blip r:embed="rId2">
+            <a:extLst>
+              <a:ext uri="{28A0092B-C50C-407E-A947-70E740481C1C}">
+                <a14:useLocalDpi xmlns:a14="http://schemas.microsoft.com/office/drawing/2010/main" xmlns="" val="0"/>
+              </a:ext>
+            </a:extLst>
+          </a:blip>
+          <a:stretch>
+            <a:fillRect/>
+          </a:stretch>
+        </p:blipFill>
+        <p:spPr>
+          <a:xfrm>
+            <a:off x="8180583" y="2553700"/>
+            <a:ext cx="1002146" cy="1002146"/>
+          </a:xfrm>
+          <a:prstGeom prst="rect">
+            <a:avLst/>
+          </a:prstGeom>
+        </p:spPr>
+      </p:pic>
+      <p:pic>
+        <p:nvPicPr>
+          <p:cNvPr id="58" name="图片 57"/>
+          <p:cNvPicPr>
+            <a:picLocks noChangeAspect="1"/>
+          </p:cNvPicPr>
+          <p:nvPr/>
+        </p:nvPicPr>
+        <p:blipFill>
+          <a:blip r:embed="rId2">
+            <a:extLst>
+              <a:ext uri="{28A0092B-C50C-407E-A947-70E740481C1C}">
+                <a14:useLocalDpi xmlns:a14="http://schemas.microsoft.com/office/drawing/2010/main" xmlns="" val="0"/>
+              </a:ext>
+            </a:extLst>
+          </a:blip>
+          <a:stretch>
+            <a:fillRect/>
+          </a:stretch>
+        </p:blipFill>
+        <p:spPr>
+          <a:xfrm>
+            <a:off x="9175981" y="2577728"/>
+            <a:ext cx="1002146" cy="1002146"/>
+          </a:xfrm>
+          <a:prstGeom prst="rect">
+            <a:avLst/>
+          </a:prstGeom>
+        </p:spPr>
+      </p:pic>
+      <p:pic>
+        <p:nvPicPr>
+          <p:cNvPr id="59" name="图片 58"/>
+          <p:cNvPicPr>
+            <a:picLocks noChangeAspect="1"/>
+          </p:cNvPicPr>
+          <p:nvPr/>
+        </p:nvPicPr>
+        <p:blipFill>
+          <a:blip r:embed="rId2">
+            <a:extLst>
+              <a:ext uri="{28A0092B-C50C-407E-A947-70E740481C1C}">
+                <a14:useLocalDpi xmlns:a14="http://schemas.microsoft.com/office/drawing/2010/main" xmlns="" val="0"/>
+              </a:ext>
+            </a:extLst>
+          </a:blip>
+          <a:stretch>
+            <a:fillRect/>
+          </a:stretch>
+        </p:blipFill>
+        <p:spPr>
+          <a:xfrm>
+            <a:off x="10181501" y="2577728"/>
+            <a:ext cx="1002146" cy="1002146"/>
+          </a:xfrm>
+          <a:prstGeom prst="rect">
+            <a:avLst/>
+          </a:prstGeom>
+        </p:spPr>
+      </p:pic>
+      <p:pic>
+        <p:nvPicPr>
+          <p:cNvPr id="60" name="图片 59"/>
+          <p:cNvPicPr>
+            <a:picLocks noChangeAspect="1"/>
+          </p:cNvPicPr>
+          <p:nvPr/>
+        </p:nvPicPr>
+        <p:blipFill>
+          <a:blip r:embed="rId2">
+            <a:extLst>
+              <a:ext uri="{28A0092B-C50C-407E-A947-70E740481C1C}">
+                <a14:useLocalDpi xmlns:a14="http://schemas.microsoft.com/office/drawing/2010/main" xmlns="" val="0"/>
+              </a:ext>
+            </a:extLst>
+          </a:blip>
+          <a:stretch>
+            <a:fillRect/>
+          </a:stretch>
+        </p:blipFill>
+        <p:spPr>
+          <a:xfrm>
+            <a:off x="11187021" y="2577728"/>
+            <a:ext cx="1002146" cy="1002146"/>
+          </a:xfrm>
+          <a:prstGeom prst="rect">
+            <a:avLst/>
+          </a:prstGeom>
+        </p:spPr>
+      </p:pic>
+      <p:pic>
+        <p:nvPicPr>
+          <p:cNvPr id="61" name="图片 60"/>
+          <p:cNvPicPr>
+            <a:picLocks noChangeAspect="1"/>
+          </p:cNvPicPr>
+          <p:nvPr/>
+        </p:nvPicPr>
+        <p:blipFill>
+          <a:blip r:embed="rId2">
+            <a:extLst>
+              <a:ext uri="{28A0092B-C50C-407E-A947-70E740481C1C}">
+                <a14:useLocalDpi xmlns:a14="http://schemas.microsoft.com/office/drawing/2010/main" xmlns="" val="0"/>
+              </a:ext>
+            </a:extLst>
+          </a:blip>
+          <a:stretch>
+            <a:fillRect/>
+          </a:stretch>
+        </p:blipFill>
+        <p:spPr>
+          <a:xfrm>
+            <a:off x="166789" y="3370981"/>
+            <a:ext cx="1002146" cy="1002146"/>
+          </a:xfrm>
+          <a:prstGeom prst="rect">
+            <a:avLst/>
+          </a:prstGeom>
+        </p:spPr>
+      </p:pic>
+      <p:pic>
+        <p:nvPicPr>
+          <p:cNvPr id="62" name="图片 61"/>
+          <p:cNvPicPr>
+            <a:picLocks noChangeAspect="1"/>
+          </p:cNvPicPr>
+          <p:nvPr/>
+        </p:nvPicPr>
+        <p:blipFill>
+          <a:blip r:embed="rId2">
+            <a:extLst>
+              <a:ext uri="{28A0092B-C50C-407E-A947-70E740481C1C}">
+                <a14:useLocalDpi xmlns:a14="http://schemas.microsoft.com/office/drawing/2010/main" xmlns="" val="0"/>
+              </a:ext>
+            </a:extLst>
+          </a:blip>
+          <a:stretch>
+            <a:fillRect/>
+          </a:stretch>
+        </p:blipFill>
+        <p:spPr>
+          <a:xfrm>
+            <a:off x="1168935" y="3370981"/>
+            <a:ext cx="1002146" cy="1002146"/>
+          </a:xfrm>
+          <a:prstGeom prst="rect">
+            <a:avLst/>
+          </a:prstGeom>
+        </p:spPr>
+      </p:pic>
+      <p:pic>
+        <p:nvPicPr>
+          <p:cNvPr id="63" name="图片 62"/>
+          <p:cNvPicPr>
+            <a:picLocks noChangeAspect="1"/>
+          </p:cNvPicPr>
+          <p:nvPr/>
+        </p:nvPicPr>
+        <p:blipFill>
+          <a:blip r:embed="rId2">
+            <a:extLst>
+              <a:ext uri="{28A0092B-C50C-407E-A947-70E740481C1C}">
+                <a14:useLocalDpi xmlns:a14="http://schemas.microsoft.com/office/drawing/2010/main" xmlns="" val="0"/>
+              </a:ext>
+            </a:extLst>
+          </a:blip>
+          <a:stretch>
+            <a:fillRect/>
+          </a:stretch>
+        </p:blipFill>
+        <p:spPr>
+          <a:xfrm>
+            <a:off x="2171081" y="3370981"/>
+            <a:ext cx="1002146" cy="1002146"/>
+          </a:xfrm>
+          <a:prstGeom prst="rect">
+            <a:avLst/>
+          </a:prstGeom>
+        </p:spPr>
+      </p:pic>
+      <p:pic>
+        <p:nvPicPr>
+          <p:cNvPr id="64" name="图片 63"/>
+          <p:cNvPicPr>
+            <a:picLocks noChangeAspect="1"/>
+          </p:cNvPicPr>
+          <p:nvPr/>
+        </p:nvPicPr>
+        <p:blipFill>
+          <a:blip r:embed="rId2">
+            <a:extLst>
+              <a:ext uri="{28A0092B-C50C-407E-A947-70E740481C1C}">
+                <a14:useLocalDpi xmlns:a14="http://schemas.microsoft.com/office/drawing/2010/main" xmlns="" val="0"/>
+              </a:ext>
+            </a:extLst>
+          </a:blip>
+          <a:stretch>
+            <a:fillRect/>
+          </a:stretch>
+        </p:blipFill>
+        <p:spPr>
+          <a:xfrm>
+            <a:off x="3173227" y="3395009"/>
+            <a:ext cx="1002146" cy="1002146"/>
+          </a:xfrm>
+          <a:prstGeom prst="rect">
+            <a:avLst/>
+          </a:prstGeom>
+        </p:spPr>
+      </p:pic>
+      <p:pic>
+        <p:nvPicPr>
+          <p:cNvPr id="65" name="图片 64"/>
+          <p:cNvPicPr>
+            <a:picLocks noChangeAspect="1"/>
+          </p:cNvPicPr>
+          <p:nvPr/>
+        </p:nvPicPr>
+        <p:blipFill>
+          <a:blip r:embed="rId2">
+            <a:extLst>
+              <a:ext uri="{28A0092B-C50C-407E-A947-70E740481C1C}">
+                <a14:useLocalDpi xmlns:a14="http://schemas.microsoft.com/office/drawing/2010/main" xmlns="" val="0"/>
+              </a:ext>
+            </a:extLst>
+          </a:blip>
+          <a:stretch>
+            <a:fillRect/>
+          </a:stretch>
+        </p:blipFill>
+        <p:spPr>
+          <a:xfrm>
+            <a:off x="4175373" y="3370981"/>
+            <a:ext cx="1002146" cy="1002146"/>
+          </a:xfrm>
+          <a:prstGeom prst="rect">
+            <a:avLst/>
+          </a:prstGeom>
+        </p:spPr>
+      </p:pic>
+      <p:pic>
+        <p:nvPicPr>
+          <p:cNvPr id="66" name="图片 65"/>
+          <p:cNvPicPr>
+            <a:picLocks noChangeAspect="1"/>
+          </p:cNvPicPr>
+          <p:nvPr/>
+        </p:nvPicPr>
+        <p:blipFill>
+          <a:blip r:embed="rId2">
+            <a:extLst>
+              <a:ext uri="{28A0092B-C50C-407E-A947-70E740481C1C}">
+                <a14:useLocalDpi xmlns:a14="http://schemas.microsoft.com/office/drawing/2010/main" xmlns="" val="0"/>
+              </a:ext>
+            </a:extLst>
+          </a:blip>
+          <a:stretch>
+            <a:fillRect/>
+          </a:stretch>
+        </p:blipFill>
+        <p:spPr>
+          <a:xfrm>
+            <a:off x="11116688" y="5399301"/>
+            <a:ext cx="1002146" cy="1002146"/>
+          </a:xfrm>
+          <a:prstGeom prst="rect">
+            <a:avLst/>
+          </a:prstGeom>
+        </p:spPr>
+      </p:pic>
+      <p:pic>
+        <p:nvPicPr>
+          <p:cNvPr id="67" name="图片 66"/>
+          <p:cNvPicPr>
+            <a:picLocks noChangeAspect="1"/>
+          </p:cNvPicPr>
+          <p:nvPr/>
+        </p:nvPicPr>
+        <p:blipFill>
+          <a:blip r:embed="rId2">
+            <a:extLst>
+              <a:ext uri="{28A0092B-C50C-407E-A947-70E740481C1C}">
+                <a14:useLocalDpi xmlns:a14="http://schemas.microsoft.com/office/drawing/2010/main" xmlns="" val="0"/>
+              </a:ext>
+            </a:extLst>
+          </a:blip>
+          <a:stretch>
+            <a:fillRect/>
+          </a:stretch>
+        </p:blipFill>
+        <p:spPr>
+          <a:xfrm>
+            <a:off x="11116688" y="4397155"/>
+            <a:ext cx="1002146" cy="1002146"/>
+          </a:xfrm>
+          <a:prstGeom prst="rect">
+            <a:avLst/>
+          </a:prstGeom>
+        </p:spPr>
+      </p:pic>
+      <p:pic>
+        <p:nvPicPr>
+          <p:cNvPr id="68" name="图片 67"/>
+          <p:cNvPicPr>
+            <a:picLocks noChangeAspect="1"/>
+          </p:cNvPicPr>
+          <p:nvPr/>
+        </p:nvPicPr>
+        <p:blipFill>
+          <a:blip r:embed="rId2">
+            <a:extLst>
+              <a:ext uri="{28A0092B-C50C-407E-A947-70E740481C1C}">
+                <a14:useLocalDpi xmlns:a14="http://schemas.microsoft.com/office/drawing/2010/main" xmlns="" val="0"/>
+              </a:ext>
+            </a:extLst>
+          </a:blip>
+          <a:stretch>
+            <a:fillRect/>
+          </a:stretch>
+        </p:blipFill>
+        <p:spPr>
+          <a:xfrm>
+            <a:off x="7181811" y="3370981"/>
+            <a:ext cx="1002146" cy="1002146"/>
+          </a:xfrm>
+          <a:prstGeom prst="rect">
+            <a:avLst/>
+          </a:prstGeom>
+        </p:spPr>
+      </p:pic>
+      <p:pic>
+        <p:nvPicPr>
+          <p:cNvPr id="69" name="图片 68"/>
+          <p:cNvPicPr>
+            <a:picLocks noChangeAspect="1"/>
+          </p:cNvPicPr>
+          <p:nvPr/>
+        </p:nvPicPr>
+        <p:blipFill>
+          <a:blip r:embed="rId2">
+            <a:extLst>
+              <a:ext uri="{28A0092B-C50C-407E-A947-70E740481C1C}">
+                <a14:useLocalDpi xmlns:a14="http://schemas.microsoft.com/office/drawing/2010/main" xmlns="" val="0"/>
+              </a:ext>
+            </a:extLst>
+          </a:blip>
+          <a:stretch>
+            <a:fillRect/>
+          </a:stretch>
+        </p:blipFill>
+        <p:spPr>
+          <a:xfrm>
+            <a:off x="8180583" y="3378190"/>
+            <a:ext cx="1002146" cy="1002146"/>
+          </a:xfrm>
+          <a:prstGeom prst="rect">
+            <a:avLst/>
+          </a:prstGeom>
+        </p:spPr>
+      </p:pic>
+      <p:pic>
+        <p:nvPicPr>
+          <p:cNvPr id="70" name="图片 69"/>
+          <p:cNvPicPr>
+            <a:picLocks noChangeAspect="1"/>
+          </p:cNvPicPr>
+          <p:nvPr/>
+        </p:nvPicPr>
+        <p:blipFill>
+          <a:blip r:embed="rId2">
+            <a:extLst>
+              <a:ext uri="{28A0092B-C50C-407E-A947-70E740481C1C}">
+                <a14:useLocalDpi xmlns:a14="http://schemas.microsoft.com/office/drawing/2010/main" xmlns="" val="0"/>
+              </a:ext>
+            </a:extLst>
+          </a:blip>
+          <a:stretch>
+            <a:fillRect/>
+          </a:stretch>
+        </p:blipFill>
+        <p:spPr>
+          <a:xfrm>
+            <a:off x="9175981" y="3402218"/>
+            <a:ext cx="1002146" cy="1002146"/>
+          </a:xfrm>
+          <a:prstGeom prst="rect">
+            <a:avLst/>
+          </a:prstGeom>
+        </p:spPr>
+      </p:pic>
+      <p:pic>
+        <p:nvPicPr>
+          <p:cNvPr id="71" name="图片 70"/>
+          <p:cNvPicPr>
+            <a:picLocks noChangeAspect="1"/>
+          </p:cNvPicPr>
+          <p:nvPr/>
+        </p:nvPicPr>
+        <p:blipFill>
+          <a:blip r:embed="rId2">
+            <a:extLst>
+              <a:ext uri="{28A0092B-C50C-407E-A947-70E740481C1C}">
+                <a14:useLocalDpi xmlns:a14="http://schemas.microsoft.com/office/drawing/2010/main" xmlns="" val="0"/>
+              </a:ext>
+            </a:extLst>
+          </a:blip>
+          <a:stretch>
+            <a:fillRect/>
+          </a:stretch>
+        </p:blipFill>
+        <p:spPr>
+          <a:xfrm>
+            <a:off x="10181501" y="3402218"/>
+            <a:ext cx="1002146" cy="1002146"/>
+          </a:xfrm>
+          <a:prstGeom prst="rect">
+            <a:avLst/>
+          </a:prstGeom>
+        </p:spPr>
+      </p:pic>
+      <p:pic>
+        <p:nvPicPr>
+          <p:cNvPr id="72" name="图片 71"/>
+          <p:cNvPicPr>
+            <a:picLocks noChangeAspect="1"/>
+          </p:cNvPicPr>
+          <p:nvPr/>
+        </p:nvPicPr>
+        <p:blipFill>
+          <a:blip r:embed="rId2">
+            <a:extLst>
+              <a:ext uri="{28A0092B-C50C-407E-A947-70E740481C1C}">
+                <a14:useLocalDpi xmlns:a14="http://schemas.microsoft.com/office/drawing/2010/main" xmlns="" val="0"/>
+              </a:ext>
+            </a:extLst>
+          </a:blip>
+          <a:stretch>
+            <a:fillRect/>
+          </a:stretch>
+        </p:blipFill>
+        <p:spPr>
+          <a:xfrm>
+            <a:off x="11187021" y="3402218"/>
+            <a:ext cx="1002146" cy="1002146"/>
+          </a:xfrm>
+          <a:prstGeom prst="rect">
+            <a:avLst/>
+          </a:prstGeom>
+        </p:spPr>
+      </p:pic>
+    </p:spTree>
+    <p:extLst>
+      <p:ext uri="{BB962C8B-B14F-4D97-AF65-F5344CB8AC3E}">
+        <p14:creationId xmlns:p14="http://schemas.microsoft.com/office/powerpoint/2010/main" xmlns="" val="3237648164"/>
       </p:ext>
     </p:extLst>
   </p:cSld>
@@ -3250,11 +5420,31 @@
             </a:r>
             <a:r>
               <a:rPr lang="zh-CN" altLang="en-US" sz="3200" dirty="0"/>
-              <a:t>当前的我们做出何种选择，得到怎样的结果，总会有另一个你在你不知道的地方做出另外一种选择，所以每种结果都是可达的，从某种意义上来说，或许我们都能</a:t>
+              <a:t>当前的我们做出何种选择，得到怎样的结果，总会有另一个你在你不知道的地方做出另外一种选择，</a:t>
             </a:r>
             <a:r>
               <a:rPr lang="zh-CN" altLang="en-US" sz="3200" dirty="0" smtClean="0"/>
-              <a:t>飞” </a:t>
+              <a:t>所以</a:t>
+            </a:r>
+            <a:r>
+              <a:rPr lang="zh-CN" altLang="en-US" sz="3200" dirty="0" smtClean="0"/>
+              <a:t>从理论上来说，</a:t>
+            </a:r>
+            <a:r>
+              <a:rPr lang="zh-CN" altLang="en-US" sz="3200" dirty="0" smtClean="0"/>
+              <a:t>每</a:t>
+            </a:r>
+            <a:r>
+              <a:rPr lang="zh-CN" altLang="en-US" sz="3200" dirty="0"/>
+              <a:t>种结果都是可达的，从某种意义上来说，或许我们都能</a:t>
+            </a:r>
+            <a:r>
+              <a:rPr lang="zh-CN" altLang="en-US" sz="3200" dirty="0" smtClean="0"/>
+              <a:t>飞</a:t>
+            </a:r>
+            <a:r>
+              <a:rPr lang="zh-CN" altLang="en-US" sz="3200" dirty="0" smtClean="0"/>
+              <a:t>”   </a:t>
             </a:r>
             <a:r>
               <a:rPr lang="en-US" altLang="zh-CN" sz="3200" dirty="0" smtClean="0"/>
@@ -3409,7 +5599,7 @@
           <a:blip r:embed="rId2">
             <a:extLst>
               <a:ext uri="{28A0092B-C50C-407E-A947-70E740481C1C}">
-                <a14:useLocalDpi xmlns:a14="http://schemas.microsoft.com/office/drawing/2010/main" val="0"/>
+                <a14:useLocalDpi xmlns:a14="http://schemas.microsoft.com/office/drawing/2010/main" xmlns="" val="0"/>
               </a:ext>
             </a:extLst>
           </a:blip>
@@ -3460,7 +5650,7 @@
     </p:spTree>
     <p:extLst>
       <p:ext uri="{BB962C8B-B14F-4D97-AF65-F5344CB8AC3E}">
-        <p14:creationId xmlns:p14="http://schemas.microsoft.com/office/powerpoint/2010/main" val="3896966021"/>
+        <p14:creationId xmlns:p14="http://schemas.microsoft.com/office/powerpoint/2010/main" xmlns="" val="3896966021"/>
       </p:ext>
     </p:extLst>
   </p:cSld>
@@ -3506,7 +5696,7 @@
           <a:blip r:embed="rId2">
             <a:extLst>
               <a:ext uri="{28A0092B-C50C-407E-A947-70E740481C1C}">
-                <a14:useLocalDpi xmlns:a14="http://schemas.microsoft.com/office/drawing/2010/main" val="0"/>
+                <a14:useLocalDpi xmlns:a14="http://schemas.microsoft.com/office/drawing/2010/main" xmlns="" val="0"/>
               </a:ext>
             </a:extLst>
           </a:blip>
@@ -3598,7 +5788,7 @@
     </p:spTree>
     <p:extLst>
       <p:ext uri="{BB962C8B-B14F-4D97-AF65-F5344CB8AC3E}">
-        <p14:creationId xmlns:p14="http://schemas.microsoft.com/office/powerpoint/2010/main" val="3142238618"/>
+        <p14:creationId xmlns:p14="http://schemas.microsoft.com/office/powerpoint/2010/main" xmlns="" val="3142238618"/>
       </p:ext>
     </p:extLst>
   </p:cSld>
@@ -3829,7 +6019,7 @@
           <a:blip r:embed="rId2">
             <a:extLst>
               <a:ext uri="{28A0092B-C50C-407E-A947-70E740481C1C}">
-                <a14:useLocalDpi xmlns:a14="http://schemas.microsoft.com/office/drawing/2010/main" val="0"/>
+                <a14:useLocalDpi xmlns:a14="http://schemas.microsoft.com/office/drawing/2010/main" xmlns="" val="0"/>
               </a:ext>
             </a:extLst>
           </a:blip>
@@ -3880,7 +6070,7 @@
     </p:spTree>
     <p:extLst>
       <p:ext uri="{BB962C8B-B14F-4D97-AF65-F5344CB8AC3E}">
-        <p14:creationId xmlns:p14="http://schemas.microsoft.com/office/powerpoint/2010/main" val="3919978315"/>
+        <p14:creationId xmlns:p14="http://schemas.microsoft.com/office/powerpoint/2010/main" xmlns="" val="3919978315"/>
       </p:ext>
     </p:extLst>
   </p:cSld>
@@ -3926,8 +6116,8 @@
         </p:nvSpPr>
         <p:spPr>
           <a:xfrm>
-            <a:off x="178777" y="154110"/>
-            <a:ext cx="10515600" cy="1325563"/>
+            <a:off x="178777" y="412956"/>
+            <a:ext cx="10515600" cy="1858296"/>
           </a:xfrm>
         </p:spPr>
         <p:txBody>
@@ -3937,26 +6127,53 @@
           <a:lstStyle/>
           <a:p>
             <a:r>
-              <a:rPr lang="zh-CN" altLang="en-US" sz="8000" dirty="0">
+              <a:rPr lang="zh-CN" altLang="en-US" sz="7300" dirty="0">
                 <a:latin typeface="华文楷体" panose="02010600040101010101" pitchFamily="2" charset="-122"/>
                 <a:ea typeface="华文楷体" panose="02010600040101010101" pitchFamily="2" charset="-122"/>
               </a:rPr>
               <a:t>如何做出选择</a:t>
             </a:r>
             <a:r>
-              <a:rPr lang="en-US" altLang="zh-CN" sz="8000" dirty="0">
+              <a:rPr lang="en-US" altLang="zh-CN" sz="7300" dirty="0">
                 <a:latin typeface="华文楷体" panose="02010600040101010101" pitchFamily="2" charset="-122"/>
                 <a:ea typeface="华文楷体" panose="02010600040101010101" pitchFamily="2" charset="-122"/>
               </a:rPr>
               <a:t> </a:t>
             </a:r>
             <a:r>
-              <a:rPr lang="zh-CN" altLang="en-US" sz="8000" dirty="0">
+              <a:rPr lang="zh-CN" altLang="en-US" sz="7300" dirty="0" smtClean="0">
                 <a:latin typeface="华文楷体" panose="02010600040101010101" pitchFamily="2" charset="-122"/>
                 <a:ea typeface="华文楷体" panose="02010600040101010101" pitchFamily="2" charset="-122"/>
               </a:rPr>
               <a:t>？</a:t>
             </a:r>
+            <a:r>
+              <a:rPr lang="en-US" altLang="zh-CN" sz="7300" dirty="0" smtClean="0">
+                <a:latin typeface="华文楷体" panose="02010600040101010101" pitchFamily="2" charset="-122"/>
+                <a:ea typeface="华文楷体" panose="02010600040101010101" pitchFamily="2" charset="-122"/>
+              </a:rPr>
+              <a:t/>
+            </a:r>
+            <a:br>
+              <a:rPr lang="en-US" altLang="zh-CN" sz="7300" dirty="0" smtClean="0">
+                <a:latin typeface="华文楷体" panose="02010600040101010101" pitchFamily="2" charset="-122"/>
+                <a:ea typeface="华文楷体" panose="02010600040101010101" pitchFamily="2" charset="-122"/>
+              </a:rPr>
+            </a:br>
+            <a:r>
+              <a:rPr lang="zh-CN" altLang="en-US" sz="4900" dirty="0" smtClean="0">
+                <a:latin typeface="微软雅黑" pitchFamily="34" charset="-122"/>
+                <a:ea typeface="微软雅黑" pitchFamily="34" charset="-122"/>
+              </a:rPr>
+              <a:t>考虑当下和未来</a:t>
+            </a:r>
+            <a:r>
+              <a:rPr lang="en-US" altLang="zh-CN" dirty="0" smtClean="0"/>
+              <a:t/>
+            </a:r>
+            <a:br>
+              <a:rPr lang="en-US" altLang="zh-CN" dirty="0" smtClean="0"/>
+            </a:br>
             <a:r>
               <a:rPr lang="en-US" altLang="zh-CN" dirty="0">
                 <a:latin typeface="华文楷体" panose="02010600040101010101" pitchFamily="2" charset="-122"/>
@@ -3984,107 +6201,99 @@
             <p:ph idx="1"/>
           </p:nvPr>
         </p:nvSpPr>
-        <p:spPr/>
+        <p:spPr>
+          <a:xfrm>
+            <a:off x="616974" y="1869871"/>
+            <a:ext cx="10515600" cy="4351338"/>
+          </a:xfrm>
+        </p:spPr>
         <p:txBody>
           <a:bodyPr>
             <a:normAutofit/>
           </a:bodyPr>
           <a:lstStyle/>
           <a:p>
-            <a:r>
-              <a:rPr lang="zh-CN" altLang="en-US" sz="3600" dirty="0"/>
-              <a:t>考虑当下和</a:t>
-            </a:r>
+            <a:pPr>
+              <a:buNone/>
+            </a:pPr>
             <a:r>
               <a:rPr lang="zh-CN" altLang="en-US" sz="3600" dirty="0" smtClean="0"/>
-              <a:t>未来</a:t>
+              <a:t> </a:t>
+            </a:r>
+            <a:r>
+              <a:rPr lang="en-US" altLang="zh-CN" sz="3600" dirty="0" smtClean="0"/>
+              <a:t>		</a:t>
+            </a:r>
+            <a:r>
+              <a:rPr lang="zh-CN" altLang="en-US" sz="3600" dirty="0" smtClean="0"/>
+              <a:t>“当</a:t>
+            </a:r>
+            <a:r>
+              <a:rPr lang="zh-CN" altLang="en-US" sz="3600" dirty="0" smtClean="0"/>
+              <a:t>我们面对重大选择的时候，要考虑对现在的影响和对未来的影响，做出价值最高的</a:t>
+            </a:r>
+            <a:r>
+              <a:rPr lang="zh-CN" altLang="en-US" sz="3600" dirty="0" smtClean="0"/>
+              <a:t>选择” </a:t>
             </a:r>
             <a:endParaRPr lang="en-US" altLang="zh-CN" sz="3600" dirty="0" smtClean="0"/>
           </a:p>
           <a:p>
-            <a:r>
-              <a:rPr lang="zh-CN" altLang="en-US" sz="3600" dirty="0"/>
-              <a:t>不能</a:t>
-            </a:r>
-            <a:r>
-              <a:rPr lang="zh-CN" altLang="en-US" sz="3600" dirty="0" smtClean="0"/>
-              <a:t>犹豫不决</a:t>
-            </a:r>
+            <a:pPr>
+              <a:buNone/>
+            </a:pPr>
             <a:endParaRPr lang="en-US" altLang="zh-CN" sz="3600" dirty="0" smtClean="0"/>
           </a:p>
-          <a:p>
-            <a:r>
-              <a:rPr lang="zh-CN" altLang="en-US" sz="3600" dirty="0"/>
-              <a:t>做选择</a:t>
-            </a:r>
-            <a:r>
-              <a:rPr lang="zh-CN" altLang="en-US" sz="3600" dirty="0" smtClean="0"/>
-              <a:t>时</a:t>
-            </a:r>
-            <a:r>
-              <a:rPr lang="en-US" altLang="zh-CN" sz="3600" dirty="0" smtClean="0"/>
-              <a:t>,</a:t>
-            </a:r>
-            <a:r>
-              <a:rPr lang="zh-CN" altLang="en-US" sz="3600" dirty="0" smtClean="0"/>
-              <a:t>要</a:t>
-            </a:r>
-            <a:r>
-              <a:rPr lang="zh-CN" altLang="en-US" sz="3600" dirty="0"/>
-              <a:t>做的第一件事不是向外</a:t>
-            </a:r>
-            <a:r>
-              <a:rPr lang="zh-CN" altLang="en-US" sz="3600" dirty="0" smtClean="0"/>
-              <a:t>看</a:t>
-            </a:r>
-            <a:r>
-              <a:rPr lang="en-US" altLang="zh-CN" sz="3600" dirty="0" smtClean="0"/>
-              <a:t>,</a:t>
-            </a:r>
-            <a:r>
-              <a:rPr lang="zh-CN" altLang="en-US" sz="3600" dirty="0" smtClean="0"/>
-              <a:t>而是</a:t>
-            </a:r>
-            <a:r>
-              <a:rPr lang="zh-CN" altLang="en-US" sz="3600" dirty="0"/>
-              <a:t>向内</a:t>
-            </a:r>
-            <a:r>
-              <a:rPr lang="zh-CN" altLang="en-US" sz="3600" dirty="0" smtClean="0"/>
-              <a:t>看</a:t>
-            </a:r>
-            <a:endParaRPr lang="en-US" altLang="zh-CN" sz="3600" dirty="0" smtClean="0"/>
-          </a:p>
-          <a:p>
-            <a:r>
-              <a:rPr lang="zh-CN" altLang="en-US" sz="3600" dirty="0" smtClean="0"/>
-              <a:t>问自己五个为什么</a:t>
-            </a:r>
-            <a:endParaRPr lang="en-US" altLang="zh-CN" sz="3600" dirty="0" smtClean="0"/>
-          </a:p>
-          <a:p>
-            <a:r>
-              <a:rPr lang="zh-CN" altLang="en-US" sz="3600" dirty="0"/>
-              <a:t>跟随自己的直觉</a:t>
-            </a:r>
-          </a:p>
-        </p:txBody>
-      </p:sp>
-      <p:sp>
-        <p:nvSpPr>
-          <p:cNvPr id="4" name="文本框 3"/>
-          <p:cNvSpPr txBox="1"/>
+        </p:txBody>
+      </p:sp>
+      <p:pic>
+        <p:nvPicPr>
+          <p:cNvPr id="1026" name="Picture 2"/>
+          <p:cNvPicPr>
+            <a:picLocks noChangeAspect="1" noChangeArrowheads="1"/>
+          </p:cNvPicPr>
           <p:nvPr/>
-        </p:nvSpPr>
-        <p:spPr>
-          <a:xfrm>
-            <a:off x="8713177" y="6176963"/>
-            <a:ext cx="3323492" cy="461665"/>
+        </p:nvPicPr>
+        <p:blipFill>
+          <a:blip r:embed="rId2"/>
+          <a:srcRect/>
+          <a:stretch>
+            <a:fillRect/>
+          </a:stretch>
+        </p:blipFill>
+        <p:spPr bwMode="auto">
+          <a:xfrm>
+            <a:off x="1047135" y="3063323"/>
+            <a:ext cx="5589639" cy="3610057"/>
           </a:xfrm>
           <a:prstGeom prst="rect">
             <a:avLst/>
           </a:prstGeom>
           <a:noFill/>
+          <a:ln w="9525">
+            <a:noFill/>
+            <a:miter lim="800000"/>
+            <a:headEnd/>
+            <a:tailEnd/>
+          </a:ln>
+          <a:effectLst/>
+        </p:spPr>
+      </p:pic>
+      <p:sp>
+        <p:nvSpPr>
+          <p:cNvPr id="7" name="TextBox 6"/>
+          <p:cNvSpPr txBox="1"/>
+          <p:nvPr/>
+        </p:nvSpPr>
+        <p:spPr>
+          <a:xfrm>
+            <a:off x="6725263" y="5869858"/>
+            <a:ext cx="4188542" cy="646331"/>
+          </a:xfrm>
+          <a:prstGeom prst="rect">
+            <a:avLst/>
+          </a:prstGeom>
+          <a:noFill/>
         </p:spPr>
         <p:txBody>
           <a:bodyPr wrap="square" rtlCol="0">
@@ -4093,10 +6302,382 @@
           <a:lstStyle/>
           <a:p>
             <a:r>
-              <a:rPr lang="zh-CN" altLang="en-US" sz="2400" dirty="0" smtClean="0"/>
-              <a:t>对不起这一页没有图</a:t>
-            </a:r>
-            <a:endParaRPr lang="zh-CN" altLang="en-US" sz="2400" dirty="0"/>
+              <a:rPr lang="zh-CN" altLang="en-US" sz="3600" dirty="0" smtClean="0"/>
+              <a:t>感谢摄影师</a:t>
+            </a:r>
+            <a:r>
+              <a:rPr lang="en-US" altLang="zh-CN" sz="3600" dirty="0" err="1" smtClean="0"/>
+              <a:t>zzy</a:t>
+            </a:r>
+            <a:endParaRPr lang="zh-CN" altLang="en-US" sz="3600" dirty="0"/>
+          </a:p>
+        </p:txBody>
+      </p:sp>
+    </p:spTree>
+    <p:extLst>
+      <p:ext uri="{BB962C8B-B14F-4D97-AF65-F5344CB8AC3E}">
+        <p14:creationId xmlns:p14="http://schemas.microsoft.com/office/powerpoint/2010/main" xmlns="" val="4223806462"/>
+      </p:ext>
+    </p:extLst>
+  </p:cSld>
+  <p:clrMapOvr>
+    <a:masterClrMapping/>
+  </p:clrMapOvr>
+  <p:timing>
+    <p:tnLst>
+      <p:par>
+        <p:cTn id="1" dur="indefinite" restart="never" nodeType="tmRoot">
+          <p:childTnLst>
+            <p:seq concurrent="1" nextAc="seek">
+              <p:cTn id="2" dur="indefinite" nodeType="mainSeq">
+                <p:childTnLst>
+                  <p:par>
+                    <p:cTn id="3" fill="hold">
+                      <p:stCondLst>
+                        <p:cond delay="indefinite"/>
+                      </p:stCondLst>
+                      <p:childTnLst>
+                        <p:par>
+                          <p:cTn id="4" fill="hold">
+                            <p:stCondLst>
+                              <p:cond delay="0"/>
+                            </p:stCondLst>
+                            <p:childTnLst>
+                              <p:par>
+                                <p:cTn id="5" presetID="3" presetClass="entr" presetSubtype="10" fill="hold" grpId="0" nodeType="clickEffect">
+                                  <p:stCondLst>
+                                    <p:cond delay="0"/>
+                                  </p:stCondLst>
+                                  <p:childTnLst>
+                                    <p:set>
+                                      <p:cBhvr>
+                                        <p:cTn id="6" dur="1" fill="hold">
+                                          <p:stCondLst>
+                                            <p:cond delay="0"/>
+                                          </p:stCondLst>
+                                        </p:cTn>
+                                        <p:tgtEl>
+                                          <p:spTgt spid="3">
+                                            <p:txEl>
+                                              <p:pRg st="0" end="0"/>
+                                            </p:txEl>
+                                          </p:spTgt>
+                                        </p:tgtEl>
+                                        <p:attrNameLst>
+                                          <p:attrName>style.visibility</p:attrName>
+                                        </p:attrNameLst>
+                                      </p:cBhvr>
+                                      <p:to>
+                                        <p:strVal val="visible"/>
+                                      </p:to>
+                                    </p:set>
+                                    <p:animEffect transition="in" filter="blinds(horizontal)">
+                                      <p:cBhvr>
+                                        <p:cTn id="7" dur="500"/>
+                                        <p:tgtEl>
+                                          <p:spTgt spid="3">
+                                            <p:txEl>
+                                              <p:pRg st="0" end="0"/>
+                                            </p:txEl>
+                                          </p:spTgt>
+                                        </p:tgtEl>
+                                      </p:cBhvr>
+                                    </p:animEffect>
+                                  </p:childTnLst>
+                                </p:cTn>
+                              </p:par>
+                              <p:par>
+                                <p:cTn id="8" presetID="3" presetClass="entr" presetSubtype="10" fill="hold" nodeType="withEffect">
+                                  <p:stCondLst>
+                                    <p:cond delay="0"/>
+                                  </p:stCondLst>
+                                  <p:childTnLst>
+                                    <p:set>
+                                      <p:cBhvr>
+                                        <p:cTn id="9" dur="1" fill="hold">
+                                          <p:stCondLst>
+                                            <p:cond delay="0"/>
+                                          </p:stCondLst>
+                                        </p:cTn>
+                                        <p:tgtEl>
+                                          <p:spTgt spid="1026"/>
+                                        </p:tgtEl>
+                                        <p:attrNameLst>
+                                          <p:attrName>style.visibility</p:attrName>
+                                        </p:attrNameLst>
+                                      </p:cBhvr>
+                                      <p:to>
+                                        <p:strVal val="visible"/>
+                                      </p:to>
+                                    </p:set>
+                                    <p:animEffect transition="in" filter="blinds(horizontal)">
+                                      <p:cBhvr>
+                                        <p:cTn id="10" dur="500"/>
+                                        <p:tgtEl>
+                                          <p:spTgt spid="1026"/>
+                                        </p:tgtEl>
+                                      </p:cBhvr>
+                                    </p:animEffect>
+                                  </p:childTnLst>
+                                </p:cTn>
+                              </p:par>
+                              <p:par>
+                                <p:cTn id="11" presetID="3" presetClass="entr" presetSubtype="10" fill="hold" grpId="0" nodeType="withEffect">
+                                  <p:stCondLst>
+                                    <p:cond delay="0"/>
+                                  </p:stCondLst>
+                                  <p:childTnLst>
+                                    <p:set>
+                                      <p:cBhvr>
+                                        <p:cTn id="12" dur="1" fill="hold">
+                                          <p:stCondLst>
+                                            <p:cond delay="0"/>
+                                          </p:stCondLst>
+                                        </p:cTn>
+                                        <p:tgtEl>
+                                          <p:spTgt spid="7"/>
+                                        </p:tgtEl>
+                                        <p:attrNameLst>
+                                          <p:attrName>style.visibility</p:attrName>
+                                        </p:attrNameLst>
+                                      </p:cBhvr>
+                                      <p:to>
+                                        <p:strVal val="visible"/>
+                                      </p:to>
+                                    </p:set>
+                                    <p:animEffect transition="in" filter="blinds(horizontal)">
+                                      <p:cBhvr>
+                                        <p:cTn id="13" dur="500"/>
+                                        <p:tgtEl>
+                                          <p:spTgt spid="7"/>
+                                        </p:tgtEl>
+                                      </p:cBhvr>
+                                    </p:animEffect>
+                                  </p:childTnLst>
+                                </p:cTn>
+                              </p:par>
+                            </p:childTnLst>
+                          </p:cTn>
+                        </p:par>
+                      </p:childTnLst>
+                    </p:cTn>
+                  </p:par>
+                </p:childTnLst>
+              </p:cTn>
+              <p:prevCondLst>
+                <p:cond evt="onPrev" delay="0">
+                  <p:tgtEl>
+                    <p:sldTgt/>
+                  </p:tgtEl>
+                </p:cond>
+              </p:prevCondLst>
+              <p:nextCondLst>
+                <p:cond evt="onNext" delay="0">
+                  <p:tgtEl>
+                    <p:sldTgt/>
+                  </p:tgtEl>
+                </p:cond>
+              </p:nextCondLst>
+            </p:seq>
+          </p:childTnLst>
+        </p:cTn>
+      </p:par>
+    </p:tnLst>
+    <p:bldLst>
+      <p:bldP spid="3" grpId="0" build="p"/>
+      <p:bldP spid="7" grpId="0"/>
+    </p:bldLst>
+  </p:timing>
+</p:sld>
+</file>
+
+<file path=ppt/slides/slide6.xml><?xml version="1.0" encoding="utf-8"?>
+<p:sld xmlns:a="http://schemas.openxmlformats.org/drawingml/2006/main" xmlns:r="http://schemas.openxmlformats.org/officeDocument/2006/relationships" xmlns:p="http://schemas.openxmlformats.org/presentationml/2006/main">
+  <p:cSld>
+    <p:spTree>
+      <p:nvGrpSpPr>
+        <p:cNvPr id="1" name=""/>
+        <p:cNvGrpSpPr/>
+        <p:nvPr/>
+      </p:nvGrpSpPr>
+      <p:grpSpPr>
+        <a:xfrm>
+          <a:off x="0" y="0"/>
+          <a:ext cx="0" cy="0"/>
+          <a:chOff x="0" y="0"/>
+          <a:chExt cx="0" cy="0"/>
+        </a:xfrm>
+      </p:grpSpPr>
+      <p:sp>
+        <p:nvSpPr>
+          <p:cNvPr id="2" name="标题 1"/>
+          <p:cNvSpPr>
+            <a:spLocks noGrp="1"/>
+          </p:cNvSpPr>
+          <p:nvPr>
+            <p:ph type="title"/>
+          </p:nvPr>
+        </p:nvSpPr>
+        <p:spPr>
+          <a:xfrm>
+            <a:off x="265471" y="419581"/>
+            <a:ext cx="10515600" cy="1325563"/>
+          </a:xfrm>
+        </p:spPr>
+        <p:txBody>
+          <a:bodyPr>
+            <a:normAutofit fontScale="90000"/>
+          </a:bodyPr>
+          <a:lstStyle/>
+          <a:p>
+            <a:r>
+              <a:rPr lang="zh-CN" altLang="en-US" sz="7300" dirty="0">
+                <a:latin typeface="华文楷体" panose="02010600040101010101" pitchFamily="2" charset="-122"/>
+                <a:ea typeface="华文楷体" panose="02010600040101010101" pitchFamily="2" charset="-122"/>
+              </a:rPr>
+              <a:t>如何做出选择</a:t>
+            </a:r>
+            <a:r>
+              <a:rPr lang="en-US" altLang="zh-CN" sz="7300" dirty="0">
+                <a:latin typeface="华文楷体" panose="02010600040101010101" pitchFamily="2" charset="-122"/>
+                <a:ea typeface="华文楷体" panose="02010600040101010101" pitchFamily="2" charset="-122"/>
+              </a:rPr>
+              <a:t> </a:t>
+            </a:r>
+            <a:r>
+              <a:rPr lang="zh-CN" altLang="en-US" sz="7300" dirty="0" smtClean="0">
+                <a:latin typeface="华文楷体" panose="02010600040101010101" pitchFamily="2" charset="-122"/>
+                <a:ea typeface="华文楷体" panose="02010600040101010101" pitchFamily="2" charset="-122"/>
+              </a:rPr>
+              <a:t>？</a:t>
+            </a:r>
+            <a:r>
+              <a:rPr lang="en-US" altLang="zh-CN" sz="7300" dirty="0" smtClean="0">
+                <a:latin typeface="华文楷体" panose="02010600040101010101" pitchFamily="2" charset="-122"/>
+                <a:ea typeface="华文楷体" panose="02010600040101010101" pitchFamily="2" charset="-122"/>
+              </a:rPr>
+              <a:t/>
+            </a:r>
+            <a:br>
+              <a:rPr lang="en-US" altLang="zh-CN" sz="7300" dirty="0" smtClean="0">
+                <a:latin typeface="华文楷体" panose="02010600040101010101" pitchFamily="2" charset="-122"/>
+                <a:ea typeface="华文楷体" panose="02010600040101010101" pitchFamily="2" charset="-122"/>
+              </a:rPr>
+            </a:br>
+            <a:r>
+              <a:rPr lang="zh-CN" altLang="en-US" dirty="0" smtClean="0">
+                <a:latin typeface="微软雅黑" pitchFamily="34" charset="-122"/>
+                <a:ea typeface="微软雅黑" pitchFamily="34" charset="-122"/>
+              </a:rPr>
+              <a:t>不能犹豫不决</a:t>
+            </a:r>
+            <a:r>
+              <a:rPr lang="en-US" altLang="zh-CN" dirty="0">
+                <a:latin typeface="华文楷体" panose="02010600040101010101" pitchFamily="2" charset="-122"/>
+                <a:ea typeface="华文楷体" panose="02010600040101010101" pitchFamily="2" charset="-122"/>
+              </a:rPr>
+              <a:t/>
+            </a:r>
+            <a:br>
+              <a:rPr lang="en-US" altLang="zh-CN" dirty="0">
+                <a:latin typeface="华文楷体" panose="02010600040101010101" pitchFamily="2" charset="-122"/>
+                <a:ea typeface="华文楷体" panose="02010600040101010101" pitchFamily="2" charset="-122"/>
+              </a:rPr>
+            </a:br>
+            <a:endParaRPr lang="zh-CN" altLang="en-US" dirty="0"/>
+          </a:p>
+        </p:txBody>
+      </p:sp>
+      <p:sp>
+        <p:nvSpPr>
+          <p:cNvPr id="3" name="内容占位符 2"/>
+          <p:cNvSpPr>
+            <a:spLocks noGrp="1"/>
+          </p:cNvSpPr>
+          <p:nvPr>
+            <p:ph idx="1"/>
+          </p:nvPr>
+        </p:nvSpPr>
+        <p:spPr>
+          <a:xfrm>
+            <a:off x="808702" y="2152700"/>
+            <a:ext cx="10515600" cy="4351338"/>
+          </a:xfrm>
+        </p:spPr>
+        <p:txBody>
+          <a:bodyPr>
+            <a:normAutofit/>
+          </a:bodyPr>
+          <a:lstStyle/>
+          <a:p>
+            <a:pPr>
+              <a:buNone/>
+            </a:pPr>
+            <a:r>
+              <a:rPr lang="en-US" altLang="zh-CN" sz="3600" dirty="0" smtClean="0"/>
+              <a:t>	</a:t>
+            </a:r>
+            <a:r>
+              <a:rPr lang="en-US" altLang="zh-CN" sz="3600" dirty="0" smtClean="0"/>
+              <a:t>	</a:t>
+            </a:r>
+            <a:r>
+              <a:rPr lang="zh-CN" altLang="en-US" sz="3600" dirty="0" smtClean="0"/>
+              <a:t>就</a:t>
+            </a:r>
+            <a:r>
+              <a:rPr lang="zh-CN" altLang="en-US" sz="3600" dirty="0" smtClean="0"/>
+              <a:t>像跑 </a:t>
+            </a:r>
+            <a:r>
+              <a:rPr lang="en-US" altLang="zh-CN" sz="3600" dirty="0" smtClean="0"/>
+              <a:t>3000 </a:t>
+            </a:r>
+            <a:r>
+              <a:rPr lang="zh-CN" altLang="en-US" sz="3600" dirty="0" smtClean="0"/>
+              <a:t>的 </a:t>
+            </a:r>
+            <a:r>
+              <a:rPr lang="en-US" altLang="zh-CN" sz="3600" dirty="0" err="1" smtClean="0"/>
+              <a:t>floyed</a:t>
+            </a:r>
+            <a:r>
+              <a:rPr lang="en-US" altLang="zh-CN" sz="3600" dirty="0" smtClean="0"/>
+              <a:t> </a:t>
+            </a:r>
+            <a:r>
+              <a:rPr lang="zh-CN" altLang="en-US" sz="3600" dirty="0" smtClean="0"/>
+              <a:t>，在中途卡时 </a:t>
+            </a:r>
+            <a:r>
+              <a:rPr lang="en-US" altLang="zh-CN" sz="3600" dirty="0" smtClean="0"/>
+              <a:t>break </a:t>
+            </a:r>
+            <a:r>
+              <a:rPr lang="zh-CN" altLang="en-US" sz="3600" dirty="0" smtClean="0"/>
+              <a:t>掉</a:t>
+            </a:r>
+            <a:r>
+              <a:rPr lang="zh-CN" altLang="en-US" sz="3600" dirty="0" smtClean="0"/>
+              <a:t>拼</a:t>
+            </a:r>
+            <a:r>
+              <a:rPr lang="zh-CN" altLang="en-US" sz="3600" dirty="0" smtClean="0"/>
+              <a:t>运气</a:t>
+            </a:r>
+            <a:r>
+              <a:rPr lang="zh-CN" altLang="en-US" sz="3600" dirty="0" smtClean="0"/>
+              <a:t>总是比就算 </a:t>
+            </a:r>
+            <a:r>
+              <a:rPr lang="en-US" altLang="zh-CN" sz="3600" dirty="0" smtClean="0"/>
+              <a:t>T </a:t>
+            </a:r>
+            <a:r>
+              <a:rPr lang="zh-CN" altLang="en-US" sz="3600" dirty="0" smtClean="0"/>
+              <a:t>掉也要让他跑完来的更优</a:t>
+            </a:r>
+            <a:endParaRPr lang="zh-CN" altLang="en-US" sz="3600" dirty="0"/>
           </a:p>
         </p:txBody>
       </p:sp>
@@ -4112,7 +6693,7 @@
           <a:blip r:embed="rId2" cstate="print">
             <a:extLst>
               <a:ext uri="{28A0092B-C50C-407E-A947-70E740481C1C}">
-                <a14:useLocalDpi xmlns:a14="http://schemas.microsoft.com/office/drawing/2010/main" val="0"/>
+                <a14:useLocalDpi xmlns:a14="http://schemas.microsoft.com/office/drawing/2010/main" xmlns="" val="0"/>
               </a:ext>
             </a:extLst>
           </a:blip>
@@ -4122,8 +6703,8 @@
         </p:blipFill>
         <p:spPr>
           <a:xfrm>
-            <a:off x="8124240" y="154110"/>
-            <a:ext cx="2570137" cy="2677013"/>
+            <a:off x="8701549" y="3843402"/>
+            <a:ext cx="2625212" cy="2734378"/>
           </a:xfrm>
           <a:prstGeom prst="rect">
             <a:avLst/>
@@ -4133,7 +6714,265 @@
     </p:spTree>
     <p:extLst>
       <p:ext uri="{BB962C8B-B14F-4D97-AF65-F5344CB8AC3E}">
-        <p14:creationId xmlns:p14="http://schemas.microsoft.com/office/powerpoint/2010/main" val="4223806462"/>
+        <p14:creationId xmlns:p14="http://schemas.microsoft.com/office/powerpoint/2010/main" xmlns="" val="4223806462"/>
+      </p:ext>
+    </p:extLst>
+  </p:cSld>
+  <p:clrMapOvr>
+    <a:masterClrMapping/>
+  </p:clrMapOvr>
+  <p:timing>
+    <p:tnLst>
+      <p:par>
+        <p:cTn id="1" dur="indefinite" restart="never" nodeType="tmRoot">
+          <p:childTnLst>
+            <p:seq concurrent="1" nextAc="seek">
+              <p:cTn id="2" dur="indefinite" nodeType="mainSeq">
+                <p:childTnLst>
+                  <p:par>
+                    <p:cTn id="3" fill="hold">
+                      <p:stCondLst>
+                        <p:cond delay="indefinite"/>
+                      </p:stCondLst>
+                      <p:childTnLst>
+                        <p:par>
+                          <p:cTn id="4" fill="hold">
+                            <p:stCondLst>
+                              <p:cond delay="0"/>
+                            </p:stCondLst>
+                            <p:childTnLst>
+                              <p:par>
+                                <p:cTn id="5" presetID="1" presetClass="entr" presetSubtype="0" fill="hold" nodeType="clickEffect">
+                                  <p:stCondLst>
+                                    <p:cond delay="0"/>
+                                  </p:stCondLst>
+                                  <p:childTnLst>
+                                    <p:set>
+                                      <p:cBhvr>
+                                        <p:cTn id="6" dur="1" fill="hold">
+                                          <p:stCondLst>
+                                            <p:cond delay="0"/>
+                                          </p:stCondLst>
+                                        </p:cTn>
+                                        <p:tgtEl>
+                                          <p:spTgt spid="3">
+                                            <p:txEl>
+                                              <p:pRg st="0" end="0"/>
+                                            </p:txEl>
+                                          </p:spTgt>
+                                        </p:tgtEl>
+                                        <p:attrNameLst>
+                                          <p:attrName>style.visibility</p:attrName>
+                                        </p:attrNameLst>
+                                      </p:cBhvr>
+                                      <p:to>
+                                        <p:strVal val="visible"/>
+                                      </p:to>
+                                    </p:set>
+                                  </p:childTnLst>
+                                </p:cTn>
+                              </p:par>
+                            </p:childTnLst>
+                          </p:cTn>
+                        </p:par>
+                      </p:childTnLst>
+                    </p:cTn>
+                  </p:par>
+                </p:childTnLst>
+              </p:cTn>
+              <p:prevCondLst>
+                <p:cond evt="onPrev" delay="0">
+                  <p:tgtEl>
+                    <p:sldTgt/>
+                  </p:tgtEl>
+                </p:cond>
+              </p:prevCondLst>
+              <p:nextCondLst>
+                <p:cond evt="onNext" delay="0">
+                  <p:tgtEl>
+                    <p:sldTgt/>
+                  </p:tgtEl>
+                </p:cond>
+              </p:nextCondLst>
+            </p:seq>
+          </p:childTnLst>
+        </p:cTn>
+      </p:par>
+    </p:tnLst>
+  </p:timing>
+</p:sld>
+</file>
+
+<file path=ppt/slides/slide7.xml><?xml version="1.0" encoding="utf-8"?>
+<p:sld xmlns:a="http://schemas.openxmlformats.org/drawingml/2006/main" xmlns:r="http://schemas.openxmlformats.org/officeDocument/2006/relationships" xmlns:p="http://schemas.openxmlformats.org/presentationml/2006/main">
+  <p:cSld>
+    <p:spTree>
+      <p:nvGrpSpPr>
+        <p:cNvPr id="1" name=""/>
+        <p:cNvGrpSpPr/>
+        <p:nvPr/>
+      </p:nvGrpSpPr>
+      <p:grpSpPr>
+        <a:xfrm>
+          <a:off x="0" y="0"/>
+          <a:ext cx="0" cy="0"/>
+          <a:chOff x="0" y="0"/>
+          <a:chExt cx="0" cy="0"/>
+        </a:xfrm>
+      </p:grpSpPr>
+      <p:sp>
+        <p:nvSpPr>
+          <p:cNvPr id="2" name="标题 1"/>
+          <p:cNvSpPr>
+            <a:spLocks noGrp="1"/>
+          </p:cNvSpPr>
+          <p:nvPr>
+            <p:ph type="title"/>
+          </p:nvPr>
+        </p:nvSpPr>
+        <p:spPr>
+          <a:xfrm>
+            <a:off x="178777" y="404833"/>
+            <a:ext cx="10515600" cy="1325563"/>
+          </a:xfrm>
+        </p:spPr>
+        <p:txBody>
+          <a:bodyPr>
+            <a:normAutofit fontScale="90000"/>
+          </a:bodyPr>
+          <a:lstStyle/>
+          <a:p>
+            <a:r>
+              <a:rPr lang="zh-CN" altLang="en-US" sz="7300" dirty="0">
+                <a:latin typeface="华文楷体" panose="02010600040101010101" pitchFamily="2" charset="-122"/>
+                <a:ea typeface="华文楷体" panose="02010600040101010101" pitchFamily="2" charset="-122"/>
+              </a:rPr>
+              <a:t>如何做出选择</a:t>
+            </a:r>
+            <a:r>
+              <a:rPr lang="en-US" altLang="zh-CN" sz="7300" dirty="0">
+                <a:latin typeface="华文楷体" panose="02010600040101010101" pitchFamily="2" charset="-122"/>
+                <a:ea typeface="华文楷体" panose="02010600040101010101" pitchFamily="2" charset="-122"/>
+              </a:rPr>
+              <a:t> </a:t>
+            </a:r>
+            <a:r>
+              <a:rPr lang="zh-CN" altLang="en-US" sz="7300" dirty="0" smtClean="0">
+                <a:latin typeface="华文楷体" panose="02010600040101010101" pitchFamily="2" charset="-122"/>
+                <a:ea typeface="华文楷体" panose="02010600040101010101" pitchFamily="2" charset="-122"/>
+              </a:rPr>
+              <a:t>？</a:t>
+            </a:r>
+            <a:r>
+              <a:rPr lang="en-US" altLang="zh-CN" sz="7300" dirty="0" smtClean="0">
+                <a:latin typeface="华文楷体" panose="02010600040101010101" pitchFamily="2" charset="-122"/>
+                <a:ea typeface="华文楷体" panose="02010600040101010101" pitchFamily="2" charset="-122"/>
+              </a:rPr>
+              <a:t/>
+            </a:r>
+            <a:br>
+              <a:rPr lang="en-US" altLang="zh-CN" sz="7300" dirty="0" smtClean="0">
+                <a:latin typeface="华文楷体" panose="02010600040101010101" pitchFamily="2" charset="-122"/>
+                <a:ea typeface="华文楷体" panose="02010600040101010101" pitchFamily="2" charset="-122"/>
+              </a:rPr>
+            </a:br>
+            <a:r>
+              <a:rPr lang="zh-CN" altLang="en-US" dirty="0" smtClean="0">
+                <a:latin typeface="微软雅黑" pitchFamily="34" charset="-122"/>
+                <a:ea typeface="微软雅黑" pitchFamily="34" charset="-122"/>
+              </a:rPr>
+              <a:t>向外看</a:t>
+            </a:r>
+            <a:r>
+              <a:rPr lang="en-US" altLang="zh-CN" dirty="0">
+                <a:latin typeface="华文楷体" panose="02010600040101010101" pitchFamily="2" charset="-122"/>
+                <a:ea typeface="华文楷体" panose="02010600040101010101" pitchFamily="2" charset="-122"/>
+              </a:rPr>
+              <a:t/>
+            </a:r>
+            <a:br>
+              <a:rPr lang="en-US" altLang="zh-CN" dirty="0">
+                <a:latin typeface="华文楷体" panose="02010600040101010101" pitchFamily="2" charset="-122"/>
+                <a:ea typeface="华文楷体" panose="02010600040101010101" pitchFamily="2" charset="-122"/>
+              </a:rPr>
+            </a:br>
+            <a:endParaRPr lang="zh-CN" altLang="en-US" dirty="0"/>
+          </a:p>
+        </p:txBody>
+      </p:sp>
+      <p:sp>
+        <p:nvSpPr>
+          <p:cNvPr id="3" name="内容占位符 2"/>
+          <p:cNvSpPr>
+            <a:spLocks noGrp="1"/>
+          </p:cNvSpPr>
+          <p:nvPr>
+            <p:ph idx="1"/>
+          </p:nvPr>
+        </p:nvSpPr>
+        <p:spPr>
+          <a:xfrm>
+            <a:off x="675967" y="1707638"/>
+            <a:ext cx="10515600" cy="4351338"/>
+          </a:xfrm>
+        </p:spPr>
+        <p:txBody>
+          <a:bodyPr>
+            <a:normAutofit/>
+          </a:bodyPr>
+          <a:lstStyle/>
+          <a:p>
+            <a:pPr>
+              <a:buNone/>
+            </a:pPr>
+            <a:r>
+              <a:rPr lang="en-US" altLang="zh-CN" sz="3600" dirty="0" smtClean="0"/>
+              <a:t>		</a:t>
+            </a:r>
+            <a:r>
+              <a:rPr lang="zh-CN" altLang="en-US" sz="3600" dirty="0" smtClean="0"/>
+              <a:t>做</a:t>
+            </a:r>
+            <a:r>
+              <a:rPr lang="zh-CN" altLang="en-US" sz="3600" dirty="0" smtClean="0"/>
+              <a:t>选择时，我们要做的第一件事不是向外看，而是向内</a:t>
+            </a:r>
+            <a:r>
+              <a:rPr lang="zh-CN" altLang="en-US" sz="3600" dirty="0" smtClean="0"/>
+              <a:t>看</a:t>
+            </a:r>
+            <a:endParaRPr lang="en-US" altLang="zh-CN" sz="3600" dirty="0" smtClean="0"/>
+          </a:p>
+          <a:p>
+            <a:pPr>
+              <a:buNone/>
+            </a:pPr>
+            <a:endParaRPr lang="en-US" altLang="zh-CN" sz="3600" dirty="0" smtClean="0"/>
+          </a:p>
+          <a:p>
+            <a:pPr>
+              <a:buNone/>
+            </a:pPr>
+            <a:r>
+              <a:rPr lang="en-US" altLang="zh-CN" sz="3600" dirty="0" smtClean="0"/>
+              <a:t>		</a:t>
+            </a:r>
+            <a:r>
+              <a:rPr lang="zh-CN" altLang="en-US" sz="3600" dirty="0" smtClean="0"/>
+              <a:t>我们</a:t>
+            </a:r>
+            <a:r>
+              <a:rPr lang="zh-CN" altLang="en-US" sz="3600" dirty="0" smtClean="0"/>
+              <a:t>更应该考虑的是自己的内心感受，因为只有我们自己心里真的喜欢了，才能够真正拥有之后的幸福感和强大的动力</a:t>
+            </a:r>
+            <a:endParaRPr lang="zh-CN" altLang="en-US" sz="3600" dirty="0"/>
+          </a:p>
+        </p:txBody>
+      </p:sp>
+    </p:spTree>
+    <p:extLst>
+      <p:ext uri="{BB962C8B-B14F-4D97-AF65-F5344CB8AC3E}">
+        <p14:creationId xmlns:p14="http://schemas.microsoft.com/office/powerpoint/2010/main" xmlns="" val="4223806462"/>
       </p:ext>
     </p:extLst>
   </p:cSld>
@@ -4225,154 +7064,7 @@
                                         <p:tgtEl>
                                           <p:spTgt spid="3">
                                             <p:txEl>
-                                              <p:pRg st="1" end="1"/>
-                                            </p:txEl>
-                                          </p:spTgt>
-                                        </p:tgtEl>
-                                        <p:attrNameLst>
-                                          <p:attrName>style.visibility</p:attrName>
-                                        </p:attrNameLst>
-                                      </p:cBhvr>
-                                      <p:to>
-                                        <p:strVal val="visible"/>
-                                      </p:to>
-                                    </p:set>
-                                  </p:childTnLst>
-                                </p:cTn>
-                              </p:par>
-                            </p:childTnLst>
-                          </p:cTn>
-                        </p:par>
-                      </p:childTnLst>
-                    </p:cTn>
-                  </p:par>
-                  <p:par>
-                    <p:cTn id="11" fill="hold">
-                      <p:stCondLst>
-                        <p:cond delay="indefinite"/>
-                      </p:stCondLst>
-                      <p:childTnLst>
-                        <p:par>
-                          <p:cTn id="12" fill="hold">
-                            <p:stCondLst>
-                              <p:cond delay="0"/>
-                            </p:stCondLst>
-                            <p:childTnLst>
-                              <p:par>
-                                <p:cTn id="13" presetID="1" presetClass="entr" presetSubtype="0" fill="hold" nodeType="clickEffect">
-                                  <p:stCondLst>
-                                    <p:cond delay="0"/>
-                                  </p:stCondLst>
-                                  <p:childTnLst>
-                                    <p:set>
-                                      <p:cBhvr>
-                                        <p:cTn id="14" dur="1" fill="hold">
-                                          <p:stCondLst>
-                                            <p:cond delay="0"/>
-                                          </p:stCondLst>
-                                        </p:cTn>
-                                        <p:tgtEl>
-                                          <p:spTgt spid="3">
-                                            <p:txEl>
                                               <p:pRg st="2" end="2"/>
-                                            </p:txEl>
-                                          </p:spTgt>
-                                        </p:tgtEl>
-                                        <p:attrNameLst>
-                                          <p:attrName>style.visibility</p:attrName>
-                                        </p:attrNameLst>
-                                      </p:cBhvr>
-                                      <p:to>
-                                        <p:strVal val="visible"/>
-                                      </p:to>
-                                    </p:set>
-                                  </p:childTnLst>
-                                </p:cTn>
-                              </p:par>
-                            </p:childTnLst>
-                          </p:cTn>
-                        </p:par>
-                      </p:childTnLst>
-                    </p:cTn>
-                  </p:par>
-                  <p:par>
-                    <p:cTn id="15" fill="hold">
-                      <p:stCondLst>
-                        <p:cond delay="indefinite"/>
-                      </p:stCondLst>
-                      <p:childTnLst>
-                        <p:par>
-                          <p:cTn id="16" fill="hold">
-                            <p:stCondLst>
-                              <p:cond delay="0"/>
-                            </p:stCondLst>
-                            <p:childTnLst>
-                              <p:par>
-                                <p:cTn id="17" presetID="1" presetClass="entr" presetSubtype="0" fill="hold" nodeType="clickEffect">
-                                  <p:stCondLst>
-                                    <p:cond delay="0"/>
-                                  </p:stCondLst>
-                                  <p:childTnLst>
-                                    <p:set>
-                                      <p:cBhvr>
-                                        <p:cTn id="18" dur="1" fill="hold">
-                                          <p:stCondLst>
-                                            <p:cond delay="0"/>
-                                          </p:stCondLst>
-                                        </p:cTn>
-                                        <p:tgtEl>
-                                          <p:spTgt spid="3">
-                                            <p:txEl>
-                                              <p:pRg st="3" end="3"/>
-                                            </p:txEl>
-                                          </p:spTgt>
-                                        </p:tgtEl>
-                                        <p:attrNameLst>
-                                          <p:attrName>style.visibility</p:attrName>
-                                        </p:attrNameLst>
-                                      </p:cBhvr>
-                                      <p:to>
-                                        <p:strVal val="visible"/>
-                                      </p:to>
-                                    </p:set>
-                                  </p:childTnLst>
-                                </p:cTn>
-                              </p:par>
-                            </p:childTnLst>
-                          </p:cTn>
-                        </p:par>
-                      </p:childTnLst>
-                    </p:cTn>
-                  </p:par>
-                  <p:par>
-                    <p:cTn id="19" fill="hold">
-                      <p:stCondLst>
-                        <p:cond delay="indefinite"/>
-                      </p:stCondLst>
-                      <p:childTnLst>
-                        <p:par>
-                          <p:cTn id="20" fill="hold">
-                            <p:stCondLst>
-                              <p:cond delay="0"/>
-                            </p:stCondLst>
-                            <p:childTnLst>
-                              <p:par>
-                                <p:cTn id="21" presetID="1" presetClass="entr" presetSubtype="0" fill="hold" nodeType="clickEffect">
-                                  <p:stCondLst>
-                                    <p:cond delay="0"/>
-                                  </p:stCondLst>
-                                  <p:childTnLst>
-                                    <p:set>
-                                      <p:cBhvr>
-                                        <p:cTn id="22" dur="1" fill="hold">
-                                          <p:stCondLst>
-                                            <p:cond delay="0"/>
-                                          </p:stCondLst>
-                                        </p:cTn>
-                                        <p:tgtEl>
-                                          <p:spTgt spid="3">
-                                            <p:txEl>
-                                              <p:pRg st="4" end="4"/>
                                             </p:txEl>
                                           </p:spTgt>
                                         </p:tgtEl>
@@ -4418,7 +7110,7 @@
 </p:sld>
 </file>
 
-<file path=ppt/slides/slide6.xml><?xml version="1.0" encoding="utf-8"?>
+<file path=ppt/slides/slide8.xml><?xml version="1.0" encoding="utf-8"?>
 <p:sld xmlns:a="http://schemas.openxmlformats.org/drawingml/2006/main" xmlns:r="http://schemas.openxmlformats.org/officeDocument/2006/relationships" xmlns:p="http://schemas.openxmlformats.org/presentationml/2006/main">
   <p:cSld>
     <p:spTree>
@@ -4447,23 +7139,71 @@
         </p:nvSpPr>
         <p:spPr>
           <a:xfrm>
-            <a:off x="4942768" y="2363130"/>
+            <a:off x="282015" y="493323"/>
             <a:ext cx="10515600" cy="1325563"/>
           </a:xfrm>
         </p:spPr>
         <p:txBody>
           <a:bodyPr>
-            <a:noAutofit/>
+            <a:normAutofit fontScale="90000"/>
           </a:bodyPr>
           <a:lstStyle/>
           <a:p>
             <a:r>
-              <a:rPr lang="zh-CN" altLang="en-US" sz="13800" dirty="0">
-                <a:latin typeface="黑体" panose="02010609060101010101" pitchFamily="49" charset="-122"/>
-                <a:ea typeface="黑体" panose="02010609060101010101" pitchFamily="49" charset="-122"/>
+              <a:rPr lang="zh-CN" altLang="en-US" sz="7300" dirty="0">
+                <a:latin typeface="华文楷体" panose="02010600040101010101" pitchFamily="2" charset="-122"/>
+                <a:ea typeface="华文楷体" panose="02010600040101010101" pitchFamily="2" charset="-122"/>
               </a:rPr>
-              <a:t>完</a:t>
-            </a:r>
+              <a:t>如何做出选择</a:t>
+            </a:r>
+            <a:r>
+              <a:rPr lang="en-US" altLang="zh-CN" sz="7300" dirty="0">
+                <a:latin typeface="华文楷体" panose="02010600040101010101" pitchFamily="2" charset="-122"/>
+                <a:ea typeface="华文楷体" panose="02010600040101010101" pitchFamily="2" charset="-122"/>
+              </a:rPr>
+              <a:t> </a:t>
+            </a:r>
+            <a:r>
+              <a:rPr lang="zh-CN" altLang="en-US" sz="7300" dirty="0" smtClean="0">
+                <a:latin typeface="华文楷体" panose="02010600040101010101" pitchFamily="2" charset="-122"/>
+                <a:ea typeface="华文楷体" panose="02010600040101010101" pitchFamily="2" charset="-122"/>
+              </a:rPr>
+              <a:t>？</a:t>
+            </a:r>
+            <a:r>
+              <a:rPr lang="en-US" altLang="zh-CN" sz="7300" dirty="0" smtClean="0">
+                <a:latin typeface="华文楷体" panose="02010600040101010101" pitchFamily="2" charset="-122"/>
+                <a:ea typeface="华文楷体" panose="02010600040101010101" pitchFamily="2" charset="-122"/>
+              </a:rPr>
+              <a:t/>
+            </a:r>
+            <a:br>
+              <a:rPr lang="en-US" altLang="zh-CN" sz="7300" dirty="0" smtClean="0">
+                <a:latin typeface="华文楷体" panose="02010600040101010101" pitchFamily="2" charset="-122"/>
+                <a:ea typeface="华文楷体" panose="02010600040101010101" pitchFamily="2" charset="-122"/>
+              </a:rPr>
+            </a:br>
+            <a:r>
+              <a:rPr lang="zh-CN" altLang="en-US" dirty="0" smtClean="0">
+                <a:latin typeface="微软雅黑" pitchFamily="34" charset="-122"/>
+                <a:ea typeface="微软雅黑" pitchFamily="34" charset="-122"/>
+              </a:rPr>
+              <a:t>问自己五个为什么</a:t>
+            </a:r>
+            <a:r>
+              <a:rPr lang="en-US" altLang="zh-CN" dirty="0">
+                <a:latin typeface="华文楷体" panose="02010600040101010101" pitchFamily="2" charset="-122"/>
+                <a:ea typeface="华文楷体" panose="02010600040101010101" pitchFamily="2" charset="-122"/>
+              </a:rPr>
+              <a:t/>
+            </a:r>
+            <a:br>
+              <a:rPr lang="en-US" altLang="zh-CN" dirty="0">
+                <a:latin typeface="华文楷体" panose="02010600040101010101" pitchFamily="2" charset="-122"/>
+                <a:ea typeface="华文楷体" panose="02010600040101010101" pitchFamily="2" charset="-122"/>
+              </a:rPr>
+            </a:br>
+            <a:endParaRPr lang="zh-CN" altLang="en-US" dirty="0"/>
           </a:p>
         </p:txBody>
       </p:sp>
@@ -4477,1953 +7217,503 @@
             <p:ph idx="1"/>
           </p:nvPr>
         </p:nvSpPr>
-        <p:spPr>
-          <a:xfrm>
-            <a:off x="331207" y="4297220"/>
-            <a:ext cx="10515600" cy="4351338"/>
-          </a:xfrm>
-        </p:spPr>
+        <p:spPr/>
         <p:txBody>
           <a:bodyPr>
-            <a:normAutofit/>
+            <a:normAutofit lnSpcReduction="10000"/>
           </a:bodyPr>
           <a:lstStyle/>
           <a:p>
-            <a:pPr marL="0" indent="0">
+            <a:pPr>
               <a:buNone/>
             </a:pPr>
             <a:r>
-              <a:rPr lang="zh-CN" altLang="en-US" sz="2000" dirty="0" smtClean="0"/>
-              <a:t>参考资料：</a:t>
-            </a:r>
-            <a:endParaRPr lang="en-US" altLang="zh-CN" sz="2000" dirty="0" smtClean="0"/>
-          </a:p>
-          <a:p>
-            <a:pPr marL="0" indent="0">
+              <a:rPr lang="en-US" altLang="zh-CN" sz="3600" dirty="0" smtClean="0"/>
+              <a:t>		</a:t>
+            </a:r>
+            <a:r>
+              <a:rPr lang="zh-CN" altLang="en-US" sz="3600" dirty="0" smtClean="0"/>
+              <a:t>“五个为什么”</a:t>
+            </a:r>
+            <a:r>
+              <a:rPr lang="zh-CN" altLang="en-US" sz="3600" dirty="0" smtClean="0"/>
+              <a:t>是丰田公司创始人丰田章男发明的一种解决问题的技巧</a:t>
+            </a:r>
+            <a:r>
+              <a:rPr lang="zh-CN" altLang="en-US" sz="3600" dirty="0" smtClean="0"/>
+              <a:t>。</a:t>
+            </a:r>
+            <a:endParaRPr lang="en-US" altLang="zh-CN" sz="3600" dirty="0" smtClean="0"/>
+          </a:p>
+          <a:p>
+            <a:pPr>
               <a:buNone/>
             </a:pPr>
             <a:r>
-              <a:rPr lang="en-US" altLang="zh-CN" sz="2000" dirty="0"/>
+              <a:rPr lang="en-US" altLang="zh-CN" sz="3600" dirty="0" smtClean="0"/>
               <a:t>	</a:t>
             </a:r>
             <a:r>
-              <a:rPr lang="zh-CN" altLang="en-US" sz="2000" dirty="0" smtClean="0"/>
-              <a:t>信息学奥林匹克竞赛江苏省队论文</a:t>
-            </a:r>
-            <a:endParaRPr lang="en-US" altLang="zh-CN" sz="2000" dirty="0"/>
-          </a:p>
-          <a:p>
-            <a:pPr marL="0" indent="0">
+              <a:rPr lang="en-US" altLang="zh-CN" sz="3600" dirty="0" smtClean="0"/>
+              <a:t>	</a:t>
+            </a:r>
+            <a:r>
+              <a:rPr lang="zh-CN" altLang="en-US" sz="3600" dirty="0" smtClean="0"/>
+              <a:t>当</a:t>
+            </a:r>
+            <a:r>
+              <a:rPr lang="zh-CN" altLang="en-US" sz="3600" dirty="0" smtClean="0"/>
+              <a:t>某事出错时，你可以问自己</a:t>
+            </a:r>
+            <a:r>
+              <a:rPr lang="zh-CN" altLang="en-US" sz="3600" dirty="0" smtClean="0"/>
+              <a:t>“为什么？”  </a:t>
+            </a:r>
+            <a:endParaRPr lang="en-US" altLang="zh-CN" sz="3600" dirty="0" smtClean="0"/>
+          </a:p>
+          <a:p>
+            <a:pPr>
               <a:buNone/>
             </a:pPr>
             <a:r>
-              <a:rPr lang="en-US" altLang="zh-CN" sz="2000" dirty="0" smtClean="0"/>
+              <a:rPr lang="en-US" altLang="zh-CN" sz="3600" dirty="0" smtClean="0"/>
+              <a:t>	</a:t>
+            </a:r>
+            <a:r>
+              <a:rPr lang="en-US" altLang="zh-CN" sz="3600" dirty="0" smtClean="0"/>
+              <a:t>	</a:t>
+            </a:r>
+            <a:r>
+              <a:rPr lang="zh-CN" altLang="en-US" sz="3600" dirty="0" smtClean="0"/>
+              <a:t>通过</a:t>
+            </a:r>
+            <a:r>
+              <a:rPr lang="zh-CN" altLang="en-US" sz="3600" dirty="0" smtClean="0"/>
+              <a:t>一遍又一遍地问为什么有些事情会失败，你最终就会找到根本原因</a:t>
+            </a:r>
+            <a:r>
+              <a:rPr lang="zh-CN" altLang="en-US" sz="3600" dirty="0" smtClean="0"/>
+              <a:t>。</a:t>
+            </a:r>
+            <a:endParaRPr lang="en-US" altLang="zh-CN" sz="3600" dirty="0" smtClean="0"/>
+          </a:p>
+          <a:p>
+            <a:pPr>
+              <a:buNone/>
+            </a:pPr>
+            <a:r>
+              <a:rPr lang="en-US" altLang="zh-CN" sz="3600" dirty="0" smtClean="0"/>
               <a:t>		</a:t>
             </a:r>
             <a:r>
-              <a:rPr lang="zh-CN" altLang="en-US" sz="2000" dirty="0" smtClean="0"/>
-              <a:t>吴翼</a:t>
-            </a:r>
-            <a:r>
-              <a:rPr lang="en-US" altLang="zh-CN" sz="2000" dirty="0" smtClean="0"/>
-              <a:t>《</a:t>
-            </a:r>
-            <a:r>
-              <a:rPr lang="zh-CN" altLang="en-US" sz="2000" dirty="0" smtClean="0"/>
-              <a:t>谈比赛发挥</a:t>
-            </a:r>
-            <a:r>
-              <a:rPr lang="en-US" altLang="zh-CN" sz="2000" dirty="0" smtClean="0"/>
-              <a:t>——</a:t>
-            </a:r>
-            <a:r>
-              <a:rPr lang="zh-CN" altLang="en-US" sz="2000" dirty="0" smtClean="0"/>
-              <a:t>浅析信息学竞赛考场策略与程序测试</a:t>
-            </a:r>
-            <a:r>
-              <a:rPr lang="en-US" altLang="zh-CN" sz="2000" dirty="0" smtClean="0"/>
-              <a:t>》</a:t>
-            </a:r>
-          </a:p>
-          <a:p>
-            <a:pPr marL="0" indent="0">
-              <a:buNone/>
-            </a:pPr>
-            <a:r>
-              <a:rPr lang="en-US" altLang="zh-CN" sz="2000" dirty="0"/>
-              <a:t>	</a:t>
-            </a:r>
-            <a:r>
-              <a:rPr lang="zh-CN" altLang="en-US" sz="2000" dirty="0" smtClean="0"/>
-              <a:t>河南省队论文</a:t>
-            </a:r>
-            <a:r>
-              <a:rPr lang="en-US" altLang="zh-CN" sz="2000" dirty="0" smtClean="0"/>
-              <a:t>《</a:t>
-            </a:r>
-            <a:r>
-              <a:rPr lang="zh-CN" altLang="en-US" sz="2000" dirty="0" smtClean="0"/>
-              <a:t>骗分导论</a:t>
-            </a:r>
-            <a:r>
-              <a:rPr lang="en-US" altLang="zh-CN" sz="2000" dirty="0" smtClean="0"/>
-              <a:t>》</a:t>
-            </a:r>
-          </a:p>
-          <a:p>
-            <a:pPr marL="0" indent="0">
-              <a:buNone/>
-            </a:pPr>
-            <a:r>
-              <a:rPr lang="en-US" altLang="zh-CN" sz="2000" dirty="0"/>
-              <a:t>	</a:t>
-            </a:r>
-            <a:r>
-              <a:rPr lang="en-US" altLang="zh-CN" sz="2000" dirty="0" err="1" smtClean="0"/>
-              <a:t>BambooDay</a:t>
-            </a:r>
-            <a:r>
-              <a:rPr lang="en-US" altLang="zh-CN" sz="2000" dirty="0" smtClean="0"/>
+              <a:rPr lang="zh-CN" altLang="en-US" sz="3600" dirty="0" smtClean="0"/>
+              <a:t>虽然</a:t>
+            </a:r>
+            <a:r>
+              <a:rPr lang="zh-CN" altLang="en-US" sz="3600" dirty="0" smtClean="0"/>
+              <a:t>“五个为什么”是一种解决问题的技巧，但它也能帮助你确定你正在考虑的选择是否符合你的核心价值观</a:t>
+            </a:r>
+            <a:endParaRPr lang="zh-CN" altLang="en-US" sz="3600" dirty="0"/>
+          </a:p>
+        </p:txBody>
+      </p:sp>
+      <p:sp>
+        <p:nvSpPr>
+          <p:cNvPr id="4" name="文本框 3"/>
+          <p:cNvSpPr txBox="1"/>
+          <p:nvPr/>
+        </p:nvSpPr>
+        <p:spPr>
+          <a:xfrm>
+            <a:off x="8713177" y="6176963"/>
+            <a:ext cx="3323492" cy="461665"/>
+          </a:xfrm>
+          <a:prstGeom prst="rect">
+            <a:avLst/>
+          </a:prstGeom>
+          <a:noFill/>
+        </p:spPr>
+        <p:txBody>
+          <a:bodyPr wrap="square" rtlCol="0">
+            <a:spAutoFit/>
+          </a:bodyPr>
+          <a:lstStyle/>
+          <a:p>
+            <a:r>
+              <a:rPr lang="zh-CN" altLang="en-US" sz="2400" dirty="0" smtClean="0"/>
+              <a:t>对不起这一页没有图</a:t>
+            </a:r>
+            <a:endParaRPr lang="zh-CN" altLang="en-US" sz="2400" dirty="0"/>
+          </a:p>
+        </p:txBody>
+      </p:sp>
+    </p:spTree>
+    <p:extLst>
+      <p:ext uri="{BB962C8B-B14F-4D97-AF65-F5344CB8AC3E}">
+        <p14:creationId xmlns:p14="http://schemas.microsoft.com/office/powerpoint/2010/main" xmlns="" val="4223806462"/>
+      </p:ext>
+    </p:extLst>
+  </p:cSld>
+  <p:clrMapOvr>
+    <a:masterClrMapping/>
+  </p:clrMapOvr>
+  <p:timing>
+    <p:tnLst>
+      <p:par>
+        <p:cTn id="1" dur="indefinite" restart="never" nodeType="tmRoot">
+          <p:childTnLst>
+            <p:seq concurrent="1" nextAc="seek">
+              <p:cTn id="2" dur="indefinite" nodeType="mainSeq">
+                <p:childTnLst>
+                  <p:par>
+                    <p:cTn id="3" fill="hold">
+                      <p:stCondLst>
+                        <p:cond delay="indefinite"/>
+                        <p:cond evt="onBegin" delay="0">
+                          <p:tn val="2"/>
+                        </p:cond>
+                      </p:stCondLst>
+                      <p:childTnLst>
+                        <p:par>
+                          <p:cTn id="4" fill="hold">
+                            <p:stCondLst>
+                              <p:cond delay="0"/>
+                            </p:stCondLst>
+                            <p:childTnLst>
+                              <p:par>
+                                <p:cTn id="5" presetID="1" presetClass="entr" presetSubtype="0" fill="hold" nodeType="withEffect">
+                                  <p:stCondLst>
+                                    <p:cond delay="0"/>
+                                  </p:stCondLst>
+                                  <p:childTnLst>
+                                    <p:set>
+                                      <p:cBhvr>
+                                        <p:cTn id="6" dur="1" fill="hold">
+                                          <p:stCondLst>
+                                            <p:cond delay="0"/>
+                                          </p:stCondLst>
+                                        </p:cTn>
+                                        <p:tgtEl>
+                                          <p:spTgt spid="3">
+                                            <p:txEl>
+                                              <p:pRg st="0" end="0"/>
+                                            </p:txEl>
+                                          </p:spTgt>
+                                        </p:tgtEl>
+                                        <p:attrNameLst>
+                                          <p:attrName>style.visibility</p:attrName>
+                                        </p:attrNameLst>
+                                      </p:cBhvr>
+                                      <p:to>
+                                        <p:strVal val="visible"/>
+                                      </p:to>
+                                    </p:set>
+                                  </p:childTnLst>
+                                </p:cTn>
+                              </p:par>
+                            </p:childTnLst>
+                          </p:cTn>
+                        </p:par>
+                      </p:childTnLst>
+                    </p:cTn>
+                  </p:par>
+                  <p:par>
+                    <p:cTn id="7" fill="hold">
+                      <p:stCondLst>
+                        <p:cond delay="indefinite"/>
+                      </p:stCondLst>
+                      <p:childTnLst>
+                        <p:par>
+                          <p:cTn id="8" fill="hold">
+                            <p:stCondLst>
+                              <p:cond delay="0"/>
+                            </p:stCondLst>
+                            <p:childTnLst>
+                              <p:par>
+                                <p:cTn id="9" presetID="1" presetClass="entr" presetSubtype="0" fill="hold" nodeType="clickEffect">
+                                  <p:stCondLst>
+                                    <p:cond delay="0"/>
+                                  </p:stCondLst>
+                                  <p:childTnLst>
+                                    <p:set>
+                                      <p:cBhvr>
+                                        <p:cTn id="10" dur="1" fill="hold">
+                                          <p:stCondLst>
+                                            <p:cond delay="0"/>
+                                          </p:stCondLst>
+                                        </p:cTn>
+                                        <p:tgtEl>
+                                          <p:spTgt spid="3">
+                                            <p:txEl>
+                                              <p:pRg st="1" end="1"/>
+                                            </p:txEl>
+                                          </p:spTgt>
+                                        </p:tgtEl>
+                                        <p:attrNameLst>
+                                          <p:attrName>style.visibility</p:attrName>
+                                        </p:attrNameLst>
+                                      </p:cBhvr>
+                                      <p:to>
+                                        <p:strVal val="visible"/>
+                                      </p:to>
+                                    </p:set>
+                                  </p:childTnLst>
+                                </p:cTn>
+                              </p:par>
+                              <p:par>
+                                <p:cTn id="11" presetID="1" presetClass="entr" presetSubtype="0" fill="hold" nodeType="withEffect">
+                                  <p:stCondLst>
+                                    <p:cond delay="0"/>
+                                  </p:stCondLst>
+                                  <p:childTnLst>
+                                    <p:set>
+                                      <p:cBhvr>
+                                        <p:cTn id="12" dur="1" fill="hold">
+                                          <p:stCondLst>
+                                            <p:cond delay="0"/>
+                                          </p:stCondLst>
+                                        </p:cTn>
+                                        <p:tgtEl>
+                                          <p:spTgt spid="3">
+                                            <p:txEl>
+                                              <p:pRg st="2" end="2"/>
+                                            </p:txEl>
+                                          </p:spTgt>
+                                        </p:tgtEl>
+                                        <p:attrNameLst>
+                                          <p:attrName>style.visibility</p:attrName>
+                                        </p:attrNameLst>
+                                      </p:cBhvr>
+                                      <p:to>
+                                        <p:strVal val="visible"/>
+                                      </p:to>
+                                    </p:set>
+                                  </p:childTnLst>
+                                </p:cTn>
+                              </p:par>
+                            </p:childTnLst>
+                          </p:cTn>
+                        </p:par>
+                      </p:childTnLst>
+                    </p:cTn>
+                  </p:par>
+                  <p:par>
+                    <p:cTn id="13" fill="hold">
+                      <p:stCondLst>
+                        <p:cond delay="indefinite"/>
+                      </p:stCondLst>
+                      <p:childTnLst>
+                        <p:par>
+                          <p:cTn id="14" fill="hold">
+                            <p:stCondLst>
+                              <p:cond delay="0"/>
+                            </p:stCondLst>
+                            <p:childTnLst>
+                              <p:par>
+                                <p:cTn id="15" presetID="1" presetClass="entr" presetSubtype="0" fill="hold" nodeType="clickEffect">
+                                  <p:stCondLst>
+                                    <p:cond delay="0"/>
+                                  </p:stCondLst>
+                                  <p:childTnLst>
+                                    <p:set>
+                                      <p:cBhvr>
+                                        <p:cTn id="16" dur="1" fill="hold">
+                                          <p:stCondLst>
+                                            <p:cond delay="0"/>
+                                          </p:stCondLst>
+                                        </p:cTn>
+                                        <p:tgtEl>
+                                          <p:spTgt spid="3">
+                                            <p:txEl>
+                                              <p:pRg st="3" end="3"/>
+                                            </p:txEl>
+                                          </p:spTgt>
+                                        </p:tgtEl>
+                                        <p:attrNameLst>
+                                          <p:attrName>style.visibility</p:attrName>
+                                        </p:attrNameLst>
+                                      </p:cBhvr>
+                                      <p:to>
+                                        <p:strVal val="visible"/>
+                                      </p:to>
+                                    </p:set>
+                                  </p:childTnLst>
+                                </p:cTn>
+                              </p:par>
+                            </p:childTnLst>
+                          </p:cTn>
+                        </p:par>
+                      </p:childTnLst>
+                    </p:cTn>
+                  </p:par>
+                </p:childTnLst>
+              </p:cTn>
+              <p:prevCondLst>
+                <p:cond evt="onPrev" delay="0">
+                  <p:tgtEl>
+                    <p:sldTgt/>
+                  </p:tgtEl>
+                </p:cond>
+              </p:prevCondLst>
+              <p:nextCondLst>
+                <p:cond evt="onNext" delay="0">
+                  <p:tgtEl>
+                    <p:sldTgt/>
+                  </p:tgtEl>
+                </p:cond>
+              </p:nextCondLst>
+            </p:seq>
+          </p:childTnLst>
+        </p:cTn>
+      </p:par>
+    </p:tnLst>
+  </p:timing>
+</p:sld>
+</file>
+
+<file path=ppt/slides/slide9.xml><?xml version="1.0" encoding="utf-8"?>
+<p:sld xmlns:a="http://schemas.openxmlformats.org/drawingml/2006/main" xmlns:r="http://schemas.openxmlformats.org/officeDocument/2006/relationships" xmlns:p="http://schemas.openxmlformats.org/presentationml/2006/main">
+  <p:cSld>
+    <p:spTree>
+      <p:nvGrpSpPr>
+        <p:cNvPr id="1" name=""/>
+        <p:cNvGrpSpPr/>
+        <p:nvPr/>
+      </p:nvGrpSpPr>
+      <p:grpSpPr>
+        <a:xfrm>
+          <a:off x="0" y="0"/>
+          <a:ext cx="0" cy="0"/>
+          <a:chOff x="0" y="0"/>
+          <a:chExt cx="0" cy="0"/>
+        </a:xfrm>
+      </p:grpSpPr>
+      <p:sp>
+        <p:nvSpPr>
+          <p:cNvPr id="2" name="标题 1"/>
+          <p:cNvSpPr>
+            <a:spLocks noGrp="1"/>
+          </p:cNvSpPr>
+          <p:nvPr>
+            <p:ph type="title"/>
+          </p:nvPr>
+        </p:nvSpPr>
+        <p:spPr>
+          <a:xfrm>
+            <a:off x="0" y="965271"/>
+            <a:ext cx="10515600" cy="1325563"/>
+          </a:xfrm>
+        </p:spPr>
+        <p:txBody>
+          <a:bodyPr>
+            <a:normAutofit fontScale="90000"/>
+          </a:bodyPr>
+          <a:lstStyle/>
+          <a:p>
+            <a:r>
+              <a:rPr lang="zh-CN" altLang="en-US" sz="7300" dirty="0">
+                <a:latin typeface="华文楷体" panose="02010600040101010101" pitchFamily="2" charset="-122"/>
+                <a:ea typeface="华文楷体" panose="02010600040101010101" pitchFamily="2" charset="-122"/>
+              </a:rPr>
+              <a:t>如何做出选择</a:t>
+            </a:r>
+            <a:r>
+              <a:rPr lang="en-US" altLang="zh-CN" sz="7300" dirty="0">
+                <a:latin typeface="华文楷体" panose="02010600040101010101" pitchFamily="2" charset="-122"/>
+                <a:ea typeface="华文楷体" panose="02010600040101010101" pitchFamily="2" charset="-122"/>
+              </a:rPr>
               <a:t> </a:t>
             </a:r>
             <a:r>
-              <a:rPr lang="zh-CN" altLang="en-US" sz="2000" dirty="0" smtClean="0"/>
-              <a:t>著作 </a:t>
-            </a:r>
-            <a:r>
-              <a:rPr lang="en-US" altLang="zh-CN" sz="2000" dirty="0" smtClean="0"/>
-              <a:t>《</a:t>
-            </a:r>
-            <a:r>
-              <a:rPr lang="zh-CN" altLang="en-US" sz="2000" dirty="0" smtClean="0"/>
-              <a:t>命运论</a:t>
-            </a:r>
-            <a:r>
-              <a:rPr lang="en-US" altLang="zh-CN" sz="2000" dirty="0" smtClean="0"/>
-              <a:t>》</a:t>
-            </a:r>
-            <a:endParaRPr lang="en-US" altLang="zh-CN" sz="2000" dirty="0"/>
-          </a:p>
-          <a:p>
-            <a:pPr marL="0" indent="0">
-              <a:buNone/>
-            </a:pPr>
-            <a:r>
-              <a:rPr lang="en-US" altLang="zh-CN" sz="2000" dirty="0" smtClean="0"/>
-              <a:t>	and </a:t>
-            </a:r>
-            <a:r>
-              <a:rPr lang="zh-CN" altLang="en-US" sz="2000" dirty="0" smtClean="0"/>
-              <a:t>百度</a:t>
-            </a:r>
-            <a:endParaRPr lang="en-US" altLang="zh-CN" sz="2000" dirty="0" smtClean="0"/>
+              <a:rPr lang="zh-CN" altLang="en-US" sz="7300" dirty="0" smtClean="0">
+                <a:latin typeface="华文楷体" panose="02010600040101010101" pitchFamily="2" charset="-122"/>
+                <a:ea typeface="华文楷体" panose="02010600040101010101" pitchFamily="2" charset="-122"/>
+              </a:rPr>
+              <a:t>？</a:t>
+            </a:r>
+            <a:r>
+              <a:rPr lang="en-US" altLang="zh-CN" sz="7300" dirty="0" smtClean="0">
+                <a:latin typeface="华文楷体" panose="02010600040101010101" pitchFamily="2" charset="-122"/>
+                <a:ea typeface="华文楷体" panose="02010600040101010101" pitchFamily="2" charset="-122"/>
+              </a:rPr>
+              <a:t/>
+            </a:r>
+            <a:br>
+              <a:rPr lang="en-US" altLang="zh-CN" sz="7300" dirty="0" smtClean="0">
+                <a:latin typeface="华文楷体" panose="02010600040101010101" pitchFamily="2" charset="-122"/>
+                <a:ea typeface="华文楷体" panose="02010600040101010101" pitchFamily="2" charset="-122"/>
+              </a:rPr>
+            </a:br>
+            <a:r>
+              <a:rPr lang="zh-CN" altLang="en-US" dirty="0" smtClean="0">
+                <a:latin typeface="微软雅黑" pitchFamily="34" charset="-122"/>
+                <a:ea typeface="微软雅黑" pitchFamily="34" charset="-122"/>
+              </a:rPr>
+              <a:t>跟随自己的直觉</a:t>
+            </a:r>
+            <a:r>
+              <a:rPr lang="zh-CN" altLang="en-US" dirty="0" smtClean="0"/>
+              <a:t/>
+            </a:r>
+            <a:br>
+              <a:rPr lang="zh-CN" altLang="en-US" dirty="0" smtClean="0"/>
+            </a:br>
+            <a:r>
+              <a:rPr lang="en-US" altLang="zh-CN" dirty="0">
+                <a:latin typeface="华文楷体" panose="02010600040101010101" pitchFamily="2" charset="-122"/>
+                <a:ea typeface="华文楷体" panose="02010600040101010101" pitchFamily="2" charset="-122"/>
+              </a:rPr>
+              <a:t/>
+            </a:r>
+            <a:br>
+              <a:rPr lang="en-US" altLang="zh-CN" dirty="0">
+                <a:latin typeface="华文楷体" panose="02010600040101010101" pitchFamily="2" charset="-122"/>
+                <a:ea typeface="华文楷体" panose="02010600040101010101" pitchFamily="2" charset="-122"/>
+              </a:rPr>
+            </a:br>
+            <a:endParaRPr lang="zh-CN" altLang="en-US" dirty="0"/>
           </a:p>
         </p:txBody>
       </p:sp>
       <p:pic>
         <p:nvPicPr>
-          <p:cNvPr id="7" name="图片 6"/>
+          <p:cNvPr id="2050" name="Picture 2"/>
           <p:cNvPicPr>
-            <a:picLocks noChangeAspect="1"/>
+            <a:picLocks noGrp="1" noChangeAspect="1" noChangeArrowheads="1"/>
           </p:cNvPicPr>
-          <p:nvPr/>
+          <p:nvPr>
+            <p:ph idx="1"/>
+          </p:nvPr>
         </p:nvPicPr>
         <p:blipFill>
-          <a:blip r:embed="rId2">
-            <a:extLst>
-              <a:ext uri="{28A0092B-C50C-407E-A947-70E740481C1C}">
-                <a14:useLocalDpi xmlns:a14="http://schemas.microsoft.com/office/drawing/2010/main" val="0"/>
-              </a:ext>
-            </a:extLst>
-          </a:blip>
+          <a:blip r:embed="rId2"/>
+          <a:srcRect/>
           <a:stretch>
             <a:fillRect/>
           </a:stretch>
         </p:blipFill>
-        <p:spPr>
-          <a:xfrm>
-            <a:off x="96456" y="77061"/>
-            <a:ext cx="1002146" cy="1002146"/>
+        <p:spPr bwMode="auto">
+          <a:xfrm>
+            <a:off x="1430594" y="2071045"/>
+            <a:ext cx="7241458" cy="3798813"/>
           </a:xfrm>
           <a:prstGeom prst="rect">
             <a:avLst/>
           </a:prstGeom>
-        </p:spPr>
-      </p:pic>
-      <p:pic>
-        <p:nvPicPr>
-          <p:cNvPr id="9" name="图片 8"/>
-          <p:cNvPicPr>
-            <a:picLocks noChangeAspect="1"/>
-          </p:cNvPicPr>
-          <p:nvPr/>
-        </p:nvPicPr>
-        <p:blipFill>
-          <a:blip r:embed="rId2">
-            <a:extLst>
-              <a:ext uri="{28A0092B-C50C-407E-A947-70E740481C1C}">
-                <a14:useLocalDpi xmlns:a14="http://schemas.microsoft.com/office/drawing/2010/main" val="0"/>
-              </a:ext>
-            </a:extLst>
-          </a:blip>
-          <a:stretch>
-            <a:fillRect/>
-          </a:stretch>
-        </p:blipFill>
-        <p:spPr>
-          <a:xfrm>
-            <a:off x="1098602" y="77061"/>
-            <a:ext cx="1002146" cy="1002146"/>
-          </a:xfrm>
-          <a:prstGeom prst="rect">
-            <a:avLst/>
-          </a:prstGeom>
-        </p:spPr>
-      </p:pic>
-      <p:pic>
-        <p:nvPicPr>
-          <p:cNvPr id="10" name="图片 9"/>
-          <p:cNvPicPr>
-            <a:picLocks noChangeAspect="1"/>
-          </p:cNvPicPr>
-          <p:nvPr/>
-        </p:nvPicPr>
-        <p:blipFill>
-          <a:blip r:embed="rId2">
-            <a:extLst>
-              <a:ext uri="{28A0092B-C50C-407E-A947-70E740481C1C}">
-                <a14:useLocalDpi xmlns:a14="http://schemas.microsoft.com/office/drawing/2010/main" val="0"/>
-              </a:ext>
-            </a:extLst>
-          </a:blip>
-          <a:stretch>
-            <a:fillRect/>
-          </a:stretch>
-        </p:blipFill>
-        <p:spPr>
-          <a:xfrm>
-            <a:off x="2100748" y="77061"/>
-            <a:ext cx="1002146" cy="1002146"/>
-          </a:xfrm>
-          <a:prstGeom prst="rect">
-            <a:avLst/>
-          </a:prstGeom>
-        </p:spPr>
-      </p:pic>
-      <p:pic>
-        <p:nvPicPr>
-          <p:cNvPr id="11" name="图片 10"/>
-          <p:cNvPicPr>
-            <a:picLocks noChangeAspect="1"/>
-          </p:cNvPicPr>
-          <p:nvPr/>
-        </p:nvPicPr>
-        <p:blipFill>
-          <a:blip r:embed="rId2">
-            <a:extLst>
-              <a:ext uri="{28A0092B-C50C-407E-A947-70E740481C1C}">
-                <a14:useLocalDpi xmlns:a14="http://schemas.microsoft.com/office/drawing/2010/main" val="0"/>
-              </a:ext>
-            </a:extLst>
-          </a:blip>
-          <a:stretch>
-            <a:fillRect/>
-          </a:stretch>
-        </p:blipFill>
-        <p:spPr>
-          <a:xfrm>
-            <a:off x="3102894" y="101089"/>
-            <a:ext cx="1002146" cy="1002146"/>
-          </a:xfrm>
-          <a:prstGeom prst="rect">
-            <a:avLst/>
-          </a:prstGeom>
-        </p:spPr>
-      </p:pic>
-      <p:pic>
-        <p:nvPicPr>
-          <p:cNvPr id="12" name="图片 11"/>
-          <p:cNvPicPr>
-            <a:picLocks noChangeAspect="1"/>
-          </p:cNvPicPr>
-          <p:nvPr/>
-        </p:nvPicPr>
-        <p:blipFill>
-          <a:blip r:embed="rId2">
-            <a:extLst>
-              <a:ext uri="{28A0092B-C50C-407E-A947-70E740481C1C}">
-                <a14:useLocalDpi xmlns:a14="http://schemas.microsoft.com/office/drawing/2010/main" val="0"/>
-              </a:ext>
-            </a:extLst>
-          </a:blip>
-          <a:stretch>
-            <a:fillRect/>
-          </a:stretch>
-        </p:blipFill>
-        <p:spPr>
-          <a:xfrm>
-            <a:off x="4105040" y="77061"/>
-            <a:ext cx="1002146" cy="1002146"/>
-          </a:xfrm>
-          <a:prstGeom prst="rect">
-            <a:avLst/>
-          </a:prstGeom>
-        </p:spPr>
-      </p:pic>
-      <p:pic>
-        <p:nvPicPr>
-          <p:cNvPr id="13" name="图片 12"/>
-          <p:cNvPicPr>
-            <a:picLocks noChangeAspect="1"/>
-          </p:cNvPicPr>
-          <p:nvPr/>
-        </p:nvPicPr>
-        <p:blipFill>
-          <a:blip r:embed="rId2">
-            <a:extLst>
-              <a:ext uri="{28A0092B-C50C-407E-A947-70E740481C1C}">
-                <a14:useLocalDpi xmlns:a14="http://schemas.microsoft.com/office/drawing/2010/main" val="0"/>
-              </a:ext>
-            </a:extLst>
-          </a:blip>
-          <a:stretch>
-            <a:fillRect/>
-          </a:stretch>
-        </p:blipFill>
-        <p:spPr>
-          <a:xfrm>
-            <a:off x="5107186" y="77061"/>
-            <a:ext cx="1002146" cy="1002146"/>
-          </a:xfrm>
-          <a:prstGeom prst="rect">
-            <a:avLst/>
-          </a:prstGeom>
-        </p:spPr>
-      </p:pic>
-      <p:pic>
-        <p:nvPicPr>
-          <p:cNvPr id="14" name="图片 13"/>
-          <p:cNvPicPr>
-            <a:picLocks noChangeAspect="1"/>
-          </p:cNvPicPr>
-          <p:nvPr/>
-        </p:nvPicPr>
-        <p:blipFill>
-          <a:blip r:embed="rId2">
-            <a:extLst>
-              <a:ext uri="{28A0092B-C50C-407E-A947-70E740481C1C}">
-                <a14:useLocalDpi xmlns:a14="http://schemas.microsoft.com/office/drawing/2010/main" val="0"/>
-              </a:ext>
-            </a:extLst>
-          </a:blip>
-          <a:stretch>
-            <a:fillRect/>
-          </a:stretch>
-        </p:blipFill>
-        <p:spPr>
-          <a:xfrm>
-            <a:off x="6109332" y="77061"/>
-            <a:ext cx="1002146" cy="1002146"/>
-          </a:xfrm>
-          <a:prstGeom prst="rect">
-            <a:avLst/>
-          </a:prstGeom>
-        </p:spPr>
-      </p:pic>
-      <p:pic>
-        <p:nvPicPr>
-          <p:cNvPr id="15" name="图片 14"/>
-          <p:cNvPicPr>
-            <a:picLocks noChangeAspect="1"/>
-          </p:cNvPicPr>
-          <p:nvPr/>
-        </p:nvPicPr>
-        <p:blipFill>
-          <a:blip r:embed="rId2">
-            <a:extLst>
-              <a:ext uri="{28A0092B-C50C-407E-A947-70E740481C1C}">
-                <a14:useLocalDpi xmlns:a14="http://schemas.microsoft.com/office/drawing/2010/main" val="0"/>
-              </a:ext>
-            </a:extLst>
-          </a:blip>
-          <a:stretch>
-            <a:fillRect/>
-          </a:stretch>
-        </p:blipFill>
-        <p:spPr>
-          <a:xfrm>
-            <a:off x="7111478" y="77061"/>
-            <a:ext cx="1002146" cy="1002146"/>
-          </a:xfrm>
-          <a:prstGeom prst="rect">
-            <a:avLst/>
-          </a:prstGeom>
-        </p:spPr>
-      </p:pic>
-      <p:pic>
-        <p:nvPicPr>
-          <p:cNvPr id="16" name="图片 15"/>
-          <p:cNvPicPr>
-            <a:picLocks noChangeAspect="1"/>
-          </p:cNvPicPr>
-          <p:nvPr/>
-        </p:nvPicPr>
-        <p:blipFill>
-          <a:blip r:embed="rId2">
-            <a:extLst>
-              <a:ext uri="{28A0092B-C50C-407E-A947-70E740481C1C}">
-                <a14:useLocalDpi xmlns:a14="http://schemas.microsoft.com/office/drawing/2010/main" val="0"/>
-              </a:ext>
-            </a:extLst>
-          </a:blip>
-          <a:stretch>
-            <a:fillRect/>
-          </a:stretch>
-        </p:blipFill>
-        <p:spPr>
-          <a:xfrm>
-            <a:off x="8110250" y="84270"/>
-            <a:ext cx="1002146" cy="1002146"/>
-          </a:xfrm>
-          <a:prstGeom prst="rect">
-            <a:avLst/>
-          </a:prstGeom>
-        </p:spPr>
-      </p:pic>
-      <p:pic>
-        <p:nvPicPr>
-          <p:cNvPr id="17" name="图片 16"/>
-          <p:cNvPicPr>
-            <a:picLocks noChangeAspect="1"/>
-          </p:cNvPicPr>
-          <p:nvPr/>
-        </p:nvPicPr>
-        <p:blipFill>
-          <a:blip r:embed="rId2">
-            <a:extLst>
-              <a:ext uri="{28A0092B-C50C-407E-A947-70E740481C1C}">
-                <a14:useLocalDpi xmlns:a14="http://schemas.microsoft.com/office/drawing/2010/main" val="0"/>
-              </a:ext>
-            </a:extLst>
-          </a:blip>
-          <a:stretch>
-            <a:fillRect/>
-          </a:stretch>
-        </p:blipFill>
-        <p:spPr>
-          <a:xfrm>
-            <a:off x="9105648" y="108298"/>
-            <a:ext cx="1002146" cy="1002146"/>
-          </a:xfrm>
-          <a:prstGeom prst="rect">
-            <a:avLst/>
-          </a:prstGeom>
-        </p:spPr>
-      </p:pic>
-      <p:pic>
-        <p:nvPicPr>
-          <p:cNvPr id="18" name="图片 17"/>
-          <p:cNvPicPr>
-            <a:picLocks noChangeAspect="1"/>
-          </p:cNvPicPr>
-          <p:nvPr/>
-        </p:nvPicPr>
-        <p:blipFill>
-          <a:blip r:embed="rId2">
-            <a:extLst>
-              <a:ext uri="{28A0092B-C50C-407E-A947-70E740481C1C}">
-                <a14:useLocalDpi xmlns:a14="http://schemas.microsoft.com/office/drawing/2010/main" val="0"/>
-              </a:ext>
-            </a:extLst>
-          </a:blip>
-          <a:stretch>
-            <a:fillRect/>
-          </a:stretch>
-        </p:blipFill>
-        <p:spPr>
-          <a:xfrm>
-            <a:off x="10111168" y="108298"/>
-            <a:ext cx="1002146" cy="1002146"/>
-          </a:xfrm>
-          <a:prstGeom prst="rect">
-            <a:avLst/>
-          </a:prstGeom>
-        </p:spPr>
-      </p:pic>
-      <p:pic>
-        <p:nvPicPr>
-          <p:cNvPr id="19" name="图片 18"/>
-          <p:cNvPicPr>
-            <a:picLocks noChangeAspect="1"/>
-          </p:cNvPicPr>
-          <p:nvPr/>
-        </p:nvPicPr>
-        <p:blipFill>
-          <a:blip r:embed="rId2">
-            <a:extLst>
-              <a:ext uri="{28A0092B-C50C-407E-A947-70E740481C1C}">
-                <a14:useLocalDpi xmlns:a14="http://schemas.microsoft.com/office/drawing/2010/main" val="0"/>
-              </a:ext>
-            </a:extLst>
-          </a:blip>
-          <a:stretch>
-            <a:fillRect/>
-          </a:stretch>
-        </p:blipFill>
-        <p:spPr>
-          <a:xfrm>
-            <a:off x="11116688" y="108298"/>
-            <a:ext cx="1002146" cy="1002146"/>
-          </a:xfrm>
-          <a:prstGeom prst="rect">
-            <a:avLst/>
-          </a:prstGeom>
-        </p:spPr>
-      </p:pic>
-      <p:pic>
-        <p:nvPicPr>
-          <p:cNvPr id="20" name="图片 19"/>
-          <p:cNvPicPr>
-            <a:picLocks noChangeAspect="1"/>
-          </p:cNvPicPr>
-          <p:nvPr/>
-        </p:nvPicPr>
-        <p:blipFill>
-          <a:blip r:embed="rId2">
-            <a:extLst>
-              <a:ext uri="{28A0092B-C50C-407E-A947-70E740481C1C}">
-                <a14:useLocalDpi xmlns:a14="http://schemas.microsoft.com/office/drawing/2010/main" val="0"/>
-              </a:ext>
-            </a:extLst>
-          </a:blip>
-          <a:stretch>
-            <a:fillRect/>
-          </a:stretch>
-        </p:blipFill>
-        <p:spPr>
-          <a:xfrm>
-            <a:off x="96456" y="915680"/>
-            <a:ext cx="1002146" cy="1002146"/>
-          </a:xfrm>
-          <a:prstGeom prst="rect">
-            <a:avLst/>
-          </a:prstGeom>
-        </p:spPr>
-      </p:pic>
-      <p:pic>
-        <p:nvPicPr>
-          <p:cNvPr id="23" name="图片 22"/>
-          <p:cNvPicPr>
-            <a:picLocks noChangeAspect="1"/>
-          </p:cNvPicPr>
-          <p:nvPr/>
-        </p:nvPicPr>
-        <p:blipFill>
-          <a:blip r:embed="rId2">
-            <a:extLst>
-              <a:ext uri="{28A0092B-C50C-407E-A947-70E740481C1C}">
-                <a14:useLocalDpi xmlns:a14="http://schemas.microsoft.com/office/drawing/2010/main" val="0"/>
-              </a:ext>
-            </a:extLst>
-          </a:blip>
-          <a:stretch>
-            <a:fillRect/>
-          </a:stretch>
-        </p:blipFill>
-        <p:spPr>
-          <a:xfrm>
-            <a:off x="1168935" y="909415"/>
-            <a:ext cx="1002146" cy="1002146"/>
-          </a:xfrm>
-          <a:prstGeom prst="rect">
-            <a:avLst/>
-          </a:prstGeom>
-        </p:spPr>
-      </p:pic>
-      <p:pic>
-        <p:nvPicPr>
-          <p:cNvPr id="26" name="图片 25"/>
-          <p:cNvPicPr>
-            <a:picLocks noChangeAspect="1"/>
-          </p:cNvPicPr>
-          <p:nvPr/>
-        </p:nvPicPr>
-        <p:blipFill>
-          <a:blip r:embed="rId2">
-            <a:extLst>
-              <a:ext uri="{28A0092B-C50C-407E-A947-70E740481C1C}">
-                <a14:useLocalDpi xmlns:a14="http://schemas.microsoft.com/office/drawing/2010/main" val="0"/>
-              </a:ext>
-            </a:extLst>
-          </a:blip>
-          <a:stretch>
-            <a:fillRect/>
-          </a:stretch>
-        </p:blipFill>
-        <p:spPr>
-          <a:xfrm>
-            <a:off x="2097374" y="917787"/>
-            <a:ext cx="1002146" cy="1002146"/>
-          </a:xfrm>
-          <a:prstGeom prst="rect">
-            <a:avLst/>
-          </a:prstGeom>
-        </p:spPr>
-      </p:pic>
-      <p:pic>
-        <p:nvPicPr>
-          <p:cNvPr id="27" name="图片 26"/>
-          <p:cNvPicPr>
-            <a:picLocks noChangeAspect="1"/>
-          </p:cNvPicPr>
-          <p:nvPr/>
-        </p:nvPicPr>
-        <p:blipFill>
-          <a:blip r:embed="rId2">
-            <a:extLst>
-              <a:ext uri="{28A0092B-C50C-407E-A947-70E740481C1C}">
-                <a14:useLocalDpi xmlns:a14="http://schemas.microsoft.com/office/drawing/2010/main" val="0"/>
-              </a:ext>
-            </a:extLst>
-          </a:blip>
-          <a:stretch>
-            <a:fillRect/>
-          </a:stretch>
-        </p:blipFill>
-        <p:spPr>
-          <a:xfrm>
-            <a:off x="3099520" y="941815"/>
-            <a:ext cx="1002146" cy="1002146"/>
-          </a:xfrm>
-          <a:prstGeom prst="rect">
-            <a:avLst/>
-          </a:prstGeom>
-        </p:spPr>
-      </p:pic>
-      <p:pic>
-        <p:nvPicPr>
-          <p:cNvPr id="28" name="图片 27"/>
-          <p:cNvPicPr>
-            <a:picLocks noChangeAspect="1"/>
-          </p:cNvPicPr>
-          <p:nvPr/>
-        </p:nvPicPr>
-        <p:blipFill>
-          <a:blip r:embed="rId2">
-            <a:extLst>
-              <a:ext uri="{28A0092B-C50C-407E-A947-70E740481C1C}">
-                <a14:useLocalDpi xmlns:a14="http://schemas.microsoft.com/office/drawing/2010/main" val="0"/>
-              </a:ext>
-            </a:extLst>
-          </a:blip>
-          <a:stretch>
-            <a:fillRect/>
-          </a:stretch>
-        </p:blipFill>
-        <p:spPr>
-          <a:xfrm>
-            <a:off x="4101666" y="917787"/>
-            <a:ext cx="1002146" cy="1002146"/>
-          </a:xfrm>
-          <a:prstGeom prst="rect">
-            <a:avLst/>
-          </a:prstGeom>
-        </p:spPr>
-      </p:pic>
-      <p:pic>
-        <p:nvPicPr>
-          <p:cNvPr id="29" name="图片 28"/>
-          <p:cNvPicPr>
-            <a:picLocks noChangeAspect="1"/>
-          </p:cNvPicPr>
-          <p:nvPr/>
-        </p:nvPicPr>
-        <p:blipFill>
-          <a:blip r:embed="rId2">
-            <a:extLst>
-              <a:ext uri="{28A0092B-C50C-407E-A947-70E740481C1C}">
-                <a14:useLocalDpi xmlns:a14="http://schemas.microsoft.com/office/drawing/2010/main" val="0"/>
-              </a:ext>
-            </a:extLst>
-          </a:blip>
-          <a:stretch>
-            <a:fillRect/>
-          </a:stretch>
-        </p:blipFill>
-        <p:spPr>
-          <a:xfrm>
-            <a:off x="5103812" y="917787"/>
-            <a:ext cx="1002146" cy="1002146"/>
-          </a:xfrm>
-          <a:prstGeom prst="rect">
-            <a:avLst/>
-          </a:prstGeom>
-        </p:spPr>
-      </p:pic>
-      <p:pic>
-        <p:nvPicPr>
-          <p:cNvPr id="30" name="图片 29"/>
-          <p:cNvPicPr>
-            <a:picLocks noChangeAspect="1"/>
-          </p:cNvPicPr>
-          <p:nvPr/>
-        </p:nvPicPr>
-        <p:blipFill>
-          <a:blip r:embed="rId2">
-            <a:extLst>
-              <a:ext uri="{28A0092B-C50C-407E-A947-70E740481C1C}">
-                <a14:useLocalDpi xmlns:a14="http://schemas.microsoft.com/office/drawing/2010/main" val="0"/>
-              </a:ext>
-            </a:extLst>
-          </a:blip>
-          <a:stretch>
-            <a:fillRect/>
-          </a:stretch>
-        </p:blipFill>
-        <p:spPr>
-          <a:xfrm>
-            <a:off x="6105958" y="917787"/>
-            <a:ext cx="1002146" cy="1002146"/>
-          </a:xfrm>
-          <a:prstGeom prst="rect">
-            <a:avLst/>
-          </a:prstGeom>
-        </p:spPr>
-      </p:pic>
-      <p:pic>
-        <p:nvPicPr>
-          <p:cNvPr id="31" name="图片 30"/>
-          <p:cNvPicPr>
-            <a:picLocks noChangeAspect="1"/>
-          </p:cNvPicPr>
-          <p:nvPr/>
-        </p:nvPicPr>
-        <p:blipFill>
-          <a:blip r:embed="rId2">
-            <a:extLst>
-              <a:ext uri="{28A0092B-C50C-407E-A947-70E740481C1C}">
-                <a14:useLocalDpi xmlns:a14="http://schemas.microsoft.com/office/drawing/2010/main" val="0"/>
-              </a:ext>
-            </a:extLst>
-          </a:blip>
-          <a:stretch>
-            <a:fillRect/>
-          </a:stretch>
-        </p:blipFill>
-        <p:spPr>
-          <a:xfrm>
-            <a:off x="7108104" y="917787"/>
-            <a:ext cx="1002146" cy="1002146"/>
-          </a:xfrm>
-          <a:prstGeom prst="rect">
-            <a:avLst/>
-          </a:prstGeom>
-        </p:spPr>
-      </p:pic>
-      <p:pic>
-        <p:nvPicPr>
-          <p:cNvPr id="32" name="图片 31"/>
-          <p:cNvPicPr>
-            <a:picLocks noChangeAspect="1"/>
-          </p:cNvPicPr>
-          <p:nvPr/>
-        </p:nvPicPr>
-        <p:blipFill>
-          <a:blip r:embed="rId2">
-            <a:extLst>
-              <a:ext uri="{28A0092B-C50C-407E-A947-70E740481C1C}">
-                <a14:useLocalDpi xmlns:a14="http://schemas.microsoft.com/office/drawing/2010/main" val="0"/>
-              </a:ext>
-            </a:extLst>
-          </a:blip>
-          <a:stretch>
-            <a:fillRect/>
-          </a:stretch>
-        </p:blipFill>
-        <p:spPr>
-          <a:xfrm>
-            <a:off x="8110250" y="917787"/>
-            <a:ext cx="1002146" cy="1002146"/>
-          </a:xfrm>
-          <a:prstGeom prst="rect">
-            <a:avLst/>
-          </a:prstGeom>
-        </p:spPr>
-      </p:pic>
-      <p:pic>
-        <p:nvPicPr>
-          <p:cNvPr id="33" name="图片 32"/>
-          <p:cNvPicPr>
-            <a:picLocks noChangeAspect="1"/>
-          </p:cNvPicPr>
-          <p:nvPr/>
-        </p:nvPicPr>
-        <p:blipFill>
-          <a:blip r:embed="rId2">
-            <a:extLst>
-              <a:ext uri="{28A0092B-C50C-407E-A947-70E740481C1C}">
-                <a14:useLocalDpi xmlns:a14="http://schemas.microsoft.com/office/drawing/2010/main" val="0"/>
-              </a:ext>
-            </a:extLst>
-          </a:blip>
-          <a:stretch>
-            <a:fillRect/>
-          </a:stretch>
-        </p:blipFill>
-        <p:spPr>
-          <a:xfrm>
-            <a:off x="9112396" y="941815"/>
-            <a:ext cx="1002146" cy="1002146"/>
-          </a:xfrm>
-          <a:prstGeom prst="rect">
-            <a:avLst/>
-          </a:prstGeom>
-        </p:spPr>
-      </p:pic>
-      <p:pic>
-        <p:nvPicPr>
-          <p:cNvPr id="34" name="图片 33"/>
-          <p:cNvPicPr>
-            <a:picLocks noChangeAspect="1"/>
-          </p:cNvPicPr>
-          <p:nvPr/>
-        </p:nvPicPr>
-        <p:blipFill>
-          <a:blip r:embed="rId2">
-            <a:extLst>
-              <a:ext uri="{28A0092B-C50C-407E-A947-70E740481C1C}">
-                <a14:useLocalDpi xmlns:a14="http://schemas.microsoft.com/office/drawing/2010/main" val="0"/>
-              </a:ext>
-            </a:extLst>
-          </a:blip>
-          <a:stretch>
-            <a:fillRect/>
-          </a:stretch>
-        </p:blipFill>
-        <p:spPr>
-          <a:xfrm>
-            <a:off x="10111168" y="941815"/>
-            <a:ext cx="1002146" cy="1002146"/>
-          </a:xfrm>
-          <a:prstGeom prst="rect">
-            <a:avLst/>
-          </a:prstGeom>
-        </p:spPr>
-      </p:pic>
-      <p:pic>
-        <p:nvPicPr>
-          <p:cNvPr id="35" name="图片 34"/>
-          <p:cNvPicPr>
-            <a:picLocks noChangeAspect="1"/>
-          </p:cNvPicPr>
-          <p:nvPr/>
-        </p:nvPicPr>
-        <p:blipFill>
-          <a:blip r:embed="rId2">
-            <a:extLst>
-              <a:ext uri="{28A0092B-C50C-407E-A947-70E740481C1C}">
-                <a14:useLocalDpi xmlns:a14="http://schemas.microsoft.com/office/drawing/2010/main" val="0"/>
-              </a:ext>
-            </a:extLst>
-          </a:blip>
-          <a:stretch>
-            <a:fillRect/>
-          </a:stretch>
-        </p:blipFill>
-        <p:spPr>
-          <a:xfrm>
-            <a:off x="11116688" y="941815"/>
-            <a:ext cx="1002146" cy="1002146"/>
-          </a:xfrm>
-          <a:prstGeom prst="rect">
-            <a:avLst/>
-          </a:prstGeom>
-        </p:spPr>
-      </p:pic>
-      <p:pic>
-        <p:nvPicPr>
-          <p:cNvPr id="37" name="图片 36"/>
-          <p:cNvPicPr>
-            <a:picLocks noChangeAspect="1"/>
-          </p:cNvPicPr>
-          <p:nvPr/>
-        </p:nvPicPr>
-        <p:blipFill>
-          <a:blip r:embed="rId2">
-            <a:extLst>
-              <a:ext uri="{28A0092B-C50C-407E-A947-70E740481C1C}">
-                <a14:useLocalDpi xmlns:a14="http://schemas.microsoft.com/office/drawing/2010/main" val="0"/>
-              </a:ext>
-            </a:extLst>
-          </a:blip>
-          <a:stretch>
-            <a:fillRect/>
-          </a:stretch>
-        </p:blipFill>
-        <p:spPr>
-          <a:xfrm>
-            <a:off x="96456" y="1714137"/>
-            <a:ext cx="1002146" cy="1002146"/>
-          </a:xfrm>
-          <a:prstGeom prst="rect">
-            <a:avLst/>
-          </a:prstGeom>
-        </p:spPr>
-      </p:pic>
-      <p:pic>
-        <p:nvPicPr>
-          <p:cNvPr id="38" name="图片 37"/>
-          <p:cNvPicPr>
-            <a:picLocks noChangeAspect="1"/>
-          </p:cNvPicPr>
-          <p:nvPr/>
-        </p:nvPicPr>
-        <p:blipFill>
-          <a:blip r:embed="rId2">
-            <a:extLst>
-              <a:ext uri="{28A0092B-C50C-407E-A947-70E740481C1C}">
-                <a14:useLocalDpi xmlns:a14="http://schemas.microsoft.com/office/drawing/2010/main" val="0"/>
-              </a:ext>
-            </a:extLst>
-          </a:blip>
-          <a:stretch>
-            <a:fillRect/>
-          </a:stretch>
-        </p:blipFill>
-        <p:spPr>
-          <a:xfrm>
-            <a:off x="1098602" y="1714137"/>
-            <a:ext cx="1002146" cy="1002146"/>
-          </a:xfrm>
-          <a:prstGeom prst="rect">
-            <a:avLst/>
-          </a:prstGeom>
-        </p:spPr>
-      </p:pic>
-      <p:pic>
-        <p:nvPicPr>
-          <p:cNvPr id="39" name="图片 38"/>
-          <p:cNvPicPr>
-            <a:picLocks noChangeAspect="1"/>
-          </p:cNvPicPr>
-          <p:nvPr/>
-        </p:nvPicPr>
-        <p:blipFill>
-          <a:blip r:embed="rId2">
-            <a:extLst>
-              <a:ext uri="{28A0092B-C50C-407E-A947-70E740481C1C}">
-                <a14:useLocalDpi xmlns:a14="http://schemas.microsoft.com/office/drawing/2010/main" val="0"/>
-              </a:ext>
-            </a:extLst>
-          </a:blip>
-          <a:stretch>
-            <a:fillRect/>
-          </a:stretch>
-        </p:blipFill>
-        <p:spPr>
-          <a:xfrm>
-            <a:off x="2100748" y="1714137"/>
-            <a:ext cx="1002146" cy="1002146"/>
-          </a:xfrm>
-          <a:prstGeom prst="rect">
-            <a:avLst/>
-          </a:prstGeom>
-        </p:spPr>
-      </p:pic>
-      <p:pic>
-        <p:nvPicPr>
-          <p:cNvPr id="40" name="图片 39"/>
-          <p:cNvPicPr>
-            <a:picLocks noChangeAspect="1"/>
-          </p:cNvPicPr>
-          <p:nvPr/>
-        </p:nvPicPr>
-        <p:blipFill>
-          <a:blip r:embed="rId2">
-            <a:extLst>
-              <a:ext uri="{28A0092B-C50C-407E-A947-70E740481C1C}">
-                <a14:useLocalDpi xmlns:a14="http://schemas.microsoft.com/office/drawing/2010/main" val="0"/>
-              </a:ext>
-            </a:extLst>
-          </a:blip>
-          <a:stretch>
-            <a:fillRect/>
-          </a:stretch>
-        </p:blipFill>
-        <p:spPr>
-          <a:xfrm>
-            <a:off x="3102894" y="1738165"/>
-            <a:ext cx="1002146" cy="1002146"/>
-          </a:xfrm>
-          <a:prstGeom prst="rect">
-            <a:avLst/>
-          </a:prstGeom>
-        </p:spPr>
-      </p:pic>
-      <p:pic>
-        <p:nvPicPr>
-          <p:cNvPr id="41" name="图片 40"/>
-          <p:cNvPicPr>
-            <a:picLocks noChangeAspect="1"/>
-          </p:cNvPicPr>
-          <p:nvPr/>
-        </p:nvPicPr>
-        <p:blipFill>
-          <a:blip r:embed="rId2">
-            <a:extLst>
-              <a:ext uri="{28A0092B-C50C-407E-A947-70E740481C1C}">
-                <a14:useLocalDpi xmlns:a14="http://schemas.microsoft.com/office/drawing/2010/main" val="0"/>
-              </a:ext>
-            </a:extLst>
-          </a:blip>
-          <a:stretch>
-            <a:fillRect/>
-          </a:stretch>
-        </p:blipFill>
-        <p:spPr>
-          <a:xfrm>
-            <a:off x="4105040" y="1714137"/>
-            <a:ext cx="1002146" cy="1002146"/>
-          </a:xfrm>
-          <a:prstGeom prst="rect">
-            <a:avLst/>
-          </a:prstGeom>
-        </p:spPr>
-      </p:pic>
-      <p:pic>
-        <p:nvPicPr>
-          <p:cNvPr id="42" name="图片 41"/>
-          <p:cNvPicPr>
-            <a:picLocks noChangeAspect="1"/>
-          </p:cNvPicPr>
-          <p:nvPr/>
-        </p:nvPicPr>
-        <p:blipFill>
-          <a:blip r:embed="rId2">
-            <a:extLst>
-              <a:ext uri="{28A0092B-C50C-407E-A947-70E740481C1C}">
-                <a14:useLocalDpi xmlns:a14="http://schemas.microsoft.com/office/drawing/2010/main" val="0"/>
-              </a:ext>
-            </a:extLst>
-          </a:blip>
-          <a:stretch>
-            <a:fillRect/>
-          </a:stretch>
-        </p:blipFill>
-        <p:spPr>
-          <a:xfrm>
-            <a:off x="166789" y="5937211"/>
-            <a:ext cx="1002146" cy="1002146"/>
-          </a:xfrm>
-          <a:prstGeom prst="rect">
-            <a:avLst/>
-          </a:prstGeom>
-        </p:spPr>
-      </p:pic>
-      <p:pic>
-        <p:nvPicPr>
-          <p:cNvPr id="43" name="图片 42"/>
-          <p:cNvPicPr>
-            <a:picLocks noChangeAspect="1"/>
-          </p:cNvPicPr>
-          <p:nvPr/>
-        </p:nvPicPr>
-        <p:blipFill>
-          <a:blip r:embed="rId2">
-            <a:extLst>
-              <a:ext uri="{28A0092B-C50C-407E-A947-70E740481C1C}">
-                <a14:useLocalDpi xmlns:a14="http://schemas.microsoft.com/office/drawing/2010/main" val="0"/>
-              </a:ext>
-            </a:extLst>
-          </a:blip>
-          <a:stretch>
-            <a:fillRect/>
-          </a:stretch>
-        </p:blipFill>
-        <p:spPr>
-          <a:xfrm>
-            <a:off x="166789" y="4935065"/>
-            <a:ext cx="1002146" cy="1002146"/>
-          </a:xfrm>
-          <a:prstGeom prst="rect">
-            <a:avLst/>
-          </a:prstGeom>
-        </p:spPr>
-      </p:pic>
-      <p:pic>
-        <p:nvPicPr>
-          <p:cNvPr id="44" name="图片 43"/>
-          <p:cNvPicPr>
-            <a:picLocks noChangeAspect="1"/>
-          </p:cNvPicPr>
-          <p:nvPr/>
-        </p:nvPicPr>
-        <p:blipFill>
-          <a:blip r:embed="rId2">
-            <a:extLst>
-              <a:ext uri="{28A0092B-C50C-407E-A947-70E740481C1C}">
-                <a14:useLocalDpi xmlns:a14="http://schemas.microsoft.com/office/drawing/2010/main" val="0"/>
-              </a:ext>
-            </a:extLst>
-          </a:blip>
-          <a:stretch>
-            <a:fillRect/>
-          </a:stretch>
-        </p:blipFill>
-        <p:spPr>
-          <a:xfrm>
-            <a:off x="7111478" y="1714137"/>
-            <a:ext cx="1002146" cy="1002146"/>
-          </a:xfrm>
-          <a:prstGeom prst="rect">
-            <a:avLst/>
-          </a:prstGeom>
-        </p:spPr>
-      </p:pic>
-      <p:pic>
-        <p:nvPicPr>
-          <p:cNvPr id="45" name="图片 44"/>
-          <p:cNvPicPr>
-            <a:picLocks noChangeAspect="1"/>
-          </p:cNvPicPr>
-          <p:nvPr/>
-        </p:nvPicPr>
-        <p:blipFill>
-          <a:blip r:embed="rId2">
-            <a:extLst>
-              <a:ext uri="{28A0092B-C50C-407E-A947-70E740481C1C}">
-                <a14:useLocalDpi xmlns:a14="http://schemas.microsoft.com/office/drawing/2010/main" val="0"/>
-              </a:ext>
-            </a:extLst>
-          </a:blip>
-          <a:stretch>
-            <a:fillRect/>
-          </a:stretch>
-        </p:blipFill>
-        <p:spPr>
-          <a:xfrm>
-            <a:off x="8110250" y="1721346"/>
-            <a:ext cx="1002146" cy="1002146"/>
-          </a:xfrm>
-          <a:prstGeom prst="rect">
-            <a:avLst/>
-          </a:prstGeom>
-        </p:spPr>
-      </p:pic>
-      <p:pic>
-        <p:nvPicPr>
-          <p:cNvPr id="46" name="图片 45"/>
-          <p:cNvPicPr>
-            <a:picLocks noChangeAspect="1"/>
-          </p:cNvPicPr>
-          <p:nvPr/>
-        </p:nvPicPr>
-        <p:blipFill>
-          <a:blip r:embed="rId2">
-            <a:extLst>
-              <a:ext uri="{28A0092B-C50C-407E-A947-70E740481C1C}">
-                <a14:useLocalDpi xmlns:a14="http://schemas.microsoft.com/office/drawing/2010/main" val="0"/>
-              </a:ext>
-            </a:extLst>
-          </a:blip>
-          <a:stretch>
-            <a:fillRect/>
-          </a:stretch>
-        </p:blipFill>
-        <p:spPr>
-          <a:xfrm>
-            <a:off x="9105648" y="1745374"/>
-            <a:ext cx="1002146" cy="1002146"/>
-          </a:xfrm>
-          <a:prstGeom prst="rect">
-            <a:avLst/>
-          </a:prstGeom>
-        </p:spPr>
-      </p:pic>
-      <p:pic>
-        <p:nvPicPr>
-          <p:cNvPr id="47" name="图片 46"/>
-          <p:cNvPicPr>
-            <a:picLocks noChangeAspect="1"/>
-          </p:cNvPicPr>
-          <p:nvPr/>
-        </p:nvPicPr>
-        <p:blipFill>
-          <a:blip r:embed="rId2">
-            <a:extLst>
-              <a:ext uri="{28A0092B-C50C-407E-A947-70E740481C1C}">
-                <a14:useLocalDpi xmlns:a14="http://schemas.microsoft.com/office/drawing/2010/main" val="0"/>
-              </a:ext>
-            </a:extLst>
-          </a:blip>
-          <a:stretch>
-            <a:fillRect/>
-          </a:stretch>
-        </p:blipFill>
-        <p:spPr>
-          <a:xfrm>
-            <a:off x="10111168" y="1745374"/>
-            <a:ext cx="1002146" cy="1002146"/>
-          </a:xfrm>
-          <a:prstGeom prst="rect">
-            <a:avLst/>
-          </a:prstGeom>
-        </p:spPr>
-      </p:pic>
-      <p:pic>
-        <p:nvPicPr>
-          <p:cNvPr id="48" name="图片 47"/>
-          <p:cNvPicPr>
-            <a:picLocks noChangeAspect="1"/>
-          </p:cNvPicPr>
-          <p:nvPr/>
-        </p:nvPicPr>
-        <p:blipFill>
-          <a:blip r:embed="rId2">
-            <a:extLst>
-              <a:ext uri="{28A0092B-C50C-407E-A947-70E740481C1C}">
-                <a14:useLocalDpi xmlns:a14="http://schemas.microsoft.com/office/drawing/2010/main" val="0"/>
-              </a:ext>
-            </a:extLst>
-          </a:blip>
-          <a:stretch>
-            <a:fillRect/>
-          </a:stretch>
-        </p:blipFill>
-        <p:spPr>
-          <a:xfrm>
-            <a:off x="11116688" y="1745374"/>
-            <a:ext cx="1002146" cy="1002146"/>
-          </a:xfrm>
-          <a:prstGeom prst="rect">
-            <a:avLst/>
-          </a:prstGeom>
-        </p:spPr>
-      </p:pic>
-      <p:pic>
-        <p:nvPicPr>
-          <p:cNvPr id="49" name="图片 48"/>
-          <p:cNvPicPr>
-            <a:picLocks noChangeAspect="1"/>
-          </p:cNvPicPr>
-          <p:nvPr/>
-        </p:nvPicPr>
-        <p:blipFill>
-          <a:blip r:embed="rId2">
-            <a:extLst>
-              <a:ext uri="{28A0092B-C50C-407E-A947-70E740481C1C}">
-                <a14:useLocalDpi xmlns:a14="http://schemas.microsoft.com/office/drawing/2010/main" val="0"/>
-              </a:ext>
-            </a:extLst>
-          </a:blip>
-          <a:stretch>
-            <a:fillRect/>
-          </a:stretch>
-        </p:blipFill>
-        <p:spPr>
-          <a:xfrm>
-            <a:off x="166789" y="2546491"/>
-            <a:ext cx="1002146" cy="1002146"/>
-          </a:xfrm>
-          <a:prstGeom prst="rect">
-            <a:avLst/>
-          </a:prstGeom>
-        </p:spPr>
-      </p:pic>
-      <p:pic>
-        <p:nvPicPr>
-          <p:cNvPr id="50" name="图片 49"/>
-          <p:cNvPicPr>
-            <a:picLocks noChangeAspect="1"/>
-          </p:cNvPicPr>
-          <p:nvPr/>
-        </p:nvPicPr>
-        <p:blipFill>
-          <a:blip r:embed="rId2">
-            <a:extLst>
-              <a:ext uri="{28A0092B-C50C-407E-A947-70E740481C1C}">
-                <a14:useLocalDpi xmlns:a14="http://schemas.microsoft.com/office/drawing/2010/main" val="0"/>
-              </a:ext>
-            </a:extLst>
-          </a:blip>
-          <a:stretch>
-            <a:fillRect/>
-          </a:stretch>
-        </p:blipFill>
-        <p:spPr>
-          <a:xfrm>
-            <a:off x="1168935" y="2546491"/>
-            <a:ext cx="1002146" cy="1002146"/>
-          </a:xfrm>
-          <a:prstGeom prst="rect">
-            <a:avLst/>
-          </a:prstGeom>
-        </p:spPr>
-      </p:pic>
-      <p:pic>
-        <p:nvPicPr>
-          <p:cNvPr id="51" name="图片 50"/>
-          <p:cNvPicPr>
-            <a:picLocks noChangeAspect="1"/>
-          </p:cNvPicPr>
-          <p:nvPr/>
-        </p:nvPicPr>
-        <p:blipFill>
-          <a:blip r:embed="rId2">
-            <a:extLst>
-              <a:ext uri="{28A0092B-C50C-407E-A947-70E740481C1C}">
-                <a14:useLocalDpi xmlns:a14="http://schemas.microsoft.com/office/drawing/2010/main" val="0"/>
-              </a:ext>
-            </a:extLst>
-          </a:blip>
-          <a:stretch>
-            <a:fillRect/>
-          </a:stretch>
-        </p:blipFill>
-        <p:spPr>
-          <a:xfrm>
-            <a:off x="2171081" y="2546491"/>
-            <a:ext cx="1002146" cy="1002146"/>
-          </a:xfrm>
-          <a:prstGeom prst="rect">
-            <a:avLst/>
-          </a:prstGeom>
-        </p:spPr>
-      </p:pic>
-      <p:pic>
-        <p:nvPicPr>
-          <p:cNvPr id="52" name="图片 51"/>
-          <p:cNvPicPr>
-            <a:picLocks noChangeAspect="1"/>
-          </p:cNvPicPr>
-          <p:nvPr/>
-        </p:nvPicPr>
-        <p:blipFill>
-          <a:blip r:embed="rId2">
-            <a:extLst>
-              <a:ext uri="{28A0092B-C50C-407E-A947-70E740481C1C}">
-                <a14:useLocalDpi xmlns:a14="http://schemas.microsoft.com/office/drawing/2010/main" val="0"/>
-              </a:ext>
-            </a:extLst>
-          </a:blip>
-          <a:stretch>
-            <a:fillRect/>
-          </a:stretch>
-        </p:blipFill>
-        <p:spPr>
-          <a:xfrm>
-            <a:off x="3173227" y="2570519"/>
-            <a:ext cx="1002146" cy="1002146"/>
-          </a:xfrm>
-          <a:prstGeom prst="rect">
-            <a:avLst/>
-          </a:prstGeom>
-        </p:spPr>
-      </p:pic>
-      <p:pic>
-        <p:nvPicPr>
-          <p:cNvPr id="53" name="图片 52"/>
-          <p:cNvPicPr>
-            <a:picLocks noChangeAspect="1"/>
-          </p:cNvPicPr>
-          <p:nvPr/>
-        </p:nvPicPr>
-        <p:blipFill>
-          <a:blip r:embed="rId2">
-            <a:extLst>
-              <a:ext uri="{28A0092B-C50C-407E-A947-70E740481C1C}">
-                <a14:useLocalDpi xmlns:a14="http://schemas.microsoft.com/office/drawing/2010/main" val="0"/>
-              </a:ext>
-            </a:extLst>
-          </a:blip>
-          <a:stretch>
-            <a:fillRect/>
-          </a:stretch>
-        </p:blipFill>
-        <p:spPr>
-          <a:xfrm>
-            <a:off x="4175373" y="2546491"/>
-            <a:ext cx="1002146" cy="1002146"/>
-          </a:xfrm>
-          <a:prstGeom prst="rect">
-            <a:avLst/>
-          </a:prstGeom>
-        </p:spPr>
-      </p:pic>
-      <p:pic>
-        <p:nvPicPr>
-          <p:cNvPr id="54" name="图片 53"/>
-          <p:cNvPicPr>
-            <a:picLocks noChangeAspect="1"/>
-          </p:cNvPicPr>
-          <p:nvPr/>
-        </p:nvPicPr>
-        <p:blipFill>
-          <a:blip r:embed="rId2">
-            <a:extLst>
-              <a:ext uri="{28A0092B-C50C-407E-A947-70E740481C1C}">
-                <a14:useLocalDpi xmlns:a14="http://schemas.microsoft.com/office/drawing/2010/main" val="0"/>
-              </a:ext>
-            </a:extLst>
-          </a:blip>
-          <a:stretch>
-            <a:fillRect/>
-          </a:stretch>
-        </p:blipFill>
-        <p:spPr>
-          <a:xfrm>
-            <a:off x="10184875" y="5406510"/>
-            <a:ext cx="1002146" cy="1002146"/>
-          </a:xfrm>
-          <a:prstGeom prst="rect">
-            <a:avLst/>
-          </a:prstGeom>
-        </p:spPr>
-      </p:pic>
-      <p:pic>
-        <p:nvPicPr>
-          <p:cNvPr id="55" name="图片 54"/>
-          <p:cNvPicPr>
-            <a:picLocks noChangeAspect="1"/>
-          </p:cNvPicPr>
-          <p:nvPr/>
-        </p:nvPicPr>
-        <p:blipFill>
-          <a:blip r:embed="rId2">
-            <a:extLst>
-              <a:ext uri="{28A0092B-C50C-407E-A947-70E740481C1C}">
-                <a14:useLocalDpi xmlns:a14="http://schemas.microsoft.com/office/drawing/2010/main" val="0"/>
-              </a:ext>
-            </a:extLst>
-          </a:blip>
-          <a:stretch>
-            <a:fillRect/>
-          </a:stretch>
-        </p:blipFill>
-        <p:spPr>
-          <a:xfrm>
-            <a:off x="10178127" y="4433992"/>
-            <a:ext cx="1002146" cy="1002146"/>
-          </a:xfrm>
-          <a:prstGeom prst="rect">
-            <a:avLst/>
-          </a:prstGeom>
-        </p:spPr>
-      </p:pic>
-      <p:pic>
-        <p:nvPicPr>
-          <p:cNvPr id="56" name="图片 55"/>
-          <p:cNvPicPr>
-            <a:picLocks noChangeAspect="1"/>
-          </p:cNvPicPr>
-          <p:nvPr/>
-        </p:nvPicPr>
-        <p:blipFill>
-          <a:blip r:embed="rId2">
-            <a:extLst>
-              <a:ext uri="{28A0092B-C50C-407E-A947-70E740481C1C}">
-                <a14:useLocalDpi xmlns:a14="http://schemas.microsoft.com/office/drawing/2010/main" val="0"/>
-              </a:ext>
-            </a:extLst>
-          </a:blip>
-          <a:stretch>
-            <a:fillRect/>
-          </a:stretch>
-        </p:blipFill>
-        <p:spPr>
-          <a:xfrm>
-            <a:off x="7181811" y="2546491"/>
-            <a:ext cx="1002146" cy="1002146"/>
-          </a:xfrm>
-          <a:prstGeom prst="rect">
-            <a:avLst/>
-          </a:prstGeom>
-        </p:spPr>
-      </p:pic>
-      <p:pic>
-        <p:nvPicPr>
-          <p:cNvPr id="57" name="图片 56"/>
-          <p:cNvPicPr>
-            <a:picLocks noChangeAspect="1"/>
-          </p:cNvPicPr>
-          <p:nvPr/>
-        </p:nvPicPr>
-        <p:blipFill>
-          <a:blip r:embed="rId2">
-            <a:extLst>
-              <a:ext uri="{28A0092B-C50C-407E-A947-70E740481C1C}">
-                <a14:useLocalDpi xmlns:a14="http://schemas.microsoft.com/office/drawing/2010/main" val="0"/>
-              </a:ext>
-            </a:extLst>
-          </a:blip>
-          <a:stretch>
-            <a:fillRect/>
-          </a:stretch>
-        </p:blipFill>
-        <p:spPr>
-          <a:xfrm>
-            <a:off x="8180583" y="2553700"/>
-            <a:ext cx="1002146" cy="1002146"/>
-          </a:xfrm>
-          <a:prstGeom prst="rect">
-            <a:avLst/>
-          </a:prstGeom>
-        </p:spPr>
-      </p:pic>
-      <p:pic>
-        <p:nvPicPr>
-          <p:cNvPr id="58" name="图片 57"/>
-          <p:cNvPicPr>
-            <a:picLocks noChangeAspect="1"/>
-          </p:cNvPicPr>
-          <p:nvPr/>
-        </p:nvPicPr>
-        <p:blipFill>
-          <a:blip r:embed="rId2">
-            <a:extLst>
-              <a:ext uri="{28A0092B-C50C-407E-A947-70E740481C1C}">
-                <a14:useLocalDpi xmlns:a14="http://schemas.microsoft.com/office/drawing/2010/main" val="0"/>
-              </a:ext>
-            </a:extLst>
-          </a:blip>
-          <a:stretch>
-            <a:fillRect/>
-          </a:stretch>
-        </p:blipFill>
-        <p:spPr>
-          <a:xfrm>
-            <a:off x="9175981" y="2577728"/>
-            <a:ext cx="1002146" cy="1002146"/>
-          </a:xfrm>
-          <a:prstGeom prst="rect">
-            <a:avLst/>
-          </a:prstGeom>
-        </p:spPr>
-      </p:pic>
-      <p:pic>
-        <p:nvPicPr>
-          <p:cNvPr id="59" name="图片 58"/>
-          <p:cNvPicPr>
-            <a:picLocks noChangeAspect="1"/>
-          </p:cNvPicPr>
-          <p:nvPr/>
-        </p:nvPicPr>
-        <p:blipFill>
-          <a:blip r:embed="rId2">
-            <a:extLst>
-              <a:ext uri="{28A0092B-C50C-407E-A947-70E740481C1C}">
-                <a14:useLocalDpi xmlns:a14="http://schemas.microsoft.com/office/drawing/2010/main" val="0"/>
-              </a:ext>
-            </a:extLst>
-          </a:blip>
-          <a:stretch>
-            <a:fillRect/>
-          </a:stretch>
-        </p:blipFill>
-        <p:spPr>
-          <a:xfrm>
-            <a:off x="10181501" y="2577728"/>
-            <a:ext cx="1002146" cy="1002146"/>
-          </a:xfrm>
-          <a:prstGeom prst="rect">
-            <a:avLst/>
-          </a:prstGeom>
-        </p:spPr>
-      </p:pic>
-      <p:pic>
-        <p:nvPicPr>
-          <p:cNvPr id="60" name="图片 59"/>
-          <p:cNvPicPr>
-            <a:picLocks noChangeAspect="1"/>
-          </p:cNvPicPr>
-          <p:nvPr/>
-        </p:nvPicPr>
-        <p:blipFill>
-          <a:blip r:embed="rId2">
-            <a:extLst>
-              <a:ext uri="{28A0092B-C50C-407E-A947-70E740481C1C}">
-                <a14:useLocalDpi xmlns:a14="http://schemas.microsoft.com/office/drawing/2010/main" val="0"/>
-              </a:ext>
-            </a:extLst>
-          </a:blip>
-          <a:stretch>
-            <a:fillRect/>
-          </a:stretch>
-        </p:blipFill>
-        <p:spPr>
-          <a:xfrm>
-            <a:off x="11187021" y="2577728"/>
-            <a:ext cx="1002146" cy="1002146"/>
-          </a:xfrm>
-          <a:prstGeom prst="rect">
-            <a:avLst/>
-          </a:prstGeom>
-        </p:spPr>
-      </p:pic>
-      <p:pic>
-        <p:nvPicPr>
-          <p:cNvPr id="61" name="图片 60"/>
-          <p:cNvPicPr>
-            <a:picLocks noChangeAspect="1"/>
-          </p:cNvPicPr>
-          <p:nvPr/>
-        </p:nvPicPr>
-        <p:blipFill>
-          <a:blip r:embed="rId2">
-            <a:extLst>
-              <a:ext uri="{28A0092B-C50C-407E-A947-70E740481C1C}">
-                <a14:useLocalDpi xmlns:a14="http://schemas.microsoft.com/office/drawing/2010/main" val="0"/>
-              </a:ext>
-            </a:extLst>
-          </a:blip>
-          <a:stretch>
-            <a:fillRect/>
-          </a:stretch>
-        </p:blipFill>
-        <p:spPr>
-          <a:xfrm>
-            <a:off x="166789" y="3370981"/>
-            <a:ext cx="1002146" cy="1002146"/>
-          </a:xfrm>
-          <a:prstGeom prst="rect">
-            <a:avLst/>
-          </a:prstGeom>
-        </p:spPr>
-      </p:pic>
-      <p:pic>
-        <p:nvPicPr>
-          <p:cNvPr id="62" name="图片 61"/>
-          <p:cNvPicPr>
-            <a:picLocks noChangeAspect="1"/>
-          </p:cNvPicPr>
-          <p:nvPr/>
-        </p:nvPicPr>
-        <p:blipFill>
-          <a:blip r:embed="rId2">
-            <a:extLst>
-              <a:ext uri="{28A0092B-C50C-407E-A947-70E740481C1C}">
-                <a14:useLocalDpi xmlns:a14="http://schemas.microsoft.com/office/drawing/2010/main" val="0"/>
-              </a:ext>
-            </a:extLst>
-          </a:blip>
-          <a:stretch>
-            <a:fillRect/>
-          </a:stretch>
-        </p:blipFill>
-        <p:spPr>
-          <a:xfrm>
-            <a:off x="1168935" y="3370981"/>
-            <a:ext cx="1002146" cy="1002146"/>
-          </a:xfrm>
-          <a:prstGeom prst="rect">
-            <a:avLst/>
-          </a:prstGeom>
-        </p:spPr>
-      </p:pic>
-      <p:pic>
-        <p:nvPicPr>
-          <p:cNvPr id="63" name="图片 62"/>
-          <p:cNvPicPr>
-            <a:picLocks noChangeAspect="1"/>
-          </p:cNvPicPr>
-          <p:nvPr/>
-        </p:nvPicPr>
-        <p:blipFill>
-          <a:blip r:embed="rId2">
-            <a:extLst>
-              <a:ext uri="{28A0092B-C50C-407E-A947-70E740481C1C}">
-                <a14:useLocalDpi xmlns:a14="http://schemas.microsoft.com/office/drawing/2010/main" val="0"/>
-              </a:ext>
-            </a:extLst>
-          </a:blip>
-          <a:stretch>
-            <a:fillRect/>
-          </a:stretch>
-        </p:blipFill>
-        <p:spPr>
-          <a:xfrm>
-            <a:off x="2171081" y="3370981"/>
-            <a:ext cx="1002146" cy="1002146"/>
-          </a:xfrm>
-          <a:prstGeom prst="rect">
-            <a:avLst/>
-          </a:prstGeom>
-        </p:spPr>
-      </p:pic>
-      <p:pic>
-        <p:nvPicPr>
-          <p:cNvPr id="64" name="图片 63"/>
-          <p:cNvPicPr>
-            <a:picLocks noChangeAspect="1"/>
-          </p:cNvPicPr>
-          <p:nvPr/>
-        </p:nvPicPr>
-        <p:blipFill>
-          <a:blip r:embed="rId2">
-            <a:extLst>
-              <a:ext uri="{28A0092B-C50C-407E-A947-70E740481C1C}">
-                <a14:useLocalDpi xmlns:a14="http://schemas.microsoft.com/office/drawing/2010/main" val="0"/>
-              </a:ext>
-            </a:extLst>
-          </a:blip>
-          <a:stretch>
-            <a:fillRect/>
-          </a:stretch>
-        </p:blipFill>
-        <p:spPr>
-          <a:xfrm>
-            <a:off x="3173227" y="3395009"/>
-            <a:ext cx="1002146" cy="1002146"/>
-          </a:xfrm>
-          <a:prstGeom prst="rect">
-            <a:avLst/>
-          </a:prstGeom>
-        </p:spPr>
-      </p:pic>
-      <p:pic>
-        <p:nvPicPr>
-          <p:cNvPr id="65" name="图片 64"/>
-          <p:cNvPicPr>
-            <a:picLocks noChangeAspect="1"/>
-          </p:cNvPicPr>
-          <p:nvPr/>
-        </p:nvPicPr>
-        <p:blipFill>
-          <a:blip r:embed="rId2">
-            <a:extLst>
-              <a:ext uri="{28A0092B-C50C-407E-A947-70E740481C1C}">
-                <a14:useLocalDpi xmlns:a14="http://schemas.microsoft.com/office/drawing/2010/main" val="0"/>
-              </a:ext>
-            </a:extLst>
-          </a:blip>
-          <a:stretch>
-            <a:fillRect/>
-          </a:stretch>
-        </p:blipFill>
-        <p:spPr>
-          <a:xfrm>
-            <a:off x="4175373" y="3370981"/>
-            <a:ext cx="1002146" cy="1002146"/>
-          </a:xfrm>
-          <a:prstGeom prst="rect">
-            <a:avLst/>
-          </a:prstGeom>
-        </p:spPr>
-      </p:pic>
-      <p:pic>
-        <p:nvPicPr>
-          <p:cNvPr id="66" name="图片 65"/>
-          <p:cNvPicPr>
-            <a:picLocks noChangeAspect="1"/>
-          </p:cNvPicPr>
-          <p:nvPr/>
-        </p:nvPicPr>
-        <p:blipFill>
-          <a:blip r:embed="rId2">
-            <a:extLst>
-              <a:ext uri="{28A0092B-C50C-407E-A947-70E740481C1C}">
-                <a14:useLocalDpi xmlns:a14="http://schemas.microsoft.com/office/drawing/2010/main" val="0"/>
-              </a:ext>
-            </a:extLst>
-          </a:blip>
-          <a:stretch>
-            <a:fillRect/>
-          </a:stretch>
-        </p:blipFill>
-        <p:spPr>
-          <a:xfrm>
-            <a:off x="11116688" y="5399301"/>
-            <a:ext cx="1002146" cy="1002146"/>
-          </a:xfrm>
-          <a:prstGeom prst="rect">
-            <a:avLst/>
-          </a:prstGeom>
-        </p:spPr>
-      </p:pic>
-      <p:pic>
-        <p:nvPicPr>
-          <p:cNvPr id="67" name="图片 66"/>
-          <p:cNvPicPr>
-            <a:picLocks noChangeAspect="1"/>
-          </p:cNvPicPr>
-          <p:nvPr/>
-        </p:nvPicPr>
-        <p:blipFill>
-          <a:blip r:embed="rId2">
-            <a:extLst>
-              <a:ext uri="{28A0092B-C50C-407E-A947-70E740481C1C}">
-                <a14:useLocalDpi xmlns:a14="http://schemas.microsoft.com/office/drawing/2010/main" val="0"/>
-              </a:ext>
-            </a:extLst>
-          </a:blip>
-          <a:stretch>
-            <a:fillRect/>
-          </a:stretch>
-        </p:blipFill>
-        <p:spPr>
-          <a:xfrm>
-            <a:off x="11116688" y="4397155"/>
-            <a:ext cx="1002146" cy="1002146"/>
-          </a:xfrm>
-          <a:prstGeom prst="rect">
-            <a:avLst/>
-          </a:prstGeom>
-        </p:spPr>
-      </p:pic>
-      <p:pic>
-        <p:nvPicPr>
-          <p:cNvPr id="68" name="图片 67"/>
-          <p:cNvPicPr>
-            <a:picLocks noChangeAspect="1"/>
-          </p:cNvPicPr>
-          <p:nvPr/>
-        </p:nvPicPr>
-        <p:blipFill>
-          <a:blip r:embed="rId2">
-            <a:extLst>
-              <a:ext uri="{28A0092B-C50C-407E-A947-70E740481C1C}">
-                <a14:useLocalDpi xmlns:a14="http://schemas.microsoft.com/office/drawing/2010/main" val="0"/>
-              </a:ext>
-            </a:extLst>
-          </a:blip>
-          <a:stretch>
-            <a:fillRect/>
-          </a:stretch>
-        </p:blipFill>
-        <p:spPr>
-          <a:xfrm>
-            <a:off x="7181811" y="3370981"/>
-            <a:ext cx="1002146" cy="1002146"/>
-          </a:xfrm>
-          <a:prstGeom prst="rect">
-            <a:avLst/>
-          </a:prstGeom>
-        </p:spPr>
-      </p:pic>
-      <p:pic>
-        <p:nvPicPr>
-          <p:cNvPr id="69" name="图片 68"/>
-          <p:cNvPicPr>
-            <a:picLocks noChangeAspect="1"/>
-          </p:cNvPicPr>
-          <p:nvPr/>
-        </p:nvPicPr>
-        <p:blipFill>
-          <a:blip r:embed="rId2">
-            <a:extLst>
-              <a:ext uri="{28A0092B-C50C-407E-A947-70E740481C1C}">
-                <a14:useLocalDpi xmlns:a14="http://schemas.microsoft.com/office/drawing/2010/main" val="0"/>
-              </a:ext>
-            </a:extLst>
-          </a:blip>
-          <a:stretch>
-            <a:fillRect/>
-          </a:stretch>
-        </p:blipFill>
-        <p:spPr>
-          <a:xfrm>
-            <a:off x="8180583" y="3378190"/>
-            <a:ext cx="1002146" cy="1002146"/>
-          </a:xfrm>
-          <a:prstGeom prst="rect">
-            <a:avLst/>
-          </a:prstGeom>
-        </p:spPr>
-      </p:pic>
-      <p:pic>
-        <p:nvPicPr>
-          <p:cNvPr id="70" name="图片 69"/>
-          <p:cNvPicPr>
-            <a:picLocks noChangeAspect="1"/>
-          </p:cNvPicPr>
-          <p:nvPr/>
-        </p:nvPicPr>
-        <p:blipFill>
-          <a:blip r:embed="rId2">
-            <a:extLst>
-              <a:ext uri="{28A0092B-C50C-407E-A947-70E740481C1C}">
-                <a14:useLocalDpi xmlns:a14="http://schemas.microsoft.com/office/drawing/2010/main" val="0"/>
-              </a:ext>
-            </a:extLst>
-          </a:blip>
-          <a:stretch>
-            <a:fillRect/>
-          </a:stretch>
-        </p:blipFill>
-        <p:spPr>
-          <a:xfrm>
-            <a:off x="9175981" y="3402218"/>
-            <a:ext cx="1002146" cy="1002146"/>
-          </a:xfrm>
-          <a:prstGeom prst="rect">
-            <a:avLst/>
-          </a:prstGeom>
-        </p:spPr>
-      </p:pic>
-      <p:pic>
-        <p:nvPicPr>
-          <p:cNvPr id="71" name="图片 70"/>
-          <p:cNvPicPr>
-            <a:picLocks noChangeAspect="1"/>
-          </p:cNvPicPr>
-          <p:nvPr/>
-        </p:nvPicPr>
-        <p:blipFill>
-          <a:blip r:embed="rId2">
-            <a:extLst>
-              <a:ext uri="{28A0092B-C50C-407E-A947-70E740481C1C}">
-                <a14:useLocalDpi xmlns:a14="http://schemas.microsoft.com/office/drawing/2010/main" val="0"/>
-              </a:ext>
-            </a:extLst>
-          </a:blip>
-          <a:stretch>
-            <a:fillRect/>
-          </a:stretch>
-        </p:blipFill>
-        <p:spPr>
-          <a:xfrm>
-            <a:off x="10181501" y="3402218"/>
-            <a:ext cx="1002146" cy="1002146"/>
-          </a:xfrm>
-          <a:prstGeom prst="rect">
-            <a:avLst/>
-          </a:prstGeom>
-        </p:spPr>
-      </p:pic>
-      <p:pic>
-        <p:nvPicPr>
-          <p:cNvPr id="72" name="图片 71"/>
-          <p:cNvPicPr>
-            <a:picLocks noChangeAspect="1"/>
-          </p:cNvPicPr>
-          <p:nvPr/>
-        </p:nvPicPr>
-        <p:blipFill>
-          <a:blip r:embed="rId2">
-            <a:extLst>
-              <a:ext uri="{28A0092B-C50C-407E-A947-70E740481C1C}">
-                <a14:useLocalDpi xmlns:a14="http://schemas.microsoft.com/office/drawing/2010/main" val="0"/>
-              </a:ext>
-            </a:extLst>
-          </a:blip>
-          <a:stretch>
-            <a:fillRect/>
-          </a:stretch>
-        </p:blipFill>
-        <p:spPr>
-          <a:xfrm>
-            <a:off x="11187021" y="3402218"/>
-            <a:ext cx="1002146" cy="1002146"/>
-          </a:xfrm>
-          <a:prstGeom prst="rect">
-            <a:avLst/>
-          </a:prstGeom>
+          <a:noFill/>
+          <a:ln w="9525">
+            <a:noFill/>
+            <a:miter lim="800000"/>
+            <a:headEnd/>
+            <a:tailEnd/>
+          </a:ln>
+          <a:effectLst/>
         </p:spPr>
       </p:pic>
     </p:spTree>
     <p:extLst>
       <p:ext uri="{BB962C8B-B14F-4D97-AF65-F5344CB8AC3E}">
-        <p14:creationId xmlns:p14="http://schemas.microsoft.com/office/powerpoint/2010/main" val="3237648164"/>
+        <p14:creationId xmlns:p14="http://schemas.microsoft.com/office/powerpoint/2010/main" xmlns="" val="4223806462"/>
       </p:ext>
     </p:extLst>
   </p:cSld>
@@ -6483,7 +7773,7 @@
     </a:clrScheme>
     <a:fontScheme name="Office">
       <a:majorFont>
-        <a:latin typeface="等线 Light" panose="020F0302020204030204"/>
+        <a:latin typeface="等线 Light"/>
         <a:ea typeface=""/>
         <a:cs typeface=""/>
         <a:font script="Jpan" typeface="游ゴシック Light"/>
@@ -6518,7 +7808,7 @@
         <a:font script="Geor" typeface="Sylfaen"/>
       </a:majorFont>
       <a:minorFont>
-        <a:latin typeface="等线" panose="020F0502020204030204"/>
+        <a:latin typeface="等线"/>
         <a:ea typeface=""/>
         <a:cs typeface=""/>
         <a:font script="Jpan" typeface="游ゴシック"/>
@@ -6695,7 +7985,7 @@
   <a:extraClrSchemeLst/>
   <a:extLst>
     <a:ext uri="{05A4C25C-085E-4340-85A3-A5531E510DB2}">
-      <thm15:themeFamily xmlns:thm15="http://schemas.microsoft.com/office/thememl/2012/main" name="Office Theme" id="{62F939B6-93AF-4DB8-9C6B-D6C7DFDC589F}" vid="{4A3C46E8-61CC-4603-A589-7422A47A8E4A}"/>
+      <thm15:themeFamily xmlns:thm15="http://schemas.microsoft.com/office/thememl/2012/main" xmlns="" name="Office Theme" id="{62F939B6-93AF-4DB8-9C6B-D6C7DFDC589F}" vid="{4A3C46E8-61CC-4603-A589-7422A47A8E4A}"/>
     </a:ext>
   </a:extLst>
 </a:theme>

--- a/激情演讲.pptx
+++ b/激情演讲.pptx
@@ -116,7 +116,18 @@
   </p:defaultTextStyle>
   <p:extLst>
     <p:ext uri="{EFAFB233-063F-42B5-8137-9DF3F51BA10A}">
-      <p15:sldGuideLst xmlns:p15="http://schemas.microsoft.com/office/powerpoint/2012/main" xmlns=""/>
+      <p15:sldGuideLst xmlns:p15="http://schemas.microsoft.com/office/powerpoint/2012/main">
+        <p15:guide id="1" orient="horz" pos="2160">
+          <p15:clr>
+            <a:srgbClr val="A4A3A4"/>
+          </p15:clr>
+        </p15:guide>
+        <p15:guide id="2" pos="3840">
+          <p15:clr>
+            <a:srgbClr val="A4A3A4"/>
+          </p15:clr>
+        </p15:guide>
+      </p15:sldGuideLst>
     </p:ext>
   </p:extLst>
 </p:presentation>
@@ -254,7 +265,7 @@
             <a:fld id="{088B0906-6CF8-4B6F-9999-52E9B8B394F6}" type="datetimeFigureOut">
               <a:rPr lang="zh-CN" altLang="en-US" smtClean="0"/>
               <a:pPr/>
-              <a:t>2023/11/26</a:t>
+              <a:t>2023/11/29</a:t>
             </a:fld>
             <a:endParaRPr lang="zh-CN" altLang="en-US"/>
           </a:p>
@@ -306,7 +317,7 @@
     </p:spTree>
     <p:extLst>
       <p:ext uri="{BB962C8B-B14F-4D97-AF65-F5344CB8AC3E}">
-        <p14:creationId xmlns:p14="http://schemas.microsoft.com/office/powerpoint/2010/main" xmlns="" val="3243702133"/>
+        <p14:creationId xmlns:p14="http://schemas.microsoft.com/office/powerpoint/2010/main" val="3243702133"/>
       </p:ext>
     </p:extLst>
   </p:cSld>
@@ -426,7 +437,7 @@
             <a:fld id="{088B0906-6CF8-4B6F-9999-52E9B8B394F6}" type="datetimeFigureOut">
               <a:rPr lang="zh-CN" altLang="en-US" smtClean="0"/>
               <a:pPr/>
-              <a:t>2023/11/26</a:t>
+              <a:t>2023/11/29</a:t>
             </a:fld>
             <a:endParaRPr lang="zh-CN" altLang="en-US"/>
           </a:p>
@@ -478,7 +489,7 @@
     </p:spTree>
     <p:extLst>
       <p:ext uri="{BB962C8B-B14F-4D97-AF65-F5344CB8AC3E}">
-        <p14:creationId xmlns:p14="http://schemas.microsoft.com/office/powerpoint/2010/main" xmlns="" val="1240899321"/>
+        <p14:creationId xmlns:p14="http://schemas.microsoft.com/office/powerpoint/2010/main" val="1240899321"/>
       </p:ext>
     </p:extLst>
   </p:cSld>
@@ -608,7 +619,7 @@
             <a:fld id="{088B0906-6CF8-4B6F-9999-52E9B8B394F6}" type="datetimeFigureOut">
               <a:rPr lang="zh-CN" altLang="en-US" smtClean="0"/>
               <a:pPr/>
-              <a:t>2023/11/26</a:t>
+              <a:t>2023/11/29</a:t>
             </a:fld>
             <a:endParaRPr lang="zh-CN" altLang="en-US"/>
           </a:p>
@@ -660,7 +671,7 @@
     </p:spTree>
     <p:extLst>
       <p:ext uri="{BB962C8B-B14F-4D97-AF65-F5344CB8AC3E}">
-        <p14:creationId xmlns:p14="http://schemas.microsoft.com/office/powerpoint/2010/main" xmlns="" val="2590562766"/>
+        <p14:creationId xmlns:p14="http://schemas.microsoft.com/office/powerpoint/2010/main" val="2590562766"/>
       </p:ext>
     </p:extLst>
   </p:cSld>
@@ -780,7 +791,7 @@
             <a:fld id="{088B0906-6CF8-4B6F-9999-52E9B8B394F6}" type="datetimeFigureOut">
               <a:rPr lang="zh-CN" altLang="en-US" smtClean="0"/>
               <a:pPr/>
-              <a:t>2023/11/26</a:t>
+              <a:t>2023/11/29</a:t>
             </a:fld>
             <a:endParaRPr lang="zh-CN" altLang="en-US"/>
           </a:p>
@@ -832,7 +843,7 @@
     </p:spTree>
     <p:extLst>
       <p:ext uri="{BB962C8B-B14F-4D97-AF65-F5344CB8AC3E}">
-        <p14:creationId xmlns:p14="http://schemas.microsoft.com/office/powerpoint/2010/main" xmlns="" val="2613875596"/>
+        <p14:creationId xmlns:p14="http://schemas.microsoft.com/office/powerpoint/2010/main" val="2613875596"/>
       </p:ext>
     </p:extLst>
   </p:cSld>
@@ -1028,7 +1039,7 @@
             <a:fld id="{088B0906-6CF8-4B6F-9999-52E9B8B394F6}" type="datetimeFigureOut">
               <a:rPr lang="zh-CN" altLang="en-US" smtClean="0"/>
               <a:pPr/>
-              <a:t>2023/11/26</a:t>
+              <a:t>2023/11/29</a:t>
             </a:fld>
             <a:endParaRPr lang="zh-CN" altLang="en-US"/>
           </a:p>
@@ -1080,7 +1091,7 @@
     </p:spTree>
     <p:extLst>
       <p:ext uri="{BB962C8B-B14F-4D97-AF65-F5344CB8AC3E}">
-        <p14:creationId xmlns:p14="http://schemas.microsoft.com/office/powerpoint/2010/main" xmlns="" val="213276529"/>
+        <p14:creationId xmlns:p14="http://schemas.microsoft.com/office/powerpoint/2010/main" val="213276529"/>
       </p:ext>
     </p:extLst>
   </p:cSld>
@@ -1262,7 +1273,7 @@
             <a:fld id="{088B0906-6CF8-4B6F-9999-52E9B8B394F6}" type="datetimeFigureOut">
               <a:rPr lang="zh-CN" altLang="en-US" smtClean="0"/>
               <a:pPr/>
-              <a:t>2023/11/26</a:t>
+              <a:t>2023/11/29</a:t>
             </a:fld>
             <a:endParaRPr lang="zh-CN" altLang="en-US"/>
           </a:p>
@@ -1314,7 +1325,7 @@
     </p:spTree>
     <p:extLst>
       <p:ext uri="{BB962C8B-B14F-4D97-AF65-F5344CB8AC3E}">
-        <p14:creationId xmlns:p14="http://schemas.microsoft.com/office/powerpoint/2010/main" xmlns="" val="247186576"/>
+        <p14:creationId xmlns:p14="http://schemas.microsoft.com/office/powerpoint/2010/main" val="247186576"/>
       </p:ext>
     </p:extLst>
   </p:cSld>
@@ -1631,7 +1642,7 @@
             <a:fld id="{088B0906-6CF8-4B6F-9999-52E9B8B394F6}" type="datetimeFigureOut">
               <a:rPr lang="zh-CN" altLang="en-US" smtClean="0"/>
               <a:pPr/>
-              <a:t>2023/11/26</a:t>
+              <a:t>2023/11/29</a:t>
             </a:fld>
             <a:endParaRPr lang="zh-CN" altLang="en-US"/>
           </a:p>
@@ -1683,7 +1694,7 @@
     </p:spTree>
     <p:extLst>
       <p:ext uri="{BB962C8B-B14F-4D97-AF65-F5344CB8AC3E}">
-        <p14:creationId xmlns:p14="http://schemas.microsoft.com/office/powerpoint/2010/main" xmlns="" val="2155751304"/>
+        <p14:creationId xmlns:p14="http://schemas.microsoft.com/office/powerpoint/2010/main" val="2155751304"/>
       </p:ext>
     </p:extLst>
   </p:cSld>
@@ -1751,7 +1762,7 @@
             <a:fld id="{088B0906-6CF8-4B6F-9999-52E9B8B394F6}" type="datetimeFigureOut">
               <a:rPr lang="zh-CN" altLang="en-US" smtClean="0"/>
               <a:pPr/>
-              <a:t>2023/11/26</a:t>
+              <a:t>2023/11/29</a:t>
             </a:fld>
             <a:endParaRPr lang="zh-CN" altLang="en-US"/>
           </a:p>
@@ -1803,7 +1814,7 @@
     </p:spTree>
     <p:extLst>
       <p:ext uri="{BB962C8B-B14F-4D97-AF65-F5344CB8AC3E}">
-        <p14:creationId xmlns:p14="http://schemas.microsoft.com/office/powerpoint/2010/main" xmlns="" val="3260696510"/>
+        <p14:creationId xmlns:p14="http://schemas.microsoft.com/office/powerpoint/2010/main" val="3260696510"/>
       </p:ext>
     </p:extLst>
   </p:cSld>
@@ -1848,7 +1859,7 @@
             <a:fld id="{088B0906-6CF8-4B6F-9999-52E9B8B394F6}" type="datetimeFigureOut">
               <a:rPr lang="zh-CN" altLang="en-US" smtClean="0"/>
               <a:pPr/>
-              <a:t>2023/11/26</a:t>
+              <a:t>2023/11/29</a:t>
             </a:fld>
             <a:endParaRPr lang="zh-CN" altLang="en-US"/>
           </a:p>
@@ -1900,7 +1911,7 @@
     </p:spTree>
     <p:extLst>
       <p:ext uri="{BB962C8B-B14F-4D97-AF65-F5344CB8AC3E}">
-        <p14:creationId xmlns:p14="http://schemas.microsoft.com/office/powerpoint/2010/main" xmlns="" val="4159628063"/>
+        <p14:creationId xmlns:p14="http://schemas.microsoft.com/office/powerpoint/2010/main" val="4159628063"/>
       </p:ext>
     </p:extLst>
   </p:cSld>
@@ -2127,7 +2138,7 @@
             <a:fld id="{088B0906-6CF8-4B6F-9999-52E9B8B394F6}" type="datetimeFigureOut">
               <a:rPr lang="zh-CN" altLang="en-US" smtClean="0"/>
               <a:pPr/>
-              <a:t>2023/11/26</a:t>
+              <a:t>2023/11/29</a:t>
             </a:fld>
             <a:endParaRPr lang="zh-CN" altLang="en-US"/>
           </a:p>
@@ -2179,7 +2190,7 @@
     </p:spTree>
     <p:extLst>
       <p:ext uri="{BB962C8B-B14F-4D97-AF65-F5344CB8AC3E}">
-        <p14:creationId xmlns:p14="http://schemas.microsoft.com/office/powerpoint/2010/main" xmlns="" val="2139939528"/>
+        <p14:creationId xmlns:p14="http://schemas.microsoft.com/office/powerpoint/2010/main" val="2139939528"/>
       </p:ext>
     </p:extLst>
   </p:cSld>
@@ -2382,7 +2393,7 @@
             <a:fld id="{088B0906-6CF8-4B6F-9999-52E9B8B394F6}" type="datetimeFigureOut">
               <a:rPr lang="zh-CN" altLang="en-US" smtClean="0"/>
               <a:pPr/>
-              <a:t>2023/11/26</a:t>
+              <a:t>2023/11/29</a:t>
             </a:fld>
             <a:endParaRPr lang="zh-CN" altLang="en-US"/>
           </a:p>
@@ -2434,7 +2445,7 @@
     </p:spTree>
     <p:extLst>
       <p:ext uri="{BB962C8B-B14F-4D97-AF65-F5344CB8AC3E}">
-        <p14:creationId xmlns:p14="http://schemas.microsoft.com/office/powerpoint/2010/main" xmlns="" val="270694529"/>
+        <p14:creationId xmlns:p14="http://schemas.microsoft.com/office/powerpoint/2010/main" val="270694529"/>
       </p:ext>
     </p:extLst>
   </p:cSld>
@@ -2597,7 +2608,7 @@
             <a:fld id="{088B0906-6CF8-4B6F-9999-52E9B8B394F6}" type="datetimeFigureOut">
               <a:rPr lang="zh-CN" altLang="en-US" smtClean="0"/>
               <a:pPr/>
-              <a:t>2023/11/26</a:t>
+              <a:t>2023/11/29</a:t>
             </a:fld>
             <a:endParaRPr lang="zh-CN" altLang="en-US"/>
           </a:p>
@@ -2685,7 +2696,7 @@
     </p:spTree>
     <p:extLst>
       <p:ext uri="{BB962C8B-B14F-4D97-AF65-F5344CB8AC3E}">
-        <p14:creationId xmlns:p14="http://schemas.microsoft.com/office/powerpoint/2010/main" xmlns="" val="3518305882"/>
+        <p14:creationId xmlns:p14="http://schemas.microsoft.com/office/powerpoint/2010/main" val="3518305882"/>
       </p:ext>
     </p:extLst>
   </p:cSld>
@@ -3113,7 +3124,7 @@
           <a:blip r:embed="rId2">
             <a:extLst>
               <a:ext uri="{28A0092B-C50C-407E-A947-70E740481C1C}">
-                <a14:useLocalDpi xmlns:a14="http://schemas.microsoft.com/office/drawing/2010/main" xmlns="" val="0"/>
+                <a14:useLocalDpi xmlns:a14="http://schemas.microsoft.com/office/drawing/2010/main" val="0"/>
               </a:ext>
             </a:extLst>
           </a:blip>
@@ -3169,10 +3180,78 @@
           </a:p>
         </p:txBody>
       </p:sp>
+      <p:sp>
+        <p:nvSpPr>
+          <p:cNvPr id="7" name="文本框 6"/>
+          <p:cNvSpPr txBox="1"/>
+          <p:nvPr/>
+        </p:nvSpPr>
+        <p:spPr>
+          <a:xfrm>
+            <a:off x="99645" y="129929"/>
+            <a:ext cx="5750170" cy="1969770"/>
+          </a:xfrm>
+          <a:prstGeom prst="rect">
+            <a:avLst/>
+          </a:prstGeom>
+          <a:noFill/>
+        </p:spPr>
+        <p:txBody>
+          <a:bodyPr wrap="square" rtlCol="0">
+            <a:spAutoFit/>
+          </a:bodyPr>
+          <a:lstStyle/>
+          <a:p>
+            <a:r>
+              <a:rPr lang="en-US" altLang="zh-CN" sz="2400" b="1" dirty="0" smtClean="0"/>
+              <a:t>Update:</a:t>
+            </a:r>
+          </a:p>
+          <a:p>
+            <a:r>
+              <a:rPr lang="en-US" altLang="zh-CN" sz="2000" dirty="0" smtClean="0"/>
+              <a:t>2023.11.24 </a:t>
+            </a:r>
+            <a:r>
+              <a:rPr lang="zh-CN" altLang="en-US" sz="2000" dirty="0" smtClean="0"/>
+              <a:t>拥有提词器</a:t>
+            </a:r>
+            <a:endParaRPr lang="en-US" altLang="zh-CN" sz="2000" dirty="0" smtClean="0"/>
+          </a:p>
+          <a:p>
+            <a:r>
+              <a:rPr lang="en-US" altLang="zh-CN" sz="2000" dirty="0" smtClean="0"/>
+              <a:t>2023.11.26 </a:t>
+            </a:r>
+            <a:r>
+              <a:rPr lang="zh-CN" altLang="en-US" sz="2000" dirty="0" smtClean="0"/>
+              <a:t>增加图片</a:t>
+            </a:r>
+            <a:endParaRPr lang="en-US" altLang="zh-CN" sz="2000" dirty="0" smtClean="0"/>
+          </a:p>
+          <a:p>
+            <a:r>
+              <a:rPr lang="en-US" altLang="zh-CN" sz="2000" dirty="0" smtClean="0"/>
+              <a:t>2023.11.29 </a:t>
+            </a:r>
+            <a:r>
+              <a:rPr lang="zh-CN" altLang="en-US" sz="2000" dirty="0" smtClean="0"/>
+              <a:t>发现稿子太长了提词器又多塞了点东西</a:t>
+            </a:r>
+            <a:endParaRPr lang="en-US" altLang="zh-CN" sz="2000" dirty="0" smtClean="0"/>
+          </a:p>
+          <a:p>
+            <a:endParaRPr lang="en-US" altLang="zh-CN" sz="2000" dirty="0" smtClean="0"/>
+          </a:p>
+          <a:p>
+            <a:endParaRPr lang="zh-CN" altLang="en-US" dirty="0"/>
+          </a:p>
+        </p:txBody>
+      </p:sp>
     </p:spTree>
     <p:extLst>
       <p:ext uri="{BB962C8B-B14F-4D97-AF65-F5344CB8AC3E}">
-        <p14:creationId xmlns:p14="http://schemas.microsoft.com/office/powerpoint/2010/main" xmlns="" val="353376672"/>
+        <p14:creationId xmlns:p14="http://schemas.microsoft.com/office/powerpoint/2010/main" val="353376672"/>
       </p:ext>
     </p:extLst>
   </p:cSld>
@@ -3337,7 +3416,7 @@
         </p:nvSpPr>
         <p:spPr>
           <a:xfrm>
-            <a:off x="4942768" y="2363130"/>
+            <a:off x="5013101" y="2906786"/>
             <a:ext cx="10515600" cy="1325563"/>
           </a:xfrm>
         </p:spPr>
@@ -3469,30 +3548,26 @@
               <a:t>	</a:t>
             </a:r>
             <a:r>
-              <a:rPr lang="en-US" altLang="zh-CN" sz="2000" dirty="0" err="1" smtClean="0"/>
-              <a:t>BambooDay</a:t>
-            </a:r>
-            <a:r>
-              <a:rPr lang="en-US" altLang="zh-CN" sz="2000" dirty="0" smtClean="0"/>
-              <a:t> </a:t>
-            </a:r>
-            <a:r>
-              <a:rPr lang="zh-CN" altLang="en-US" sz="2000" dirty="0" smtClean="0"/>
+              <a:rPr lang="en-US" altLang="zh-CN" sz="2000" strike="sngStrike" dirty="0" smtClean="0"/>
+              <a:t>BambooDay </a:t>
+            </a:r>
+            <a:r>
+              <a:rPr lang="zh-CN" altLang="en-US" sz="2000" strike="sngStrike" dirty="0" smtClean="0"/>
               <a:t>著作 </a:t>
             </a:r>
             <a:r>
-              <a:rPr lang="en-US" altLang="zh-CN" sz="2000" dirty="0" smtClean="0"/>
+              <a:rPr lang="en-US" altLang="zh-CN" sz="2000" strike="sngStrike" dirty="0" smtClean="0"/>
               <a:t>《</a:t>
             </a:r>
             <a:r>
-              <a:rPr lang="zh-CN" altLang="en-US" sz="2000" dirty="0" smtClean="0"/>
+              <a:rPr lang="zh-CN" altLang="en-US" sz="2000" strike="sngStrike" dirty="0" smtClean="0"/>
               <a:t>命运论</a:t>
             </a:r>
             <a:r>
-              <a:rPr lang="en-US" altLang="zh-CN" sz="2000" dirty="0" smtClean="0"/>
+              <a:rPr lang="en-US" altLang="zh-CN" sz="2000" strike="sngStrike" dirty="0" smtClean="0"/>
               <a:t>》</a:t>
             </a:r>
-            <a:endParaRPr lang="en-US" altLang="zh-CN" sz="2000" dirty="0"/>
+            <a:endParaRPr lang="en-US" altLang="zh-CN" sz="2000" strike="sngStrike" dirty="0"/>
           </a:p>
           <a:p>
             <a:pPr marL="0" indent="0">
@@ -3510,156 +3585,6 @@
           </a:p>
         </p:txBody>
       </p:sp>
-      <p:pic>
-        <p:nvPicPr>
-          <p:cNvPr id="7" name="图片 6"/>
-          <p:cNvPicPr>
-            <a:picLocks noChangeAspect="1"/>
-          </p:cNvPicPr>
-          <p:nvPr/>
-        </p:nvPicPr>
-        <p:blipFill>
-          <a:blip r:embed="rId2">
-            <a:extLst>
-              <a:ext uri="{28A0092B-C50C-407E-A947-70E740481C1C}">
-                <a14:useLocalDpi xmlns:a14="http://schemas.microsoft.com/office/drawing/2010/main" xmlns="" val="0"/>
-              </a:ext>
-            </a:extLst>
-          </a:blip>
-          <a:stretch>
-            <a:fillRect/>
-          </a:stretch>
-        </p:blipFill>
-        <p:spPr>
-          <a:xfrm>
-            <a:off x="96456" y="77061"/>
-            <a:ext cx="1002146" cy="1002146"/>
-          </a:xfrm>
-          <a:prstGeom prst="rect">
-            <a:avLst/>
-          </a:prstGeom>
-        </p:spPr>
-      </p:pic>
-      <p:pic>
-        <p:nvPicPr>
-          <p:cNvPr id="9" name="图片 8"/>
-          <p:cNvPicPr>
-            <a:picLocks noChangeAspect="1"/>
-          </p:cNvPicPr>
-          <p:nvPr/>
-        </p:nvPicPr>
-        <p:blipFill>
-          <a:blip r:embed="rId2">
-            <a:extLst>
-              <a:ext uri="{28A0092B-C50C-407E-A947-70E740481C1C}">
-                <a14:useLocalDpi xmlns:a14="http://schemas.microsoft.com/office/drawing/2010/main" xmlns="" val="0"/>
-              </a:ext>
-            </a:extLst>
-          </a:blip>
-          <a:stretch>
-            <a:fillRect/>
-          </a:stretch>
-        </p:blipFill>
-        <p:spPr>
-          <a:xfrm>
-            <a:off x="1098602" y="77061"/>
-            <a:ext cx="1002146" cy="1002146"/>
-          </a:xfrm>
-          <a:prstGeom prst="rect">
-            <a:avLst/>
-          </a:prstGeom>
-        </p:spPr>
-      </p:pic>
-      <p:pic>
-        <p:nvPicPr>
-          <p:cNvPr id="10" name="图片 9"/>
-          <p:cNvPicPr>
-            <a:picLocks noChangeAspect="1"/>
-          </p:cNvPicPr>
-          <p:nvPr/>
-        </p:nvPicPr>
-        <p:blipFill>
-          <a:blip r:embed="rId2">
-            <a:extLst>
-              <a:ext uri="{28A0092B-C50C-407E-A947-70E740481C1C}">
-                <a14:useLocalDpi xmlns:a14="http://schemas.microsoft.com/office/drawing/2010/main" xmlns="" val="0"/>
-              </a:ext>
-            </a:extLst>
-          </a:blip>
-          <a:stretch>
-            <a:fillRect/>
-          </a:stretch>
-        </p:blipFill>
-        <p:spPr>
-          <a:xfrm>
-            <a:off x="2100748" y="77061"/>
-            <a:ext cx="1002146" cy="1002146"/>
-          </a:xfrm>
-          <a:prstGeom prst="rect">
-            <a:avLst/>
-          </a:prstGeom>
-        </p:spPr>
-      </p:pic>
-      <p:pic>
-        <p:nvPicPr>
-          <p:cNvPr id="11" name="图片 10"/>
-          <p:cNvPicPr>
-            <a:picLocks noChangeAspect="1"/>
-          </p:cNvPicPr>
-          <p:nvPr/>
-        </p:nvPicPr>
-        <p:blipFill>
-          <a:blip r:embed="rId2">
-            <a:extLst>
-              <a:ext uri="{28A0092B-C50C-407E-A947-70E740481C1C}">
-                <a14:useLocalDpi xmlns:a14="http://schemas.microsoft.com/office/drawing/2010/main" xmlns="" val="0"/>
-              </a:ext>
-            </a:extLst>
-          </a:blip>
-          <a:stretch>
-            <a:fillRect/>
-          </a:stretch>
-        </p:blipFill>
-        <p:spPr>
-          <a:xfrm>
-            <a:off x="3102894" y="101089"/>
-            <a:ext cx="1002146" cy="1002146"/>
-          </a:xfrm>
-          <a:prstGeom prst="rect">
-            <a:avLst/>
-          </a:prstGeom>
-        </p:spPr>
-      </p:pic>
-      <p:pic>
-        <p:nvPicPr>
-          <p:cNvPr id="12" name="图片 11"/>
-          <p:cNvPicPr>
-            <a:picLocks noChangeAspect="1"/>
-          </p:cNvPicPr>
-          <p:nvPr/>
-        </p:nvPicPr>
-        <p:blipFill>
-          <a:blip r:embed="rId2">
-            <a:extLst>
-              <a:ext uri="{28A0092B-C50C-407E-A947-70E740481C1C}">
-                <a14:useLocalDpi xmlns:a14="http://schemas.microsoft.com/office/drawing/2010/main" xmlns="" val="0"/>
-              </a:ext>
-            </a:extLst>
-          </a:blip>
-          <a:stretch>
-            <a:fillRect/>
-          </a:stretch>
-        </p:blipFill>
-        <p:spPr>
-          <a:xfrm>
-            <a:off x="4105040" y="77061"/>
-            <a:ext cx="1002146" cy="1002146"/>
-          </a:xfrm>
-          <a:prstGeom prst="rect">
-            <a:avLst/>
-          </a:prstGeom>
-        </p:spPr>
-      </p:pic>
       <p:pic>
         <p:nvPicPr>
           <p:cNvPr id="13" name="图片 12"/>
@@ -3672,7 +3597,7 @@
           <a:blip r:embed="rId2">
             <a:extLst>
               <a:ext uri="{28A0092B-C50C-407E-A947-70E740481C1C}">
-                <a14:useLocalDpi xmlns:a14="http://schemas.microsoft.com/office/drawing/2010/main" xmlns="" val="0"/>
+                <a14:useLocalDpi xmlns:a14="http://schemas.microsoft.com/office/drawing/2010/main" val="0"/>
               </a:ext>
             </a:extLst>
           </a:blip>
@@ -3682,7 +3607,7 @@
         </p:blipFill>
         <p:spPr>
           <a:xfrm>
-            <a:off x="5107186" y="77061"/>
+            <a:off x="5107186" y="885715"/>
             <a:ext cx="1002146" cy="1002146"/>
           </a:xfrm>
           <a:prstGeom prst="rect">
@@ -3702,7 +3627,7 @@
           <a:blip r:embed="rId2">
             <a:extLst>
               <a:ext uri="{28A0092B-C50C-407E-A947-70E740481C1C}">
-                <a14:useLocalDpi xmlns:a14="http://schemas.microsoft.com/office/drawing/2010/main" xmlns="" val="0"/>
+                <a14:useLocalDpi xmlns:a14="http://schemas.microsoft.com/office/drawing/2010/main" val="0"/>
               </a:ext>
             </a:extLst>
           </a:blip>
@@ -3712,157 +3637,7 @@
         </p:blipFill>
         <p:spPr>
           <a:xfrm>
-            <a:off x="6109332" y="77061"/>
-            <a:ext cx="1002146" cy="1002146"/>
-          </a:xfrm>
-          <a:prstGeom prst="rect">
-            <a:avLst/>
-          </a:prstGeom>
-        </p:spPr>
-      </p:pic>
-      <p:pic>
-        <p:nvPicPr>
-          <p:cNvPr id="15" name="图片 14"/>
-          <p:cNvPicPr>
-            <a:picLocks noChangeAspect="1"/>
-          </p:cNvPicPr>
-          <p:nvPr/>
-        </p:nvPicPr>
-        <p:blipFill>
-          <a:blip r:embed="rId2">
-            <a:extLst>
-              <a:ext uri="{28A0092B-C50C-407E-A947-70E740481C1C}">
-                <a14:useLocalDpi xmlns:a14="http://schemas.microsoft.com/office/drawing/2010/main" xmlns="" val="0"/>
-              </a:ext>
-            </a:extLst>
-          </a:blip>
-          <a:stretch>
-            <a:fillRect/>
-          </a:stretch>
-        </p:blipFill>
-        <p:spPr>
-          <a:xfrm>
-            <a:off x="7111478" y="77061"/>
-            <a:ext cx="1002146" cy="1002146"/>
-          </a:xfrm>
-          <a:prstGeom prst="rect">
-            <a:avLst/>
-          </a:prstGeom>
-        </p:spPr>
-      </p:pic>
-      <p:pic>
-        <p:nvPicPr>
-          <p:cNvPr id="16" name="图片 15"/>
-          <p:cNvPicPr>
-            <a:picLocks noChangeAspect="1"/>
-          </p:cNvPicPr>
-          <p:nvPr/>
-        </p:nvPicPr>
-        <p:blipFill>
-          <a:blip r:embed="rId2">
-            <a:extLst>
-              <a:ext uri="{28A0092B-C50C-407E-A947-70E740481C1C}">
-                <a14:useLocalDpi xmlns:a14="http://schemas.microsoft.com/office/drawing/2010/main" xmlns="" val="0"/>
-              </a:ext>
-            </a:extLst>
-          </a:blip>
-          <a:stretch>
-            <a:fillRect/>
-          </a:stretch>
-        </p:blipFill>
-        <p:spPr>
-          <a:xfrm>
-            <a:off x="8110250" y="84270"/>
-            <a:ext cx="1002146" cy="1002146"/>
-          </a:xfrm>
-          <a:prstGeom prst="rect">
-            <a:avLst/>
-          </a:prstGeom>
-        </p:spPr>
-      </p:pic>
-      <p:pic>
-        <p:nvPicPr>
-          <p:cNvPr id="17" name="图片 16"/>
-          <p:cNvPicPr>
-            <a:picLocks noChangeAspect="1"/>
-          </p:cNvPicPr>
-          <p:nvPr/>
-        </p:nvPicPr>
-        <p:blipFill>
-          <a:blip r:embed="rId2">
-            <a:extLst>
-              <a:ext uri="{28A0092B-C50C-407E-A947-70E740481C1C}">
-                <a14:useLocalDpi xmlns:a14="http://schemas.microsoft.com/office/drawing/2010/main" xmlns="" val="0"/>
-              </a:ext>
-            </a:extLst>
-          </a:blip>
-          <a:stretch>
-            <a:fillRect/>
-          </a:stretch>
-        </p:blipFill>
-        <p:spPr>
-          <a:xfrm>
-            <a:off x="9105648" y="108298"/>
-            <a:ext cx="1002146" cy="1002146"/>
-          </a:xfrm>
-          <a:prstGeom prst="rect">
-            <a:avLst/>
-          </a:prstGeom>
-        </p:spPr>
-      </p:pic>
-      <p:pic>
-        <p:nvPicPr>
-          <p:cNvPr id="18" name="图片 17"/>
-          <p:cNvPicPr>
-            <a:picLocks noChangeAspect="1"/>
-          </p:cNvPicPr>
-          <p:nvPr/>
-        </p:nvPicPr>
-        <p:blipFill>
-          <a:blip r:embed="rId2">
-            <a:extLst>
-              <a:ext uri="{28A0092B-C50C-407E-A947-70E740481C1C}">
-                <a14:useLocalDpi xmlns:a14="http://schemas.microsoft.com/office/drawing/2010/main" xmlns="" val="0"/>
-              </a:ext>
-            </a:extLst>
-          </a:blip>
-          <a:stretch>
-            <a:fillRect/>
-          </a:stretch>
-        </p:blipFill>
-        <p:spPr>
-          <a:xfrm>
-            <a:off x="10111168" y="108298"/>
-            <a:ext cx="1002146" cy="1002146"/>
-          </a:xfrm>
-          <a:prstGeom prst="rect">
-            <a:avLst/>
-          </a:prstGeom>
-        </p:spPr>
-      </p:pic>
-      <p:pic>
-        <p:nvPicPr>
-          <p:cNvPr id="19" name="图片 18"/>
-          <p:cNvPicPr>
-            <a:picLocks noChangeAspect="1"/>
-          </p:cNvPicPr>
-          <p:nvPr/>
-        </p:nvPicPr>
-        <p:blipFill>
-          <a:blip r:embed="rId2">
-            <a:extLst>
-              <a:ext uri="{28A0092B-C50C-407E-A947-70E740481C1C}">
-                <a14:useLocalDpi xmlns:a14="http://schemas.microsoft.com/office/drawing/2010/main" xmlns="" val="0"/>
-              </a:ext>
-            </a:extLst>
-          </a:blip>
-          <a:stretch>
-            <a:fillRect/>
-          </a:stretch>
-        </p:blipFill>
-        <p:spPr>
-          <a:xfrm>
-            <a:off x="11116688" y="108298"/>
+            <a:off x="6099210" y="909635"/>
             <a:ext cx="1002146" cy="1002146"/>
           </a:xfrm>
           <a:prstGeom prst="rect">
@@ -3882,7 +3657,7 @@
           <a:blip r:embed="rId2">
             <a:extLst>
               <a:ext uri="{28A0092B-C50C-407E-A947-70E740481C1C}">
-                <a14:useLocalDpi xmlns:a14="http://schemas.microsoft.com/office/drawing/2010/main" xmlns="" val="0"/>
+                <a14:useLocalDpi xmlns:a14="http://schemas.microsoft.com/office/drawing/2010/main" val="0"/>
               </a:ext>
             </a:extLst>
           </a:blip>
@@ -3912,7 +3687,7 @@
           <a:blip r:embed="rId2">
             <a:extLst>
               <a:ext uri="{28A0092B-C50C-407E-A947-70E740481C1C}">
-                <a14:useLocalDpi xmlns:a14="http://schemas.microsoft.com/office/drawing/2010/main" xmlns="" val="0"/>
+                <a14:useLocalDpi xmlns:a14="http://schemas.microsoft.com/office/drawing/2010/main" val="0"/>
               </a:ext>
             </a:extLst>
           </a:blip>
@@ -3942,7 +3717,7 @@
           <a:blip r:embed="rId2">
             <a:extLst>
               <a:ext uri="{28A0092B-C50C-407E-A947-70E740481C1C}">
-                <a14:useLocalDpi xmlns:a14="http://schemas.microsoft.com/office/drawing/2010/main" xmlns="" val="0"/>
+                <a14:useLocalDpi xmlns:a14="http://schemas.microsoft.com/office/drawing/2010/main" val="0"/>
               </a:ext>
             </a:extLst>
           </a:blip>
@@ -3972,7 +3747,7 @@
           <a:blip r:embed="rId2">
             <a:extLst>
               <a:ext uri="{28A0092B-C50C-407E-A947-70E740481C1C}">
-                <a14:useLocalDpi xmlns:a14="http://schemas.microsoft.com/office/drawing/2010/main" xmlns="" val="0"/>
+                <a14:useLocalDpi xmlns:a14="http://schemas.microsoft.com/office/drawing/2010/main" val="0"/>
               </a:ext>
             </a:extLst>
           </a:blip>
@@ -4002,7 +3777,7 @@
           <a:blip r:embed="rId2">
             <a:extLst>
               <a:ext uri="{28A0092B-C50C-407E-A947-70E740481C1C}">
-                <a14:useLocalDpi xmlns:a14="http://schemas.microsoft.com/office/drawing/2010/main" xmlns="" val="0"/>
+                <a14:useLocalDpi xmlns:a14="http://schemas.microsoft.com/office/drawing/2010/main" val="0"/>
               </a:ext>
             </a:extLst>
           </a:blip>
@@ -4032,7 +3807,7 @@
           <a:blip r:embed="rId2">
             <a:extLst>
               <a:ext uri="{28A0092B-C50C-407E-A947-70E740481C1C}">
-                <a14:useLocalDpi xmlns:a14="http://schemas.microsoft.com/office/drawing/2010/main" xmlns="" val="0"/>
+                <a14:useLocalDpi xmlns:a14="http://schemas.microsoft.com/office/drawing/2010/main" val="0"/>
               </a:ext>
             </a:extLst>
           </a:blip>
@@ -4042,7 +3817,7 @@
         </p:blipFill>
         <p:spPr>
           <a:xfrm>
-            <a:off x="5103812" y="917787"/>
+            <a:off x="5087934" y="1742341"/>
             <a:ext cx="1002146" cy="1002146"/>
           </a:xfrm>
           <a:prstGeom prst="rect">
@@ -4062,7 +3837,7 @@
           <a:blip r:embed="rId2">
             <a:extLst>
               <a:ext uri="{28A0092B-C50C-407E-A947-70E740481C1C}">
-                <a14:useLocalDpi xmlns:a14="http://schemas.microsoft.com/office/drawing/2010/main" xmlns="" val="0"/>
+                <a14:useLocalDpi xmlns:a14="http://schemas.microsoft.com/office/drawing/2010/main" val="0"/>
               </a:ext>
             </a:extLst>
           </a:blip>
@@ -4072,7 +3847,7 @@
         </p:blipFill>
         <p:spPr>
           <a:xfrm>
-            <a:off x="6105958" y="917787"/>
+            <a:off x="6105958" y="1721346"/>
             <a:ext cx="1002146" cy="1002146"/>
           </a:xfrm>
           <a:prstGeom prst="rect">
@@ -4092,7 +3867,7 @@
           <a:blip r:embed="rId2">
             <a:extLst>
               <a:ext uri="{28A0092B-C50C-407E-A947-70E740481C1C}">
-                <a14:useLocalDpi xmlns:a14="http://schemas.microsoft.com/office/drawing/2010/main" xmlns="" val="0"/>
+                <a14:useLocalDpi xmlns:a14="http://schemas.microsoft.com/office/drawing/2010/main" val="0"/>
               </a:ext>
             </a:extLst>
           </a:blip>
@@ -4122,7 +3897,7 @@
           <a:blip r:embed="rId2">
             <a:extLst>
               <a:ext uri="{28A0092B-C50C-407E-A947-70E740481C1C}">
-                <a14:useLocalDpi xmlns:a14="http://schemas.microsoft.com/office/drawing/2010/main" xmlns="" val="0"/>
+                <a14:useLocalDpi xmlns:a14="http://schemas.microsoft.com/office/drawing/2010/main" val="0"/>
               </a:ext>
             </a:extLst>
           </a:blip>
@@ -4152,7 +3927,7 @@
           <a:blip r:embed="rId2">
             <a:extLst>
               <a:ext uri="{28A0092B-C50C-407E-A947-70E740481C1C}">
-                <a14:useLocalDpi xmlns:a14="http://schemas.microsoft.com/office/drawing/2010/main" xmlns="" val="0"/>
+                <a14:useLocalDpi xmlns:a14="http://schemas.microsoft.com/office/drawing/2010/main" val="0"/>
               </a:ext>
             </a:extLst>
           </a:blip>
@@ -4182,7 +3957,7 @@
           <a:blip r:embed="rId2">
             <a:extLst>
               <a:ext uri="{28A0092B-C50C-407E-A947-70E740481C1C}">
-                <a14:useLocalDpi xmlns:a14="http://schemas.microsoft.com/office/drawing/2010/main" xmlns="" val="0"/>
+                <a14:useLocalDpi xmlns:a14="http://schemas.microsoft.com/office/drawing/2010/main" val="0"/>
               </a:ext>
             </a:extLst>
           </a:blip>
@@ -4212,7 +3987,7 @@
           <a:blip r:embed="rId2">
             <a:extLst>
               <a:ext uri="{28A0092B-C50C-407E-A947-70E740481C1C}">
-                <a14:useLocalDpi xmlns:a14="http://schemas.microsoft.com/office/drawing/2010/main" xmlns="" val="0"/>
+                <a14:useLocalDpi xmlns:a14="http://schemas.microsoft.com/office/drawing/2010/main" val="0"/>
               </a:ext>
             </a:extLst>
           </a:blip>
@@ -4242,7 +4017,7 @@
           <a:blip r:embed="rId2">
             <a:extLst>
               <a:ext uri="{28A0092B-C50C-407E-A947-70E740481C1C}">
-                <a14:useLocalDpi xmlns:a14="http://schemas.microsoft.com/office/drawing/2010/main" xmlns="" val="0"/>
+                <a14:useLocalDpi xmlns:a14="http://schemas.microsoft.com/office/drawing/2010/main" val="0"/>
               </a:ext>
             </a:extLst>
           </a:blip>
@@ -4272,7 +4047,7 @@
           <a:blip r:embed="rId2">
             <a:extLst>
               <a:ext uri="{28A0092B-C50C-407E-A947-70E740481C1C}">
-                <a14:useLocalDpi xmlns:a14="http://schemas.microsoft.com/office/drawing/2010/main" xmlns="" val="0"/>
+                <a14:useLocalDpi xmlns:a14="http://schemas.microsoft.com/office/drawing/2010/main" val="0"/>
               </a:ext>
             </a:extLst>
           </a:blip>
@@ -4302,7 +4077,7 @@
           <a:blip r:embed="rId2">
             <a:extLst>
               <a:ext uri="{28A0092B-C50C-407E-A947-70E740481C1C}">
-                <a14:useLocalDpi xmlns:a14="http://schemas.microsoft.com/office/drawing/2010/main" xmlns="" val="0"/>
+                <a14:useLocalDpi xmlns:a14="http://schemas.microsoft.com/office/drawing/2010/main" val="0"/>
               </a:ext>
             </a:extLst>
           </a:blip>
@@ -4332,7 +4107,7 @@
           <a:blip r:embed="rId2">
             <a:extLst>
               <a:ext uri="{28A0092B-C50C-407E-A947-70E740481C1C}">
-                <a14:useLocalDpi xmlns:a14="http://schemas.microsoft.com/office/drawing/2010/main" xmlns="" val="0"/>
+                <a14:useLocalDpi xmlns:a14="http://schemas.microsoft.com/office/drawing/2010/main" val="0"/>
               </a:ext>
             </a:extLst>
           </a:blip>
@@ -4362,7 +4137,7 @@
           <a:blip r:embed="rId2">
             <a:extLst>
               <a:ext uri="{28A0092B-C50C-407E-A947-70E740481C1C}">
-                <a14:useLocalDpi xmlns:a14="http://schemas.microsoft.com/office/drawing/2010/main" xmlns="" val="0"/>
+                <a14:useLocalDpi xmlns:a14="http://schemas.microsoft.com/office/drawing/2010/main" val="0"/>
               </a:ext>
             </a:extLst>
           </a:blip>
@@ -4392,7 +4167,7 @@
           <a:blip r:embed="rId2">
             <a:extLst>
               <a:ext uri="{28A0092B-C50C-407E-A947-70E740481C1C}">
-                <a14:useLocalDpi xmlns:a14="http://schemas.microsoft.com/office/drawing/2010/main" xmlns="" val="0"/>
+                <a14:useLocalDpi xmlns:a14="http://schemas.microsoft.com/office/drawing/2010/main" val="0"/>
               </a:ext>
             </a:extLst>
           </a:blip>
@@ -4422,7 +4197,7 @@
           <a:blip r:embed="rId2">
             <a:extLst>
               <a:ext uri="{28A0092B-C50C-407E-A947-70E740481C1C}">
-                <a14:useLocalDpi xmlns:a14="http://schemas.microsoft.com/office/drawing/2010/main" xmlns="" val="0"/>
+                <a14:useLocalDpi xmlns:a14="http://schemas.microsoft.com/office/drawing/2010/main" val="0"/>
               </a:ext>
             </a:extLst>
           </a:blip>
@@ -4452,7 +4227,7 @@
           <a:blip r:embed="rId2">
             <a:extLst>
               <a:ext uri="{28A0092B-C50C-407E-A947-70E740481C1C}">
-                <a14:useLocalDpi xmlns:a14="http://schemas.microsoft.com/office/drawing/2010/main" xmlns="" val="0"/>
+                <a14:useLocalDpi xmlns:a14="http://schemas.microsoft.com/office/drawing/2010/main" val="0"/>
               </a:ext>
             </a:extLst>
           </a:blip>
@@ -4482,7 +4257,7 @@
           <a:blip r:embed="rId2">
             <a:extLst>
               <a:ext uri="{28A0092B-C50C-407E-A947-70E740481C1C}">
-                <a14:useLocalDpi xmlns:a14="http://schemas.microsoft.com/office/drawing/2010/main" xmlns="" val="0"/>
+                <a14:useLocalDpi xmlns:a14="http://schemas.microsoft.com/office/drawing/2010/main" val="0"/>
               </a:ext>
             </a:extLst>
           </a:blip>
@@ -4512,7 +4287,7 @@
           <a:blip r:embed="rId2">
             <a:extLst>
               <a:ext uri="{28A0092B-C50C-407E-A947-70E740481C1C}">
-                <a14:useLocalDpi xmlns:a14="http://schemas.microsoft.com/office/drawing/2010/main" xmlns="" val="0"/>
+                <a14:useLocalDpi xmlns:a14="http://schemas.microsoft.com/office/drawing/2010/main" val="0"/>
               </a:ext>
             </a:extLst>
           </a:blip>
@@ -4542,7 +4317,7 @@
           <a:blip r:embed="rId2">
             <a:extLst>
               <a:ext uri="{28A0092B-C50C-407E-A947-70E740481C1C}">
-                <a14:useLocalDpi xmlns:a14="http://schemas.microsoft.com/office/drawing/2010/main" xmlns="" val="0"/>
+                <a14:useLocalDpi xmlns:a14="http://schemas.microsoft.com/office/drawing/2010/main" val="0"/>
               </a:ext>
             </a:extLst>
           </a:blip>
@@ -4572,7 +4347,7 @@
           <a:blip r:embed="rId2">
             <a:extLst>
               <a:ext uri="{28A0092B-C50C-407E-A947-70E740481C1C}">
-                <a14:useLocalDpi xmlns:a14="http://schemas.microsoft.com/office/drawing/2010/main" xmlns="" val="0"/>
+                <a14:useLocalDpi xmlns:a14="http://schemas.microsoft.com/office/drawing/2010/main" val="0"/>
               </a:ext>
             </a:extLst>
           </a:blip>
@@ -4602,7 +4377,7 @@
           <a:blip r:embed="rId2">
             <a:extLst>
               <a:ext uri="{28A0092B-C50C-407E-A947-70E740481C1C}">
-                <a14:useLocalDpi xmlns:a14="http://schemas.microsoft.com/office/drawing/2010/main" xmlns="" val="0"/>
+                <a14:useLocalDpi xmlns:a14="http://schemas.microsoft.com/office/drawing/2010/main" val="0"/>
               </a:ext>
             </a:extLst>
           </a:blip>
@@ -4632,7 +4407,7 @@
           <a:blip r:embed="rId2">
             <a:extLst>
               <a:ext uri="{28A0092B-C50C-407E-A947-70E740481C1C}">
-                <a14:useLocalDpi xmlns:a14="http://schemas.microsoft.com/office/drawing/2010/main" xmlns="" val="0"/>
+                <a14:useLocalDpi xmlns:a14="http://schemas.microsoft.com/office/drawing/2010/main" val="0"/>
               </a:ext>
             </a:extLst>
           </a:blip>
@@ -4662,7 +4437,7 @@
           <a:blip r:embed="rId2">
             <a:extLst>
               <a:ext uri="{28A0092B-C50C-407E-A947-70E740481C1C}">
-                <a14:useLocalDpi xmlns:a14="http://schemas.microsoft.com/office/drawing/2010/main" xmlns="" val="0"/>
+                <a14:useLocalDpi xmlns:a14="http://schemas.microsoft.com/office/drawing/2010/main" val="0"/>
               </a:ext>
             </a:extLst>
           </a:blip>
@@ -4692,7 +4467,7 @@
           <a:blip r:embed="rId2">
             <a:extLst>
               <a:ext uri="{28A0092B-C50C-407E-A947-70E740481C1C}">
-                <a14:useLocalDpi xmlns:a14="http://schemas.microsoft.com/office/drawing/2010/main" xmlns="" val="0"/>
+                <a14:useLocalDpi xmlns:a14="http://schemas.microsoft.com/office/drawing/2010/main" val="0"/>
               </a:ext>
             </a:extLst>
           </a:blip>
@@ -4722,7 +4497,7 @@
           <a:blip r:embed="rId2">
             <a:extLst>
               <a:ext uri="{28A0092B-C50C-407E-A947-70E740481C1C}">
-                <a14:useLocalDpi xmlns:a14="http://schemas.microsoft.com/office/drawing/2010/main" xmlns="" val="0"/>
+                <a14:useLocalDpi xmlns:a14="http://schemas.microsoft.com/office/drawing/2010/main" val="0"/>
               </a:ext>
             </a:extLst>
           </a:blip>
@@ -4752,7 +4527,7 @@
           <a:blip r:embed="rId2">
             <a:extLst>
               <a:ext uri="{28A0092B-C50C-407E-A947-70E740481C1C}">
-                <a14:useLocalDpi xmlns:a14="http://schemas.microsoft.com/office/drawing/2010/main" xmlns="" val="0"/>
+                <a14:useLocalDpi xmlns:a14="http://schemas.microsoft.com/office/drawing/2010/main" val="0"/>
               </a:ext>
             </a:extLst>
           </a:blip>
@@ -4782,7 +4557,7 @@
           <a:blip r:embed="rId2">
             <a:extLst>
               <a:ext uri="{28A0092B-C50C-407E-A947-70E740481C1C}">
-                <a14:useLocalDpi xmlns:a14="http://schemas.microsoft.com/office/drawing/2010/main" xmlns="" val="0"/>
+                <a14:useLocalDpi xmlns:a14="http://schemas.microsoft.com/office/drawing/2010/main" val="0"/>
               </a:ext>
             </a:extLst>
           </a:blip>
@@ -4812,7 +4587,7 @@
           <a:blip r:embed="rId2">
             <a:extLst>
               <a:ext uri="{28A0092B-C50C-407E-A947-70E740481C1C}">
-                <a14:useLocalDpi xmlns:a14="http://schemas.microsoft.com/office/drawing/2010/main" xmlns="" val="0"/>
+                <a14:useLocalDpi xmlns:a14="http://schemas.microsoft.com/office/drawing/2010/main" val="0"/>
               </a:ext>
             </a:extLst>
           </a:blip>
@@ -4842,7 +4617,7 @@
           <a:blip r:embed="rId2">
             <a:extLst>
               <a:ext uri="{28A0092B-C50C-407E-A947-70E740481C1C}">
-                <a14:useLocalDpi xmlns:a14="http://schemas.microsoft.com/office/drawing/2010/main" xmlns="" val="0"/>
+                <a14:useLocalDpi xmlns:a14="http://schemas.microsoft.com/office/drawing/2010/main" val="0"/>
               </a:ext>
             </a:extLst>
           </a:blip>
@@ -4872,7 +4647,7 @@
           <a:blip r:embed="rId2">
             <a:extLst>
               <a:ext uri="{28A0092B-C50C-407E-A947-70E740481C1C}">
-                <a14:useLocalDpi xmlns:a14="http://schemas.microsoft.com/office/drawing/2010/main" xmlns="" val="0"/>
+                <a14:useLocalDpi xmlns:a14="http://schemas.microsoft.com/office/drawing/2010/main" val="0"/>
               </a:ext>
             </a:extLst>
           </a:blip>
@@ -4902,7 +4677,7 @@
           <a:blip r:embed="rId2">
             <a:extLst>
               <a:ext uri="{28A0092B-C50C-407E-A947-70E740481C1C}">
-                <a14:useLocalDpi xmlns:a14="http://schemas.microsoft.com/office/drawing/2010/main" xmlns="" val="0"/>
+                <a14:useLocalDpi xmlns:a14="http://schemas.microsoft.com/office/drawing/2010/main" val="0"/>
               </a:ext>
             </a:extLst>
           </a:blip>
@@ -4932,7 +4707,7 @@
           <a:blip r:embed="rId2">
             <a:extLst>
               <a:ext uri="{28A0092B-C50C-407E-A947-70E740481C1C}">
-                <a14:useLocalDpi xmlns:a14="http://schemas.microsoft.com/office/drawing/2010/main" xmlns="" val="0"/>
+                <a14:useLocalDpi xmlns:a14="http://schemas.microsoft.com/office/drawing/2010/main" val="0"/>
               </a:ext>
             </a:extLst>
           </a:blip>
@@ -4962,7 +4737,7 @@
           <a:blip r:embed="rId2">
             <a:extLst>
               <a:ext uri="{28A0092B-C50C-407E-A947-70E740481C1C}">
-                <a14:useLocalDpi xmlns:a14="http://schemas.microsoft.com/office/drawing/2010/main" xmlns="" val="0"/>
+                <a14:useLocalDpi xmlns:a14="http://schemas.microsoft.com/office/drawing/2010/main" val="0"/>
               </a:ext>
             </a:extLst>
           </a:blip>
@@ -4992,7 +4767,7 @@
           <a:blip r:embed="rId2">
             <a:extLst>
               <a:ext uri="{28A0092B-C50C-407E-A947-70E740481C1C}">
-                <a14:useLocalDpi xmlns:a14="http://schemas.microsoft.com/office/drawing/2010/main" xmlns="" val="0"/>
+                <a14:useLocalDpi xmlns:a14="http://schemas.microsoft.com/office/drawing/2010/main" val="0"/>
               </a:ext>
             </a:extLst>
           </a:blip>
@@ -5022,7 +4797,7 @@
           <a:blip r:embed="rId2">
             <a:extLst>
               <a:ext uri="{28A0092B-C50C-407E-A947-70E740481C1C}">
-                <a14:useLocalDpi xmlns:a14="http://schemas.microsoft.com/office/drawing/2010/main" xmlns="" val="0"/>
+                <a14:useLocalDpi xmlns:a14="http://schemas.microsoft.com/office/drawing/2010/main" val="0"/>
               </a:ext>
             </a:extLst>
           </a:blip>
@@ -5052,7 +4827,7 @@
           <a:blip r:embed="rId2">
             <a:extLst>
               <a:ext uri="{28A0092B-C50C-407E-A947-70E740481C1C}">
-                <a14:useLocalDpi xmlns:a14="http://schemas.microsoft.com/office/drawing/2010/main" xmlns="" val="0"/>
+                <a14:useLocalDpi xmlns:a14="http://schemas.microsoft.com/office/drawing/2010/main" val="0"/>
               </a:ext>
             </a:extLst>
           </a:blip>
@@ -5082,7 +4857,7 @@
           <a:blip r:embed="rId2">
             <a:extLst>
               <a:ext uri="{28A0092B-C50C-407E-A947-70E740481C1C}">
-                <a14:useLocalDpi xmlns:a14="http://schemas.microsoft.com/office/drawing/2010/main" xmlns="" val="0"/>
+                <a14:useLocalDpi xmlns:a14="http://schemas.microsoft.com/office/drawing/2010/main" val="0"/>
               </a:ext>
             </a:extLst>
           </a:blip>
@@ -5112,7 +4887,7 @@
           <a:blip r:embed="rId2">
             <a:extLst>
               <a:ext uri="{28A0092B-C50C-407E-A947-70E740481C1C}">
-                <a14:useLocalDpi xmlns:a14="http://schemas.microsoft.com/office/drawing/2010/main" xmlns="" val="0"/>
+                <a14:useLocalDpi xmlns:a14="http://schemas.microsoft.com/office/drawing/2010/main" val="0"/>
               </a:ext>
             </a:extLst>
           </a:blip>
@@ -5142,7 +4917,7 @@
           <a:blip r:embed="rId2">
             <a:extLst>
               <a:ext uri="{28A0092B-C50C-407E-A947-70E740481C1C}">
-                <a14:useLocalDpi xmlns:a14="http://schemas.microsoft.com/office/drawing/2010/main" xmlns="" val="0"/>
+                <a14:useLocalDpi xmlns:a14="http://schemas.microsoft.com/office/drawing/2010/main" val="0"/>
               </a:ext>
             </a:extLst>
           </a:blip>
@@ -5172,7 +4947,7 @@
           <a:blip r:embed="rId2">
             <a:extLst>
               <a:ext uri="{28A0092B-C50C-407E-A947-70E740481C1C}">
-                <a14:useLocalDpi xmlns:a14="http://schemas.microsoft.com/office/drawing/2010/main" xmlns="" val="0"/>
+                <a14:useLocalDpi xmlns:a14="http://schemas.microsoft.com/office/drawing/2010/main" val="0"/>
               </a:ext>
             </a:extLst>
           </a:blip>
@@ -5202,7 +4977,7 @@
           <a:blip r:embed="rId2">
             <a:extLst>
               <a:ext uri="{28A0092B-C50C-407E-A947-70E740481C1C}">
-                <a14:useLocalDpi xmlns:a14="http://schemas.microsoft.com/office/drawing/2010/main" xmlns="" val="0"/>
+                <a14:useLocalDpi xmlns:a14="http://schemas.microsoft.com/office/drawing/2010/main" val="0"/>
               </a:ext>
             </a:extLst>
           </a:blip>
@@ -5232,7 +5007,7 @@
           <a:blip r:embed="rId2">
             <a:extLst>
               <a:ext uri="{28A0092B-C50C-407E-A947-70E740481C1C}">
-                <a14:useLocalDpi xmlns:a14="http://schemas.microsoft.com/office/drawing/2010/main" xmlns="" val="0"/>
+                <a14:useLocalDpi xmlns:a14="http://schemas.microsoft.com/office/drawing/2010/main" val="0"/>
               </a:ext>
             </a:extLst>
           </a:blip>
@@ -5262,7 +5037,7 @@
           <a:blip r:embed="rId2">
             <a:extLst>
               <a:ext uri="{28A0092B-C50C-407E-A947-70E740481C1C}">
-                <a14:useLocalDpi xmlns:a14="http://schemas.microsoft.com/office/drawing/2010/main" xmlns="" val="0"/>
+                <a14:useLocalDpi xmlns:a14="http://schemas.microsoft.com/office/drawing/2010/main" val="0"/>
               </a:ext>
             </a:extLst>
           </a:blip>
@@ -5292,7 +5067,7 @@
           <a:blip r:embed="rId2">
             <a:extLst>
               <a:ext uri="{28A0092B-C50C-407E-A947-70E740481C1C}">
-                <a14:useLocalDpi xmlns:a14="http://schemas.microsoft.com/office/drawing/2010/main" xmlns="" val="0"/>
+                <a14:useLocalDpi xmlns:a14="http://schemas.microsoft.com/office/drawing/2010/main" val="0"/>
               </a:ext>
             </a:extLst>
           </a:blip>
@@ -5310,10 +5085,71 @@
           </a:prstGeom>
         </p:spPr>
       </p:pic>
+      <p:sp>
+        <p:nvSpPr>
+          <p:cNvPr id="4" name="文本框 3"/>
+          <p:cNvSpPr txBox="1"/>
+          <p:nvPr/>
+        </p:nvSpPr>
+        <p:spPr>
+          <a:xfrm>
+            <a:off x="166789" y="128984"/>
+            <a:ext cx="11787627" cy="830997"/>
+          </a:xfrm>
+          <a:prstGeom prst="rect">
+            <a:avLst/>
+          </a:prstGeom>
+          <a:noFill/>
+        </p:spPr>
+        <p:txBody>
+          <a:bodyPr wrap="square" rtlCol="0">
+            <a:spAutoFit/>
+          </a:bodyPr>
+          <a:lstStyle/>
+          <a:p>
+            <a:r>
+              <a:rPr lang="zh-CN" altLang="en-US" sz="2400" dirty="0" smtClean="0"/>
+              <a:t>今天是 </a:t>
+            </a:r>
+            <a:r>
+              <a:rPr lang="en-US" altLang="zh-CN" sz="2400" dirty="0" err="1" smtClean="0"/>
+              <a:t>Bamboo_Day</a:t>
+            </a:r>
+            <a:r>
+              <a:rPr lang="en-US" altLang="zh-CN" sz="2400" dirty="0" smtClean="0"/>
+              <a:t> </a:t>
+            </a:r>
+            <a:r>
+              <a:rPr lang="zh-CN" altLang="en-US" sz="2400" dirty="0" smtClean="0"/>
+              <a:t>的生日，祝她生日快乐期末考就可以得到惊人的好成绩</a:t>
+            </a:r>
+            <a:endParaRPr lang="en-US" altLang="zh-CN" sz="2400" dirty="0" smtClean="0"/>
+          </a:p>
+          <a:p>
+            <a:r>
+              <a:rPr lang="zh-CN" altLang="en-US" sz="2400" dirty="0" smtClean="0"/>
+              <a:t>不知道是不是真的，但是今天真的是 </a:t>
+            </a:r>
+            <a:r>
+              <a:rPr lang="en-US" altLang="zh-CN" sz="2400" dirty="0" err="1" smtClean="0"/>
+              <a:t>Bamboo_Day</a:t>
+            </a:r>
+            <a:r>
+              <a:rPr lang="en-US" altLang="zh-CN" sz="2400" dirty="0" smtClean="0"/>
+              <a:t> </a:t>
+            </a:r>
+            <a:r>
+              <a:rPr lang="zh-CN" altLang="en-US" sz="2400" dirty="0" smtClean="0"/>
+              <a:t>的生日，让我们祝她早上好！</a:t>
+            </a:r>
+            <a:endParaRPr lang="zh-CN" altLang="en-US" sz="2400" dirty="0"/>
+          </a:p>
+        </p:txBody>
+      </p:sp>
     </p:spTree>
     <p:extLst>
       <p:ext uri="{BB962C8B-B14F-4D97-AF65-F5344CB8AC3E}">
-        <p14:creationId xmlns:p14="http://schemas.microsoft.com/office/powerpoint/2010/main" xmlns="" val="3237648164"/>
+        <p14:creationId xmlns:p14="http://schemas.microsoft.com/office/powerpoint/2010/main" val="3237648164"/>
       </p:ext>
     </p:extLst>
   </p:cSld>
@@ -5424,15 +5260,7 @@
             </a:r>
             <a:r>
               <a:rPr lang="zh-CN" altLang="en-US" sz="3200" dirty="0" smtClean="0"/>
-              <a:t>所以</a:t>
-            </a:r>
-            <a:r>
-              <a:rPr lang="zh-CN" altLang="en-US" sz="3200" dirty="0" smtClean="0"/>
-              <a:t>从理论上来说，</a:t>
-            </a:r>
-            <a:r>
-              <a:rPr lang="zh-CN" altLang="en-US" sz="3200" dirty="0" smtClean="0"/>
-              <a:t>每</a:t>
+              <a:t>所以从理论上来说，每</a:t>
             </a:r>
             <a:r>
               <a:rPr lang="zh-CN" altLang="en-US" sz="3200" dirty="0"/>
@@ -5440,11 +5268,7 @@
             </a:r>
             <a:r>
               <a:rPr lang="zh-CN" altLang="en-US" sz="3200" dirty="0" smtClean="0"/>
-              <a:t>飞</a:t>
-            </a:r>
-            <a:r>
-              <a:rPr lang="zh-CN" altLang="en-US" sz="3200" dirty="0" smtClean="0"/>
-              <a:t>”   </a:t>
+              <a:t>飞”   </a:t>
             </a:r>
             <a:r>
               <a:rPr lang="en-US" altLang="zh-CN" sz="3200" dirty="0" smtClean="0"/>
@@ -5599,7 +5423,7 @@
           <a:blip r:embed="rId2">
             <a:extLst>
               <a:ext uri="{28A0092B-C50C-407E-A947-70E740481C1C}">
-                <a14:useLocalDpi xmlns:a14="http://schemas.microsoft.com/office/drawing/2010/main" xmlns="" val="0"/>
+                <a14:useLocalDpi xmlns:a14="http://schemas.microsoft.com/office/drawing/2010/main" val="0"/>
               </a:ext>
             </a:extLst>
           </a:blip>
@@ -5650,7 +5474,7 @@
     </p:spTree>
     <p:extLst>
       <p:ext uri="{BB962C8B-B14F-4D97-AF65-F5344CB8AC3E}">
-        <p14:creationId xmlns:p14="http://schemas.microsoft.com/office/powerpoint/2010/main" xmlns="" val="3896966021"/>
+        <p14:creationId xmlns:p14="http://schemas.microsoft.com/office/powerpoint/2010/main" val="3896966021"/>
       </p:ext>
     </p:extLst>
   </p:cSld>
@@ -5696,7 +5520,7 @@
           <a:blip r:embed="rId2">
             <a:extLst>
               <a:ext uri="{28A0092B-C50C-407E-A947-70E740481C1C}">
-                <a14:useLocalDpi xmlns:a14="http://schemas.microsoft.com/office/drawing/2010/main" xmlns="" val="0"/>
+                <a14:useLocalDpi xmlns:a14="http://schemas.microsoft.com/office/drawing/2010/main" val="0"/>
               </a:ext>
             </a:extLst>
           </a:blip>
@@ -5788,7 +5612,7 @@
     </p:spTree>
     <p:extLst>
       <p:ext uri="{BB962C8B-B14F-4D97-AF65-F5344CB8AC3E}">
-        <p14:creationId xmlns:p14="http://schemas.microsoft.com/office/powerpoint/2010/main" xmlns="" val="3142238618"/>
+        <p14:creationId xmlns:p14="http://schemas.microsoft.com/office/powerpoint/2010/main" val="3142238618"/>
       </p:ext>
     </p:extLst>
   </p:cSld>
@@ -6019,7 +5843,7 @@
           <a:blip r:embed="rId2">
             <a:extLst>
               <a:ext uri="{28A0092B-C50C-407E-A947-70E740481C1C}">
-                <a14:useLocalDpi xmlns:a14="http://schemas.microsoft.com/office/drawing/2010/main" xmlns="" val="0"/>
+                <a14:useLocalDpi xmlns:a14="http://schemas.microsoft.com/office/drawing/2010/main" val="0"/>
               </a:ext>
             </a:extLst>
           </a:blip>
@@ -6070,7 +5894,7 @@
     </p:spTree>
     <p:extLst>
       <p:ext uri="{BB962C8B-B14F-4D97-AF65-F5344CB8AC3E}">
-        <p14:creationId xmlns:p14="http://schemas.microsoft.com/office/powerpoint/2010/main" xmlns="" val="3919978315"/>
+        <p14:creationId xmlns:p14="http://schemas.microsoft.com/office/powerpoint/2010/main" val="3919978315"/>
       </p:ext>
     </p:extLst>
   </p:cSld>
@@ -6226,15 +6050,7 @@
             </a:r>
             <a:r>
               <a:rPr lang="zh-CN" altLang="en-US" sz="3600" dirty="0" smtClean="0"/>
-              <a:t>“当</a:t>
-            </a:r>
-            <a:r>
-              <a:rPr lang="zh-CN" altLang="en-US" sz="3600" dirty="0" smtClean="0"/>
-              <a:t>我们面对重大选择的时候，要考虑对现在的影响和对未来的影响，做出价值最高的</a:t>
-            </a:r>
-            <a:r>
-              <a:rPr lang="zh-CN" altLang="en-US" sz="3600" dirty="0" smtClean="0"/>
-              <a:t>选择” </a:t>
+              <a:t>“当我们面对重大选择的时候，要考虑对现在的影响和对未来的影响，做出价值最高的选择” </a:t>
             </a:r>
             <a:endParaRPr lang="en-US" altLang="zh-CN" sz="3600" dirty="0" smtClean="0"/>
           </a:p>
@@ -6316,7 +6132,7 @@
     </p:spTree>
     <p:extLst>
       <p:ext uri="{BB962C8B-B14F-4D97-AF65-F5344CB8AC3E}">
-        <p14:creationId xmlns:p14="http://schemas.microsoft.com/office/powerpoint/2010/main" xmlns="" val="4223806462"/>
+        <p14:creationId xmlns:p14="http://schemas.microsoft.com/office/powerpoint/2010/main" val="4223806462"/>
       </p:ext>
     </p:extLst>
   </p:cSld>
@@ -6615,19 +6431,11 @@
             </a:pPr>
             <a:r>
               <a:rPr lang="en-US" altLang="zh-CN" sz="3600" dirty="0" smtClean="0"/>
-              <a:t>	</a:t>
-            </a:r>
-            <a:r>
-              <a:rPr lang="en-US" altLang="zh-CN" sz="3600" dirty="0" smtClean="0"/>
-              <a:t>	</a:t>
+              <a:t>		</a:t>
             </a:r>
             <a:r>
               <a:rPr lang="zh-CN" altLang="en-US" sz="3600" dirty="0" smtClean="0"/>
-              <a:t>就</a:t>
-            </a:r>
-            <a:r>
-              <a:rPr lang="zh-CN" altLang="en-US" sz="3600" dirty="0" smtClean="0"/>
-              <a:t>像跑 </a:t>
+              <a:t>就像跑 </a:t>
             </a:r>
             <a:r>
               <a:rPr lang="en-US" altLang="zh-CN" sz="3600" dirty="0" smtClean="0"/>
@@ -6655,19 +6463,7 @@
             </a:r>
             <a:r>
               <a:rPr lang="zh-CN" altLang="en-US" sz="3600" dirty="0" smtClean="0"/>
-              <a:t>掉</a:t>
-            </a:r>
-            <a:r>
-              <a:rPr lang="zh-CN" altLang="en-US" sz="3600" dirty="0" smtClean="0"/>
-              <a:t>拼</a:t>
-            </a:r>
-            <a:r>
-              <a:rPr lang="zh-CN" altLang="en-US" sz="3600" dirty="0" smtClean="0"/>
-              <a:t>运气</a:t>
-            </a:r>
-            <a:r>
-              <a:rPr lang="zh-CN" altLang="en-US" sz="3600" dirty="0" smtClean="0"/>
-              <a:t>总是比就算 </a:t>
+              <a:t>掉拼运气总是比就算 </a:t>
             </a:r>
             <a:r>
               <a:rPr lang="en-US" altLang="zh-CN" sz="3600" dirty="0" smtClean="0"/>
@@ -6693,7 +6489,7 @@
           <a:blip r:embed="rId2" cstate="print">
             <a:extLst>
               <a:ext uri="{28A0092B-C50C-407E-A947-70E740481C1C}">
-                <a14:useLocalDpi xmlns:a14="http://schemas.microsoft.com/office/drawing/2010/main" xmlns="" val="0"/>
+                <a14:useLocalDpi xmlns:a14="http://schemas.microsoft.com/office/drawing/2010/main" val="0"/>
               </a:ext>
             </a:extLst>
           </a:blip>
@@ -6714,7 +6510,7 @@
     </p:spTree>
     <p:extLst>
       <p:ext uri="{BB962C8B-B14F-4D97-AF65-F5344CB8AC3E}">
-        <p14:creationId xmlns:p14="http://schemas.microsoft.com/office/powerpoint/2010/main" xmlns="" val="4223806462"/>
+        <p14:creationId xmlns:p14="http://schemas.microsoft.com/office/powerpoint/2010/main" val="4223806462"/>
       </p:ext>
     </p:extLst>
   </p:cSld>
@@ -6931,15 +6727,7 @@
             </a:r>
             <a:r>
               <a:rPr lang="zh-CN" altLang="en-US" sz="3600" dirty="0" smtClean="0"/>
-              <a:t>做</a:t>
-            </a:r>
-            <a:r>
-              <a:rPr lang="zh-CN" altLang="en-US" sz="3600" dirty="0" smtClean="0"/>
-              <a:t>选择时，我们要做的第一件事不是向外看，而是向内</a:t>
-            </a:r>
-            <a:r>
-              <a:rPr lang="zh-CN" altLang="en-US" sz="3600" dirty="0" smtClean="0"/>
-              <a:t>看</a:t>
+              <a:t>做选择时，我们要做的第一件事不是向外看，而是向内看</a:t>
             </a:r>
             <a:endParaRPr lang="en-US" altLang="zh-CN" sz="3600" dirty="0" smtClean="0"/>
           </a:p>
@@ -6959,11 +6747,7 @@
             </a:r>
             <a:r>
               <a:rPr lang="zh-CN" altLang="en-US" sz="3600" dirty="0" smtClean="0"/>
-              <a:t>我们</a:t>
-            </a:r>
-            <a:r>
-              <a:rPr lang="zh-CN" altLang="en-US" sz="3600" dirty="0" smtClean="0"/>
-              <a:t>更应该考虑的是自己的内心感受，因为只有我们自己心里真的喜欢了，才能够真正拥有之后的幸福感和强大的动力</a:t>
+              <a:t>我们更应该考虑的是自己的内心感受，因为只有我们自己心里真的喜欢了，才能够真正拥有之后的幸福感和强大的动力</a:t>
             </a:r>
             <a:endParaRPr lang="zh-CN" altLang="en-US" sz="3600" dirty="0"/>
           </a:p>
@@ -6972,7 +6756,7 @@
     </p:spTree>
     <p:extLst>
       <p:ext uri="{BB962C8B-B14F-4D97-AF65-F5344CB8AC3E}">
-        <p14:creationId xmlns:p14="http://schemas.microsoft.com/office/powerpoint/2010/main" xmlns="" val="4223806462"/>
+        <p14:creationId xmlns:p14="http://schemas.microsoft.com/office/powerpoint/2010/main" val="4223806462"/>
       </p:ext>
     </p:extLst>
   </p:cSld>
@@ -7233,67 +7017,7 @@
             </a:r>
             <a:r>
               <a:rPr lang="zh-CN" altLang="en-US" sz="3600" dirty="0" smtClean="0"/>
-              <a:t>“五个为什么”</a:t>
-            </a:r>
-            <a:r>
-              <a:rPr lang="zh-CN" altLang="en-US" sz="3600" dirty="0" smtClean="0"/>
-              <a:t>是丰田公司创始人丰田章男发明的一种解决问题的技巧</a:t>
-            </a:r>
-            <a:r>
-              <a:rPr lang="zh-CN" altLang="en-US" sz="3600" dirty="0" smtClean="0"/>
-              <a:t>。</a:t>
-            </a:r>
-            <a:endParaRPr lang="en-US" altLang="zh-CN" sz="3600" dirty="0" smtClean="0"/>
-          </a:p>
-          <a:p>
-            <a:pPr>
-              <a:buNone/>
-            </a:pPr>
-            <a:r>
-              <a:rPr lang="en-US" altLang="zh-CN" sz="3600" dirty="0" smtClean="0"/>
-              <a:t>	</a:t>
-            </a:r>
-            <a:r>
-              <a:rPr lang="en-US" altLang="zh-CN" sz="3600" dirty="0" smtClean="0"/>
-              <a:t>	</a:t>
-            </a:r>
-            <a:r>
-              <a:rPr lang="zh-CN" altLang="en-US" sz="3600" dirty="0" smtClean="0"/>
-              <a:t>当</a:t>
-            </a:r>
-            <a:r>
-              <a:rPr lang="zh-CN" altLang="en-US" sz="3600" dirty="0" smtClean="0"/>
-              <a:t>某事出错时，你可以问自己</a:t>
-            </a:r>
-            <a:r>
-              <a:rPr lang="zh-CN" altLang="en-US" sz="3600" dirty="0" smtClean="0"/>
-              <a:t>“为什么？”  </a:t>
-            </a:r>
-            <a:endParaRPr lang="en-US" altLang="zh-CN" sz="3600" dirty="0" smtClean="0"/>
-          </a:p>
-          <a:p>
-            <a:pPr>
-              <a:buNone/>
-            </a:pPr>
-            <a:r>
-              <a:rPr lang="en-US" altLang="zh-CN" sz="3600" dirty="0" smtClean="0"/>
-              <a:t>	</a:t>
-            </a:r>
-            <a:r>
-              <a:rPr lang="en-US" altLang="zh-CN" sz="3600" dirty="0" smtClean="0"/>
-              <a:t>	</a:t>
-            </a:r>
-            <a:r>
-              <a:rPr lang="zh-CN" altLang="en-US" sz="3600" dirty="0" smtClean="0"/>
-              <a:t>通过</a:t>
-            </a:r>
-            <a:r>
-              <a:rPr lang="zh-CN" altLang="en-US" sz="3600" dirty="0" smtClean="0"/>
-              <a:t>一遍又一遍地问为什么有些事情会失败，你最终就会找到根本原因</a:t>
-            </a:r>
-            <a:r>
-              <a:rPr lang="zh-CN" altLang="en-US" sz="3600" dirty="0" smtClean="0"/>
-              <a:t>。</a:t>
+              <a:t>“五个为什么”是丰田公司创始人丰田章男发明的一种解决问题的技巧。</a:t>
             </a:r>
             <a:endParaRPr lang="en-US" altLang="zh-CN" sz="3600" dirty="0" smtClean="0"/>
           </a:p>
@@ -7307,11 +7031,35 @@
             </a:r>
             <a:r>
               <a:rPr lang="zh-CN" altLang="en-US" sz="3600" dirty="0" smtClean="0"/>
-              <a:t>虽然</a:t>
+              <a:t>当某事出错时，你可以问自己“为什么？”  </a:t>
+            </a:r>
+            <a:endParaRPr lang="en-US" altLang="zh-CN" sz="3600" dirty="0" smtClean="0"/>
+          </a:p>
+          <a:p>
+            <a:pPr>
+              <a:buNone/>
+            </a:pPr>
+            <a:r>
+              <a:rPr lang="en-US" altLang="zh-CN" sz="3600" dirty="0" smtClean="0"/>
+              <a:t>		</a:t>
             </a:r>
             <a:r>
               <a:rPr lang="zh-CN" altLang="en-US" sz="3600" dirty="0" smtClean="0"/>
-              <a:t>“五个为什么”是一种解决问题的技巧，但它也能帮助你确定你正在考虑的选择是否符合你的核心价值观</a:t>
+              <a:t>通过一遍又一遍地问为什么有些事情会失败，你最终就会找到根本原因。</a:t>
+            </a:r>
+            <a:endParaRPr lang="en-US" altLang="zh-CN" sz="3600" dirty="0" smtClean="0"/>
+          </a:p>
+          <a:p>
+            <a:pPr>
+              <a:buNone/>
+            </a:pPr>
+            <a:r>
+              <a:rPr lang="en-US" altLang="zh-CN" sz="3600" dirty="0" smtClean="0"/>
+              <a:t>		</a:t>
+            </a:r>
+            <a:r>
+              <a:rPr lang="zh-CN" altLang="en-US" sz="3600" dirty="0" smtClean="0"/>
+              <a:t>虽然“五个为什么”是一种解决问题的技巧，但它也能帮助你确定你正在考虑的选择是否符合你的核心价值观</a:t>
             </a:r>
             <a:endParaRPr lang="zh-CN" altLang="en-US" sz="3600" dirty="0"/>
           </a:p>
@@ -7350,7 +7098,7 @@
     </p:spTree>
     <p:extLst>
       <p:ext uri="{BB962C8B-B14F-4D97-AF65-F5344CB8AC3E}">
-        <p14:creationId xmlns:p14="http://schemas.microsoft.com/office/powerpoint/2010/main" xmlns="" val="4223806462"/>
+        <p14:creationId xmlns:p14="http://schemas.microsoft.com/office/powerpoint/2010/main" val="4223806462"/>
       </p:ext>
     </p:extLst>
   </p:cSld>
@@ -7713,7 +7461,7 @@
     </p:spTree>
     <p:extLst>
       <p:ext uri="{BB962C8B-B14F-4D97-AF65-F5344CB8AC3E}">
-        <p14:creationId xmlns:p14="http://schemas.microsoft.com/office/powerpoint/2010/main" xmlns="" val="4223806462"/>
+        <p14:creationId xmlns:p14="http://schemas.microsoft.com/office/powerpoint/2010/main" val="4223806462"/>
       </p:ext>
     </p:extLst>
   </p:cSld>
@@ -7985,7 +7733,7 @@
   <a:extraClrSchemeLst/>
   <a:extLst>
     <a:ext uri="{05A4C25C-085E-4340-85A3-A5531E510DB2}">
-      <thm15:themeFamily xmlns:thm15="http://schemas.microsoft.com/office/thememl/2012/main" xmlns="" name="Office Theme" id="{62F939B6-93AF-4DB8-9C6B-D6C7DFDC589F}" vid="{4A3C46E8-61CC-4603-A589-7422A47A8E4A}"/>
+      <thm15:themeFamily xmlns:thm15="http://schemas.microsoft.com/office/thememl/2012/main" name="Office Theme" id="{62F939B6-93AF-4DB8-9C6B-D6C7DFDC589F}" vid="{4A3C46E8-61CC-4603-A589-7422A47A8E4A}"/>
     </a:ext>
   </a:extLst>
 </a:theme>

--- a/激情演讲.pptx
+++ b/激情演讲.pptx
@@ -116,7 +116,7 @@
   </p:defaultTextStyle>
   <p:extLst>
     <p:ext uri="{EFAFB233-063F-42B5-8137-9DF3F51BA10A}">
-      <p15:sldGuideLst xmlns:p15="http://schemas.microsoft.com/office/powerpoint/2012/main">
+      <p15:sldGuideLst xmlns:p15="http://schemas.microsoft.com/office/powerpoint/2012/main" xmlns="">
         <p15:guide id="1" orient="horz" pos="2160">
           <p15:clr>
             <a:srgbClr val="A4A3A4"/>
@@ -265,7 +265,7 @@
             <a:fld id="{088B0906-6CF8-4B6F-9999-52E9B8B394F6}" type="datetimeFigureOut">
               <a:rPr lang="zh-CN" altLang="en-US" smtClean="0"/>
               <a:pPr/>
-              <a:t>2023/11/29</a:t>
+              <a:t>2023/12/3</a:t>
             </a:fld>
             <a:endParaRPr lang="zh-CN" altLang="en-US"/>
           </a:p>
@@ -317,7 +317,7 @@
     </p:spTree>
     <p:extLst>
       <p:ext uri="{BB962C8B-B14F-4D97-AF65-F5344CB8AC3E}">
-        <p14:creationId xmlns:p14="http://schemas.microsoft.com/office/powerpoint/2010/main" val="3243702133"/>
+        <p14:creationId xmlns:p14="http://schemas.microsoft.com/office/powerpoint/2010/main" xmlns="" val="3243702133"/>
       </p:ext>
     </p:extLst>
   </p:cSld>
@@ -437,7 +437,7 @@
             <a:fld id="{088B0906-6CF8-4B6F-9999-52E9B8B394F6}" type="datetimeFigureOut">
               <a:rPr lang="zh-CN" altLang="en-US" smtClean="0"/>
               <a:pPr/>
-              <a:t>2023/11/29</a:t>
+              <a:t>2023/12/3</a:t>
             </a:fld>
             <a:endParaRPr lang="zh-CN" altLang="en-US"/>
           </a:p>
@@ -489,7 +489,7 @@
     </p:spTree>
     <p:extLst>
       <p:ext uri="{BB962C8B-B14F-4D97-AF65-F5344CB8AC3E}">
-        <p14:creationId xmlns:p14="http://schemas.microsoft.com/office/powerpoint/2010/main" val="1240899321"/>
+        <p14:creationId xmlns:p14="http://schemas.microsoft.com/office/powerpoint/2010/main" xmlns="" val="1240899321"/>
       </p:ext>
     </p:extLst>
   </p:cSld>
@@ -619,7 +619,7 @@
             <a:fld id="{088B0906-6CF8-4B6F-9999-52E9B8B394F6}" type="datetimeFigureOut">
               <a:rPr lang="zh-CN" altLang="en-US" smtClean="0"/>
               <a:pPr/>
-              <a:t>2023/11/29</a:t>
+              <a:t>2023/12/3</a:t>
             </a:fld>
             <a:endParaRPr lang="zh-CN" altLang="en-US"/>
           </a:p>
@@ -671,7 +671,7 @@
     </p:spTree>
     <p:extLst>
       <p:ext uri="{BB962C8B-B14F-4D97-AF65-F5344CB8AC3E}">
-        <p14:creationId xmlns:p14="http://schemas.microsoft.com/office/powerpoint/2010/main" val="2590562766"/>
+        <p14:creationId xmlns:p14="http://schemas.microsoft.com/office/powerpoint/2010/main" xmlns="" val="2590562766"/>
       </p:ext>
     </p:extLst>
   </p:cSld>
@@ -791,7 +791,7 @@
             <a:fld id="{088B0906-6CF8-4B6F-9999-52E9B8B394F6}" type="datetimeFigureOut">
               <a:rPr lang="zh-CN" altLang="en-US" smtClean="0"/>
               <a:pPr/>
-              <a:t>2023/11/29</a:t>
+              <a:t>2023/12/3</a:t>
             </a:fld>
             <a:endParaRPr lang="zh-CN" altLang="en-US"/>
           </a:p>
@@ -843,7 +843,7 @@
     </p:spTree>
     <p:extLst>
       <p:ext uri="{BB962C8B-B14F-4D97-AF65-F5344CB8AC3E}">
-        <p14:creationId xmlns:p14="http://schemas.microsoft.com/office/powerpoint/2010/main" val="2613875596"/>
+        <p14:creationId xmlns:p14="http://schemas.microsoft.com/office/powerpoint/2010/main" xmlns="" val="2613875596"/>
       </p:ext>
     </p:extLst>
   </p:cSld>
@@ -1039,7 +1039,7 @@
             <a:fld id="{088B0906-6CF8-4B6F-9999-52E9B8B394F6}" type="datetimeFigureOut">
               <a:rPr lang="zh-CN" altLang="en-US" smtClean="0"/>
               <a:pPr/>
-              <a:t>2023/11/29</a:t>
+              <a:t>2023/12/3</a:t>
             </a:fld>
             <a:endParaRPr lang="zh-CN" altLang="en-US"/>
           </a:p>
@@ -1091,7 +1091,7 @@
     </p:spTree>
     <p:extLst>
       <p:ext uri="{BB962C8B-B14F-4D97-AF65-F5344CB8AC3E}">
-        <p14:creationId xmlns:p14="http://schemas.microsoft.com/office/powerpoint/2010/main" val="213276529"/>
+        <p14:creationId xmlns:p14="http://schemas.microsoft.com/office/powerpoint/2010/main" xmlns="" val="213276529"/>
       </p:ext>
     </p:extLst>
   </p:cSld>
@@ -1273,7 +1273,7 @@
             <a:fld id="{088B0906-6CF8-4B6F-9999-52E9B8B394F6}" type="datetimeFigureOut">
               <a:rPr lang="zh-CN" altLang="en-US" smtClean="0"/>
               <a:pPr/>
-              <a:t>2023/11/29</a:t>
+              <a:t>2023/12/3</a:t>
             </a:fld>
             <a:endParaRPr lang="zh-CN" altLang="en-US"/>
           </a:p>
@@ -1325,7 +1325,7 @@
     </p:spTree>
     <p:extLst>
       <p:ext uri="{BB962C8B-B14F-4D97-AF65-F5344CB8AC3E}">
-        <p14:creationId xmlns:p14="http://schemas.microsoft.com/office/powerpoint/2010/main" val="247186576"/>
+        <p14:creationId xmlns:p14="http://schemas.microsoft.com/office/powerpoint/2010/main" xmlns="" val="247186576"/>
       </p:ext>
     </p:extLst>
   </p:cSld>
@@ -1642,7 +1642,7 @@
             <a:fld id="{088B0906-6CF8-4B6F-9999-52E9B8B394F6}" type="datetimeFigureOut">
               <a:rPr lang="zh-CN" altLang="en-US" smtClean="0"/>
               <a:pPr/>
-              <a:t>2023/11/29</a:t>
+              <a:t>2023/12/3</a:t>
             </a:fld>
             <a:endParaRPr lang="zh-CN" altLang="en-US"/>
           </a:p>
@@ -1694,7 +1694,7 @@
     </p:spTree>
     <p:extLst>
       <p:ext uri="{BB962C8B-B14F-4D97-AF65-F5344CB8AC3E}">
-        <p14:creationId xmlns:p14="http://schemas.microsoft.com/office/powerpoint/2010/main" val="2155751304"/>
+        <p14:creationId xmlns:p14="http://schemas.microsoft.com/office/powerpoint/2010/main" xmlns="" val="2155751304"/>
       </p:ext>
     </p:extLst>
   </p:cSld>
@@ -1762,7 +1762,7 @@
             <a:fld id="{088B0906-6CF8-4B6F-9999-52E9B8B394F6}" type="datetimeFigureOut">
               <a:rPr lang="zh-CN" altLang="en-US" smtClean="0"/>
               <a:pPr/>
-              <a:t>2023/11/29</a:t>
+              <a:t>2023/12/3</a:t>
             </a:fld>
             <a:endParaRPr lang="zh-CN" altLang="en-US"/>
           </a:p>
@@ -1814,7 +1814,7 @@
     </p:spTree>
     <p:extLst>
       <p:ext uri="{BB962C8B-B14F-4D97-AF65-F5344CB8AC3E}">
-        <p14:creationId xmlns:p14="http://schemas.microsoft.com/office/powerpoint/2010/main" val="3260696510"/>
+        <p14:creationId xmlns:p14="http://schemas.microsoft.com/office/powerpoint/2010/main" xmlns="" val="3260696510"/>
       </p:ext>
     </p:extLst>
   </p:cSld>
@@ -1859,7 +1859,7 @@
             <a:fld id="{088B0906-6CF8-4B6F-9999-52E9B8B394F6}" type="datetimeFigureOut">
               <a:rPr lang="zh-CN" altLang="en-US" smtClean="0"/>
               <a:pPr/>
-              <a:t>2023/11/29</a:t>
+              <a:t>2023/12/3</a:t>
             </a:fld>
             <a:endParaRPr lang="zh-CN" altLang="en-US"/>
           </a:p>
@@ -1911,7 +1911,7 @@
     </p:spTree>
     <p:extLst>
       <p:ext uri="{BB962C8B-B14F-4D97-AF65-F5344CB8AC3E}">
-        <p14:creationId xmlns:p14="http://schemas.microsoft.com/office/powerpoint/2010/main" val="4159628063"/>
+        <p14:creationId xmlns:p14="http://schemas.microsoft.com/office/powerpoint/2010/main" xmlns="" val="4159628063"/>
       </p:ext>
     </p:extLst>
   </p:cSld>
@@ -2138,7 +2138,7 @@
             <a:fld id="{088B0906-6CF8-4B6F-9999-52E9B8B394F6}" type="datetimeFigureOut">
               <a:rPr lang="zh-CN" altLang="en-US" smtClean="0"/>
               <a:pPr/>
-              <a:t>2023/11/29</a:t>
+              <a:t>2023/12/3</a:t>
             </a:fld>
             <a:endParaRPr lang="zh-CN" altLang="en-US"/>
           </a:p>
@@ -2190,7 +2190,7 @@
     </p:spTree>
     <p:extLst>
       <p:ext uri="{BB962C8B-B14F-4D97-AF65-F5344CB8AC3E}">
-        <p14:creationId xmlns:p14="http://schemas.microsoft.com/office/powerpoint/2010/main" val="2139939528"/>
+        <p14:creationId xmlns:p14="http://schemas.microsoft.com/office/powerpoint/2010/main" xmlns="" val="2139939528"/>
       </p:ext>
     </p:extLst>
   </p:cSld>
@@ -2393,7 +2393,7 @@
             <a:fld id="{088B0906-6CF8-4B6F-9999-52E9B8B394F6}" type="datetimeFigureOut">
               <a:rPr lang="zh-CN" altLang="en-US" smtClean="0"/>
               <a:pPr/>
-              <a:t>2023/11/29</a:t>
+              <a:t>2023/12/3</a:t>
             </a:fld>
             <a:endParaRPr lang="zh-CN" altLang="en-US"/>
           </a:p>
@@ -2445,7 +2445,7 @@
     </p:spTree>
     <p:extLst>
       <p:ext uri="{BB962C8B-B14F-4D97-AF65-F5344CB8AC3E}">
-        <p14:creationId xmlns:p14="http://schemas.microsoft.com/office/powerpoint/2010/main" val="270694529"/>
+        <p14:creationId xmlns:p14="http://schemas.microsoft.com/office/powerpoint/2010/main" xmlns="" val="270694529"/>
       </p:ext>
     </p:extLst>
   </p:cSld>
@@ -2608,7 +2608,7 @@
             <a:fld id="{088B0906-6CF8-4B6F-9999-52E9B8B394F6}" type="datetimeFigureOut">
               <a:rPr lang="zh-CN" altLang="en-US" smtClean="0"/>
               <a:pPr/>
-              <a:t>2023/11/29</a:t>
+              <a:t>2023/12/3</a:t>
             </a:fld>
             <a:endParaRPr lang="zh-CN" altLang="en-US"/>
           </a:p>
@@ -2696,7 +2696,7 @@
     </p:spTree>
     <p:extLst>
       <p:ext uri="{BB962C8B-B14F-4D97-AF65-F5344CB8AC3E}">
-        <p14:creationId xmlns:p14="http://schemas.microsoft.com/office/powerpoint/2010/main" val="3518305882"/>
+        <p14:creationId xmlns:p14="http://schemas.microsoft.com/office/powerpoint/2010/main" xmlns="" val="3518305882"/>
       </p:ext>
     </p:extLst>
   </p:cSld>
@@ -3121,10 +3121,10 @@
           <p:nvPr/>
         </p:nvPicPr>
         <p:blipFill>
-          <a:blip r:embed="rId2">
+          <a:blip r:embed="rId2" cstate="print">
             <a:extLst>
               <a:ext uri="{28A0092B-C50C-407E-A947-70E740481C1C}">
-                <a14:useLocalDpi xmlns:a14="http://schemas.microsoft.com/office/drawing/2010/main" val="0"/>
+                <a14:useLocalDpi xmlns:a14="http://schemas.microsoft.com/office/drawing/2010/main" xmlns="" val="0"/>
               </a:ext>
             </a:extLst>
           </a:blip>
@@ -3188,8 +3188,8 @@
         </p:nvSpPr>
         <p:spPr>
           <a:xfrm>
-            <a:off x="99645" y="129929"/>
-            <a:ext cx="5750170" cy="1969770"/>
+            <a:off x="99644" y="129929"/>
+            <a:ext cx="5902803" cy="1969770"/>
           </a:xfrm>
           <a:prstGeom prst="rect">
             <a:avLst/>
@@ -3251,7 +3251,7 @@
     </p:spTree>
     <p:extLst>
       <p:ext uri="{BB962C8B-B14F-4D97-AF65-F5344CB8AC3E}">
-        <p14:creationId xmlns:p14="http://schemas.microsoft.com/office/powerpoint/2010/main" val="353376672"/>
+        <p14:creationId xmlns:p14="http://schemas.microsoft.com/office/powerpoint/2010/main" xmlns="" val="353376672"/>
       </p:ext>
     </p:extLst>
   </p:cSld>
@@ -3348,7 +3348,7 @@
           <p:nvPr/>
         </p:nvPicPr>
         <p:blipFill>
-          <a:blip r:embed="rId2"/>
+          <a:blip r:embed="rId2" cstate="print"/>
           <a:srcRect/>
           <a:stretch>
             <a:fillRect/>
@@ -3594,10 +3594,10 @@
           <p:nvPr/>
         </p:nvPicPr>
         <p:blipFill>
-          <a:blip r:embed="rId2">
+          <a:blip r:embed="rId2" cstate="print">
             <a:extLst>
               <a:ext uri="{28A0092B-C50C-407E-A947-70E740481C1C}">
-                <a14:useLocalDpi xmlns:a14="http://schemas.microsoft.com/office/drawing/2010/main" val="0"/>
+                <a14:useLocalDpi xmlns:a14="http://schemas.microsoft.com/office/drawing/2010/main" xmlns="" val="0"/>
               </a:ext>
             </a:extLst>
           </a:blip>
@@ -3624,10 +3624,10 @@
           <p:nvPr/>
         </p:nvPicPr>
         <p:blipFill>
-          <a:blip r:embed="rId2">
+          <a:blip r:embed="rId2" cstate="print">
             <a:extLst>
               <a:ext uri="{28A0092B-C50C-407E-A947-70E740481C1C}">
-                <a14:useLocalDpi xmlns:a14="http://schemas.microsoft.com/office/drawing/2010/main" val="0"/>
+                <a14:useLocalDpi xmlns:a14="http://schemas.microsoft.com/office/drawing/2010/main" xmlns="" val="0"/>
               </a:ext>
             </a:extLst>
           </a:blip>
@@ -3654,10 +3654,10 @@
           <p:nvPr/>
         </p:nvPicPr>
         <p:blipFill>
-          <a:blip r:embed="rId2">
+          <a:blip r:embed="rId2" cstate="print">
             <a:extLst>
               <a:ext uri="{28A0092B-C50C-407E-A947-70E740481C1C}">
-                <a14:useLocalDpi xmlns:a14="http://schemas.microsoft.com/office/drawing/2010/main" val="0"/>
+                <a14:useLocalDpi xmlns:a14="http://schemas.microsoft.com/office/drawing/2010/main" xmlns="" val="0"/>
               </a:ext>
             </a:extLst>
           </a:blip>
@@ -3684,10 +3684,10 @@
           <p:nvPr/>
         </p:nvPicPr>
         <p:blipFill>
-          <a:blip r:embed="rId2">
+          <a:blip r:embed="rId2" cstate="print">
             <a:extLst>
               <a:ext uri="{28A0092B-C50C-407E-A947-70E740481C1C}">
-                <a14:useLocalDpi xmlns:a14="http://schemas.microsoft.com/office/drawing/2010/main" val="0"/>
+                <a14:useLocalDpi xmlns:a14="http://schemas.microsoft.com/office/drawing/2010/main" xmlns="" val="0"/>
               </a:ext>
             </a:extLst>
           </a:blip>
@@ -3714,10 +3714,10 @@
           <p:nvPr/>
         </p:nvPicPr>
         <p:blipFill>
-          <a:blip r:embed="rId2">
+          <a:blip r:embed="rId2" cstate="print">
             <a:extLst>
               <a:ext uri="{28A0092B-C50C-407E-A947-70E740481C1C}">
-                <a14:useLocalDpi xmlns:a14="http://schemas.microsoft.com/office/drawing/2010/main" val="0"/>
+                <a14:useLocalDpi xmlns:a14="http://schemas.microsoft.com/office/drawing/2010/main" xmlns="" val="0"/>
               </a:ext>
             </a:extLst>
           </a:blip>
@@ -3744,10 +3744,10 @@
           <p:nvPr/>
         </p:nvPicPr>
         <p:blipFill>
-          <a:blip r:embed="rId2">
+          <a:blip r:embed="rId2" cstate="print">
             <a:extLst>
               <a:ext uri="{28A0092B-C50C-407E-A947-70E740481C1C}">
-                <a14:useLocalDpi xmlns:a14="http://schemas.microsoft.com/office/drawing/2010/main" val="0"/>
+                <a14:useLocalDpi xmlns:a14="http://schemas.microsoft.com/office/drawing/2010/main" xmlns="" val="0"/>
               </a:ext>
             </a:extLst>
           </a:blip>
@@ -3774,10 +3774,10 @@
           <p:nvPr/>
         </p:nvPicPr>
         <p:blipFill>
-          <a:blip r:embed="rId2">
+          <a:blip r:embed="rId2" cstate="print">
             <a:extLst>
               <a:ext uri="{28A0092B-C50C-407E-A947-70E740481C1C}">
-                <a14:useLocalDpi xmlns:a14="http://schemas.microsoft.com/office/drawing/2010/main" val="0"/>
+                <a14:useLocalDpi xmlns:a14="http://schemas.microsoft.com/office/drawing/2010/main" xmlns="" val="0"/>
               </a:ext>
             </a:extLst>
           </a:blip>
@@ -3804,10 +3804,10 @@
           <p:nvPr/>
         </p:nvPicPr>
         <p:blipFill>
-          <a:blip r:embed="rId2">
+          <a:blip r:embed="rId2" cstate="print">
             <a:extLst>
               <a:ext uri="{28A0092B-C50C-407E-A947-70E740481C1C}">
-                <a14:useLocalDpi xmlns:a14="http://schemas.microsoft.com/office/drawing/2010/main" val="0"/>
+                <a14:useLocalDpi xmlns:a14="http://schemas.microsoft.com/office/drawing/2010/main" xmlns="" val="0"/>
               </a:ext>
             </a:extLst>
           </a:blip>
@@ -3834,10 +3834,10 @@
           <p:nvPr/>
         </p:nvPicPr>
         <p:blipFill>
-          <a:blip r:embed="rId2">
+          <a:blip r:embed="rId2" cstate="print">
             <a:extLst>
               <a:ext uri="{28A0092B-C50C-407E-A947-70E740481C1C}">
-                <a14:useLocalDpi xmlns:a14="http://schemas.microsoft.com/office/drawing/2010/main" val="0"/>
+                <a14:useLocalDpi xmlns:a14="http://schemas.microsoft.com/office/drawing/2010/main" xmlns="" val="0"/>
               </a:ext>
             </a:extLst>
           </a:blip>
@@ -3864,10 +3864,10 @@
           <p:nvPr/>
         </p:nvPicPr>
         <p:blipFill>
-          <a:blip r:embed="rId2">
+          <a:blip r:embed="rId2" cstate="print">
             <a:extLst>
               <a:ext uri="{28A0092B-C50C-407E-A947-70E740481C1C}">
-                <a14:useLocalDpi xmlns:a14="http://schemas.microsoft.com/office/drawing/2010/main" val="0"/>
+                <a14:useLocalDpi xmlns:a14="http://schemas.microsoft.com/office/drawing/2010/main" xmlns="" val="0"/>
               </a:ext>
             </a:extLst>
           </a:blip>
@@ -3894,10 +3894,10 @@
           <p:nvPr/>
         </p:nvPicPr>
         <p:blipFill>
-          <a:blip r:embed="rId2">
+          <a:blip r:embed="rId2" cstate="print">
             <a:extLst>
               <a:ext uri="{28A0092B-C50C-407E-A947-70E740481C1C}">
-                <a14:useLocalDpi xmlns:a14="http://schemas.microsoft.com/office/drawing/2010/main" val="0"/>
+                <a14:useLocalDpi xmlns:a14="http://schemas.microsoft.com/office/drawing/2010/main" xmlns="" val="0"/>
               </a:ext>
             </a:extLst>
           </a:blip>
@@ -3924,10 +3924,10 @@
           <p:nvPr/>
         </p:nvPicPr>
         <p:blipFill>
-          <a:blip r:embed="rId2">
+          <a:blip r:embed="rId2" cstate="print">
             <a:extLst>
               <a:ext uri="{28A0092B-C50C-407E-A947-70E740481C1C}">
-                <a14:useLocalDpi xmlns:a14="http://schemas.microsoft.com/office/drawing/2010/main" val="0"/>
+                <a14:useLocalDpi xmlns:a14="http://schemas.microsoft.com/office/drawing/2010/main" xmlns="" val="0"/>
               </a:ext>
             </a:extLst>
           </a:blip>
@@ -3954,10 +3954,10 @@
           <p:nvPr/>
         </p:nvPicPr>
         <p:blipFill>
-          <a:blip r:embed="rId2">
+          <a:blip r:embed="rId2" cstate="print">
             <a:extLst>
               <a:ext uri="{28A0092B-C50C-407E-A947-70E740481C1C}">
-                <a14:useLocalDpi xmlns:a14="http://schemas.microsoft.com/office/drawing/2010/main" val="0"/>
+                <a14:useLocalDpi xmlns:a14="http://schemas.microsoft.com/office/drawing/2010/main" xmlns="" val="0"/>
               </a:ext>
             </a:extLst>
           </a:blip>
@@ -3984,10 +3984,10 @@
           <p:nvPr/>
         </p:nvPicPr>
         <p:blipFill>
-          <a:blip r:embed="rId2">
+          <a:blip r:embed="rId2" cstate="print">
             <a:extLst>
               <a:ext uri="{28A0092B-C50C-407E-A947-70E740481C1C}">
-                <a14:useLocalDpi xmlns:a14="http://schemas.microsoft.com/office/drawing/2010/main" val="0"/>
+                <a14:useLocalDpi xmlns:a14="http://schemas.microsoft.com/office/drawing/2010/main" xmlns="" val="0"/>
               </a:ext>
             </a:extLst>
           </a:blip>
@@ -4014,10 +4014,10 @@
           <p:nvPr/>
         </p:nvPicPr>
         <p:blipFill>
-          <a:blip r:embed="rId2">
+          <a:blip r:embed="rId2" cstate="print">
             <a:extLst>
               <a:ext uri="{28A0092B-C50C-407E-A947-70E740481C1C}">
-                <a14:useLocalDpi xmlns:a14="http://schemas.microsoft.com/office/drawing/2010/main" val="0"/>
+                <a14:useLocalDpi xmlns:a14="http://schemas.microsoft.com/office/drawing/2010/main" xmlns="" val="0"/>
               </a:ext>
             </a:extLst>
           </a:blip>
@@ -4044,10 +4044,10 @@
           <p:nvPr/>
         </p:nvPicPr>
         <p:blipFill>
-          <a:blip r:embed="rId2">
+          <a:blip r:embed="rId2" cstate="print">
             <a:extLst>
               <a:ext uri="{28A0092B-C50C-407E-A947-70E740481C1C}">
-                <a14:useLocalDpi xmlns:a14="http://schemas.microsoft.com/office/drawing/2010/main" val="0"/>
+                <a14:useLocalDpi xmlns:a14="http://schemas.microsoft.com/office/drawing/2010/main" xmlns="" val="0"/>
               </a:ext>
             </a:extLst>
           </a:blip>
@@ -4074,10 +4074,10 @@
           <p:nvPr/>
         </p:nvPicPr>
         <p:blipFill>
-          <a:blip r:embed="rId2">
+          <a:blip r:embed="rId2" cstate="print">
             <a:extLst>
               <a:ext uri="{28A0092B-C50C-407E-A947-70E740481C1C}">
-                <a14:useLocalDpi xmlns:a14="http://schemas.microsoft.com/office/drawing/2010/main" val="0"/>
+                <a14:useLocalDpi xmlns:a14="http://schemas.microsoft.com/office/drawing/2010/main" xmlns="" val="0"/>
               </a:ext>
             </a:extLst>
           </a:blip>
@@ -4104,10 +4104,10 @@
           <p:nvPr/>
         </p:nvPicPr>
         <p:blipFill>
-          <a:blip r:embed="rId2">
+          <a:blip r:embed="rId2" cstate="print">
             <a:extLst>
               <a:ext uri="{28A0092B-C50C-407E-A947-70E740481C1C}">
-                <a14:useLocalDpi xmlns:a14="http://schemas.microsoft.com/office/drawing/2010/main" val="0"/>
+                <a14:useLocalDpi xmlns:a14="http://schemas.microsoft.com/office/drawing/2010/main" xmlns="" val="0"/>
               </a:ext>
             </a:extLst>
           </a:blip>
@@ -4134,10 +4134,10 @@
           <p:nvPr/>
         </p:nvPicPr>
         <p:blipFill>
-          <a:blip r:embed="rId2">
+          <a:blip r:embed="rId2" cstate="print">
             <a:extLst>
               <a:ext uri="{28A0092B-C50C-407E-A947-70E740481C1C}">
-                <a14:useLocalDpi xmlns:a14="http://schemas.microsoft.com/office/drawing/2010/main" val="0"/>
+                <a14:useLocalDpi xmlns:a14="http://schemas.microsoft.com/office/drawing/2010/main" xmlns="" val="0"/>
               </a:ext>
             </a:extLst>
           </a:blip>
@@ -4164,10 +4164,10 @@
           <p:nvPr/>
         </p:nvPicPr>
         <p:blipFill>
-          <a:blip r:embed="rId2">
+          <a:blip r:embed="rId2" cstate="print">
             <a:extLst>
               <a:ext uri="{28A0092B-C50C-407E-A947-70E740481C1C}">
-                <a14:useLocalDpi xmlns:a14="http://schemas.microsoft.com/office/drawing/2010/main" val="0"/>
+                <a14:useLocalDpi xmlns:a14="http://schemas.microsoft.com/office/drawing/2010/main" xmlns="" val="0"/>
               </a:ext>
             </a:extLst>
           </a:blip>
@@ -4194,10 +4194,10 @@
           <p:nvPr/>
         </p:nvPicPr>
         <p:blipFill>
-          <a:blip r:embed="rId2">
+          <a:blip r:embed="rId2" cstate="print">
             <a:extLst>
               <a:ext uri="{28A0092B-C50C-407E-A947-70E740481C1C}">
-                <a14:useLocalDpi xmlns:a14="http://schemas.microsoft.com/office/drawing/2010/main" val="0"/>
+                <a14:useLocalDpi xmlns:a14="http://schemas.microsoft.com/office/drawing/2010/main" xmlns="" val="0"/>
               </a:ext>
             </a:extLst>
           </a:blip>
@@ -4224,10 +4224,10 @@
           <p:nvPr/>
         </p:nvPicPr>
         <p:blipFill>
-          <a:blip r:embed="rId2">
+          <a:blip r:embed="rId2" cstate="print">
             <a:extLst>
               <a:ext uri="{28A0092B-C50C-407E-A947-70E740481C1C}">
-                <a14:useLocalDpi xmlns:a14="http://schemas.microsoft.com/office/drawing/2010/main" val="0"/>
+                <a14:useLocalDpi xmlns:a14="http://schemas.microsoft.com/office/drawing/2010/main" xmlns="" val="0"/>
               </a:ext>
             </a:extLst>
           </a:blip>
@@ -4254,10 +4254,10 @@
           <p:nvPr/>
         </p:nvPicPr>
         <p:blipFill>
-          <a:blip r:embed="rId2">
+          <a:blip r:embed="rId2" cstate="print">
             <a:extLst>
               <a:ext uri="{28A0092B-C50C-407E-A947-70E740481C1C}">
-                <a14:useLocalDpi xmlns:a14="http://schemas.microsoft.com/office/drawing/2010/main" val="0"/>
+                <a14:useLocalDpi xmlns:a14="http://schemas.microsoft.com/office/drawing/2010/main" xmlns="" val="0"/>
               </a:ext>
             </a:extLst>
           </a:blip>
@@ -4284,10 +4284,10 @@
           <p:nvPr/>
         </p:nvPicPr>
         <p:blipFill>
-          <a:blip r:embed="rId2">
+          <a:blip r:embed="rId2" cstate="print">
             <a:extLst>
               <a:ext uri="{28A0092B-C50C-407E-A947-70E740481C1C}">
-                <a14:useLocalDpi xmlns:a14="http://schemas.microsoft.com/office/drawing/2010/main" val="0"/>
+                <a14:useLocalDpi xmlns:a14="http://schemas.microsoft.com/office/drawing/2010/main" xmlns="" val="0"/>
               </a:ext>
             </a:extLst>
           </a:blip>
@@ -4314,10 +4314,10 @@
           <p:nvPr/>
         </p:nvPicPr>
         <p:blipFill>
-          <a:blip r:embed="rId2">
+          <a:blip r:embed="rId2" cstate="print">
             <a:extLst>
               <a:ext uri="{28A0092B-C50C-407E-A947-70E740481C1C}">
-                <a14:useLocalDpi xmlns:a14="http://schemas.microsoft.com/office/drawing/2010/main" val="0"/>
+                <a14:useLocalDpi xmlns:a14="http://schemas.microsoft.com/office/drawing/2010/main" xmlns="" val="0"/>
               </a:ext>
             </a:extLst>
           </a:blip>
@@ -4344,10 +4344,10 @@
           <p:nvPr/>
         </p:nvPicPr>
         <p:blipFill>
-          <a:blip r:embed="rId2">
+          <a:blip r:embed="rId2" cstate="print">
             <a:extLst>
               <a:ext uri="{28A0092B-C50C-407E-A947-70E740481C1C}">
-                <a14:useLocalDpi xmlns:a14="http://schemas.microsoft.com/office/drawing/2010/main" val="0"/>
+                <a14:useLocalDpi xmlns:a14="http://schemas.microsoft.com/office/drawing/2010/main" xmlns="" val="0"/>
               </a:ext>
             </a:extLst>
           </a:blip>
@@ -4374,10 +4374,10 @@
           <p:nvPr/>
         </p:nvPicPr>
         <p:blipFill>
-          <a:blip r:embed="rId2">
+          <a:blip r:embed="rId2" cstate="print">
             <a:extLst>
               <a:ext uri="{28A0092B-C50C-407E-A947-70E740481C1C}">
-                <a14:useLocalDpi xmlns:a14="http://schemas.microsoft.com/office/drawing/2010/main" val="0"/>
+                <a14:useLocalDpi xmlns:a14="http://schemas.microsoft.com/office/drawing/2010/main" xmlns="" val="0"/>
               </a:ext>
             </a:extLst>
           </a:blip>
@@ -4404,10 +4404,10 @@
           <p:nvPr/>
         </p:nvPicPr>
         <p:blipFill>
-          <a:blip r:embed="rId2">
+          <a:blip r:embed="rId2" cstate="print">
             <a:extLst>
               <a:ext uri="{28A0092B-C50C-407E-A947-70E740481C1C}">
-                <a14:useLocalDpi xmlns:a14="http://schemas.microsoft.com/office/drawing/2010/main" val="0"/>
+                <a14:useLocalDpi xmlns:a14="http://schemas.microsoft.com/office/drawing/2010/main" xmlns="" val="0"/>
               </a:ext>
             </a:extLst>
           </a:blip>
@@ -4434,10 +4434,10 @@
           <p:nvPr/>
         </p:nvPicPr>
         <p:blipFill>
-          <a:blip r:embed="rId2">
+          <a:blip r:embed="rId2" cstate="print">
             <a:extLst>
               <a:ext uri="{28A0092B-C50C-407E-A947-70E740481C1C}">
-                <a14:useLocalDpi xmlns:a14="http://schemas.microsoft.com/office/drawing/2010/main" val="0"/>
+                <a14:useLocalDpi xmlns:a14="http://schemas.microsoft.com/office/drawing/2010/main" xmlns="" val="0"/>
               </a:ext>
             </a:extLst>
           </a:blip>
@@ -4464,10 +4464,10 @@
           <p:nvPr/>
         </p:nvPicPr>
         <p:blipFill>
-          <a:blip r:embed="rId2">
+          <a:blip r:embed="rId2" cstate="print">
             <a:extLst>
               <a:ext uri="{28A0092B-C50C-407E-A947-70E740481C1C}">
-                <a14:useLocalDpi xmlns:a14="http://schemas.microsoft.com/office/drawing/2010/main" val="0"/>
+                <a14:useLocalDpi xmlns:a14="http://schemas.microsoft.com/office/drawing/2010/main" xmlns="" val="0"/>
               </a:ext>
             </a:extLst>
           </a:blip>
@@ -4494,10 +4494,10 @@
           <p:nvPr/>
         </p:nvPicPr>
         <p:blipFill>
-          <a:blip r:embed="rId2">
+          <a:blip r:embed="rId2" cstate="print">
             <a:extLst>
               <a:ext uri="{28A0092B-C50C-407E-A947-70E740481C1C}">
-                <a14:useLocalDpi xmlns:a14="http://schemas.microsoft.com/office/drawing/2010/main" val="0"/>
+                <a14:useLocalDpi xmlns:a14="http://schemas.microsoft.com/office/drawing/2010/main" xmlns="" val="0"/>
               </a:ext>
             </a:extLst>
           </a:blip>
@@ -4524,10 +4524,10 @@
           <p:nvPr/>
         </p:nvPicPr>
         <p:blipFill>
-          <a:blip r:embed="rId2">
+          <a:blip r:embed="rId2" cstate="print">
             <a:extLst>
               <a:ext uri="{28A0092B-C50C-407E-A947-70E740481C1C}">
-                <a14:useLocalDpi xmlns:a14="http://schemas.microsoft.com/office/drawing/2010/main" val="0"/>
+                <a14:useLocalDpi xmlns:a14="http://schemas.microsoft.com/office/drawing/2010/main" xmlns="" val="0"/>
               </a:ext>
             </a:extLst>
           </a:blip>
@@ -4554,10 +4554,10 @@
           <p:nvPr/>
         </p:nvPicPr>
         <p:blipFill>
-          <a:blip r:embed="rId2">
+          <a:blip r:embed="rId2" cstate="print">
             <a:extLst>
               <a:ext uri="{28A0092B-C50C-407E-A947-70E740481C1C}">
-                <a14:useLocalDpi xmlns:a14="http://schemas.microsoft.com/office/drawing/2010/main" val="0"/>
+                <a14:useLocalDpi xmlns:a14="http://schemas.microsoft.com/office/drawing/2010/main" xmlns="" val="0"/>
               </a:ext>
             </a:extLst>
           </a:blip>
@@ -4584,10 +4584,10 @@
           <p:nvPr/>
         </p:nvPicPr>
         <p:blipFill>
-          <a:blip r:embed="rId2">
+          <a:blip r:embed="rId2" cstate="print">
             <a:extLst>
               <a:ext uri="{28A0092B-C50C-407E-A947-70E740481C1C}">
-                <a14:useLocalDpi xmlns:a14="http://schemas.microsoft.com/office/drawing/2010/main" val="0"/>
+                <a14:useLocalDpi xmlns:a14="http://schemas.microsoft.com/office/drawing/2010/main" xmlns="" val="0"/>
               </a:ext>
             </a:extLst>
           </a:blip>
@@ -4614,10 +4614,10 @@
           <p:nvPr/>
         </p:nvPicPr>
         <p:blipFill>
-          <a:blip r:embed="rId2">
+          <a:blip r:embed="rId2" cstate="print">
             <a:extLst>
               <a:ext uri="{28A0092B-C50C-407E-A947-70E740481C1C}">
-                <a14:useLocalDpi xmlns:a14="http://schemas.microsoft.com/office/drawing/2010/main" val="0"/>
+                <a14:useLocalDpi xmlns:a14="http://schemas.microsoft.com/office/drawing/2010/main" xmlns="" val="0"/>
               </a:ext>
             </a:extLst>
           </a:blip>
@@ -4644,10 +4644,10 @@
           <p:nvPr/>
         </p:nvPicPr>
         <p:blipFill>
-          <a:blip r:embed="rId2">
+          <a:blip r:embed="rId2" cstate="print">
             <a:extLst>
               <a:ext uri="{28A0092B-C50C-407E-A947-70E740481C1C}">
-                <a14:useLocalDpi xmlns:a14="http://schemas.microsoft.com/office/drawing/2010/main" val="0"/>
+                <a14:useLocalDpi xmlns:a14="http://schemas.microsoft.com/office/drawing/2010/main" xmlns="" val="0"/>
               </a:ext>
             </a:extLst>
           </a:blip>
@@ -4674,10 +4674,10 @@
           <p:nvPr/>
         </p:nvPicPr>
         <p:blipFill>
-          <a:blip r:embed="rId2">
+          <a:blip r:embed="rId2" cstate="print">
             <a:extLst>
               <a:ext uri="{28A0092B-C50C-407E-A947-70E740481C1C}">
-                <a14:useLocalDpi xmlns:a14="http://schemas.microsoft.com/office/drawing/2010/main" val="0"/>
+                <a14:useLocalDpi xmlns:a14="http://schemas.microsoft.com/office/drawing/2010/main" xmlns="" val="0"/>
               </a:ext>
             </a:extLst>
           </a:blip>
@@ -4704,10 +4704,10 @@
           <p:nvPr/>
         </p:nvPicPr>
         <p:blipFill>
-          <a:blip r:embed="rId2">
+          <a:blip r:embed="rId2" cstate="print">
             <a:extLst>
               <a:ext uri="{28A0092B-C50C-407E-A947-70E740481C1C}">
-                <a14:useLocalDpi xmlns:a14="http://schemas.microsoft.com/office/drawing/2010/main" val="0"/>
+                <a14:useLocalDpi xmlns:a14="http://schemas.microsoft.com/office/drawing/2010/main" xmlns="" val="0"/>
               </a:ext>
             </a:extLst>
           </a:blip>
@@ -4734,10 +4734,10 @@
           <p:nvPr/>
         </p:nvPicPr>
         <p:blipFill>
-          <a:blip r:embed="rId2">
+          <a:blip r:embed="rId2" cstate="print">
             <a:extLst>
               <a:ext uri="{28A0092B-C50C-407E-A947-70E740481C1C}">
-                <a14:useLocalDpi xmlns:a14="http://schemas.microsoft.com/office/drawing/2010/main" val="0"/>
+                <a14:useLocalDpi xmlns:a14="http://schemas.microsoft.com/office/drawing/2010/main" xmlns="" val="0"/>
               </a:ext>
             </a:extLst>
           </a:blip>
@@ -4764,10 +4764,10 @@
           <p:nvPr/>
         </p:nvPicPr>
         <p:blipFill>
-          <a:blip r:embed="rId2">
+          <a:blip r:embed="rId2" cstate="print">
             <a:extLst>
               <a:ext uri="{28A0092B-C50C-407E-A947-70E740481C1C}">
-                <a14:useLocalDpi xmlns:a14="http://schemas.microsoft.com/office/drawing/2010/main" val="0"/>
+                <a14:useLocalDpi xmlns:a14="http://schemas.microsoft.com/office/drawing/2010/main" xmlns="" val="0"/>
               </a:ext>
             </a:extLst>
           </a:blip>
@@ -4794,10 +4794,10 @@
           <p:nvPr/>
         </p:nvPicPr>
         <p:blipFill>
-          <a:blip r:embed="rId2">
+          <a:blip r:embed="rId2" cstate="print">
             <a:extLst>
               <a:ext uri="{28A0092B-C50C-407E-A947-70E740481C1C}">
-                <a14:useLocalDpi xmlns:a14="http://schemas.microsoft.com/office/drawing/2010/main" val="0"/>
+                <a14:useLocalDpi xmlns:a14="http://schemas.microsoft.com/office/drawing/2010/main" xmlns="" val="0"/>
               </a:ext>
             </a:extLst>
           </a:blip>
@@ -4824,10 +4824,10 @@
           <p:nvPr/>
         </p:nvPicPr>
         <p:blipFill>
-          <a:blip r:embed="rId2">
+          <a:blip r:embed="rId2" cstate="print">
             <a:extLst>
               <a:ext uri="{28A0092B-C50C-407E-A947-70E740481C1C}">
-                <a14:useLocalDpi xmlns:a14="http://schemas.microsoft.com/office/drawing/2010/main" val="0"/>
+                <a14:useLocalDpi xmlns:a14="http://schemas.microsoft.com/office/drawing/2010/main" xmlns="" val="0"/>
               </a:ext>
             </a:extLst>
           </a:blip>
@@ -4854,10 +4854,10 @@
           <p:nvPr/>
         </p:nvPicPr>
         <p:blipFill>
-          <a:blip r:embed="rId2">
+          <a:blip r:embed="rId2" cstate="print">
             <a:extLst>
               <a:ext uri="{28A0092B-C50C-407E-A947-70E740481C1C}">
-                <a14:useLocalDpi xmlns:a14="http://schemas.microsoft.com/office/drawing/2010/main" val="0"/>
+                <a14:useLocalDpi xmlns:a14="http://schemas.microsoft.com/office/drawing/2010/main" xmlns="" val="0"/>
               </a:ext>
             </a:extLst>
           </a:blip>
@@ -4884,10 +4884,10 @@
           <p:nvPr/>
         </p:nvPicPr>
         <p:blipFill>
-          <a:blip r:embed="rId2">
+          <a:blip r:embed="rId2" cstate="print">
             <a:extLst>
               <a:ext uri="{28A0092B-C50C-407E-A947-70E740481C1C}">
-                <a14:useLocalDpi xmlns:a14="http://schemas.microsoft.com/office/drawing/2010/main" val="0"/>
+                <a14:useLocalDpi xmlns:a14="http://schemas.microsoft.com/office/drawing/2010/main" xmlns="" val="0"/>
               </a:ext>
             </a:extLst>
           </a:blip>
@@ -4914,10 +4914,10 @@
           <p:nvPr/>
         </p:nvPicPr>
         <p:blipFill>
-          <a:blip r:embed="rId2">
+          <a:blip r:embed="rId2" cstate="print">
             <a:extLst>
               <a:ext uri="{28A0092B-C50C-407E-A947-70E740481C1C}">
-                <a14:useLocalDpi xmlns:a14="http://schemas.microsoft.com/office/drawing/2010/main" val="0"/>
+                <a14:useLocalDpi xmlns:a14="http://schemas.microsoft.com/office/drawing/2010/main" xmlns="" val="0"/>
               </a:ext>
             </a:extLst>
           </a:blip>
@@ -4944,10 +4944,10 @@
           <p:nvPr/>
         </p:nvPicPr>
         <p:blipFill>
-          <a:blip r:embed="rId2">
+          <a:blip r:embed="rId2" cstate="print">
             <a:extLst>
               <a:ext uri="{28A0092B-C50C-407E-A947-70E740481C1C}">
-                <a14:useLocalDpi xmlns:a14="http://schemas.microsoft.com/office/drawing/2010/main" val="0"/>
+                <a14:useLocalDpi xmlns:a14="http://schemas.microsoft.com/office/drawing/2010/main" xmlns="" val="0"/>
               </a:ext>
             </a:extLst>
           </a:blip>
@@ -4974,10 +4974,10 @@
           <p:nvPr/>
         </p:nvPicPr>
         <p:blipFill>
-          <a:blip r:embed="rId2">
+          <a:blip r:embed="rId2" cstate="print">
             <a:extLst>
               <a:ext uri="{28A0092B-C50C-407E-A947-70E740481C1C}">
-                <a14:useLocalDpi xmlns:a14="http://schemas.microsoft.com/office/drawing/2010/main" val="0"/>
+                <a14:useLocalDpi xmlns:a14="http://schemas.microsoft.com/office/drawing/2010/main" xmlns="" val="0"/>
               </a:ext>
             </a:extLst>
           </a:blip>
@@ -5004,10 +5004,10 @@
           <p:nvPr/>
         </p:nvPicPr>
         <p:blipFill>
-          <a:blip r:embed="rId2">
+          <a:blip r:embed="rId2" cstate="print">
             <a:extLst>
               <a:ext uri="{28A0092B-C50C-407E-A947-70E740481C1C}">
-                <a14:useLocalDpi xmlns:a14="http://schemas.microsoft.com/office/drawing/2010/main" val="0"/>
+                <a14:useLocalDpi xmlns:a14="http://schemas.microsoft.com/office/drawing/2010/main" xmlns="" val="0"/>
               </a:ext>
             </a:extLst>
           </a:blip>
@@ -5034,10 +5034,10 @@
           <p:nvPr/>
         </p:nvPicPr>
         <p:blipFill>
-          <a:blip r:embed="rId2">
+          <a:blip r:embed="rId2" cstate="print">
             <a:extLst>
               <a:ext uri="{28A0092B-C50C-407E-A947-70E740481C1C}">
-                <a14:useLocalDpi xmlns:a14="http://schemas.microsoft.com/office/drawing/2010/main" val="0"/>
+                <a14:useLocalDpi xmlns:a14="http://schemas.microsoft.com/office/drawing/2010/main" xmlns="" val="0"/>
               </a:ext>
             </a:extLst>
           </a:blip>
@@ -5064,10 +5064,10 @@
           <p:nvPr/>
         </p:nvPicPr>
         <p:blipFill>
-          <a:blip r:embed="rId2">
+          <a:blip r:embed="rId2" cstate="print">
             <a:extLst>
               <a:ext uri="{28A0092B-C50C-407E-A947-70E740481C1C}">
-                <a14:useLocalDpi xmlns:a14="http://schemas.microsoft.com/office/drawing/2010/main" val="0"/>
+                <a14:useLocalDpi xmlns:a14="http://schemas.microsoft.com/office/drawing/2010/main" xmlns="" val="0"/>
               </a:ext>
             </a:extLst>
           </a:blip>
@@ -5149,7 +5149,7 @@
     </p:spTree>
     <p:extLst>
       <p:ext uri="{BB962C8B-B14F-4D97-AF65-F5344CB8AC3E}">
-        <p14:creationId xmlns:p14="http://schemas.microsoft.com/office/powerpoint/2010/main" val="3237648164"/>
+        <p14:creationId xmlns:p14="http://schemas.microsoft.com/office/powerpoint/2010/main" xmlns="" val="3237648164"/>
       </p:ext>
     </p:extLst>
   </p:cSld>
@@ -5235,7 +5235,7 @@
         </p:spPr>
         <p:txBody>
           <a:bodyPr>
-            <a:normAutofit/>
+            <a:normAutofit lnSpcReduction="10000"/>
           </a:bodyPr>
           <a:lstStyle/>
           <a:p>
@@ -5420,10 +5420,10 @@
           <p:nvPr/>
         </p:nvPicPr>
         <p:blipFill>
-          <a:blip r:embed="rId2">
+          <a:blip r:embed="rId2" cstate="print">
             <a:extLst>
               <a:ext uri="{28A0092B-C50C-407E-A947-70E740481C1C}">
-                <a14:useLocalDpi xmlns:a14="http://schemas.microsoft.com/office/drawing/2010/main" val="0"/>
+                <a14:useLocalDpi xmlns:a14="http://schemas.microsoft.com/office/drawing/2010/main" xmlns="" val="0"/>
               </a:ext>
             </a:extLst>
           </a:blip>
@@ -5474,7 +5474,7 @@
     </p:spTree>
     <p:extLst>
       <p:ext uri="{BB962C8B-B14F-4D97-AF65-F5344CB8AC3E}">
-        <p14:creationId xmlns:p14="http://schemas.microsoft.com/office/powerpoint/2010/main" val="3896966021"/>
+        <p14:creationId xmlns:p14="http://schemas.microsoft.com/office/powerpoint/2010/main" xmlns="" val="3896966021"/>
       </p:ext>
     </p:extLst>
   </p:cSld>
@@ -5517,10 +5517,10 @@
           <p:nvPr/>
         </p:nvPicPr>
         <p:blipFill>
-          <a:blip r:embed="rId2">
+          <a:blip r:embed="rId2" cstate="print">
             <a:extLst>
               <a:ext uri="{28A0092B-C50C-407E-A947-70E740481C1C}">
-                <a14:useLocalDpi xmlns:a14="http://schemas.microsoft.com/office/drawing/2010/main" val="0"/>
+                <a14:useLocalDpi xmlns:a14="http://schemas.microsoft.com/office/drawing/2010/main" xmlns="" val="0"/>
               </a:ext>
             </a:extLst>
           </a:blip>
@@ -5612,7 +5612,7 @@
     </p:spTree>
     <p:extLst>
       <p:ext uri="{BB962C8B-B14F-4D97-AF65-F5344CB8AC3E}">
-        <p14:creationId xmlns:p14="http://schemas.microsoft.com/office/powerpoint/2010/main" val="3142238618"/>
+        <p14:creationId xmlns:p14="http://schemas.microsoft.com/office/powerpoint/2010/main" xmlns="" val="3142238618"/>
       </p:ext>
     </p:extLst>
   </p:cSld>
@@ -5840,10 +5840,10 @@
           <p:nvPr/>
         </p:nvPicPr>
         <p:blipFill>
-          <a:blip r:embed="rId2">
+          <a:blip r:embed="rId2" cstate="print">
             <a:extLst>
               <a:ext uri="{28A0092B-C50C-407E-A947-70E740481C1C}">
-                <a14:useLocalDpi xmlns:a14="http://schemas.microsoft.com/office/drawing/2010/main" val="0"/>
+                <a14:useLocalDpi xmlns:a14="http://schemas.microsoft.com/office/drawing/2010/main" xmlns="" val="0"/>
               </a:ext>
             </a:extLst>
           </a:blip>
@@ -5894,7 +5894,7 @@
     </p:spTree>
     <p:extLst>
       <p:ext uri="{BB962C8B-B14F-4D97-AF65-F5344CB8AC3E}">
-        <p14:creationId xmlns:p14="http://schemas.microsoft.com/office/powerpoint/2010/main" val="3919978315"/>
+        <p14:creationId xmlns:p14="http://schemas.microsoft.com/office/powerpoint/2010/main" xmlns="" val="3919978315"/>
       </p:ext>
     </p:extLst>
   </p:cSld>
@@ -6071,7 +6071,7 @@
           <p:nvPr/>
         </p:nvPicPr>
         <p:blipFill>
-          <a:blip r:embed="rId2"/>
+          <a:blip r:embed="rId2" cstate="print"/>
           <a:srcRect/>
           <a:stretch>
             <a:fillRect/>
@@ -6132,7 +6132,7 @@
     </p:spTree>
     <p:extLst>
       <p:ext uri="{BB962C8B-B14F-4D97-AF65-F5344CB8AC3E}">
-        <p14:creationId xmlns:p14="http://schemas.microsoft.com/office/powerpoint/2010/main" val="4223806462"/>
+        <p14:creationId xmlns:p14="http://schemas.microsoft.com/office/powerpoint/2010/main" xmlns="" val="4223806462"/>
       </p:ext>
     </p:extLst>
   </p:cSld>
@@ -6489,7 +6489,7 @@
           <a:blip r:embed="rId2" cstate="print">
             <a:extLst>
               <a:ext uri="{28A0092B-C50C-407E-A947-70E740481C1C}">
-                <a14:useLocalDpi xmlns:a14="http://schemas.microsoft.com/office/drawing/2010/main" val="0"/>
+                <a14:useLocalDpi xmlns:a14="http://schemas.microsoft.com/office/drawing/2010/main" xmlns="" val="0"/>
               </a:ext>
             </a:extLst>
           </a:blip>
@@ -6510,7 +6510,7 @@
     </p:spTree>
     <p:extLst>
       <p:ext uri="{BB962C8B-B14F-4D97-AF65-F5344CB8AC3E}">
-        <p14:creationId xmlns:p14="http://schemas.microsoft.com/office/powerpoint/2010/main" val="4223806462"/>
+        <p14:creationId xmlns:p14="http://schemas.microsoft.com/office/powerpoint/2010/main" xmlns="" val="4223806462"/>
       </p:ext>
     </p:extLst>
   </p:cSld>
@@ -6677,7 +6677,21 @@
                 <a:latin typeface="微软雅黑" pitchFamily="34" charset="-122"/>
                 <a:ea typeface="微软雅黑" pitchFamily="34" charset="-122"/>
               </a:rPr>
-              <a:t>向外看</a:t>
+              <a:t>向</a:t>
+            </a:r>
+            <a:r>
+              <a:rPr lang="zh-CN" altLang="en-US" dirty="0" smtClean="0">
+                <a:latin typeface="微软雅黑" pitchFamily="34" charset="-122"/>
+                <a:ea typeface="微软雅黑" pitchFamily="34" charset="-122"/>
+              </a:rPr>
+              <a:t>内</a:t>
+            </a:r>
+            <a:r>
+              <a:rPr lang="zh-CN" altLang="en-US" dirty="0" smtClean="0">
+                <a:latin typeface="微软雅黑" pitchFamily="34" charset="-122"/>
+                <a:ea typeface="微软雅黑" pitchFamily="34" charset="-122"/>
+              </a:rPr>
+              <a:t>看</a:t>
             </a:r>
             <a:r>
               <a:rPr lang="en-US" altLang="zh-CN" dirty="0">
@@ -6756,7 +6770,7 @@
     </p:spTree>
     <p:extLst>
       <p:ext uri="{BB962C8B-B14F-4D97-AF65-F5344CB8AC3E}">
-        <p14:creationId xmlns:p14="http://schemas.microsoft.com/office/powerpoint/2010/main" val="4223806462"/>
+        <p14:creationId xmlns:p14="http://schemas.microsoft.com/office/powerpoint/2010/main" xmlns="" val="4223806462"/>
       </p:ext>
     </p:extLst>
   </p:cSld>
@@ -7098,7 +7112,7 @@
     </p:spTree>
     <p:extLst>
       <p:ext uri="{BB962C8B-B14F-4D97-AF65-F5344CB8AC3E}">
-        <p14:creationId xmlns:p14="http://schemas.microsoft.com/office/powerpoint/2010/main" val="4223806462"/>
+        <p14:creationId xmlns:p14="http://schemas.microsoft.com/office/powerpoint/2010/main" xmlns="" val="4223806462"/>
       </p:ext>
     </p:extLst>
   </p:cSld>
@@ -7434,7 +7448,7 @@
           </p:nvPr>
         </p:nvPicPr>
         <p:blipFill>
-          <a:blip r:embed="rId2"/>
+          <a:blip r:embed="rId2" cstate="print"/>
           <a:srcRect/>
           <a:stretch>
             <a:fillRect/>
@@ -7461,7 +7475,7 @@
     </p:spTree>
     <p:extLst>
       <p:ext uri="{BB962C8B-B14F-4D97-AF65-F5344CB8AC3E}">
-        <p14:creationId xmlns:p14="http://schemas.microsoft.com/office/powerpoint/2010/main" val="4223806462"/>
+        <p14:creationId xmlns:p14="http://schemas.microsoft.com/office/powerpoint/2010/main" xmlns="" val="4223806462"/>
       </p:ext>
     </p:extLst>
   </p:cSld>
@@ -7733,7 +7747,7 @@
   <a:extraClrSchemeLst/>
   <a:extLst>
     <a:ext uri="{05A4C25C-085E-4340-85A3-A5531E510DB2}">
-      <thm15:themeFamily xmlns:thm15="http://schemas.microsoft.com/office/thememl/2012/main" name="Office Theme" id="{62F939B6-93AF-4DB8-9C6B-D6C7DFDC589F}" vid="{4A3C46E8-61CC-4603-A589-7422A47A8E4A}"/>
+      <thm15:themeFamily xmlns:thm15="http://schemas.microsoft.com/office/thememl/2012/main" xmlns="" name="Office Theme" id="{62F939B6-93AF-4DB8-9C6B-D6C7DFDC589F}" vid="{4A3C46E8-61CC-4603-A589-7422A47A8E4A}"/>
     </a:ext>
   </a:extLst>
 </a:theme>

--- a/激情演讲.pptx
+++ b/激情演讲.pptx
@@ -116,7 +116,7 @@
   </p:defaultTextStyle>
   <p:extLst>
     <p:ext uri="{EFAFB233-063F-42B5-8137-9DF3F51BA10A}">
-      <p15:sldGuideLst xmlns:p15="http://schemas.microsoft.com/office/powerpoint/2012/main" xmlns="">
+      <p15:sldGuideLst xmlns:p15="http://schemas.microsoft.com/office/powerpoint/2012/main">
         <p15:guide id="1" orient="horz" pos="2160">
           <p15:clr>
             <a:srgbClr val="A4A3A4"/>
@@ -265,7 +265,7 @@
             <a:fld id="{088B0906-6CF8-4B6F-9999-52E9B8B394F6}" type="datetimeFigureOut">
               <a:rPr lang="zh-CN" altLang="en-US" smtClean="0"/>
               <a:pPr/>
-              <a:t>2023/12/3</a:t>
+              <a:t>2023/12/6</a:t>
             </a:fld>
             <a:endParaRPr lang="zh-CN" altLang="en-US"/>
           </a:p>
@@ -317,7 +317,7 @@
     </p:spTree>
     <p:extLst>
       <p:ext uri="{BB962C8B-B14F-4D97-AF65-F5344CB8AC3E}">
-        <p14:creationId xmlns:p14="http://schemas.microsoft.com/office/powerpoint/2010/main" xmlns="" val="3243702133"/>
+        <p14:creationId xmlns:p14="http://schemas.microsoft.com/office/powerpoint/2010/main" val="3243702133"/>
       </p:ext>
     </p:extLst>
   </p:cSld>
@@ -437,7 +437,7 @@
             <a:fld id="{088B0906-6CF8-4B6F-9999-52E9B8B394F6}" type="datetimeFigureOut">
               <a:rPr lang="zh-CN" altLang="en-US" smtClean="0"/>
               <a:pPr/>
-              <a:t>2023/12/3</a:t>
+              <a:t>2023/12/6</a:t>
             </a:fld>
             <a:endParaRPr lang="zh-CN" altLang="en-US"/>
           </a:p>
@@ -489,7 +489,7 @@
     </p:spTree>
     <p:extLst>
       <p:ext uri="{BB962C8B-B14F-4D97-AF65-F5344CB8AC3E}">
-        <p14:creationId xmlns:p14="http://schemas.microsoft.com/office/powerpoint/2010/main" xmlns="" val="1240899321"/>
+        <p14:creationId xmlns:p14="http://schemas.microsoft.com/office/powerpoint/2010/main" val="1240899321"/>
       </p:ext>
     </p:extLst>
   </p:cSld>
@@ -619,7 +619,7 @@
             <a:fld id="{088B0906-6CF8-4B6F-9999-52E9B8B394F6}" type="datetimeFigureOut">
               <a:rPr lang="zh-CN" altLang="en-US" smtClean="0"/>
               <a:pPr/>
-              <a:t>2023/12/3</a:t>
+              <a:t>2023/12/6</a:t>
             </a:fld>
             <a:endParaRPr lang="zh-CN" altLang="en-US"/>
           </a:p>
@@ -671,7 +671,7 @@
     </p:spTree>
     <p:extLst>
       <p:ext uri="{BB962C8B-B14F-4D97-AF65-F5344CB8AC3E}">
-        <p14:creationId xmlns:p14="http://schemas.microsoft.com/office/powerpoint/2010/main" xmlns="" val="2590562766"/>
+        <p14:creationId xmlns:p14="http://schemas.microsoft.com/office/powerpoint/2010/main" val="2590562766"/>
       </p:ext>
     </p:extLst>
   </p:cSld>
@@ -791,7 +791,7 @@
             <a:fld id="{088B0906-6CF8-4B6F-9999-52E9B8B394F6}" type="datetimeFigureOut">
               <a:rPr lang="zh-CN" altLang="en-US" smtClean="0"/>
               <a:pPr/>
-              <a:t>2023/12/3</a:t>
+              <a:t>2023/12/6</a:t>
             </a:fld>
             <a:endParaRPr lang="zh-CN" altLang="en-US"/>
           </a:p>
@@ -843,7 +843,7 @@
     </p:spTree>
     <p:extLst>
       <p:ext uri="{BB962C8B-B14F-4D97-AF65-F5344CB8AC3E}">
-        <p14:creationId xmlns:p14="http://schemas.microsoft.com/office/powerpoint/2010/main" xmlns="" val="2613875596"/>
+        <p14:creationId xmlns:p14="http://schemas.microsoft.com/office/powerpoint/2010/main" val="2613875596"/>
       </p:ext>
     </p:extLst>
   </p:cSld>
@@ -1039,7 +1039,7 @@
             <a:fld id="{088B0906-6CF8-4B6F-9999-52E9B8B394F6}" type="datetimeFigureOut">
               <a:rPr lang="zh-CN" altLang="en-US" smtClean="0"/>
               <a:pPr/>
-              <a:t>2023/12/3</a:t>
+              <a:t>2023/12/6</a:t>
             </a:fld>
             <a:endParaRPr lang="zh-CN" altLang="en-US"/>
           </a:p>
@@ -1091,7 +1091,7 @@
     </p:spTree>
     <p:extLst>
       <p:ext uri="{BB962C8B-B14F-4D97-AF65-F5344CB8AC3E}">
-        <p14:creationId xmlns:p14="http://schemas.microsoft.com/office/powerpoint/2010/main" xmlns="" val="213276529"/>
+        <p14:creationId xmlns:p14="http://schemas.microsoft.com/office/powerpoint/2010/main" val="213276529"/>
       </p:ext>
     </p:extLst>
   </p:cSld>
@@ -1273,7 +1273,7 @@
             <a:fld id="{088B0906-6CF8-4B6F-9999-52E9B8B394F6}" type="datetimeFigureOut">
               <a:rPr lang="zh-CN" altLang="en-US" smtClean="0"/>
               <a:pPr/>
-              <a:t>2023/12/3</a:t>
+              <a:t>2023/12/6</a:t>
             </a:fld>
             <a:endParaRPr lang="zh-CN" altLang="en-US"/>
           </a:p>
@@ -1325,7 +1325,7 @@
     </p:spTree>
     <p:extLst>
       <p:ext uri="{BB962C8B-B14F-4D97-AF65-F5344CB8AC3E}">
-        <p14:creationId xmlns:p14="http://schemas.microsoft.com/office/powerpoint/2010/main" xmlns="" val="247186576"/>
+        <p14:creationId xmlns:p14="http://schemas.microsoft.com/office/powerpoint/2010/main" val="247186576"/>
       </p:ext>
     </p:extLst>
   </p:cSld>
@@ -1642,7 +1642,7 @@
             <a:fld id="{088B0906-6CF8-4B6F-9999-52E9B8B394F6}" type="datetimeFigureOut">
               <a:rPr lang="zh-CN" altLang="en-US" smtClean="0"/>
               <a:pPr/>
-              <a:t>2023/12/3</a:t>
+              <a:t>2023/12/6</a:t>
             </a:fld>
             <a:endParaRPr lang="zh-CN" altLang="en-US"/>
           </a:p>
@@ -1694,7 +1694,7 @@
     </p:spTree>
     <p:extLst>
       <p:ext uri="{BB962C8B-B14F-4D97-AF65-F5344CB8AC3E}">
-        <p14:creationId xmlns:p14="http://schemas.microsoft.com/office/powerpoint/2010/main" xmlns="" val="2155751304"/>
+        <p14:creationId xmlns:p14="http://schemas.microsoft.com/office/powerpoint/2010/main" val="2155751304"/>
       </p:ext>
     </p:extLst>
   </p:cSld>
@@ -1762,7 +1762,7 @@
             <a:fld id="{088B0906-6CF8-4B6F-9999-52E9B8B394F6}" type="datetimeFigureOut">
               <a:rPr lang="zh-CN" altLang="en-US" smtClean="0"/>
               <a:pPr/>
-              <a:t>2023/12/3</a:t>
+              <a:t>2023/12/6</a:t>
             </a:fld>
             <a:endParaRPr lang="zh-CN" altLang="en-US"/>
           </a:p>
@@ -1814,7 +1814,7 @@
     </p:spTree>
     <p:extLst>
       <p:ext uri="{BB962C8B-B14F-4D97-AF65-F5344CB8AC3E}">
-        <p14:creationId xmlns:p14="http://schemas.microsoft.com/office/powerpoint/2010/main" xmlns="" val="3260696510"/>
+        <p14:creationId xmlns:p14="http://schemas.microsoft.com/office/powerpoint/2010/main" val="3260696510"/>
       </p:ext>
     </p:extLst>
   </p:cSld>
@@ -1859,7 +1859,7 @@
             <a:fld id="{088B0906-6CF8-4B6F-9999-52E9B8B394F6}" type="datetimeFigureOut">
               <a:rPr lang="zh-CN" altLang="en-US" smtClean="0"/>
               <a:pPr/>
-              <a:t>2023/12/3</a:t>
+              <a:t>2023/12/6</a:t>
             </a:fld>
             <a:endParaRPr lang="zh-CN" altLang="en-US"/>
           </a:p>
@@ -1911,7 +1911,7 @@
     </p:spTree>
     <p:extLst>
       <p:ext uri="{BB962C8B-B14F-4D97-AF65-F5344CB8AC3E}">
-        <p14:creationId xmlns:p14="http://schemas.microsoft.com/office/powerpoint/2010/main" xmlns="" val="4159628063"/>
+        <p14:creationId xmlns:p14="http://schemas.microsoft.com/office/powerpoint/2010/main" val="4159628063"/>
       </p:ext>
     </p:extLst>
   </p:cSld>
@@ -2138,7 +2138,7 @@
             <a:fld id="{088B0906-6CF8-4B6F-9999-52E9B8B394F6}" type="datetimeFigureOut">
               <a:rPr lang="zh-CN" altLang="en-US" smtClean="0"/>
               <a:pPr/>
-              <a:t>2023/12/3</a:t>
+              <a:t>2023/12/6</a:t>
             </a:fld>
             <a:endParaRPr lang="zh-CN" altLang="en-US"/>
           </a:p>
@@ -2190,7 +2190,7 @@
     </p:spTree>
     <p:extLst>
       <p:ext uri="{BB962C8B-B14F-4D97-AF65-F5344CB8AC3E}">
-        <p14:creationId xmlns:p14="http://schemas.microsoft.com/office/powerpoint/2010/main" xmlns="" val="2139939528"/>
+        <p14:creationId xmlns:p14="http://schemas.microsoft.com/office/powerpoint/2010/main" val="2139939528"/>
       </p:ext>
     </p:extLst>
   </p:cSld>
@@ -2393,7 +2393,7 @@
             <a:fld id="{088B0906-6CF8-4B6F-9999-52E9B8B394F6}" type="datetimeFigureOut">
               <a:rPr lang="zh-CN" altLang="en-US" smtClean="0"/>
               <a:pPr/>
-              <a:t>2023/12/3</a:t>
+              <a:t>2023/12/6</a:t>
             </a:fld>
             <a:endParaRPr lang="zh-CN" altLang="en-US"/>
           </a:p>
@@ -2445,7 +2445,7 @@
     </p:spTree>
     <p:extLst>
       <p:ext uri="{BB962C8B-B14F-4D97-AF65-F5344CB8AC3E}">
-        <p14:creationId xmlns:p14="http://schemas.microsoft.com/office/powerpoint/2010/main" xmlns="" val="270694529"/>
+        <p14:creationId xmlns:p14="http://schemas.microsoft.com/office/powerpoint/2010/main" val="270694529"/>
       </p:ext>
     </p:extLst>
   </p:cSld>
@@ -2608,7 +2608,7 @@
             <a:fld id="{088B0906-6CF8-4B6F-9999-52E9B8B394F6}" type="datetimeFigureOut">
               <a:rPr lang="zh-CN" altLang="en-US" smtClean="0"/>
               <a:pPr/>
-              <a:t>2023/12/3</a:t>
+              <a:t>2023/12/6</a:t>
             </a:fld>
             <a:endParaRPr lang="zh-CN" altLang="en-US"/>
           </a:p>
@@ -2696,7 +2696,7 @@
     </p:spTree>
     <p:extLst>
       <p:ext uri="{BB962C8B-B14F-4D97-AF65-F5344CB8AC3E}">
-        <p14:creationId xmlns:p14="http://schemas.microsoft.com/office/powerpoint/2010/main" xmlns="" val="3518305882"/>
+        <p14:creationId xmlns:p14="http://schemas.microsoft.com/office/powerpoint/2010/main" val="3518305882"/>
       </p:ext>
     </p:extLst>
   </p:cSld>
@@ -3124,7 +3124,7 @@
           <a:blip r:embed="rId2" cstate="print">
             <a:extLst>
               <a:ext uri="{28A0092B-C50C-407E-A947-70E740481C1C}">
-                <a14:useLocalDpi xmlns:a14="http://schemas.microsoft.com/office/drawing/2010/main" xmlns="" val="0"/>
+                <a14:useLocalDpi xmlns:a14="http://schemas.microsoft.com/office/drawing/2010/main" val="0"/>
               </a:ext>
             </a:extLst>
           </a:blip>
@@ -3189,7 +3189,7 @@
         <p:spPr>
           <a:xfrm>
             <a:off x="99644" y="129929"/>
-            <a:ext cx="5902803" cy="1969770"/>
+            <a:ext cx="5902803" cy="1508105"/>
           </a:xfrm>
           <a:prstGeom prst="rect">
             <a:avLst/>
@@ -3203,55 +3203,60 @@
           <a:lstStyle/>
           <a:p>
             <a:r>
-              <a:rPr lang="en-US" altLang="zh-CN" sz="2400" b="1" dirty="0" smtClean="0"/>
+              <a:rPr lang="en-US" altLang="zh-CN" sz="2000" b="1" dirty="0" smtClean="0"/>
               <a:t>Update:</a:t>
             </a:r>
           </a:p>
           <a:p>
             <a:r>
-              <a:rPr lang="en-US" altLang="zh-CN" sz="2000" dirty="0" smtClean="0"/>
+              <a:rPr lang="en-US" altLang="zh-CN" dirty="0" smtClean="0"/>
               <a:t>2023.11.24 </a:t>
             </a:r>
             <a:r>
-              <a:rPr lang="zh-CN" altLang="en-US" sz="2000" dirty="0" smtClean="0"/>
+              <a:rPr lang="zh-CN" altLang="en-US" dirty="0" smtClean="0"/>
               <a:t>拥有提词器</a:t>
             </a:r>
-            <a:endParaRPr lang="en-US" altLang="zh-CN" sz="2000" dirty="0" smtClean="0"/>
-          </a:p>
-          <a:p>
-            <a:r>
-              <a:rPr lang="en-US" altLang="zh-CN" sz="2000" dirty="0" smtClean="0"/>
+            <a:endParaRPr lang="en-US" altLang="zh-CN" dirty="0" smtClean="0"/>
+          </a:p>
+          <a:p>
+            <a:r>
+              <a:rPr lang="en-US" altLang="zh-CN" dirty="0" smtClean="0"/>
               <a:t>2023.11.26 </a:t>
             </a:r>
             <a:r>
-              <a:rPr lang="zh-CN" altLang="en-US" sz="2000" dirty="0" smtClean="0"/>
+              <a:rPr lang="zh-CN" altLang="en-US" dirty="0" smtClean="0"/>
               <a:t>增加图片</a:t>
             </a:r>
-            <a:endParaRPr lang="en-US" altLang="zh-CN" sz="2000" dirty="0" smtClean="0"/>
-          </a:p>
-          <a:p>
-            <a:r>
-              <a:rPr lang="en-US" altLang="zh-CN" sz="2000" dirty="0" smtClean="0"/>
+            <a:endParaRPr lang="en-US" altLang="zh-CN" dirty="0" smtClean="0"/>
+          </a:p>
+          <a:p>
+            <a:r>
+              <a:rPr lang="en-US" altLang="zh-CN" dirty="0" smtClean="0"/>
               <a:t>2023.11.29 </a:t>
             </a:r>
             <a:r>
-              <a:rPr lang="zh-CN" altLang="en-US" sz="2000" dirty="0" smtClean="0"/>
-              <a:t>发现稿子太长了提词器又多塞了点东西</a:t>
-            </a:r>
-            <a:endParaRPr lang="en-US" altLang="zh-CN" sz="2000" dirty="0" smtClean="0"/>
-          </a:p>
-          <a:p>
-            <a:endParaRPr lang="en-US" altLang="zh-CN" sz="2000" dirty="0" smtClean="0"/>
-          </a:p>
-          <a:p>
-            <a:endParaRPr lang="zh-CN" altLang="en-US" dirty="0"/>
+              <a:rPr lang="zh-CN" altLang="en-US" dirty="0" smtClean="0"/>
+              <a:t>发现稿子太长</a:t>
+            </a:r>
+            <a:r>
+              <a:rPr lang="zh-CN" altLang="en-US" dirty="0" smtClean="0"/>
+              <a:t>了</a:t>
+            </a:r>
+            <a:r>
+              <a:rPr lang="zh-CN" altLang="en-US" dirty="0" smtClean="0"/>
+              <a:t>但是问题不大</a:t>
+            </a:r>
+            <a:endParaRPr lang="en-US" altLang="zh-CN" dirty="0" smtClean="0"/>
+          </a:p>
+          <a:p>
+            <a:endParaRPr lang="zh-CN" altLang="en-US" sz="1600" dirty="0"/>
           </a:p>
         </p:txBody>
       </p:sp>
     </p:spTree>
     <p:extLst>
       <p:ext uri="{BB962C8B-B14F-4D97-AF65-F5344CB8AC3E}">
-        <p14:creationId xmlns:p14="http://schemas.microsoft.com/office/powerpoint/2010/main" xmlns="" val="353376672"/>
+        <p14:creationId xmlns:p14="http://schemas.microsoft.com/office/powerpoint/2010/main" val="353376672"/>
       </p:ext>
     </p:extLst>
   </p:cSld>
@@ -3316,25 +3321,94 @@
         </p:nvSpPr>
         <p:spPr>
           <a:xfrm>
-            <a:off x="604683" y="5456902"/>
-            <a:ext cx="10542639" cy="1000279"/>
-          </a:xfrm>
-        </p:spPr>
-        <p:txBody>
-          <a:bodyPr/>
+            <a:off x="5776545" y="1107832"/>
+            <a:ext cx="5372101" cy="5926014"/>
+          </a:xfrm>
+        </p:spPr>
+        <p:txBody>
+          <a:bodyPr>
+            <a:normAutofit fontScale="55000" lnSpcReduction="20000"/>
+          </a:bodyPr>
           <a:lstStyle/>
           <a:p>
+            <a:pPr marL="0" indent="0">
+              <a:buNone/>
+            </a:pPr>
+            <a:r>
+              <a:rPr lang="en-US" altLang="zh-CN" sz="4400" dirty="0"/>
+              <a:t>I don't like it when others mention like "You are a loser..." "It's a bad deal."</a:t>
+            </a:r>
+          </a:p>
+          <a:p>
+            <a:pPr marL="0" indent="0">
+              <a:buNone/>
+            </a:pPr>
+            <a:r>
+              <a:rPr lang="en-US" altLang="zh-CN" sz="4400" dirty="0"/>
+              <a:t>My youth always belongs to myself. No one can give it an "effective" change.</a:t>
+            </a:r>
+          </a:p>
+          <a:p>
+            <a:pPr marL="0" indent="0">
+              <a:buNone/>
+            </a:pPr>
+            <a:r>
+              <a:rPr lang="en-US" altLang="zh-CN" sz="4400" dirty="0"/>
+              <a:t>But I still love those who keep me company during the tough days.</a:t>
+            </a:r>
+          </a:p>
+          <a:p>
+            <a:pPr marL="0" indent="0">
+              <a:buNone/>
+            </a:pPr>
+            <a:r>
+              <a:rPr lang="en-US" altLang="zh-CN" sz="4400" dirty="0"/>
+              <a:t>I love my family, I love my classmates, and I love all the people who help me tear the monsters of sorrow into pieces. Thank you all...</a:t>
+            </a:r>
+          </a:p>
+          <a:p>
+            <a:pPr marL="0" indent="0">
+              <a:buNone/>
+            </a:pPr>
+            <a:r>
+              <a:rPr lang="en-US" altLang="zh-CN" sz="4400" dirty="0"/>
+              <a:t>Yesterday, I wanted to sleep </a:t>
+            </a:r>
+            <a:r>
+              <a:rPr lang="en-US" altLang="zh-CN" sz="4400" dirty="0" smtClean="0"/>
+              <a:t>for a </a:t>
+            </a:r>
+            <a:r>
+              <a:rPr lang="en-US" altLang="zh-CN" sz="4400" dirty="0"/>
+              <a:t>rest, but </a:t>
+            </a:r>
+            <a:r>
+              <a:rPr lang="en-US" altLang="zh-CN" sz="4400" dirty="0" smtClean="0"/>
+              <a:t>will tomorrow </a:t>
+            </a:r>
+            <a:r>
+              <a:rPr lang="en-US" altLang="zh-CN" sz="4400" dirty="0"/>
+              <a:t>be the </a:t>
+            </a:r>
+            <a:r>
+              <a:rPr lang="en-US" altLang="zh-CN" sz="4400" dirty="0" smtClean="0"/>
+              <a:t>end ?</a:t>
+            </a:r>
+            <a:endParaRPr lang="en-US" altLang="zh-CN" sz="4400" dirty="0"/>
+          </a:p>
+          <a:p>
+            <a:pPr marL="0" indent="0">
+              <a:buNone/>
+            </a:pPr>
+            <a:r>
+              <a:rPr lang="en-US" altLang="zh-CN" sz="4400" dirty="0"/>
+              <a:t>No, it never has to be the end. Tomorrow is a new start.</a:t>
+            </a:r>
+          </a:p>
+          <a:p>
             <a:pPr>
               <a:buNone/>
             </a:pPr>
-            <a:r>
-              <a:rPr lang="en-US" altLang="zh-CN" dirty="0" smtClean="0"/>
-              <a:t>				</a:t>
-            </a:r>
-            <a:r>
-              <a:rPr lang="zh-CN" altLang="en-US" sz="4400" strike="sngStrike" dirty="0" smtClean="0"/>
-              <a:t>聪明人都能看懂的字</a:t>
-            </a:r>
             <a:endParaRPr lang="zh-CN" altLang="en-US" sz="4400" strike="sngStrike" dirty="0"/>
           </a:p>
         </p:txBody>
@@ -3356,8 +3430,8 @@
         </p:blipFill>
         <p:spPr bwMode="auto">
           <a:xfrm>
-            <a:off x="1165123" y="339214"/>
-            <a:ext cx="9748683" cy="4802718"/>
+            <a:off x="391400" y="242032"/>
+            <a:ext cx="5033454" cy="6079637"/>
           </a:xfrm>
           <a:prstGeom prst="rect">
             <a:avLst/>
@@ -3597,7 +3671,7 @@
           <a:blip r:embed="rId2" cstate="print">
             <a:extLst>
               <a:ext uri="{28A0092B-C50C-407E-A947-70E740481C1C}">
-                <a14:useLocalDpi xmlns:a14="http://schemas.microsoft.com/office/drawing/2010/main" xmlns="" val="0"/>
+                <a14:useLocalDpi xmlns:a14="http://schemas.microsoft.com/office/drawing/2010/main" val="0"/>
               </a:ext>
             </a:extLst>
           </a:blip>
@@ -3627,7 +3701,7 @@
           <a:blip r:embed="rId2" cstate="print">
             <a:extLst>
               <a:ext uri="{28A0092B-C50C-407E-A947-70E740481C1C}">
-                <a14:useLocalDpi xmlns:a14="http://schemas.microsoft.com/office/drawing/2010/main" xmlns="" val="0"/>
+                <a14:useLocalDpi xmlns:a14="http://schemas.microsoft.com/office/drawing/2010/main" val="0"/>
               </a:ext>
             </a:extLst>
           </a:blip>
@@ -3657,7 +3731,7 @@
           <a:blip r:embed="rId2" cstate="print">
             <a:extLst>
               <a:ext uri="{28A0092B-C50C-407E-A947-70E740481C1C}">
-                <a14:useLocalDpi xmlns:a14="http://schemas.microsoft.com/office/drawing/2010/main" xmlns="" val="0"/>
+                <a14:useLocalDpi xmlns:a14="http://schemas.microsoft.com/office/drawing/2010/main" val="0"/>
               </a:ext>
             </a:extLst>
           </a:blip>
@@ -3667,7 +3741,7 @@
         </p:blipFill>
         <p:spPr>
           <a:xfrm>
-            <a:off x="96456" y="915680"/>
+            <a:off x="99830" y="915680"/>
             <a:ext cx="1002146" cy="1002146"/>
           </a:xfrm>
           <a:prstGeom prst="rect">
@@ -3687,7 +3761,7 @@
           <a:blip r:embed="rId2" cstate="print">
             <a:extLst>
               <a:ext uri="{28A0092B-C50C-407E-A947-70E740481C1C}">
-                <a14:useLocalDpi xmlns:a14="http://schemas.microsoft.com/office/drawing/2010/main" xmlns="" val="0"/>
+                <a14:useLocalDpi xmlns:a14="http://schemas.microsoft.com/office/drawing/2010/main" val="0"/>
               </a:ext>
             </a:extLst>
           </a:blip>
@@ -3697,7 +3771,7 @@
         </p:blipFill>
         <p:spPr>
           <a:xfrm>
-            <a:off x="1168935" y="909415"/>
+            <a:off x="1172309" y="909415"/>
             <a:ext cx="1002146" cy="1002146"/>
           </a:xfrm>
           <a:prstGeom prst="rect">
@@ -3717,7 +3791,7 @@
           <a:blip r:embed="rId2" cstate="print">
             <a:extLst>
               <a:ext uri="{28A0092B-C50C-407E-A947-70E740481C1C}">
-                <a14:useLocalDpi xmlns:a14="http://schemas.microsoft.com/office/drawing/2010/main" xmlns="" val="0"/>
+                <a14:useLocalDpi xmlns:a14="http://schemas.microsoft.com/office/drawing/2010/main" val="0"/>
               </a:ext>
             </a:extLst>
           </a:blip>
@@ -3727,7 +3801,7 @@
         </p:blipFill>
         <p:spPr>
           <a:xfrm>
-            <a:off x="2097374" y="917787"/>
+            <a:off x="2100748" y="917787"/>
             <a:ext cx="1002146" cy="1002146"/>
           </a:xfrm>
           <a:prstGeom prst="rect">
@@ -3747,7 +3821,7 @@
           <a:blip r:embed="rId2" cstate="print">
             <a:extLst>
               <a:ext uri="{28A0092B-C50C-407E-A947-70E740481C1C}">
-                <a14:useLocalDpi xmlns:a14="http://schemas.microsoft.com/office/drawing/2010/main" xmlns="" val="0"/>
+                <a14:useLocalDpi xmlns:a14="http://schemas.microsoft.com/office/drawing/2010/main" val="0"/>
               </a:ext>
             </a:extLst>
           </a:blip>
@@ -3757,7 +3831,7 @@
         </p:blipFill>
         <p:spPr>
           <a:xfrm>
-            <a:off x="3099520" y="941815"/>
+            <a:off x="3102894" y="941815"/>
             <a:ext cx="1002146" cy="1002146"/>
           </a:xfrm>
           <a:prstGeom prst="rect">
@@ -3777,7 +3851,7 @@
           <a:blip r:embed="rId2" cstate="print">
             <a:extLst>
               <a:ext uri="{28A0092B-C50C-407E-A947-70E740481C1C}">
-                <a14:useLocalDpi xmlns:a14="http://schemas.microsoft.com/office/drawing/2010/main" xmlns="" val="0"/>
+                <a14:useLocalDpi xmlns:a14="http://schemas.microsoft.com/office/drawing/2010/main" val="0"/>
               </a:ext>
             </a:extLst>
           </a:blip>
@@ -3787,7 +3861,7 @@
         </p:blipFill>
         <p:spPr>
           <a:xfrm>
-            <a:off x="4101666" y="917787"/>
+            <a:off x="4105040" y="917787"/>
             <a:ext cx="1002146" cy="1002146"/>
           </a:xfrm>
           <a:prstGeom prst="rect">
@@ -3807,7 +3881,7 @@
           <a:blip r:embed="rId2" cstate="print">
             <a:extLst>
               <a:ext uri="{28A0092B-C50C-407E-A947-70E740481C1C}">
-                <a14:useLocalDpi xmlns:a14="http://schemas.microsoft.com/office/drawing/2010/main" xmlns="" val="0"/>
+                <a14:useLocalDpi xmlns:a14="http://schemas.microsoft.com/office/drawing/2010/main" val="0"/>
               </a:ext>
             </a:extLst>
           </a:blip>
@@ -3837,7 +3911,7 @@
           <a:blip r:embed="rId2" cstate="print">
             <a:extLst>
               <a:ext uri="{28A0092B-C50C-407E-A947-70E740481C1C}">
-                <a14:useLocalDpi xmlns:a14="http://schemas.microsoft.com/office/drawing/2010/main" xmlns="" val="0"/>
+                <a14:useLocalDpi xmlns:a14="http://schemas.microsoft.com/office/drawing/2010/main" val="0"/>
               </a:ext>
             </a:extLst>
           </a:blip>
@@ -3867,7 +3941,7 @@
           <a:blip r:embed="rId2" cstate="print">
             <a:extLst>
               <a:ext uri="{28A0092B-C50C-407E-A947-70E740481C1C}">
-                <a14:useLocalDpi xmlns:a14="http://schemas.microsoft.com/office/drawing/2010/main" xmlns="" val="0"/>
+                <a14:useLocalDpi xmlns:a14="http://schemas.microsoft.com/office/drawing/2010/main" val="0"/>
               </a:ext>
             </a:extLst>
           </a:blip>
@@ -3897,7 +3971,7 @@
           <a:blip r:embed="rId2" cstate="print">
             <a:extLst>
               <a:ext uri="{28A0092B-C50C-407E-A947-70E740481C1C}">
-                <a14:useLocalDpi xmlns:a14="http://schemas.microsoft.com/office/drawing/2010/main" xmlns="" val="0"/>
+                <a14:useLocalDpi xmlns:a14="http://schemas.microsoft.com/office/drawing/2010/main" val="0"/>
               </a:ext>
             </a:extLst>
           </a:blip>
@@ -3927,7 +4001,7 @@
           <a:blip r:embed="rId2" cstate="print">
             <a:extLst>
               <a:ext uri="{28A0092B-C50C-407E-A947-70E740481C1C}">
-                <a14:useLocalDpi xmlns:a14="http://schemas.microsoft.com/office/drawing/2010/main" xmlns="" val="0"/>
+                <a14:useLocalDpi xmlns:a14="http://schemas.microsoft.com/office/drawing/2010/main" val="0"/>
               </a:ext>
             </a:extLst>
           </a:blip>
@@ -3957,7 +4031,7 @@
           <a:blip r:embed="rId2" cstate="print">
             <a:extLst>
               <a:ext uri="{28A0092B-C50C-407E-A947-70E740481C1C}">
-                <a14:useLocalDpi xmlns:a14="http://schemas.microsoft.com/office/drawing/2010/main" xmlns="" val="0"/>
+                <a14:useLocalDpi xmlns:a14="http://schemas.microsoft.com/office/drawing/2010/main" val="0"/>
               </a:ext>
             </a:extLst>
           </a:blip>
@@ -3987,7 +4061,7 @@
           <a:blip r:embed="rId2" cstate="print">
             <a:extLst>
               <a:ext uri="{28A0092B-C50C-407E-A947-70E740481C1C}">
-                <a14:useLocalDpi xmlns:a14="http://schemas.microsoft.com/office/drawing/2010/main" xmlns="" val="0"/>
+                <a14:useLocalDpi xmlns:a14="http://schemas.microsoft.com/office/drawing/2010/main" val="0"/>
               </a:ext>
             </a:extLst>
           </a:blip>
@@ -3997,7 +4071,7 @@
         </p:blipFill>
         <p:spPr>
           <a:xfrm>
-            <a:off x="11116688" y="941815"/>
+            <a:off x="11120062" y="941815"/>
             <a:ext cx="1002146" cy="1002146"/>
           </a:xfrm>
           <a:prstGeom prst="rect">
@@ -4017,7 +4091,7 @@
           <a:blip r:embed="rId2" cstate="print">
             <a:extLst>
               <a:ext uri="{28A0092B-C50C-407E-A947-70E740481C1C}">
-                <a14:useLocalDpi xmlns:a14="http://schemas.microsoft.com/office/drawing/2010/main" xmlns="" val="0"/>
+                <a14:useLocalDpi xmlns:a14="http://schemas.microsoft.com/office/drawing/2010/main" val="0"/>
               </a:ext>
             </a:extLst>
           </a:blip>
@@ -4047,7 +4121,7 @@
           <a:blip r:embed="rId2" cstate="print">
             <a:extLst>
               <a:ext uri="{28A0092B-C50C-407E-A947-70E740481C1C}">
-                <a14:useLocalDpi xmlns:a14="http://schemas.microsoft.com/office/drawing/2010/main" xmlns="" val="0"/>
+                <a14:useLocalDpi xmlns:a14="http://schemas.microsoft.com/office/drawing/2010/main" val="0"/>
               </a:ext>
             </a:extLst>
           </a:blip>
@@ -4077,7 +4151,7 @@
           <a:blip r:embed="rId2" cstate="print">
             <a:extLst>
               <a:ext uri="{28A0092B-C50C-407E-A947-70E740481C1C}">
-                <a14:useLocalDpi xmlns:a14="http://schemas.microsoft.com/office/drawing/2010/main" xmlns="" val="0"/>
+                <a14:useLocalDpi xmlns:a14="http://schemas.microsoft.com/office/drawing/2010/main" val="0"/>
               </a:ext>
             </a:extLst>
           </a:blip>
@@ -4107,7 +4181,7 @@
           <a:blip r:embed="rId2" cstate="print">
             <a:extLst>
               <a:ext uri="{28A0092B-C50C-407E-A947-70E740481C1C}">
-                <a14:useLocalDpi xmlns:a14="http://schemas.microsoft.com/office/drawing/2010/main" xmlns="" val="0"/>
+                <a14:useLocalDpi xmlns:a14="http://schemas.microsoft.com/office/drawing/2010/main" val="0"/>
               </a:ext>
             </a:extLst>
           </a:blip>
@@ -4137,7 +4211,7 @@
           <a:blip r:embed="rId2" cstate="print">
             <a:extLst>
               <a:ext uri="{28A0092B-C50C-407E-A947-70E740481C1C}">
-                <a14:useLocalDpi xmlns:a14="http://schemas.microsoft.com/office/drawing/2010/main" xmlns="" val="0"/>
+                <a14:useLocalDpi xmlns:a14="http://schemas.microsoft.com/office/drawing/2010/main" val="0"/>
               </a:ext>
             </a:extLst>
           </a:blip>
@@ -4167,7 +4241,7 @@
           <a:blip r:embed="rId2" cstate="print">
             <a:extLst>
               <a:ext uri="{28A0092B-C50C-407E-A947-70E740481C1C}">
-                <a14:useLocalDpi xmlns:a14="http://schemas.microsoft.com/office/drawing/2010/main" xmlns="" val="0"/>
+                <a14:useLocalDpi xmlns:a14="http://schemas.microsoft.com/office/drawing/2010/main" val="0"/>
               </a:ext>
             </a:extLst>
           </a:blip>
@@ -4197,7 +4271,7 @@
           <a:blip r:embed="rId2" cstate="print">
             <a:extLst>
               <a:ext uri="{28A0092B-C50C-407E-A947-70E740481C1C}">
-                <a14:useLocalDpi xmlns:a14="http://schemas.microsoft.com/office/drawing/2010/main" xmlns="" val="0"/>
+                <a14:useLocalDpi xmlns:a14="http://schemas.microsoft.com/office/drawing/2010/main" val="0"/>
               </a:ext>
             </a:extLst>
           </a:blip>
@@ -4227,7 +4301,7 @@
           <a:blip r:embed="rId2" cstate="print">
             <a:extLst>
               <a:ext uri="{28A0092B-C50C-407E-A947-70E740481C1C}">
-                <a14:useLocalDpi xmlns:a14="http://schemas.microsoft.com/office/drawing/2010/main" xmlns="" val="0"/>
+                <a14:useLocalDpi xmlns:a14="http://schemas.microsoft.com/office/drawing/2010/main" val="0"/>
               </a:ext>
             </a:extLst>
           </a:blip>
@@ -4257,7 +4331,7 @@
           <a:blip r:embed="rId2" cstate="print">
             <a:extLst>
               <a:ext uri="{28A0092B-C50C-407E-A947-70E740481C1C}">
-                <a14:useLocalDpi xmlns:a14="http://schemas.microsoft.com/office/drawing/2010/main" xmlns="" val="0"/>
+                <a14:useLocalDpi xmlns:a14="http://schemas.microsoft.com/office/drawing/2010/main" val="0"/>
               </a:ext>
             </a:extLst>
           </a:blip>
@@ -4287,7 +4361,7 @@
           <a:blip r:embed="rId2" cstate="print">
             <a:extLst>
               <a:ext uri="{28A0092B-C50C-407E-A947-70E740481C1C}">
-                <a14:useLocalDpi xmlns:a14="http://schemas.microsoft.com/office/drawing/2010/main" xmlns="" val="0"/>
+                <a14:useLocalDpi xmlns:a14="http://schemas.microsoft.com/office/drawing/2010/main" val="0"/>
               </a:ext>
             </a:extLst>
           </a:blip>
@@ -4317,7 +4391,7 @@
           <a:blip r:embed="rId2" cstate="print">
             <a:extLst>
               <a:ext uri="{28A0092B-C50C-407E-A947-70E740481C1C}">
-                <a14:useLocalDpi xmlns:a14="http://schemas.microsoft.com/office/drawing/2010/main" xmlns="" val="0"/>
+                <a14:useLocalDpi xmlns:a14="http://schemas.microsoft.com/office/drawing/2010/main" val="0"/>
               </a:ext>
             </a:extLst>
           </a:blip>
@@ -4347,7 +4421,7 @@
           <a:blip r:embed="rId2" cstate="print">
             <a:extLst>
               <a:ext uri="{28A0092B-C50C-407E-A947-70E740481C1C}">
-                <a14:useLocalDpi xmlns:a14="http://schemas.microsoft.com/office/drawing/2010/main" xmlns="" val="0"/>
+                <a14:useLocalDpi xmlns:a14="http://schemas.microsoft.com/office/drawing/2010/main" val="0"/>
               </a:ext>
             </a:extLst>
           </a:blip>
@@ -4377,7 +4451,7 @@
           <a:blip r:embed="rId2" cstate="print">
             <a:extLst>
               <a:ext uri="{28A0092B-C50C-407E-A947-70E740481C1C}">
-                <a14:useLocalDpi xmlns:a14="http://schemas.microsoft.com/office/drawing/2010/main" xmlns="" val="0"/>
+                <a14:useLocalDpi xmlns:a14="http://schemas.microsoft.com/office/drawing/2010/main" val="0"/>
               </a:ext>
             </a:extLst>
           </a:blip>
@@ -4407,7 +4481,7 @@
           <a:blip r:embed="rId2" cstate="print">
             <a:extLst>
               <a:ext uri="{28A0092B-C50C-407E-A947-70E740481C1C}">
-                <a14:useLocalDpi xmlns:a14="http://schemas.microsoft.com/office/drawing/2010/main" xmlns="" val="0"/>
+                <a14:useLocalDpi xmlns:a14="http://schemas.microsoft.com/office/drawing/2010/main" val="0"/>
               </a:ext>
             </a:extLst>
           </a:blip>
@@ -4437,7 +4511,7 @@
           <a:blip r:embed="rId2" cstate="print">
             <a:extLst>
               <a:ext uri="{28A0092B-C50C-407E-A947-70E740481C1C}">
-                <a14:useLocalDpi xmlns:a14="http://schemas.microsoft.com/office/drawing/2010/main" xmlns="" val="0"/>
+                <a14:useLocalDpi xmlns:a14="http://schemas.microsoft.com/office/drawing/2010/main" val="0"/>
               </a:ext>
             </a:extLst>
           </a:blip>
@@ -4467,7 +4541,7 @@
           <a:blip r:embed="rId2" cstate="print">
             <a:extLst>
               <a:ext uri="{28A0092B-C50C-407E-A947-70E740481C1C}">
-                <a14:useLocalDpi xmlns:a14="http://schemas.microsoft.com/office/drawing/2010/main" xmlns="" val="0"/>
+                <a14:useLocalDpi xmlns:a14="http://schemas.microsoft.com/office/drawing/2010/main" val="0"/>
               </a:ext>
             </a:extLst>
           </a:blip>
@@ -4497,7 +4571,7 @@
           <a:blip r:embed="rId2" cstate="print">
             <a:extLst>
               <a:ext uri="{28A0092B-C50C-407E-A947-70E740481C1C}">
-                <a14:useLocalDpi xmlns:a14="http://schemas.microsoft.com/office/drawing/2010/main" xmlns="" val="0"/>
+                <a14:useLocalDpi xmlns:a14="http://schemas.microsoft.com/office/drawing/2010/main" val="0"/>
               </a:ext>
             </a:extLst>
           </a:blip>
@@ -4527,7 +4601,7 @@
           <a:blip r:embed="rId2" cstate="print">
             <a:extLst>
               <a:ext uri="{28A0092B-C50C-407E-A947-70E740481C1C}">
-                <a14:useLocalDpi xmlns:a14="http://schemas.microsoft.com/office/drawing/2010/main" xmlns="" val="0"/>
+                <a14:useLocalDpi xmlns:a14="http://schemas.microsoft.com/office/drawing/2010/main" val="0"/>
               </a:ext>
             </a:extLst>
           </a:blip>
@@ -4557,7 +4631,7 @@
           <a:blip r:embed="rId2" cstate="print">
             <a:extLst>
               <a:ext uri="{28A0092B-C50C-407E-A947-70E740481C1C}">
-                <a14:useLocalDpi xmlns:a14="http://schemas.microsoft.com/office/drawing/2010/main" xmlns="" val="0"/>
+                <a14:useLocalDpi xmlns:a14="http://schemas.microsoft.com/office/drawing/2010/main" val="0"/>
               </a:ext>
             </a:extLst>
           </a:blip>
@@ -4587,7 +4661,7 @@
           <a:blip r:embed="rId2" cstate="print">
             <a:extLst>
               <a:ext uri="{28A0092B-C50C-407E-A947-70E740481C1C}">
-                <a14:useLocalDpi xmlns:a14="http://schemas.microsoft.com/office/drawing/2010/main" xmlns="" val="0"/>
+                <a14:useLocalDpi xmlns:a14="http://schemas.microsoft.com/office/drawing/2010/main" val="0"/>
               </a:ext>
             </a:extLst>
           </a:blip>
@@ -4617,7 +4691,7 @@
           <a:blip r:embed="rId2" cstate="print">
             <a:extLst>
               <a:ext uri="{28A0092B-C50C-407E-A947-70E740481C1C}">
-                <a14:useLocalDpi xmlns:a14="http://schemas.microsoft.com/office/drawing/2010/main" xmlns="" val="0"/>
+                <a14:useLocalDpi xmlns:a14="http://schemas.microsoft.com/office/drawing/2010/main" val="0"/>
               </a:ext>
             </a:extLst>
           </a:blip>
@@ -4647,7 +4721,7 @@
           <a:blip r:embed="rId2" cstate="print">
             <a:extLst>
               <a:ext uri="{28A0092B-C50C-407E-A947-70E740481C1C}">
-                <a14:useLocalDpi xmlns:a14="http://schemas.microsoft.com/office/drawing/2010/main" xmlns="" val="0"/>
+                <a14:useLocalDpi xmlns:a14="http://schemas.microsoft.com/office/drawing/2010/main" val="0"/>
               </a:ext>
             </a:extLst>
           </a:blip>
@@ -4677,7 +4751,7 @@
           <a:blip r:embed="rId2" cstate="print">
             <a:extLst>
               <a:ext uri="{28A0092B-C50C-407E-A947-70E740481C1C}">
-                <a14:useLocalDpi xmlns:a14="http://schemas.microsoft.com/office/drawing/2010/main" xmlns="" val="0"/>
+                <a14:useLocalDpi xmlns:a14="http://schemas.microsoft.com/office/drawing/2010/main" val="0"/>
               </a:ext>
             </a:extLst>
           </a:blip>
@@ -4707,7 +4781,7 @@
           <a:blip r:embed="rId2" cstate="print">
             <a:extLst>
               <a:ext uri="{28A0092B-C50C-407E-A947-70E740481C1C}">
-                <a14:useLocalDpi xmlns:a14="http://schemas.microsoft.com/office/drawing/2010/main" xmlns="" val="0"/>
+                <a14:useLocalDpi xmlns:a14="http://schemas.microsoft.com/office/drawing/2010/main" val="0"/>
               </a:ext>
             </a:extLst>
           </a:blip>
@@ -4737,7 +4811,7 @@
           <a:blip r:embed="rId2" cstate="print">
             <a:extLst>
               <a:ext uri="{28A0092B-C50C-407E-A947-70E740481C1C}">
-                <a14:useLocalDpi xmlns:a14="http://schemas.microsoft.com/office/drawing/2010/main" xmlns="" val="0"/>
+                <a14:useLocalDpi xmlns:a14="http://schemas.microsoft.com/office/drawing/2010/main" val="0"/>
               </a:ext>
             </a:extLst>
           </a:blip>
@@ -4767,7 +4841,7 @@
           <a:blip r:embed="rId2" cstate="print">
             <a:extLst>
               <a:ext uri="{28A0092B-C50C-407E-A947-70E740481C1C}">
-                <a14:useLocalDpi xmlns:a14="http://schemas.microsoft.com/office/drawing/2010/main" xmlns="" val="0"/>
+                <a14:useLocalDpi xmlns:a14="http://schemas.microsoft.com/office/drawing/2010/main" val="0"/>
               </a:ext>
             </a:extLst>
           </a:blip>
@@ -4797,7 +4871,7 @@
           <a:blip r:embed="rId2" cstate="print">
             <a:extLst>
               <a:ext uri="{28A0092B-C50C-407E-A947-70E740481C1C}">
-                <a14:useLocalDpi xmlns:a14="http://schemas.microsoft.com/office/drawing/2010/main" xmlns="" val="0"/>
+                <a14:useLocalDpi xmlns:a14="http://schemas.microsoft.com/office/drawing/2010/main" val="0"/>
               </a:ext>
             </a:extLst>
           </a:blip>
@@ -4827,7 +4901,7 @@
           <a:blip r:embed="rId2" cstate="print">
             <a:extLst>
               <a:ext uri="{28A0092B-C50C-407E-A947-70E740481C1C}">
-                <a14:useLocalDpi xmlns:a14="http://schemas.microsoft.com/office/drawing/2010/main" xmlns="" val="0"/>
+                <a14:useLocalDpi xmlns:a14="http://schemas.microsoft.com/office/drawing/2010/main" val="0"/>
               </a:ext>
             </a:extLst>
           </a:blip>
@@ -4857,7 +4931,7 @@
           <a:blip r:embed="rId2" cstate="print">
             <a:extLst>
               <a:ext uri="{28A0092B-C50C-407E-A947-70E740481C1C}">
-                <a14:useLocalDpi xmlns:a14="http://schemas.microsoft.com/office/drawing/2010/main" xmlns="" val="0"/>
+                <a14:useLocalDpi xmlns:a14="http://schemas.microsoft.com/office/drawing/2010/main" val="0"/>
               </a:ext>
             </a:extLst>
           </a:blip>
@@ -4887,7 +4961,7 @@
           <a:blip r:embed="rId2" cstate="print">
             <a:extLst>
               <a:ext uri="{28A0092B-C50C-407E-A947-70E740481C1C}">
-                <a14:useLocalDpi xmlns:a14="http://schemas.microsoft.com/office/drawing/2010/main" xmlns="" val="0"/>
+                <a14:useLocalDpi xmlns:a14="http://schemas.microsoft.com/office/drawing/2010/main" val="0"/>
               </a:ext>
             </a:extLst>
           </a:blip>
@@ -4917,7 +4991,7 @@
           <a:blip r:embed="rId2" cstate="print">
             <a:extLst>
               <a:ext uri="{28A0092B-C50C-407E-A947-70E740481C1C}">
-                <a14:useLocalDpi xmlns:a14="http://schemas.microsoft.com/office/drawing/2010/main" xmlns="" val="0"/>
+                <a14:useLocalDpi xmlns:a14="http://schemas.microsoft.com/office/drawing/2010/main" val="0"/>
               </a:ext>
             </a:extLst>
           </a:blip>
@@ -4947,7 +5021,7 @@
           <a:blip r:embed="rId2" cstate="print">
             <a:extLst>
               <a:ext uri="{28A0092B-C50C-407E-A947-70E740481C1C}">
-                <a14:useLocalDpi xmlns:a14="http://schemas.microsoft.com/office/drawing/2010/main" xmlns="" val="0"/>
+                <a14:useLocalDpi xmlns:a14="http://schemas.microsoft.com/office/drawing/2010/main" val="0"/>
               </a:ext>
             </a:extLst>
           </a:blip>
@@ -4977,7 +5051,7 @@
           <a:blip r:embed="rId2" cstate="print">
             <a:extLst>
               <a:ext uri="{28A0092B-C50C-407E-A947-70E740481C1C}">
-                <a14:useLocalDpi xmlns:a14="http://schemas.microsoft.com/office/drawing/2010/main" xmlns="" val="0"/>
+                <a14:useLocalDpi xmlns:a14="http://schemas.microsoft.com/office/drawing/2010/main" val="0"/>
               </a:ext>
             </a:extLst>
           </a:blip>
@@ -5007,7 +5081,7 @@
           <a:blip r:embed="rId2" cstate="print">
             <a:extLst>
               <a:ext uri="{28A0092B-C50C-407E-A947-70E740481C1C}">
-                <a14:useLocalDpi xmlns:a14="http://schemas.microsoft.com/office/drawing/2010/main" xmlns="" val="0"/>
+                <a14:useLocalDpi xmlns:a14="http://schemas.microsoft.com/office/drawing/2010/main" val="0"/>
               </a:ext>
             </a:extLst>
           </a:blip>
@@ -5037,7 +5111,7 @@
           <a:blip r:embed="rId2" cstate="print">
             <a:extLst>
               <a:ext uri="{28A0092B-C50C-407E-A947-70E740481C1C}">
-                <a14:useLocalDpi xmlns:a14="http://schemas.microsoft.com/office/drawing/2010/main" xmlns="" val="0"/>
+                <a14:useLocalDpi xmlns:a14="http://schemas.microsoft.com/office/drawing/2010/main" val="0"/>
               </a:ext>
             </a:extLst>
           </a:blip>
@@ -5067,7 +5141,7 @@
           <a:blip r:embed="rId2" cstate="print">
             <a:extLst>
               <a:ext uri="{28A0092B-C50C-407E-A947-70E740481C1C}">
-                <a14:useLocalDpi xmlns:a14="http://schemas.microsoft.com/office/drawing/2010/main" xmlns="" val="0"/>
+                <a14:useLocalDpi xmlns:a14="http://schemas.microsoft.com/office/drawing/2010/main" val="0"/>
               </a:ext>
             </a:extLst>
           </a:blip>
@@ -5146,10 +5220,370 @@
           </a:p>
         </p:txBody>
       </p:sp>
+      <p:pic>
+        <p:nvPicPr>
+          <p:cNvPr id="73" name="图片 72"/>
+          <p:cNvPicPr>
+            <a:picLocks noChangeAspect="1"/>
+          </p:cNvPicPr>
+          <p:nvPr/>
+        </p:nvPicPr>
+        <p:blipFill>
+          <a:blip r:embed="rId2" cstate="print">
+            <a:extLst>
+              <a:ext uri="{28A0092B-C50C-407E-A947-70E740481C1C}">
+                <a14:useLocalDpi xmlns:a14="http://schemas.microsoft.com/office/drawing/2010/main" val="0"/>
+              </a:ext>
+            </a:extLst>
+          </a:blip>
+          <a:stretch>
+            <a:fillRect/>
+          </a:stretch>
+        </p:blipFill>
+        <p:spPr>
+          <a:xfrm>
+            <a:off x="5107186" y="79027"/>
+            <a:ext cx="1002146" cy="1002146"/>
+          </a:xfrm>
+          <a:prstGeom prst="rect">
+            <a:avLst/>
+          </a:prstGeom>
+        </p:spPr>
+      </p:pic>
+      <p:pic>
+        <p:nvPicPr>
+          <p:cNvPr id="74" name="图片 73"/>
+          <p:cNvPicPr>
+            <a:picLocks noChangeAspect="1"/>
+          </p:cNvPicPr>
+          <p:nvPr/>
+        </p:nvPicPr>
+        <p:blipFill>
+          <a:blip r:embed="rId2" cstate="print">
+            <a:extLst>
+              <a:ext uri="{28A0092B-C50C-407E-A947-70E740481C1C}">
+                <a14:useLocalDpi xmlns:a14="http://schemas.microsoft.com/office/drawing/2010/main" val="0"/>
+              </a:ext>
+            </a:extLst>
+          </a:blip>
+          <a:stretch>
+            <a:fillRect/>
+          </a:stretch>
+        </p:blipFill>
+        <p:spPr>
+          <a:xfrm>
+            <a:off x="6099210" y="102947"/>
+            <a:ext cx="1002146" cy="1002146"/>
+          </a:xfrm>
+          <a:prstGeom prst="rect">
+            <a:avLst/>
+          </a:prstGeom>
+        </p:spPr>
+      </p:pic>
+      <p:pic>
+        <p:nvPicPr>
+          <p:cNvPr id="75" name="图片 74"/>
+          <p:cNvPicPr>
+            <a:picLocks noChangeAspect="1"/>
+          </p:cNvPicPr>
+          <p:nvPr/>
+        </p:nvPicPr>
+        <p:blipFill>
+          <a:blip r:embed="rId2" cstate="print">
+            <a:extLst>
+              <a:ext uri="{28A0092B-C50C-407E-A947-70E740481C1C}">
+                <a14:useLocalDpi xmlns:a14="http://schemas.microsoft.com/office/drawing/2010/main" val="0"/>
+              </a:ext>
+            </a:extLst>
+          </a:blip>
+          <a:stretch>
+            <a:fillRect/>
+          </a:stretch>
+        </p:blipFill>
+        <p:spPr>
+          <a:xfrm>
+            <a:off x="99830" y="108992"/>
+            <a:ext cx="1002146" cy="1002146"/>
+          </a:xfrm>
+          <a:prstGeom prst="rect">
+            <a:avLst/>
+          </a:prstGeom>
+        </p:spPr>
+      </p:pic>
+      <p:pic>
+        <p:nvPicPr>
+          <p:cNvPr id="76" name="图片 75"/>
+          <p:cNvPicPr>
+            <a:picLocks noChangeAspect="1"/>
+          </p:cNvPicPr>
+          <p:nvPr/>
+        </p:nvPicPr>
+        <p:blipFill>
+          <a:blip r:embed="rId2" cstate="print">
+            <a:extLst>
+              <a:ext uri="{28A0092B-C50C-407E-A947-70E740481C1C}">
+                <a14:useLocalDpi xmlns:a14="http://schemas.microsoft.com/office/drawing/2010/main" val="0"/>
+              </a:ext>
+            </a:extLst>
+          </a:blip>
+          <a:stretch>
+            <a:fillRect/>
+          </a:stretch>
+        </p:blipFill>
+        <p:spPr>
+          <a:xfrm>
+            <a:off x="1172309" y="102727"/>
+            <a:ext cx="1002146" cy="1002146"/>
+          </a:xfrm>
+          <a:prstGeom prst="rect">
+            <a:avLst/>
+          </a:prstGeom>
+        </p:spPr>
+      </p:pic>
+      <p:pic>
+        <p:nvPicPr>
+          <p:cNvPr id="77" name="图片 76"/>
+          <p:cNvPicPr>
+            <a:picLocks noChangeAspect="1"/>
+          </p:cNvPicPr>
+          <p:nvPr/>
+        </p:nvPicPr>
+        <p:blipFill>
+          <a:blip r:embed="rId2" cstate="print">
+            <a:extLst>
+              <a:ext uri="{28A0092B-C50C-407E-A947-70E740481C1C}">
+                <a14:useLocalDpi xmlns:a14="http://schemas.microsoft.com/office/drawing/2010/main" val="0"/>
+              </a:ext>
+            </a:extLst>
+          </a:blip>
+          <a:stretch>
+            <a:fillRect/>
+          </a:stretch>
+        </p:blipFill>
+        <p:spPr>
+          <a:xfrm>
+            <a:off x="2100748" y="111099"/>
+            <a:ext cx="1002146" cy="1002146"/>
+          </a:xfrm>
+          <a:prstGeom prst="rect">
+            <a:avLst/>
+          </a:prstGeom>
+        </p:spPr>
+      </p:pic>
+      <p:pic>
+        <p:nvPicPr>
+          <p:cNvPr id="78" name="图片 77"/>
+          <p:cNvPicPr>
+            <a:picLocks noChangeAspect="1"/>
+          </p:cNvPicPr>
+          <p:nvPr/>
+        </p:nvPicPr>
+        <p:blipFill>
+          <a:blip r:embed="rId2" cstate="print">
+            <a:extLst>
+              <a:ext uri="{28A0092B-C50C-407E-A947-70E740481C1C}">
+                <a14:useLocalDpi xmlns:a14="http://schemas.microsoft.com/office/drawing/2010/main" val="0"/>
+              </a:ext>
+            </a:extLst>
+          </a:blip>
+          <a:stretch>
+            <a:fillRect/>
+          </a:stretch>
+        </p:blipFill>
+        <p:spPr>
+          <a:xfrm>
+            <a:off x="3102894" y="135127"/>
+            <a:ext cx="1002146" cy="1002146"/>
+          </a:xfrm>
+          <a:prstGeom prst="rect">
+            <a:avLst/>
+          </a:prstGeom>
+        </p:spPr>
+      </p:pic>
+      <p:pic>
+        <p:nvPicPr>
+          <p:cNvPr id="79" name="图片 78"/>
+          <p:cNvPicPr>
+            <a:picLocks noChangeAspect="1"/>
+          </p:cNvPicPr>
+          <p:nvPr/>
+        </p:nvPicPr>
+        <p:blipFill>
+          <a:blip r:embed="rId2" cstate="print">
+            <a:extLst>
+              <a:ext uri="{28A0092B-C50C-407E-A947-70E740481C1C}">
+                <a14:useLocalDpi xmlns:a14="http://schemas.microsoft.com/office/drawing/2010/main" val="0"/>
+              </a:ext>
+            </a:extLst>
+          </a:blip>
+          <a:stretch>
+            <a:fillRect/>
+          </a:stretch>
+        </p:blipFill>
+        <p:spPr>
+          <a:xfrm>
+            <a:off x="4105040" y="111099"/>
+            <a:ext cx="1002146" cy="1002146"/>
+          </a:xfrm>
+          <a:prstGeom prst="rect">
+            <a:avLst/>
+          </a:prstGeom>
+        </p:spPr>
+      </p:pic>
+      <p:pic>
+        <p:nvPicPr>
+          <p:cNvPr id="80" name="图片 79"/>
+          <p:cNvPicPr>
+            <a:picLocks noChangeAspect="1"/>
+          </p:cNvPicPr>
+          <p:nvPr/>
+        </p:nvPicPr>
+        <p:blipFill>
+          <a:blip r:embed="rId2" cstate="print">
+            <a:extLst>
+              <a:ext uri="{28A0092B-C50C-407E-A947-70E740481C1C}">
+                <a14:useLocalDpi xmlns:a14="http://schemas.microsoft.com/office/drawing/2010/main" val="0"/>
+              </a:ext>
+            </a:extLst>
+          </a:blip>
+          <a:stretch>
+            <a:fillRect/>
+          </a:stretch>
+        </p:blipFill>
+        <p:spPr>
+          <a:xfrm>
+            <a:off x="7108104" y="111099"/>
+            <a:ext cx="1002146" cy="1002146"/>
+          </a:xfrm>
+          <a:prstGeom prst="rect">
+            <a:avLst/>
+          </a:prstGeom>
+        </p:spPr>
+      </p:pic>
+      <p:pic>
+        <p:nvPicPr>
+          <p:cNvPr id="81" name="图片 80"/>
+          <p:cNvPicPr>
+            <a:picLocks noChangeAspect="1"/>
+          </p:cNvPicPr>
+          <p:nvPr/>
+        </p:nvPicPr>
+        <p:blipFill>
+          <a:blip r:embed="rId2" cstate="print">
+            <a:extLst>
+              <a:ext uri="{28A0092B-C50C-407E-A947-70E740481C1C}">
+                <a14:useLocalDpi xmlns:a14="http://schemas.microsoft.com/office/drawing/2010/main" val="0"/>
+              </a:ext>
+            </a:extLst>
+          </a:blip>
+          <a:stretch>
+            <a:fillRect/>
+          </a:stretch>
+        </p:blipFill>
+        <p:spPr>
+          <a:xfrm>
+            <a:off x="8110250" y="111099"/>
+            <a:ext cx="1002146" cy="1002146"/>
+          </a:xfrm>
+          <a:prstGeom prst="rect">
+            <a:avLst/>
+          </a:prstGeom>
+        </p:spPr>
+      </p:pic>
+      <p:pic>
+        <p:nvPicPr>
+          <p:cNvPr id="82" name="图片 81"/>
+          <p:cNvPicPr>
+            <a:picLocks noChangeAspect="1"/>
+          </p:cNvPicPr>
+          <p:nvPr/>
+        </p:nvPicPr>
+        <p:blipFill>
+          <a:blip r:embed="rId2" cstate="print">
+            <a:extLst>
+              <a:ext uri="{28A0092B-C50C-407E-A947-70E740481C1C}">
+                <a14:useLocalDpi xmlns:a14="http://schemas.microsoft.com/office/drawing/2010/main" val="0"/>
+              </a:ext>
+            </a:extLst>
+          </a:blip>
+          <a:stretch>
+            <a:fillRect/>
+          </a:stretch>
+        </p:blipFill>
+        <p:spPr>
+          <a:xfrm>
+            <a:off x="9112396" y="135127"/>
+            <a:ext cx="1002146" cy="1002146"/>
+          </a:xfrm>
+          <a:prstGeom prst="rect">
+            <a:avLst/>
+          </a:prstGeom>
+        </p:spPr>
+      </p:pic>
+      <p:pic>
+        <p:nvPicPr>
+          <p:cNvPr id="83" name="图片 82"/>
+          <p:cNvPicPr>
+            <a:picLocks noChangeAspect="1"/>
+          </p:cNvPicPr>
+          <p:nvPr/>
+        </p:nvPicPr>
+        <p:blipFill>
+          <a:blip r:embed="rId2" cstate="print">
+            <a:extLst>
+              <a:ext uri="{28A0092B-C50C-407E-A947-70E740481C1C}">
+                <a14:useLocalDpi xmlns:a14="http://schemas.microsoft.com/office/drawing/2010/main" val="0"/>
+              </a:ext>
+            </a:extLst>
+          </a:blip>
+          <a:stretch>
+            <a:fillRect/>
+          </a:stretch>
+        </p:blipFill>
+        <p:spPr>
+          <a:xfrm>
+            <a:off x="10111168" y="135127"/>
+            <a:ext cx="1002146" cy="1002146"/>
+          </a:xfrm>
+          <a:prstGeom prst="rect">
+            <a:avLst/>
+          </a:prstGeom>
+        </p:spPr>
+      </p:pic>
+      <p:pic>
+        <p:nvPicPr>
+          <p:cNvPr id="84" name="图片 83"/>
+          <p:cNvPicPr>
+            <a:picLocks noChangeAspect="1"/>
+          </p:cNvPicPr>
+          <p:nvPr/>
+        </p:nvPicPr>
+        <p:blipFill>
+          <a:blip r:embed="rId2" cstate="print">
+            <a:extLst>
+              <a:ext uri="{28A0092B-C50C-407E-A947-70E740481C1C}">
+                <a14:useLocalDpi xmlns:a14="http://schemas.microsoft.com/office/drawing/2010/main" val="0"/>
+              </a:ext>
+            </a:extLst>
+          </a:blip>
+          <a:stretch>
+            <a:fillRect/>
+          </a:stretch>
+        </p:blipFill>
+        <p:spPr>
+          <a:xfrm>
+            <a:off x="11120062" y="135127"/>
+            <a:ext cx="1002146" cy="1002146"/>
+          </a:xfrm>
+          <a:prstGeom prst="rect">
+            <a:avLst/>
+          </a:prstGeom>
+        </p:spPr>
+      </p:pic>
     </p:spTree>
     <p:extLst>
       <p:ext uri="{BB962C8B-B14F-4D97-AF65-F5344CB8AC3E}">
-        <p14:creationId xmlns:p14="http://schemas.microsoft.com/office/powerpoint/2010/main" xmlns="" val="3237648164"/>
+        <p14:creationId xmlns:p14="http://schemas.microsoft.com/office/powerpoint/2010/main" val="3237648164"/>
       </p:ext>
     </p:extLst>
   </p:cSld>
@@ -5159,9 +5593,404 @@
   <p:timing>
     <p:tnLst>
       <p:par>
-        <p:cTn id="1" dur="indefinite" restart="never" nodeType="tmRoot"/>
+        <p:cTn id="1" dur="indefinite" restart="never" nodeType="tmRoot">
+          <p:childTnLst>
+            <p:seq concurrent="1" nextAc="seek">
+              <p:cTn id="2" dur="indefinite" nodeType="mainSeq">
+                <p:childTnLst>
+                  <p:par>
+                    <p:cTn id="3" fill="hold">
+                      <p:stCondLst>
+                        <p:cond delay="indefinite"/>
+                      </p:stCondLst>
+                      <p:childTnLst>
+                        <p:par>
+                          <p:cTn id="4" fill="hold">
+                            <p:stCondLst>
+                              <p:cond delay="0"/>
+                            </p:stCondLst>
+                            <p:childTnLst>
+                              <p:par>
+                                <p:cTn id="5" presetID="1" presetClass="exit" presetSubtype="0" fill="hold" nodeType="clickEffect">
+                                  <p:stCondLst>
+                                    <p:cond delay="0"/>
+                                  </p:stCondLst>
+                                  <p:childTnLst>
+                                    <p:set>
+                                      <p:cBhvr>
+                                        <p:cTn id="6" dur="1" fill="hold">
+                                          <p:stCondLst>
+                                            <p:cond delay="0"/>
+                                          </p:stCondLst>
+                                        </p:cTn>
+                                        <p:tgtEl>
+                                          <p:spTgt spid="73"/>
+                                        </p:tgtEl>
+                                        <p:attrNameLst>
+                                          <p:attrName>style.visibility</p:attrName>
+                                        </p:attrNameLst>
+                                      </p:cBhvr>
+                                      <p:to>
+                                        <p:strVal val="hidden"/>
+                                      </p:to>
+                                    </p:set>
+                                  </p:childTnLst>
+                                </p:cTn>
+                              </p:par>
+                              <p:par>
+                                <p:cTn id="7" presetID="1" presetClass="exit" presetSubtype="0" fill="hold" nodeType="withEffect">
+                                  <p:stCondLst>
+                                    <p:cond delay="0"/>
+                                  </p:stCondLst>
+                                  <p:childTnLst>
+                                    <p:set>
+                                      <p:cBhvr>
+                                        <p:cTn id="8" dur="1" fill="hold">
+                                          <p:stCondLst>
+                                            <p:cond delay="0"/>
+                                          </p:stCondLst>
+                                        </p:cTn>
+                                        <p:tgtEl>
+                                          <p:spTgt spid="74"/>
+                                        </p:tgtEl>
+                                        <p:attrNameLst>
+                                          <p:attrName>style.visibility</p:attrName>
+                                        </p:attrNameLst>
+                                      </p:cBhvr>
+                                      <p:to>
+                                        <p:strVal val="hidden"/>
+                                      </p:to>
+                                    </p:set>
+                                  </p:childTnLst>
+                                </p:cTn>
+                              </p:par>
+                              <p:par>
+                                <p:cTn id="9" presetID="1" presetClass="exit" presetSubtype="0" fill="hold" nodeType="withEffect">
+                                  <p:stCondLst>
+                                    <p:cond delay="0"/>
+                                  </p:stCondLst>
+                                  <p:childTnLst>
+                                    <p:set>
+                                      <p:cBhvr>
+                                        <p:cTn id="10" dur="1" fill="hold">
+                                          <p:stCondLst>
+                                            <p:cond delay="0"/>
+                                          </p:stCondLst>
+                                        </p:cTn>
+                                        <p:tgtEl>
+                                          <p:spTgt spid="75"/>
+                                        </p:tgtEl>
+                                        <p:attrNameLst>
+                                          <p:attrName>style.visibility</p:attrName>
+                                        </p:attrNameLst>
+                                      </p:cBhvr>
+                                      <p:to>
+                                        <p:strVal val="hidden"/>
+                                      </p:to>
+                                    </p:set>
+                                  </p:childTnLst>
+                                </p:cTn>
+                              </p:par>
+                              <p:par>
+                                <p:cTn id="11" presetID="1" presetClass="exit" presetSubtype="0" fill="hold" nodeType="withEffect">
+                                  <p:stCondLst>
+                                    <p:cond delay="0"/>
+                                  </p:stCondLst>
+                                  <p:childTnLst>
+                                    <p:set>
+                                      <p:cBhvr>
+                                        <p:cTn id="12" dur="1" fill="hold">
+                                          <p:stCondLst>
+                                            <p:cond delay="0"/>
+                                          </p:stCondLst>
+                                        </p:cTn>
+                                        <p:tgtEl>
+                                          <p:spTgt spid="76"/>
+                                        </p:tgtEl>
+                                        <p:attrNameLst>
+                                          <p:attrName>style.visibility</p:attrName>
+                                        </p:attrNameLst>
+                                      </p:cBhvr>
+                                      <p:to>
+                                        <p:strVal val="hidden"/>
+                                      </p:to>
+                                    </p:set>
+                                  </p:childTnLst>
+                                </p:cTn>
+                              </p:par>
+                              <p:par>
+                                <p:cTn id="13" presetID="1" presetClass="exit" presetSubtype="0" fill="hold" nodeType="withEffect">
+                                  <p:stCondLst>
+                                    <p:cond delay="0"/>
+                                  </p:stCondLst>
+                                  <p:childTnLst>
+                                    <p:set>
+                                      <p:cBhvr>
+                                        <p:cTn id="14" dur="1" fill="hold">
+                                          <p:stCondLst>
+                                            <p:cond delay="0"/>
+                                          </p:stCondLst>
+                                        </p:cTn>
+                                        <p:tgtEl>
+                                          <p:spTgt spid="77"/>
+                                        </p:tgtEl>
+                                        <p:attrNameLst>
+                                          <p:attrName>style.visibility</p:attrName>
+                                        </p:attrNameLst>
+                                      </p:cBhvr>
+                                      <p:to>
+                                        <p:strVal val="hidden"/>
+                                      </p:to>
+                                    </p:set>
+                                  </p:childTnLst>
+                                </p:cTn>
+                              </p:par>
+                              <p:par>
+                                <p:cTn id="15" presetID="1" presetClass="exit" presetSubtype="0" fill="hold" nodeType="withEffect">
+                                  <p:stCondLst>
+                                    <p:cond delay="0"/>
+                                  </p:stCondLst>
+                                  <p:childTnLst>
+                                    <p:set>
+                                      <p:cBhvr>
+                                        <p:cTn id="16" dur="1" fill="hold">
+                                          <p:stCondLst>
+                                            <p:cond delay="0"/>
+                                          </p:stCondLst>
+                                        </p:cTn>
+                                        <p:tgtEl>
+                                          <p:spTgt spid="78"/>
+                                        </p:tgtEl>
+                                        <p:attrNameLst>
+                                          <p:attrName>style.visibility</p:attrName>
+                                        </p:attrNameLst>
+                                      </p:cBhvr>
+                                      <p:to>
+                                        <p:strVal val="hidden"/>
+                                      </p:to>
+                                    </p:set>
+                                  </p:childTnLst>
+                                </p:cTn>
+                              </p:par>
+                              <p:par>
+                                <p:cTn id="17" presetID="1" presetClass="exit" presetSubtype="0" fill="hold" nodeType="withEffect">
+                                  <p:stCondLst>
+                                    <p:cond delay="0"/>
+                                  </p:stCondLst>
+                                  <p:childTnLst>
+                                    <p:set>
+                                      <p:cBhvr>
+                                        <p:cTn id="18" dur="1" fill="hold">
+                                          <p:stCondLst>
+                                            <p:cond delay="0"/>
+                                          </p:stCondLst>
+                                        </p:cTn>
+                                        <p:tgtEl>
+                                          <p:spTgt spid="79"/>
+                                        </p:tgtEl>
+                                        <p:attrNameLst>
+                                          <p:attrName>style.visibility</p:attrName>
+                                        </p:attrNameLst>
+                                      </p:cBhvr>
+                                      <p:to>
+                                        <p:strVal val="hidden"/>
+                                      </p:to>
+                                    </p:set>
+                                  </p:childTnLst>
+                                </p:cTn>
+                              </p:par>
+                              <p:par>
+                                <p:cTn id="19" presetID="1" presetClass="exit" presetSubtype="0" fill="hold" nodeType="withEffect">
+                                  <p:stCondLst>
+                                    <p:cond delay="0"/>
+                                  </p:stCondLst>
+                                  <p:childTnLst>
+                                    <p:set>
+                                      <p:cBhvr>
+                                        <p:cTn id="20" dur="1" fill="hold">
+                                          <p:stCondLst>
+                                            <p:cond delay="0"/>
+                                          </p:stCondLst>
+                                        </p:cTn>
+                                        <p:tgtEl>
+                                          <p:spTgt spid="80"/>
+                                        </p:tgtEl>
+                                        <p:attrNameLst>
+                                          <p:attrName>style.visibility</p:attrName>
+                                        </p:attrNameLst>
+                                      </p:cBhvr>
+                                      <p:to>
+                                        <p:strVal val="hidden"/>
+                                      </p:to>
+                                    </p:set>
+                                  </p:childTnLst>
+                                </p:cTn>
+                              </p:par>
+                              <p:par>
+                                <p:cTn id="21" presetID="1" presetClass="exit" presetSubtype="0" fill="hold" nodeType="withEffect">
+                                  <p:stCondLst>
+                                    <p:cond delay="0"/>
+                                  </p:stCondLst>
+                                  <p:childTnLst>
+                                    <p:set>
+                                      <p:cBhvr>
+                                        <p:cTn id="22" dur="1" fill="hold">
+                                          <p:stCondLst>
+                                            <p:cond delay="0"/>
+                                          </p:stCondLst>
+                                        </p:cTn>
+                                        <p:tgtEl>
+                                          <p:spTgt spid="81"/>
+                                        </p:tgtEl>
+                                        <p:attrNameLst>
+                                          <p:attrName>style.visibility</p:attrName>
+                                        </p:attrNameLst>
+                                      </p:cBhvr>
+                                      <p:to>
+                                        <p:strVal val="hidden"/>
+                                      </p:to>
+                                    </p:set>
+                                  </p:childTnLst>
+                                </p:cTn>
+                              </p:par>
+                              <p:par>
+                                <p:cTn id="23" presetID="1" presetClass="exit" presetSubtype="0" fill="hold" nodeType="withEffect">
+                                  <p:stCondLst>
+                                    <p:cond delay="0"/>
+                                  </p:stCondLst>
+                                  <p:childTnLst>
+                                    <p:set>
+                                      <p:cBhvr>
+                                        <p:cTn id="24" dur="1" fill="hold">
+                                          <p:stCondLst>
+                                            <p:cond delay="0"/>
+                                          </p:stCondLst>
+                                        </p:cTn>
+                                        <p:tgtEl>
+                                          <p:spTgt spid="82"/>
+                                        </p:tgtEl>
+                                        <p:attrNameLst>
+                                          <p:attrName>style.visibility</p:attrName>
+                                        </p:attrNameLst>
+                                      </p:cBhvr>
+                                      <p:to>
+                                        <p:strVal val="hidden"/>
+                                      </p:to>
+                                    </p:set>
+                                  </p:childTnLst>
+                                </p:cTn>
+                              </p:par>
+                              <p:par>
+                                <p:cTn id="25" presetID="1" presetClass="exit" presetSubtype="0" fill="hold" nodeType="withEffect">
+                                  <p:stCondLst>
+                                    <p:cond delay="0"/>
+                                  </p:stCondLst>
+                                  <p:childTnLst>
+                                    <p:set>
+                                      <p:cBhvr>
+                                        <p:cTn id="26" dur="1" fill="hold">
+                                          <p:stCondLst>
+                                            <p:cond delay="0"/>
+                                          </p:stCondLst>
+                                        </p:cTn>
+                                        <p:tgtEl>
+                                          <p:spTgt spid="83"/>
+                                        </p:tgtEl>
+                                        <p:attrNameLst>
+                                          <p:attrName>style.visibility</p:attrName>
+                                        </p:attrNameLst>
+                                      </p:cBhvr>
+                                      <p:to>
+                                        <p:strVal val="hidden"/>
+                                      </p:to>
+                                    </p:set>
+                                  </p:childTnLst>
+                                </p:cTn>
+                              </p:par>
+                              <p:par>
+                                <p:cTn id="27" presetID="1" presetClass="exit" presetSubtype="0" fill="hold" nodeType="withEffect">
+                                  <p:stCondLst>
+                                    <p:cond delay="0"/>
+                                  </p:stCondLst>
+                                  <p:childTnLst>
+                                    <p:set>
+                                      <p:cBhvr>
+                                        <p:cTn id="28" dur="1" fill="hold">
+                                          <p:stCondLst>
+                                            <p:cond delay="0"/>
+                                          </p:stCondLst>
+                                        </p:cTn>
+                                        <p:tgtEl>
+                                          <p:spTgt spid="84"/>
+                                        </p:tgtEl>
+                                        <p:attrNameLst>
+                                          <p:attrName>style.visibility</p:attrName>
+                                        </p:attrNameLst>
+                                      </p:cBhvr>
+                                      <p:to>
+                                        <p:strVal val="hidden"/>
+                                      </p:to>
+                                    </p:set>
+                                  </p:childTnLst>
+                                </p:cTn>
+                              </p:par>
+                              <p:par>
+                                <p:cTn id="29" presetID="1" presetClass="entr" presetSubtype="0" fill="hold" grpId="0" nodeType="withEffect">
+                                  <p:stCondLst>
+                                    <p:cond delay="0"/>
+                                  </p:stCondLst>
+                                  <p:childTnLst>
+                                    <p:set>
+                                      <p:cBhvr>
+                                        <p:cTn id="30" dur="1" fill="hold">
+                                          <p:stCondLst>
+                                            <p:cond delay="0"/>
+                                          </p:stCondLst>
+                                        </p:cTn>
+                                        <p:tgtEl>
+                                          <p:spTgt spid="4"/>
+                                        </p:tgtEl>
+                                        <p:attrNameLst>
+                                          <p:attrName>style.visibility</p:attrName>
+                                        </p:attrNameLst>
+                                      </p:cBhvr>
+                                      <p:to>
+                                        <p:strVal val="visible"/>
+                                      </p:to>
+                                    </p:set>
+                                  </p:childTnLst>
+                                </p:cTn>
+                              </p:par>
+                            </p:childTnLst>
+                          </p:cTn>
+                        </p:par>
+                      </p:childTnLst>
+                    </p:cTn>
+                  </p:par>
+                </p:childTnLst>
+              </p:cTn>
+              <p:prevCondLst>
+                <p:cond evt="onPrev" delay="0">
+                  <p:tgtEl>
+                    <p:sldTgt/>
+                  </p:tgtEl>
+                </p:cond>
+              </p:prevCondLst>
+              <p:nextCondLst>
+                <p:cond evt="onNext" delay="0">
+                  <p:tgtEl>
+                    <p:sldTgt/>
+                  </p:tgtEl>
+                </p:cond>
+              </p:nextCondLst>
+            </p:seq>
+          </p:childTnLst>
+        </p:cTn>
       </p:par>
     </p:tnLst>
+    <p:bldLst>
+      <p:bldP spid="4" grpId="0"/>
+    </p:bldLst>
   </p:timing>
 </p:sld>
 </file>
@@ -5195,7 +6024,7 @@
         </p:nvSpPr>
         <p:spPr>
           <a:xfrm>
-            <a:off x="0" y="224448"/>
+            <a:off x="263769" y="149309"/>
             <a:ext cx="10515600" cy="1325563"/>
           </a:xfrm>
         </p:spPr>
@@ -5235,7 +6064,7 @@
         </p:spPr>
         <p:txBody>
           <a:bodyPr>
-            <a:normAutofit lnSpcReduction="10000"/>
+            <a:normAutofit/>
           </a:bodyPr>
           <a:lstStyle/>
           <a:p>
@@ -5423,7 +6252,7 @@
           <a:blip r:embed="rId2" cstate="print">
             <a:extLst>
               <a:ext uri="{28A0092B-C50C-407E-A947-70E740481C1C}">
-                <a14:useLocalDpi xmlns:a14="http://schemas.microsoft.com/office/drawing/2010/main" xmlns="" val="0"/>
+                <a14:useLocalDpi xmlns:a14="http://schemas.microsoft.com/office/drawing/2010/main" val="0"/>
               </a:ext>
             </a:extLst>
           </a:blip>
@@ -5474,7 +6303,7 @@
     </p:spTree>
     <p:extLst>
       <p:ext uri="{BB962C8B-B14F-4D97-AF65-F5344CB8AC3E}">
-        <p14:creationId xmlns:p14="http://schemas.microsoft.com/office/powerpoint/2010/main" xmlns="" val="3896966021"/>
+        <p14:creationId xmlns:p14="http://schemas.microsoft.com/office/powerpoint/2010/main" val="3896966021"/>
       </p:ext>
     </p:extLst>
   </p:cSld>
@@ -5520,7 +6349,7 @@
           <a:blip r:embed="rId2" cstate="print">
             <a:extLst>
               <a:ext uri="{28A0092B-C50C-407E-A947-70E740481C1C}">
-                <a14:useLocalDpi xmlns:a14="http://schemas.microsoft.com/office/drawing/2010/main" xmlns="" val="0"/>
+                <a14:useLocalDpi xmlns:a14="http://schemas.microsoft.com/office/drawing/2010/main" val="0"/>
               </a:ext>
             </a:extLst>
           </a:blip>
@@ -5612,7 +6441,7 @@
     </p:spTree>
     <p:extLst>
       <p:ext uri="{BB962C8B-B14F-4D97-AF65-F5344CB8AC3E}">
-        <p14:creationId xmlns:p14="http://schemas.microsoft.com/office/powerpoint/2010/main" xmlns="" val="3142238618"/>
+        <p14:creationId xmlns:p14="http://schemas.microsoft.com/office/powerpoint/2010/main" val="3142238618"/>
       </p:ext>
     </p:extLst>
   </p:cSld>
@@ -5843,7 +6672,7 @@
           <a:blip r:embed="rId2" cstate="print">
             <a:extLst>
               <a:ext uri="{28A0092B-C50C-407E-A947-70E740481C1C}">
-                <a14:useLocalDpi xmlns:a14="http://schemas.microsoft.com/office/drawing/2010/main" xmlns="" val="0"/>
+                <a14:useLocalDpi xmlns:a14="http://schemas.microsoft.com/office/drawing/2010/main" val="0"/>
               </a:ext>
             </a:extLst>
           </a:blip>
@@ -5894,7 +6723,7 @@
     </p:spTree>
     <p:extLst>
       <p:ext uri="{BB962C8B-B14F-4D97-AF65-F5344CB8AC3E}">
-        <p14:creationId xmlns:p14="http://schemas.microsoft.com/office/powerpoint/2010/main" xmlns="" val="3919978315"/>
+        <p14:creationId xmlns:p14="http://schemas.microsoft.com/office/powerpoint/2010/main" val="3919978315"/>
       </p:ext>
     </p:extLst>
   </p:cSld>
@@ -6132,7 +6961,7 @@
     </p:spTree>
     <p:extLst>
       <p:ext uri="{BB962C8B-B14F-4D97-AF65-F5344CB8AC3E}">
-        <p14:creationId xmlns:p14="http://schemas.microsoft.com/office/powerpoint/2010/main" xmlns="" val="4223806462"/>
+        <p14:creationId xmlns:p14="http://schemas.microsoft.com/office/powerpoint/2010/main" val="4223806462"/>
       </p:ext>
     </p:extLst>
   </p:cSld>
@@ -6467,11 +7296,15 @@
             </a:r>
             <a:r>
               <a:rPr lang="en-US" altLang="zh-CN" sz="3600" dirty="0" smtClean="0"/>
-              <a:t>T </a:t>
+              <a:t>TLE </a:t>
             </a:r>
             <a:r>
               <a:rPr lang="zh-CN" altLang="en-US" sz="3600" dirty="0" smtClean="0"/>
-              <a:t>掉也要让他跑完来的更优</a:t>
+              <a:t>也</a:t>
+            </a:r>
+            <a:r>
+              <a:rPr lang="zh-CN" altLang="en-US" sz="3600" dirty="0" smtClean="0"/>
+              <a:t>要让他跑完来的更优</a:t>
             </a:r>
             <a:endParaRPr lang="zh-CN" altLang="en-US" sz="3600" dirty="0"/>
           </a:p>
@@ -6489,7 +7322,7 @@
           <a:blip r:embed="rId2" cstate="print">
             <a:extLst>
               <a:ext uri="{28A0092B-C50C-407E-A947-70E740481C1C}">
-                <a14:useLocalDpi xmlns:a14="http://schemas.microsoft.com/office/drawing/2010/main" xmlns="" val="0"/>
+                <a14:useLocalDpi xmlns:a14="http://schemas.microsoft.com/office/drawing/2010/main" val="0"/>
               </a:ext>
             </a:extLst>
           </a:blip>
@@ -6510,7 +7343,7 @@
     </p:spTree>
     <p:extLst>
       <p:ext uri="{BB962C8B-B14F-4D97-AF65-F5344CB8AC3E}">
-        <p14:creationId xmlns:p14="http://schemas.microsoft.com/office/powerpoint/2010/main" xmlns="" val="4223806462"/>
+        <p14:creationId xmlns:p14="http://schemas.microsoft.com/office/powerpoint/2010/main" val="4223806462"/>
       </p:ext>
     </p:extLst>
   </p:cSld>
@@ -6677,21 +7510,7 @@
                 <a:latin typeface="微软雅黑" pitchFamily="34" charset="-122"/>
                 <a:ea typeface="微软雅黑" pitchFamily="34" charset="-122"/>
               </a:rPr>
-              <a:t>向</a:t>
-            </a:r>
-            <a:r>
-              <a:rPr lang="zh-CN" altLang="en-US" dirty="0" smtClean="0">
-                <a:latin typeface="微软雅黑" pitchFamily="34" charset="-122"/>
-                <a:ea typeface="微软雅黑" pitchFamily="34" charset="-122"/>
-              </a:rPr>
-              <a:t>内</a:t>
-            </a:r>
-            <a:r>
-              <a:rPr lang="zh-CN" altLang="en-US" dirty="0" smtClean="0">
-                <a:latin typeface="微软雅黑" pitchFamily="34" charset="-122"/>
-                <a:ea typeface="微软雅黑" pitchFamily="34" charset="-122"/>
-              </a:rPr>
-              <a:t>看</a:t>
+              <a:t>向内看</a:t>
             </a:r>
             <a:r>
               <a:rPr lang="en-US" altLang="zh-CN" dirty="0">
@@ -6770,7 +7589,7 @@
     </p:spTree>
     <p:extLst>
       <p:ext uri="{BB962C8B-B14F-4D97-AF65-F5344CB8AC3E}">
-        <p14:creationId xmlns:p14="http://schemas.microsoft.com/office/powerpoint/2010/main" xmlns="" val="4223806462"/>
+        <p14:creationId xmlns:p14="http://schemas.microsoft.com/office/powerpoint/2010/main" val="4223806462"/>
       </p:ext>
     </p:extLst>
   </p:cSld>
@@ -7112,7 +7931,7 @@
     </p:spTree>
     <p:extLst>
       <p:ext uri="{BB962C8B-B14F-4D97-AF65-F5344CB8AC3E}">
-        <p14:creationId xmlns:p14="http://schemas.microsoft.com/office/powerpoint/2010/main" xmlns="" val="4223806462"/>
+        <p14:creationId xmlns:p14="http://schemas.microsoft.com/office/powerpoint/2010/main" val="4223806462"/>
       </p:ext>
     </p:extLst>
   </p:cSld>
@@ -7475,7 +8294,7 @@
     </p:spTree>
     <p:extLst>
       <p:ext uri="{BB962C8B-B14F-4D97-AF65-F5344CB8AC3E}">
-        <p14:creationId xmlns:p14="http://schemas.microsoft.com/office/powerpoint/2010/main" xmlns="" val="4223806462"/>
+        <p14:creationId xmlns:p14="http://schemas.microsoft.com/office/powerpoint/2010/main" val="4223806462"/>
       </p:ext>
     </p:extLst>
   </p:cSld>
@@ -7747,7 +8566,7 @@
   <a:extraClrSchemeLst/>
   <a:extLst>
     <a:ext uri="{05A4C25C-085E-4340-85A3-A5531E510DB2}">
-      <thm15:themeFamily xmlns:thm15="http://schemas.microsoft.com/office/thememl/2012/main" xmlns="" name="Office Theme" id="{62F939B6-93AF-4DB8-9C6B-D6C7DFDC589F}" vid="{4A3C46E8-61CC-4603-A589-7422A47A8E4A}"/>
+      <thm15:themeFamily xmlns:thm15="http://schemas.microsoft.com/office/thememl/2012/main" name="Office Theme" id="{62F939B6-93AF-4DB8-9C6B-D6C7DFDC589F}" vid="{4A3C46E8-61CC-4603-A589-7422A47A8E4A}"/>
     </a:ext>
   </a:extLst>
 </a:theme>

--- a/激情演讲.pptx
+++ b/激情演讲.pptx
@@ -10,12 +10,13 @@
     <p:sldId id="258" r:id="rId4"/>
     <p:sldId id="259" r:id="rId5"/>
     <p:sldId id="263" r:id="rId6"/>
-    <p:sldId id="260" r:id="rId7"/>
-    <p:sldId id="265" r:id="rId8"/>
-    <p:sldId id="264" r:id="rId9"/>
-    <p:sldId id="266" r:id="rId10"/>
-    <p:sldId id="267" r:id="rId11"/>
-    <p:sldId id="261" r:id="rId12"/>
+    <p:sldId id="268" r:id="rId7"/>
+    <p:sldId id="260" r:id="rId8"/>
+    <p:sldId id="265" r:id="rId9"/>
+    <p:sldId id="264" r:id="rId10"/>
+    <p:sldId id="266" r:id="rId11"/>
+    <p:sldId id="267" r:id="rId12"/>
+    <p:sldId id="261" r:id="rId13"/>
   </p:sldIdLst>
   <p:sldSz cx="12192000" cy="6858000"/>
   <p:notesSz cx="6858000" cy="9144000"/>
@@ -265,7 +266,7 @@
             <a:fld id="{088B0906-6CF8-4B6F-9999-52E9B8B394F6}" type="datetimeFigureOut">
               <a:rPr lang="zh-CN" altLang="en-US" smtClean="0"/>
               <a:pPr/>
-              <a:t>2023/12/6</a:t>
+              <a:t>2023/12/9</a:t>
             </a:fld>
             <a:endParaRPr lang="zh-CN" altLang="en-US"/>
           </a:p>
@@ -437,7 +438,7 @@
             <a:fld id="{088B0906-6CF8-4B6F-9999-52E9B8B394F6}" type="datetimeFigureOut">
               <a:rPr lang="zh-CN" altLang="en-US" smtClean="0"/>
               <a:pPr/>
-              <a:t>2023/12/6</a:t>
+              <a:t>2023/12/9</a:t>
             </a:fld>
             <a:endParaRPr lang="zh-CN" altLang="en-US"/>
           </a:p>
@@ -619,7 +620,7 @@
             <a:fld id="{088B0906-6CF8-4B6F-9999-52E9B8B394F6}" type="datetimeFigureOut">
               <a:rPr lang="zh-CN" altLang="en-US" smtClean="0"/>
               <a:pPr/>
-              <a:t>2023/12/6</a:t>
+              <a:t>2023/12/9</a:t>
             </a:fld>
             <a:endParaRPr lang="zh-CN" altLang="en-US"/>
           </a:p>
@@ -791,7 +792,7 @@
             <a:fld id="{088B0906-6CF8-4B6F-9999-52E9B8B394F6}" type="datetimeFigureOut">
               <a:rPr lang="zh-CN" altLang="en-US" smtClean="0"/>
               <a:pPr/>
-              <a:t>2023/12/6</a:t>
+              <a:t>2023/12/9</a:t>
             </a:fld>
             <a:endParaRPr lang="zh-CN" altLang="en-US"/>
           </a:p>
@@ -1039,7 +1040,7 @@
             <a:fld id="{088B0906-6CF8-4B6F-9999-52E9B8B394F6}" type="datetimeFigureOut">
               <a:rPr lang="zh-CN" altLang="en-US" smtClean="0"/>
               <a:pPr/>
-              <a:t>2023/12/6</a:t>
+              <a:t>2023/12/9</a:t>
             </a:fld>
             <a:endParaRPr lang="zh-CN" altLang="en-US"/>
           </a:p>
@@ -1273,7 +1274,7 @@
             <a:fld id="{088B0906-6CF8-4B6F-9999-52E9B8B394F6}" type="datetimeFigureOut">
               <a:rPr lang="zh-CN" altLang="en-US" smtClean="0"/>
               <a:pPr/>
-              <a:t>2023/12/6</a:t>
+              <a:t>2023/12/9</a:t>
             </a:fld>
             <a:endParaRPr lang="zh-CN" altLang="en-US"/>
           </a:p>
@@ -1642,7 +1643,7 @@
             <a:fld id="{088B0906-6CF8-4B6F-9999-52E9B8B394F6}" type="datetimeFigureOut">
               <a:rPr lang="zh-CN" altLang="en-US" smtClean="0"/>
               <a:pPr/>
-              <a:t>2023/12/6</a:t>
+              <a:t>2023/12/9</a:t>
             </a:fld>
             <a:endParaRPr lang="zh-CN" altLang="en-US"/>
           </a:p>
@@ -1762,7 +1763,7 @@
             <a:fld id="{088B0906-6CF8-4B6F-9999-52E9B8B394F6}" type="datetimeFigureOut">
               <a:rPr lang="zh-CN" altLang="en-US" smtClean="0"/>
               <a:pPr/>
-              <a:t>2023/12/6</a:t>
+              <a:t>2023/12/9</a:t>
             </a:fld>
             <a:endParaRPr lang="zh-CN" altLang="en-US"/>
           </a:p>
@@ -1859,7 +1860,7 @@
             <a:fld id="{088B0906-6CF8-4B6F-9999-52E9B8B394F6}" type="datetimeFigureOut">
               <a:rPr lang="zh-CN" altLang="en-US" smtClean="0"/>
               <a:pPr/>
-              <a:t>2023/12/6</a:t>
+              <a:t>2023/12/9</a:t>
             </a:fld>
             <a:endParaRPr lang="zh-CN" altLang="en-US"/>
           </a:p>
@@ -2138,7 +2139,7 @@
             <a:fld id="{088B0906-6CF8-4B6F-9999-52E9B8B394F6}" type="datetimeFigureOut">
               <a:rPr lang="zh-CN" altLang="en-US" smtClean="0"/>
               <a:pPr/>
-              <a:t>2023/12/6</a:t>
+              <a:t>2023/12/9</a:t>
             </a:fld>
             <a:endParaRPr lang="zh-CN" altLang="en-US"/>
           </a:p>
@@ -2393,7 +2394,7 @@
             <a:fld id="{088B0906-6CF8-4B6F-9999-52E9B8B394F6}" type="datetimeFigureOut">
               <a:rPr lang="zh-CN" altLang="en-US" smtClean="0"/>
               <a:pPr/>
-              <a:t>2023/12/6</a:t>
+              <a:t>2023/12/9</a:t>
             </a:fld>
             <a:endParaRPr lang="zh-CN" altLang="en-US"/>
           </a:p>
@@ -2608,7 +2609,7 @@
             <a:fld id="{088B0906-6CF8-4B6F-9999-52E9B8B394F6}" type="datetimeFigureOut">
               <a:rPr lang="zh-CN" altLang="en-US" smtClean="0"/>
               <a:pPr/>
-              <a:t>2023/12/6</a:t>
+              <a:t>2023/12/9</a:t>
             </a:fld>
             <a:endParaRPr lang="zh-CN" altLang="en-US"/>
           </a:p>
@@ -3236,15 +3237,7 @@
             </a:r>
             <a:r>
               <a:rPr lang="zh-CN" altLang="en-US" dirty="0" smtClean="0"/>
-              <a:t>发现稿子太长</a:t>
-            </a:r>
-            <a:r>
-              <a:rPr lang="zh-CN" altLang="en-US" dirty="0" smtClean="0"/>
-              <a:t>了</a:t>
-            </a:r>
-            <a:r>
-              <a:rPr lang="zh-CN" altLang="en-US" dirty="0" smtClean="0"/>
-              <a:t>但是问题不大</a:t>
+              <a:t>发现稿子太长了但是问题不大</a:t>
             </a:r>
             <a:endParaRPr lang="en-US" altLang="zh-CN" dirty="0" smtClean="0"/>
           </a:p>
@@ -3300,6 +3293,165 @@
             <p:ph type="title"/>
           </p:nvPr>
         </p:nvSpPr>
+        <p:spPr>
+          <a:xfrm>
+            <a:off x="0" y="965271"/>
+            <a:ext cx="10515600" cy="1325563"/>
+          </a:xfrm>
+        </p:spPr>
+        <p:txBody>
+          <a:bodyPr>
+            <a:normAutofit fontScale="90000"/>
+          </a:bodyPr>
+          <a:lstStyle/>
+          <a:p>
+            <a:r>
+              <a:rPr lang="zh-CN" altLang="en-US" sz="7300" dirty="0">
+                <a:latin typeface="华文楷体" panose="02010600040101010101" pitchFamily="2" charset="-122"/>
+                <a:ea typeface="华文楷体" panose="02010600040101010101" pitchFamily="2" charset="-122"/>
+              </a:rPr>
+              <a:t>如何做出选择</a:t>
+            </a:r>
+            <a:r>
+              <a:rPr lang="en-US" altLang="zh-CN" sz="7300" dirty="0">
+                <a:latin typeface="华文楷体" panose="02010600040101010101" pitchFamily="2" charset="-122"/>
+                <a:ea typeface="华文楷体" panose="02010600040101010101" pitchFamily="2" charset="-122"/>
+              </a:rPr>
+              <a:t> </a:t>
+            </a:r>
+            <a:r>
+              <a:rPr lang="zh-CN" altLang="en-US" sz="7300" dirty="0" smtClean="0">
+                <a:latin typeface="华文楷体" panose="02010600040101010101" pitchFamily="2" charset="-122"/>
+                <a:ea typeface="华文楷体" panose="02010600040101010101" pitchFamily="2" charset="-122"/>
+              </a:rPr>
+              <a:t>？</a:t>
+            </a:r>
+            <a:r>
+              <a:rPr lang="en-US" altLang="zh-CN" sz="7300" dirty="0" smtClean="0">
+                <a:latin typeface="华文楷体" panose="02010600040101010101" pitchFamily="2" charset="-122"/>
+                <a:ea typeface="华文楷体" panose="02010600040101010101" pitchFamily="2" charset="-122"/>
+              </a:rPr>
+              <a:t/>
+            </a:r>
+            <a:br>
+              <a:rPr lang="en-US" altLang="zh-CN" sz="7300" dirty="0" smtClean="0">
+                <a:latin typeface="华文楷体" panose="02010600040101010101" pitchFamily="2" charset="-122"/>
+                <a:ea typeface="华文楷体" panose="02010600040101010101" pitchFamily="2" charset="-122"/>
+              </a:rPr>
+            </a:br>
+            <a:r>
+              <a:rPr lang="zh-CN" altLang="en-US" dirty="0" smtClean="0">
+                <a:latin typeface="微软雅黑" pitchFamily="34" charset="-122"/>
+                <a:ea typeface="微软雅黑" pitchFamily="34" charset="-122"/>
+              </a:rPr>
+              <a:t>跟随自己的直觉</a:t>
+            </a:r>
+            <a:r>
+              <a:rPr lang="zh-CN" altLang="en-US" dirty="0" smtClean="0"/>
+              <a:t/>
+            </a:r>
+            <a:br>
+              <a:rPr lang="zh-CN" altLang="en-US" dirty="0" smtClean="0"/>
+            </a:br>
+            <a:r>
+              <a:rPr lang="en-US" altLang="zh-CN" dirty="0">
+                <a:latin typeface="华文楷体" panose="02010600040101010101" pitchFamily="2" charset="-122"/>
+                <a:ea typeface="华文楷体" panose="02010600040101010101" pitchFamily="2" charset="-122"/>
+              </a:rPr>
+              <a:t/>
+            </a:r>
+            <a:br>
+              <a:rPr lang="en-US" altLang="zh-CN" dirty="0">
+                <a:latin typeface="华文楷体" panose="02010600040101010101" pitchFamily="2" charset="-122"/>
+                <a:ea typeface="华文楷体" panose="02010600040101010101" pitchFamily="2" charset="-122"/>
+              </a:rPr>
+            </a:br>
+            <a:endParaRPr lang="zh-CN" altLang="en-US" dirty="0"/>
+          </a:p>
+        </p:txBody>
+      </p:sp>
+      <p:pic>
+        <p:nvPicPr>
+          <p:cNvPr id="2050" name="Picture 2"/>
+          <p:cNvPicPr>
+            <a:picLocks noGrp="1" noChangeAspect="1" noChangeArrowheads="1"/>
+          </p:cNvPicPr>
+          <p:nvPr>
+            <p:ph idx="1"/>
+          </p:nvPr>
+        </p:nvPicPr>
+        <p:blipFill>
+          <a:blip r:embed="rId2" cstate="print"/>
+          <a:srcRect/>
+          <a:stretch>
+            <a:fillRect/>
+          </a:stretch>
+        </p:blipFill>
+        <p:spPr bwMode="auto">
+          <a:xfrm>
+            <a:off x="1430594" y="2071045"/>
+            <a:ext cx="7241458" cy="3798813"/>
+          </a:xfrm>
+          <a:prstGeom prst="rect">
+            <a:avLst/>
+          </a:prstGeom>
+          <a:noFill/>
+          <a:ln w="9525">
+            <a:noFill/>
+            <a:miter lim="800000"/>
+            <a:headEnd/>
+            <a:tailEnd/>
+          </a:ln>
+          <a:effectLst/>
+        </p:spPr>
+      </p:pic>
+    </p:spTree>
+    <p:extLst>
+      <p:ext uri="{BB962C8B-B14F-4D97-AF65-F5344CB8AC3E}">
+        <p14:creationId xmlns:p14="http://schemas.microsoft.com/office/powerpoint/2010/main" val="4223806462"/>
+      </p:ext>
+    </p:extLst>
+  </p:cSld>
+  <p:clrMapOvr>
+    <a:masterClrMapping/>
+  </p:clrMapOvr>
+  <p:timing>
+    <p:tnLst>
+      <p:par>
+        <p:cTn id="1" dur="indefinite" restart="never" nodeType="tmRoot"/>
+      </p:par>
+    </p:tnLst>
+  </p:timing>
+</p:sld>
+</file>
+
+<file path=ppt/slides/slide11.xml><?xml version="1.0" encoding="utf-8"?>
+<p:sld xmlns:a="http://schemas.openxmlformats.org/drawingml/2006/main" xmlns:r="http://schemas.openxmlformats.org/officeDocument/2006/relationships" xmlns:p="http://schemas.openxmlformats.org/presentationml/2006/main">
+  <p:cSld>
+    <p:spTree>
+      <p:nvGrpSpPr>
+        <p:cNvPr id="1" name=""/>
+        <p:cNvGrpSpPr/>
+        <p:nvPr/>
+      </p:nvGrpSpPr>
+      <p:grpSpPr>
+        <a:xfrm>
+          <a:off x="0" y="0"/>
+          <a:ext cx="0" cy="0"/>
+          <a:chOff x="0" y="0"/>
+          <a:chExt cx="0" cy="0"/>
+        </a:xfrm>
+      </p:grpSpPr>
+      <p:sp>
+        <p:nvSpPr>
+          <p:cNvPr id="2" name="标题 1"/>
+          <p:cNvSpPr>
+            <a:spLocks noGrp="1"/>
+          </p:cNvSpPr>
+          <p:nvPr>
+            <p:ph type="title"/>
+          </p:nvPr>
+        </p:nvSpPr>
         <p:spPr/>
         <p:txBody>
           <a:bodyPr/>
@@ -3461,7 +3613,7 @@
 </p:sld>
 </file>
 
-<file path=ppt/slides/slide11.xml><?xml version="1.0" encoding="utf-8"?>
+<file path=ppt/slides/slide12.xml><?xml version="1.0" encoding="utf-8"?>
 <p:sld xmlns:a="http://schemas.openxmlformats.org/drawingml/2006/main" xmlns:r="http://schemas.openxmlformats.org/officeDocument/2006/relationships" xmlns:p="http://schemas.openxmlformats.org/presentationml/2006/main">
   <p:cSld>
     <p:spTree>
@@ -7165,8 +7317,8 @@
         </p:nvSpPr>
         <p:spPr>
           <a:xfrm>
-            <a:off x="265471" y="419581"/>
-            <a:ext cx="10515600" cy="1325563"/>
+            <a:off x="178777" y="412956"/>
+            <a:ext cx="10515600" cy="1858296"/>
           </a:xfrm>
         </p:spPr>
         <p:txBody>
@@ -7210,12 +7362,19 @@
               </a:rPr>
             </a:br>
             <a:r>
-              <a:rPr lang="zh-CN" altLang="en-US" dirty="0" smtClean="0">
+              <a:rPr lang="zh-CN" altLang="en-US" sz="4900" dirty="0" smtClean="0">
                 <a:latin typeface="微软雅黑" pitchFamily="34" charset="-122"/>
                 <a:ea typeface="微软雅黑" pitchFamily="34" charset="-122"/>
               </a:rPr>
-              <a:t>不能犹豫不决</a:t>
-            </a:r>
+              <a:t>考虑当下和未来</a:t>
+            </a:r>
+            <a:r>
+              <a:rPr lang="en-US" altLang="zh-CN" dirty="0" smtClean="0"/>
+              <a:t/>
+            </a:r>
+            <a:br>
+              <a:rPr lang="en-US" altLang="zh-CN" dirty="0" smtClean="0"/>
+            </a:br>
             <a:r>
               <a:rPr lang="en-US" altLang="zh-CN" dirty="0">
                 <a:latin typeface="华文楷体" panose="02010600040101010101" pitchFamily="2" charset="-122"/>
@@ -7245,7 +7404,7 @@
         </p:nvSpPr>
         <p:spPr>
           <a:xfrm>
-            <a:off x="808702" y="2152700"/>
+            <a:off x="616974" y="1869871"/>
             <a:ext cx="10515600" cy="4351338"/>
           </a:xfrm>
         </p:spPr>
@@ -7259,6 +7418,270 @@
               <a:buNone/>
             </a:pPr>
             <a:r>
+              <a:rPr lang="zh-CN" altLang="en-US" sz="4400" dirty="0"/>
+              <a:t/>
+            </a:r>
+            <a:br>
+              <a:rPr lang="zh-CN" altLang="en-US" sz="4400" dirty="0"/>
+            </a:br>
+            <a:r>
+              <a:rPr lang="en-US" altLang="zh-CN" sz="4400" dirty="0" smtClean="0"/>
+              <a:t>	</a:t>
+            </a:r>
+            <a:r>
+              <a:rPr lang="zh-CN" altLang="en-US" sz="3600" dirty="0" smtClean="0"/>
+              <a:t>每</a:t>
+            </a:r>
+            <a:r>
+              <a:rPr lang="zh-CN" altLang="en-US" sz="3600" dirty="0"/>
+              <a:t>样选择都是有后效性的，并且满足最优子结构，就和 </a:t>
+            </a:r>
+            <a:r>
+              <a:rPr lang="en-US" altLang="zh-CN" sz="3600" dirty="0" err="1"/>
+              <a:t>dp</a:t>
+            </a:r>
+            <a:r>
+              <a:rPr lang="en-US" altLang="zh-CN" sz="3600" dirty="0"/>
+              <a:t> </a:t>
+            </a:r>
+            <a:r>
+              <a:rPr lang="zh-CN" altLang="en-US" sz="3600" dirty="0"/>
+              <a:t>差不多。谁能成为游戏的赢家，谁能在游戏的最后得到更高的分数，和谁看的更远想的更深有一定的关系。</a:t>
+            </a:r>
+            <a:endParaRPr lang="en-US" altLang="zh-CN" sz="4400" dirty="0" smtClean="0"/>
+          </a:p>
+        </p:txBody>
+      </p:sp>
+    </p:spTree>
+    <p:extLst>
+      <p:ext uri="{BB962C8B-B14F-4D97-AF65-F5344CB8AC3E}">
+        <p14:creationId xmlns:p14="http://schemas.microsoft.com/office/powerpoint/2010/main" val="1830856526"/>
+      </p:ext>
+    </p:extLst>
+  </p:cSld>
+  <p:clrMapOvr>
+    <a:masterClrMapping/>
+  </p:clrMapOvr>
+  <p:timing>
+    <p:tnLst>
+      <p:par>
+        <p:cTn id="1" dur="indefinite" restart="never" nodeType="tmRoot">
+          <p:childTnLst>
+            <p:seq concurrent="1" nextAc="seek">
+              <p:cTn id="2" dur="indefinite" nodeType="mainSeq">
+                <p:childTnLst>
+                  <p:par>
+                    <p:cTn id="3" fill="hold">
+                      <p:stCondLst>
+                        <p:cond delay="indefinite"/>
+                      </p:stCondLst>
+                      <p:childTnLst>
+                        <p:par>
+                          <p:cTn id="4" fill="hold">
+                            <p:stCondLst>
+                              <p:cond delay="0"/>
+                            </p:stCondLst>
+                            <p:childTnLst>
+                              <p:par>
+                                <p:cTn id="5" presetID="3" presetClass="entr" presetSubtype="10" fill="hold" grpId="0" nodeType="clickEffect">
+                                  <p:stCondLst>
+                                    <p:cond delay="0"/>
+                                  </p:stCondLst>
+                                  <p:childTnLst>
+                                    <p:set>
+                                      <p:cBhvr>
+                                        <p:cTn id="6" dur="1" fill="hold">
+                                          <p:stCondLst>
+                                            <p:cond delay="0"/>
+                                          </p:stCondLst>
+                                        </p:cTn>
+                                        <p:tgtEl>
+                                          <p:spTgt spid="3">
+                                            <p:txEl>
+                                              <p:pRg st="0" end="0"/>
+                                            </p:txEl>
+                                          </p:spTgt>
+                                        </p:tgtEl>
+                                        <p:attrNameLst>
+                                          <p:attrName>style.visibility</p:attrName>
+                                        </p:attrNameLst>
+                                      </p:cBhvr>
+                                      <p:to>
+                                        <p:strVal val="visible"/>
+                                      </p:to>
+                                    </p:set>
+                                    <p:animEffect transition="in" filter="blinds(horizontal)">
+                                      <p:cBhvr>
+                                        <p:cTn id="7" dur="500"/>
+                                        <p:tgtEl>
+                                          <p:spTgt spid="3">
+                                            <p:txEl>
+                                              <p:pRg st="0" end="0"/>
+                                            </p:txEl>
+                                          </p:spTgt>
+                                        </p:tgtEl>
+                                      </p:cBhvr>
+                                    </p:animEffect>
+                                  </p:childTnLst>
+                                </p:cTn>
+                              </p:par>
+                            </p:childTnLst>
+                          </p:cTn>
+                        </p:par>
+                      </p:childTnLst>
+                    </p:cTn>
+                  </p:par>
+                </p:childTnLst>
+              </p:cTn>
+              <p:prevCondLst>
+                <p:cond evt="onPrev" delay="0">
+                  <p:tgtEl>
+                    <p:sldTgt/>
+                  </p:tgtEl>
+                </p:cond>
+              </p:prevCondLst>
+              <p:nextCondLst>
+                <p:cond evt="onNext" delay="0">
+                  <p:tgtEl>
+                    <p:sldTgt/>
+                  </p:tgtEl>
+                </p:cond>
+              </p:nextCondLst>
+            </p:seq>
+          </p:childTnLst>
+        </p:cTn>
+      </p:par>
+    </p:tnLst>
+    <p:bldLst>
+      <p:bldP spid="3" grpId="0" build="p"/>
+    </p:bldLst>
+  </p:timing>
+</p:sld>
+</file>
+
+<file path=ppt/slides/slide7.xml><?xml version="1.0" encoding="utf-8"?>
+<p:sld xmlns:a="http://schemas.openxmlformats.org/drawingml/2006/main" xmlns:r="http://schemas.openxmlformats.org/officeDocument/2006/relationships" xmlns:p="http://schemas.openxmlformats.org/presentationml/2006/main">
+  <p:cSld>
+    <p:spTree>
+      <p:nvGrpSpPr>
+        <p:cNvPr id="1" name=""/>
+        <p:cNvGrpSpPr/>
+        <p:nvPr/>
+      </p:nvGrpSpPr>
+      <p:grpSpPr>
+        <a:xfrm>
+          <a:off x="0" y="0"/>
+          <a:ext cx="0" cy="0"/>
+          <a:chOff x="0" y="0"/>
+          <a:chExt cx="0" cy="0"/>
+        </a:xfrm>
+      </p:grpSpPr>
+      <p:sp>
+        <p:nvSpPr>
+          <p:cNvPr id="2" name="标题 1"/>
+          <p:cNvSpPr>
+            <a:spLocks noGrp="1"/>
+          </p:cNvSpPr>
+          <p:nvPr>
+            <p:ph type="title"/>
+          </p:nvPr>
+        </p:nvSpPr>
+        <p:spPr>
+          <a:xfrm>
+            <a:off x="265471" y="419581"/>
+            <a:ext cx="10515600" cy="1325563"/>
+          </a:xfrm>
+        </p:spPr>
+        <p:txBody>
+          <a:bodyPr>
+            <a:normAutofit fontScale="90000"/>
+          </a:bodyPr>
+          <a:lstStyle/>
+          <a:p>
+            <a:r>
+              <a:rPr lang="zh-CN" altLang="en-US" sz="7300" dirty="0">
+                <a:latin typeface="华文楷体" panose="02010600040101010101" pitchFamily="2" charset="-122"/>
+                <a:ea typeface="华文楷体" panose="02010600040101010101" pitchFamily="2" charset="-122"/>
+              </a:rPr>
+              <a:t>如何做出选择</a:t>
+            </a:r>
+            <a:r>
+              <a:rPr lang="en-US" altLang="zh-CN" sz="7300" dirty="0">
+                <a:latin typeface="华文楷体" panose="02010600040101010101" pitchFamily="2" charset="-122"/>
+                <a:ea typeface="华文楷体" panose="02010600040101010101" pitchFamily="2" charset="-122"/>
+              </a:rPr>
+              <a:t> </a:t>
+            </a:r>
+            <a:r>
+              <a:rPr lang="zh-CN" altLang="en-US" sz="7300" dirty="0" smtClean="0">
+                <a:latin typeface="华文楷体" panose="02010600040101010101" pitchFamily="2" charset="-122"/>
+                <a:ea typeface="华文楷体" panose="02010600040101010101" pitchFamily="2" charset="-122"/>
+              </a:rPr>
+              <a:t>？</a:t>
+            </a:r>
+            <a:r>
+              <a:rPr lang="en-US" altLang="zh-CN" sz="7300" dirty="0" smtClean="0">
+                <a:latin typeface="华文楷体" panose="02010600040101010101" pitchFamily="2" charset="-122"/>
+                <a:ea typeface="华文楷体" panose="02010600040101010101" pitchFamily="2" charset="-122"/>
+              </a:rPr>
+              <a:t/>
+            </a:r>
+            <a:br>
+              <a:rPr lang="en-US" altLang="zh-CN" sz="7300" dirty="0" smtClean="0">
+                <a:latin typeface="华文楷体" panose="02010600040101010101" pitchFamily="2" charset="-122"/>
+                <a:ea typeface="华文楷体" panose="02010600040101010101" pitchFamily="2" charset="-122"/>
+              </a:rPr>
+            </a:br>
+            <a:r>
+              <a:rPr lang="zh-CN" altLang="en-US" dirty="0" smtClean="0">
+                <a:latin typeface="微软雅黑" pitchFamily="34" charset="-122"/>
+                <a:ea typeface="微软雅黑" pitchFamily="34" charset="-122"/>
+              </a:rPr>
+              <a:t>不能犹豫不决</a:t>
+            </a:r>
+            <a:r>
+              <a:rPr lang="en-US" altLang="zh-CN" dirty="0">
+                <a:latin typeface="华文楷体" panose="02010600040101010101" pitchFamily="2" charset="-122"/>
+                <a:ea typeface="华文楷体" panose="02010600040101010101" pitchFamily="2" charset="-122"/>
+              </a:rPr>
+              <a:t/>
+            </a:r>
+            <a:br>
+              <a:rPr lang="en-US" altLang="zh-CN" dirty="0">
+                <a:latin typeface="华文楷体" panose="02010600040101010101" pitchFamily="2" charset="-122"/>
+                <a:ea typeface="华文楷体" panose="02010600040101010101" pitchFamily="2" charset="-122"/>
+              </a:rPr>
+            </a:br>
+            <a:endParaRPr lang="zh-CN" altLang="en-US" dirty="0"/>
+          </a:p>
+        </p:txBody>
+      </p:sp>
+      <p:sp>
+        <p:nvSpPr>
+          <p:cNvPr id="3" name="内容占位符 2"/>
+          <p:cNvSpPr>
+            <a:spLocks noGrp="1"/>
+          </p:cNvSpPr>
+          <p:nvPr>
+            <p:ph idx="1"/>
+          </p:nvPr>
+        </p:nvSpPr>
+        <p:spPr>
+          <a:xfrm>
+            <a:off x="808702" y="2152700"/>
+            <a:ext cx="10515600" cy="4351338"/>
+          </a:xfrm>
+        </p:spPr>
+        <p:txBody>
+          <a:bodyPr>
+            <a:normAutofit/>
+          </a:bodyPr>
+          <a:lstStyle/>
+          <a:p>
+            <a:pPr>
+              <a:buNone/>
+            </a:pPr>
+            <a:r>
               <a:rPr lang="en-US" altLang="zh-CN" sz="3600" dirty="0" smtClean="0"/>
               <a:t>		</a:t>
             </a:r>
@@ -7300,11 +7723,7 @@
             </a:r>
             <a:r>
               <a:rPr lang="zh-CN" altLang="en-US" sz="3600" dirty="0" smtClean="0"/>
-              <a:t>也</a:t>
-            </a:r>
-            <a:r>
-              <a:rPr lang="zh-CN" altLang="en-US" sz="3600" dirty="0" smtClean="0"/>
-              <a:t>要让他跑完来的更优</a:t>
+              <a:t>也要让他跑完来的更优</a:t>
             </a:r>
             <a:endParaRPr lang="zh-CN" altLang="en-US" sz="3600" dirty="0"/>
           </a:p>
@@ -7432,7 +7851,7 @@
 </p:sld>
 </file>
 
-<file path=ppt/slides/slide7.xml><?xml version="1.0" encoding="utf-8"?>
+<file path=ppt/slides/slide8.xml><?xml version="1.0" encoding="utf-8"?>
 <p:sld xmlns:a="http://schemas.openxmlformats.org/drawingml/2006/main" xmlns:r="http://schemas.openxmlformats.org/officeDocument/2006/relationships" xmlns:p="http://schemas.openxmlformats.org/presentationml/2006/main">
   <p:cSld>
     <p:spTree>
@@ -7727,7 +8146,7 @@
 </p:sld>
 </file>
 
-<file path=ppt/slides/slide8.xml><?xml version="1.0" encoding="utf-8"?>
+<file path=ppt/slides/slide9.xml><?xml version="1.0" encoding="utf-8"?>
 <p:sld xmlns:a="http://schemas.openxmlformats.org/drawingml/2006/main" xmlns:r="http://schemas.openxmlformats.org/officeDocument/2006/relationships" xmlns:p="http://schemas.openxmlformats.org/presentationml/2006/main">
   <p:cSld>
     <p:spTree>
@@ -8146,165 +8565,6 @@
             </p:seq>
           </p:childTnLst>
         </p:cTn>
-      </p:par>
-    </p:tnLst>
-  </p:timing>
-</p:sld>
-</file>
-
-<file path=ppt/slides/slide9.xml><?xml version="1.0" encoding="utf-8"?>
-<p:sld xmlns:a="http://schemas.openxmlformats.org/drawingml/2006/main" xmlns:r="http://schemas.openxmlformats.org/officeDocument/2006/relationships" xmlns:p="http://schemas.openxmlformats.org/presentationml/2006/main">
-  <p:cSld>
-    <p:spTree>
-      <p:nvGrpSpPr>
-        <p:cNvPr id="1" name=""/>
-        <p:cNvGrpSpPr/>
-        <p:nvPr/>
-      </p:nvGrpSpPr>
-      <p:grpSpPr>
-        <a:xfrm>
-          <a:off x="0" y="0"/>
-          <a:ext cx="0" cy="0"/>
-          <a:chOff x="0" y="0"/>
-          <a:chExt cx="0" cy="0"/>
-        </a:xfrm>
-      </p:grpSpPr>
-      <p:sp>
-        <p:nvSpPr>
-          <p:cNvPr id="2" name="标题 1"/>
-          <p:cNvSpPr>
-            <a:spLocks noGrp="1"/>
-          </p:cNvSpPr>
-          <p:nvPr>
-            <p:ph type="title"/>
-          </p:nvPr>
-        </p:nvSpPr>
-        <p:spPr>
-          <a:xfrm>
-            <a:off x="0" y="965271"/>
-            <a:ext cx="10515600" cy="1325563"/>
-          </a:xfrm>
-        </p:spPr>
-        <p:txBody>
-          <a:bodyPr>
-            <a:normAutofit fontScale="90000"/>
-          </a:bodyPr>
-          <a:lstStyle/>
-          <a:p>
-            <a:r>
-              <a:rPr lang="zh-CN" altLang="en-US" sz="7300" dirty="0">
-                <a:latin typeface="华文楷体" panose="02010600040101010101" pitchFamily="2" charset="-122"/>
-                <a:ea typeface="华文楷体" panose="02010600040101010101" pitchFamily="2" charset="-122"/>
-              </a:rPr>
-              <a:t>如何做出选择</a:t>
-            </a:r>
-            <a:r>
-              <a:rPr lang="en-US" altLang="zh-CN" sz="7300" dirty="0">
-                <a:latin typeface="华文楷体" panose="02010600040101010101" pitchFamily="2" charset="-122"/>
-                <a:ea typeface="华文楷体" panose="02010600040101010101" pitchFamily="2" charset="-122"/>
-              </a:rPr>
-              <a:t> </a:t>
-            </a:r>
-            <a:r>
-              <a:rPr lang="zh-CN" altLang="en-US" sz="7300" dirty="0" smtClean="0">
-                <a:latin typeface="华文楷体" panose="02010600040101010101" pitchFamily="2" charset="-122"/>
-                <a:ea typeface="华文楷体" panose="02010600040101010101" pitchFamily="2" charset="-122"/>
-              </a:rPr>
-              <a:t>？</a:t>
-            </a:r>
-            <a:r>
-              <a:rPr lang="en-US" altLang="zh-CN" sz="7300" dirty="0" smtClean="0">
-                <a:latin typeface="华文楷体" panose="02010600040101010101" pitchFamily="2" charset="-122"/>
-                <a:ea typeface="华文楷体" panose="02010600040101010101" pitchFamily="2" charset="-122"/>
-              </a:rPr>
-              <a:t/>
-            </a:r>
-            <a:br>
-              <a:rPr lang="en-US" altLang="zh-CN" sz="7300" dirty="0" smtClean="0">
-                <a:latin typeface="华文楷体" panose="02010600040101010101" pitchFamily="2" charset="-122"/>
-                <a:ea typeface="华文楷体" panose="02010600040101010101" pitchFamily="2" charset="-122"/>
-              </a:rPr>
-            </a:br>
-            <a:r>
-              <a:rPr lang="zh-CN" altLang="en-US" dirty="0" smtClean="0">
-                <a:latin typeface="微软雅黑" pitchFamily="34" charset="-122"/>
-                <a:ea typeface="微软雅黑" pitchFamily="34" charset="-122"/>
-              </a:rPr>
-              <a:t>跟随自己的直觉</a:t>
-            </a:r>
-            <a:r>
-              <a:rPr lang="zh-CN" altLang="en-US" dirty="0" smtClean="0"/>
-              <a:t/>
-            </a:r>
-            <a:br>
-              <a:rPr lang="zh-CN" altLang="en-US" dirty="0" smtClean="0"/>
-            </a:br>
-            <a:r>
-              <a:rPr lang="en-US" altLang="zh-CN" dirty="0">
-                <a:latin typeface="华文楷体" panose="02010600040101010101" pitchFamily="2" charset="-122"/>
-                <a:ea typeface="华文楷体" panose="02010600040101010101" pitchFamily="2" charset="-122"/>
-              </a:rPr>
-              <a:t/>
-            </a:r>
-            <a:br>
-              <a:rPr lang="en-US" altLang="zh-CN" dirty="0">
-                <a:latin typeface="华文楷体" panose="02010600040101010101" pitchFamily="2" charset="-122"/>
-                <a:ea typeface="华文楷体" panose="02010600040101010101" pitchFamily="2" charset="-122"/>
-              </a:rPr>
-            </a:br>
-            <a:endParaRPr lang="zh-CN" altLang="en-US" dirty="0"/>
-          </a:p>
-        </p:txBody>
-      </p:sp>
-      <p:pic>
-        <p:nvPicPr>
-          <p:cNvPr id="2050" name="Picture 2"/>
-          <p:cNvPicPr>
-            <a:picLocks noGrp="1" noChangeAspect="1" noChangeArrowheads="1"/>
-          </p:cNvPicPr>
-          <p:nvPr>
-            <p:ph idx="1"/>
-          </p:nvPr>
-        </p:nvPicPr>
-        <p:blipFill>
-          <a:blip r:embed="rId2" cstate="print"/>
-          <a:srcRect/>
-          <a:stretch>
-            <a:fillRect/>
-          </a:stretch>
-        </p:blipFill>
-        <p:spPr bwMode="auto">
-          <a:xfrm>
-            <a:off x="1430594" y="2071045"/>
-            <a:ext cx="7241458" cy="3798813"/>
-          </a:xfrm>
-          <a:prstGeom prst="rect">
-            <a:avLst/>
-          </a:prstGeom>
-          <a:noFill/>
-          <a:ln w="9525">
-            <a:noFill/>
-            <a:miter lim="800000"/>
-            <a:headEnd/>
-            <a:tailEnd/>
-          </a:ln>
-          <a:effectLst/>
-        </p:spPr>
-      </p:pic>
-    </p:spTree>
-    <p:extLst>
-      <p:ext uri="{BB962C8B-B14F-4D97-AF65-F5344CB8AC3E}">
-        <p14:creationId xmlns:p14="http://schemas.microsoft.com/office/powerpoint/2010/main" val="4223806462"/>
-      </p:ext>
-    </p:extLst>
-  </p:cSld>
-  <p:clrMapOvr>
-    <a:masterClrMapping/>
-  </p:clrMapOvr>
-  <p:timing>
-    <p:tnLst>
-      <p:par>
-        <p:cTn id="1" dur="indefinite" restart="never" nodeType="tmRoot"/>
       </p:par>
     </p:tnLst>
   </p:timing>

--- a/激情演讲.pptx
+++ b/激情演讲.pptx
@@ -117,7 +117,7 @@
   </p:defaultTextStyle>
   <p:extLst>
     <p:ext uri="{EFAFB233-063F-42B5-8137-9DF3F51BA10A}">
-      <p15:sldGuideLst xmlns:p15="http://schemas.microsoft.com/office/powerpoint/2012/main">
+      <p15:sldGuideLst xmlns:p15="http://schemas.microsoft.com/office/powerpoint/2012/main" xmlns="">
         <p15:guide id="1" orient="horz" pos="2160">
           <p15:clr>
             <a:srgbClr val="A4A3A4"/>
@@ -266,7 +266,7 @@
             <a:fld id="{088B0906-6CF8-4B6F-9999-52E9B8B394F6}" type="datetimeFigureOut">
               <a:rPr lang="zh-CN" altLang="en-US" smtClean="0"/>
               <a:pPr/>
-              <a:t>2023/12/9</a:t>
+              <a:t>2023/12/10</a:t>
             </a:fld>
             <a:endParaRPr lang="zh-CN" altLang="en-US"/>
           </a:p>
@@ -318,7 +318,7 @@
     </p:spTree>
     <p:extLst>
       <p:ext uri="{BB962C8B-B14F-4D97-AF65-F5344CB8AC3E}">
-        <p14:creationId xmlns:p14="http://schemas.microsoft.com/office/powerpoint/2010/main" val="3243702133"/>
+        <p14:creationId xmlns:p14="http://schemas.microsoft.com/office/powerpoint/2010/main" xmlns="" val="3243702133"/>
       </p:ext>
     </p:extLst>
   </p:cSld>
@@ -438,7 +438,7 @@
             <a:fld id="{088B0906-6CF8-4B6F-9999-52E9B8B394F6}" type="datetimeFigureOut">
               <a:rPr lang="zh-CN" altLang="en-US" smtClean="0"/>
               <a:pPr/>
-              <a:t>2023/12/9</a:t>
+              <a:t>2023/12/10</a:t>
             </a:fld>
             <a:endParaRPr lang="zh-CN" altLang="en-US"/>
           </a:p>
@@ -490,7 +490,7 @@
     </p:spTree>
     <p:extLst>
       <p:ext uri="{BB962C8B-B14F-4D97-AF65-F5344CB8AC3E}">
-        <p14:creationId xmlns:p14="http://schemas.microsoft.com/office/powerpoint/2010/main" val="1240899321"/>
+        <p14:creationId xmlns:p14="http://schemas.microsoft.com/office/powerpoint/2010/main" xmlns="" val="1240899321"/>
       </p:ext>
     </p:extLst>
   </p:cSld>
@@ -620,7 +620,7 @@
             <a:fld id="{088B0906-6CF8-4B6F-9999-52E9B8B394F6}" type="datetimeFigureOut">
               <a:rPr lang="zh-CN" altLang="en-US" smtClean="0"/>
               <a:pPr/>
-              <a:t>2023/12/9</a:t>
+              <a:t>2023/12/10</a:t>
             </a:fld>
             <a:endParaRPr lang="zh-CN" altLang="en-US"/>
           </a:p>
@@ -672,7 +672,7 @@
     </p:spTree>
     <p:extLst>
       <p:ext uri="{BB962C8B-B14F-4D97-AF65-F5344CB8AC3E}">
-        <p14:creationId xmlns:p14="http://schemas.microsoft.com/office/powerpoint/2010/main" val="2590562766"/>
+        <p14:creationId xmlns:p14="http://schemas.microsoft.com/office/powerpoint/2010/main" xmlns="" val="2590562766"/>
       </p:ext>
     </p:extLst>
   </p:cSld>
@@ -792,7 +792,7 @@
             <a:fld id="{088B0906-6CF8-4B6F-9999-52E9B8B394F6}" type="datetimeFigureOut">
               <a:rPr lang="zh-CN" altLang="en-US" smtClean="0"/>
               <a:pPr/>
-              <a:t>2023/12/9</a:t>
+              <a:t>2023/12/10</a:t>
             </a:fld>
             <a:endParaRPr lang="zh-CN" altLang="en-US"/>
           </a:p>
@@ -844,7 +844,7 @@
     </p:spTree>
     <p:extLst>
       <p:ext uri="{BB962C8B-B14F-4D97-AF65-F5344CB8AC3E}">
-        <p14:creationId xmlns:p14="http://schemas.microsoft.com/office/powerpoint/2010/main" val="2613875596"/>
+        <p14:creationId xmlns:p14="http://schemas.microsoft.com/office/powerpoint/2010/main" xmlns="" val="2613875596"/>
       </p:ext>
     </p:extLst>
   </p:cSld>
@@ -1040,7 +1040,7 @@
             <a:fld id="{088B0906-6CF8-4B6F-9999-52E9B8B394F6}" type="datetimeFigureOut">
               <a:rPr lang="zh-CN" altLang="en-US" smtClean="0"/>
               <a:pPr/>
-              <a:t>2023/12/9</a:t>
+              <a:t>2023/12/10</a:t>
             </a:fld>
             <a:endParaRPr lang="zh-CN" altLang="en-US"/>
           </a:p>
@@ -1092,7 +1092,7 @@
     </p:spTree>
     <p:extLst>
       <p:ext uri="{BB962C8B-B14F-4D97-AF65-F5344CB8AC3E}">
-        <p14:creationId xmlns:p14="http://schemas.microsoft.com/office/powerpoint/2010/main" val="213276529"/>
+        <p14:creationId xmlns:p14="http://schemas.microsoft.com/office/powerpoint/2010/main" xmlns="" val="213276529"/>
       </p:ext>
     </p:extLst>
   </p:cSld>
@@ -1274,7 +1274,7 @@
             <a:fld id="{088B0906-6CF8-4B6F-9999-52E9B8B394F6}" type="datetimeFigureOut">
               <a:rPr lang="zh-CN" altLang="en-US" smtClean="0"/>
               <a:pPr/>
-              <a:t>2023/12/9</a:t>
+              <a:t>2023/12/10</a:t>
             </a:fld>
             <a:endParaRPr lang="zh-CN" altLang="en-US"/>
           </a:p>
@@ -1326,7 +1326,7 @@
     </p:spTree>
     <p:extLst>
       <p:ext uri="{BB962C8B-B14F-4D97-AF65-F5344CB8AC3E}">
-        <p14:creationId xmlns:p14="http://schemas.microsoft.com/office/powerpoint/2010/main" val="247186576"/>
+        <p14:creationId xmlns:p14="http://schemas.microsoft.com/office/powerpoint/2010/main" xmlns="" val="247186576"/>
       </p:ext>
     </p:extLst>
   </p:cSld>
@@ -1643,7 +1643,7 @@
             <a:fld id="{088B0906-6CF8-4B6F-9999-52E9B8B394F6}" type="datetimeFigureOut">
               <a:rPr lang="zh-CN" altLang="en-US" smtClean="0"/>
               <a:pPr/>
-              <a:t>2023/12/9</a:t>
+              <a:t>2023/12/10</a:t>
             </a:fld>
             <a:endParaRPr lang="zh-CN" altLang="en-US"/>
           </a:p>
@@ -1695,7 +1695,7 @@
     </p:spTree>
     <p:extLst>
       <p:ext uri="{BB962C8B-B14F-4D97-AF65-F5344CB8AC3E}">
-        <p14:creationId xmlns:p14="http://schemas.microsoft.com/office/powerpoint/2010/main" val="2155751304"/>
+        <p14:creationId xmlns:p14="http://schemas.microsoft.com/office/powerpoint/2010/main" xmlns="" val="2155751304"/>
       </p:ext>
     </p:extLst>
   </p:cSld>
@@ -1763,7 +1763,7 @@
             <a:fld id="{088B0906-6CF8-4B6F-9999-52E9B8B394F6}" type="datetimeFigureOut">
               <a:rPr lang="zh-CN" altLang="en-US" smtClean="0"/>
               <a:pPr/>
-              <a:t>2023/12/9</a:t>
+              <a:t>2023/12/10</a:t>
             </a:fld>
             <a:endParaRPr lang="zh-CN" altLang="en-US"/>
           </a:p>
@@ -1815,7 +1815,7 @@
     </p:spTree>
     <p:extLst>
       <p:ext uri="{BB962C8B-B14F-4D97-AF65-F5344CB8AC3E}">
-        <p14:creationId xmlns:p14="http://schemas.microsoft.com/office/powerpoint/2010/main" val="3260696510"/>
+        <p14:creationId xmlns:p14="http://schemas.microsoft.com/office/powerpoint/2010/main" xmlns="" val="3260696510"/>
       </p:ext>
     </p:extLst>
   </p:cSld>
@@ -1860,7 +1860,7 @@
             <a:fld id="{088B0906-6CF8-4B6F-9999-52E9B8B394F6}" type="datetimeFigureOut">
               <a:rPr lang="zh-CN" altLang="en-US" smtClean="0"/>
               <a:pPr/>
-              <a:t>2023/12/9</a:t>
+              <a:t>2023/12/10</a:t>
             </a:fld>
             <a:endParaRPr lang="zh-CN" altLang="en-US"/>
           </a:p>
@@ -1912,7 +1912,7 @@
     </p:spTree>
     <p:extLst>
       <p:ext uri="{BB962C8B-B14F-4D97-AF65-F5344CB8AC3E}">
-        <p14:creationId xmlns:p14="http://schemas.microsoft.com/office/powerpoint/2010/main" val="4159628063"/>
+        <p14:creationId xmlns:p14="http://schemas.microsoft.com/office/powerpoint/2010/main" xmlns="" val="4159628063"/>
       </p:ext>
     </p:extLst>
   </p:cSld>
@@ -2139,7 +2139,7 @@
             <a:fld id="{088B0906-6CF8-4B6F-9999-52E9B8B394F6}" type="datetimeFigureOut">
               <a:rPr lang="zh-CN" altLang="en-US" smtClean="0"/>
               <a:pPr/>
-              <a:t>2023/12/9</a:t>
+              <a:t>2023/12/10</a:t>
             </a:fld>
             <a:endParaRPr lang="zh-CN" altLang="en-US"/>
           </a:p>
@@ -2191,7 +2191,7 @@
     </p:spTree>
     <p:extLst>
       <p:ext uri="{BB962C8B-B14F-4D97-AF65-F5344CB8AC3E}">
-        <p14:creationId xmlns:p14="http://schemas.microsoft.com/office/powerpoint/2010/main" val="2139939528"/>
+        <p14:creationId xmlns:p14="http://schemas.microsoft.com/office/powerpoint/2010/main" xmlns="" val="2139939528"/>
       </p:ext>
     </p:extLst>
   </p:cSld>
@@ -2394,7 +2394,7 @@
             <a:fld id="{088B0906-6CF8-4B6F-9999-52E9B8B394F6}" type="datetimeFigureOut">
               <a:rPr lang="zh-CN" altLang="en-US" smtClean="0"/>
               <a:pPr/>
-              <a:t>2023/12/9</a:t>
+              <a:t>2023/12/10</a:t>
             </a:fld>
             <a:endParaRPr lang="zh-CN" altLang="en-US"/>
           </a:p>
@@ -2446,7 +2446,7 @@
     </p:spTree>
     <p:extLst>
       <p:ext uri="{BB962C8B-B14F-4D97-AF65-F5344CB8AC3E}">
-        <p14:creationId xmlns:p14="http://schemas.microsoft.com/office/powerpoint/2010/main" val="270694529"/>
+        <p14:creationId xmlns:p14="http://schemas.microsoft.com/office/powerpoint/2010/main" xmlns="" val="270694529"/>
       </p:ext>
     </p:extLst>
   </p:cSld>
@@ -2609,7 +2609,7 @@
             <a:fld id="{088B0906-6CF8-4B6F-9999-52E9B8B394F6}" type="datetimeFigureOut">
               <a:rPr lang="zh-CN" altLang="en-US" smtClean="0"/>
               <a:pPr/>
-              <a:t>2023/12/9</a:t>
+              <a:t>2023/12/10</a:t>
             </a:fld>
             <a:endParaRPr lang="zh-CN" altLang="en-US"/>
           </a:p>
@@ -2697,7 +2697,7 @@
     </p:spTree>
     <p:extLst>
       <p:ext uri="{BB962C8B-B14F-4D97-AF65-F5344CB8AC3E}">
-        <p14:creationId xmlns:p14="http://schemas.microsoft.com/office/powerpoint/2010/main" val="3518305882"/>
+        <p14:creationId xmlns:p14="http://schemas.microsoft.com/office/powerpoint/2010/main" xmlns="" val="3518305882"/>
       </p:ext>
     </p:extLst>
   </p:cSld>
@@ -3125,7 +3125,7 @@
           <a:blip r:embed="rId2" cstate="print">
             <a:extLst>
               <a:ext uri="{28A0092B-C50C-407E-A947-70E740481C1C}">
-                <a14:useLocalDpi xmlns:a14="http://schemas.microsoft.com/office/drawing/2010/main" val="0"/>
+                <a14:useLocalDpi xmlns:a14="http://schemas.microsoft.com/office/drawing/2010/main" xmlns="" val="0"/>
               </a:ext>
             </a:extLst>
           </a:blip>
@@ -3190,7 +3190,7 @@
         <p:spPr>
           <a:xfrm>
             <a:off x="99644" y="129929"/>
-            <a:ext cx="5902803" cy="1508105"/>
+            <a:ext cx="5902803" cy="1754326"/>
           </a:xfrm>
           <a:prstGeom prst="rect">
             <a:avLst/>
@@ -3237,7 +3237,22 @@
             </a:r>
             <a:r>
               <a:rPr lang="zh-CN" altLang="en-US" dirty="0" smtClean="0"/>
-              <a:t>发现稿子太长了但是问题不大</a:t>
+              <a:t>发现稿子太长了但是问题</a:t>
+            </a:r>
+            <a:r>
+              <a:rPr lang="zh-CN" altLang="en-US" dirty="0" smtClean="0"/>
+              <a:t>不大</a:t>
+            </a:r>
+            <a:endParaRPr lang="en-US" altLang="zh-CN" dirty="0" smtClean="0"/>
+          </a:p>
+          <a:p>
+            <a:r>
+              <a:rPr lang="en-US" altLang="zh-CN" dirty="0" smtClean="0"/>
+              <a:t>2023.12.10 </a:t>
+            </a:r>
+            <a:r>
+              <a:rPr lang="zh-CN" altLang="en-US" dirty="0" smtClean="0"/>
+              <a:t>最终定稿</a:t>
             </a:r>
             <a:endParaRPr lang="en-US" altLang="zh-CN" dirty="0" smtClean="0"/>
           </a:p>
@@ -3249,7 +3264,7 @@
     </p:spTree>
     <p:extLst>
       <p:ext uri="{BB962C8B-B14F-4D97-AF65-F5344CB8AC3E}">
-        <p14:creationId xmlns:p14="http://schemas.microsoft.com/office/powerpoint/2010/main" val="353376672"/>
+        <p14:creationId xmlns:p14="http://schemas.microsoft.com/office/powerpoint/2010/main" xmlns="" val="353376672"/>
       </p:ext>
     </p:extLst>
   </p:cSld>
@@ -3408,7 +3423,7 @@
     </p:spTree>
     <p:extLst>
       <p:ext uri="{BB962C8B-B14F-4D97-AF65-F5344CB8AC3E}">
-        <p14:creationId xmlns:p14="http://schemas.microsoft.com/office/powerpoint/2010/main" val="4223806462"/>
+        <p14:creationId xmlns:p14="http://schemas.microsoft.com/office/powerpoint/2010/main" xmlns="" val="4223806462"/>
       </p:ext>
     </p:extLst>
   </p:cSld>
@@ -3598,6 +3613,43 @@
           <a:effectLst/>
         </p:spPr>
       </p:pic>
+      <p:sp>
+        <p:nvSpPr>
+          <p:cNvPr id="5" name="TextBox 4">
+            <a:hlinkClick r:id="rId3" action="ppaction://hlinkfile"/>
+          </p:cNvPr>
+          <p:cNvSpPr txBox="1"/>
+          <p:nvPr/>
+        </p:nvSpPr>
+        <p:spPr>
+          <a:xfrm>
+            <a:off x="6946490" y="6105832"/>
+            <a:ext cx="1681316" cy="646331"/>
+          </a:xfrm>
+          <a:prstGeom prst="rect">
+            <a:avLst/>
+          </a:prstGeom>
+          <a:noFill/>
+        </p:spPr>
+        <p:txBody>
+          <a:bodyPr wrap="square" rtlCol="0">
+            <a:spAutoFit/>
+          </a:bodyPr>
+          <a:lstStyle/>
+          <a:p>
+            <a:r>
+              <a:rPr lang="zh-CN" altLang="en-US" dirty="0" smtClean="0">
+                <a:hlinkClick r:id="rId4"/>
+              </a:rPr>
+              <a:t>传送门</a:t>
+            </a:r>
+            <a:endParaRPr lang="en-US" altLang="zh-CN" dirty="0" smtClean="0"/>
+          </a:p>
+          <a:p>
+            <a:endParaRPr lang="zh-CN" altLang="en-US" dirty="0"/>
+          </a:p>
+        </p:txBody>
+      </p:sp>
     </p:spTree>
   </p:cSld>
   <p:clrMapOvr>
@@ -3823,7 +3875,7 @@
           <a:blip r:embed="rId2" cstate="print">
             <a:extLst>
               <a:ext uri="{28A0092B-C50C-407E-A947-70E740481C1C}">
-                <a14:useLocalDpi xmlns:a14="http://schemas.microsoft.com/office/drawing/2010/main" val="0"/>
+                <a14:useLocalDpi xmlns:a14="http://schemas.microsoft.com/office/drawing/2010/main" xmlns="" val="0"/>
               </a:ext>
             </a:extLst>
           </a:blip>
@@ -3853,7 +3905,7 @@
           <a:blip r:embed="rId2" cstate="print">
             <a:extLst>
               <a:ext uri="{28A0092B-C50C-407E-A947-70E740481C1C}">
-                <a14:useLocalDpi xmlns:a14="http://schemas.microsoft.com/office/drawing/2010/main" val="0"/>
+                <a14:useLocalDpi xmlns:a14="http://schemas.microsoft.com/office/drawing/2010/main" xmlns="" val="0"/>
               </a:ext>
             </a:extLst>
           </a:blip>
@@ -3883,7 +3935,7 @@
           <a:blip r:embed="rId2" cstate="print">
             <a:extLst>
               <a:ext uri="{28A0092B-C50C-407E-A947-70E740481C1C}">
-                <a14:useLocalDpi xmlns:a14="http://schemas.microsoft.com/office/drawing/2010/main" val="0"/>
+                <a14:useLocalDpi xmlns:a14="http://schemas.microsoft.com/office/drawing/2010/main" xmlns="" val="0"/>
               </a:ext>
             </a:extLst>
           </a:blip>
@@ -3913,7 +3965,7 @@
           <a:blip r:embed="rId2" cstate="print">
             <a:extLst>
               <a:ext uri="{28A0092B-C50C-407E-A947-70E740481C1C}">
-                <a14:useLocalDpi xmlns:a14="http://schemas.microsoft.com/office/drawing/2010/main" val="0"/>
+                <a14:useLocalDpi xmlns:a14="http://schemas.microsoft.com/office/drawing/2010/main" xmlns="" val="0"/>
               </a:ext>
             </a:extLst>
           </a:blip>
@@ -3943,7 +3995,7 @@
           <a:blip r:embed="rId2" cstate="print">
             <a:extLst>
               <a:ext uri="{28A0092B-C50C-407E-A947-70E740481C1C}">
-                <a14:useLocalDpi xmlns:a14="http://schemas.microsoft.com/office/drawing/2010/main" val="0"/>
+                <a14:useLocalDpi xmlns:a14="http://schemas.microsoft.com/office/drawing/2010/main" xmlns="" val="0"/>
               </a:ext>
             </a:extLst>
           </a:blip>
@@ -3973,7 +4025,7 @@
           <a:blip r:embed="rId2" cstate="print">
             <a:extLst>
               <a:ext uri="{28A0092B-C50C-407E-A947-70E740481C1C}">
-                <a14:useLocalDpi xmlns:a14="http://schemas.microsoft.com/office/drawing/2010/main" val="0"/>
+                <a14:useLocalDpi xmlns:a14="http://schemas.microsoft.com/office/drawing/2010/main" xmlns="" val="0"/>
               </a:ext>
             </a:extLst>
           </a:blip>
@@ -4003,7 +4055,7 @@
           <a:blip r:embed="rId2" cstate="print">
             <a:extLst>
               <a:ext uri="{28A0092B-C50C-407E-A947-70E740481C1C}">
-                <a14:useLocalDpi xmlns:a14="http://schemas.microsoft.com/office/drawing/2010/main" val="0"/>
+                <a14:useLocalDpi xmlns:a14="http://schemas.microsoft.com/office/drawing/2010/main" xmlns="" val="0"/>
               </a:ext>
             </a:extLst>
           </a:blip>
@@ -4033,7 +4085,7 @@
           <a:blip r:embed="rId2" cstate="print">
             <a:extLst>
               <a:ext uri="{28A0092B-C50C-407E-A947-70E740481C1C}">
-                <a14:useLocalDpi xmlns:a14="http://schemas.microsoft.com/office/drawing/2010/main" val="0"/>
+                <a14:useLocalDpi xmlns:a14="http://schemas.microsoft.com/office/drawing/2010/main" xmlns="" val="0"/>
               </a:ext>
             </a:extLst>
           </a:blip>
@@ -4063,7 +4115,7 @@
           <a:blip r:embed="rId2" cstate="print">
             <a:extLst>
               <a:ext uri="{28A0092B-C50C-407E-A947-70E740481C1C}">
-                <a14:useLocalDpi xmlns:a14="http://schemas.microsoft.com/office/drawing/2010/main" val="0"/>
+                <a14:useLocalDpi xmlns:a14="http://schemas.microsoft.com/office/drawing/2010/main" xmlns="" val="0"/>
               </a:ext>
             </a:extLst>
           </a:blip>
@@ -4093,7 +4145,7 @@
           <a:blip r:embed="rId2" cstate="print">
             <a:extLst>
               <a:ext uri="{28A0092B-C50C-407E-A947-70E740481C1C}">
-                <a14:useLocalDpi xmlns:a14="http://schemas.microsoft.com/office/drawing/2010/main" val="0"/>
+                <a14:useLocalDpi xmlns:a14="http://schemas.microsoft.com/office/drawing/2010/main" xmlns="" val="0"/>
               </a:ext>
             </a:extLst>
           </a:blip>
@@ -4123,7 +4175,7 @@
           <a:blip r:embed="rId2" cstate="print">
             <a:extLst>
               <a:ext uri="{28A0092B-C50C-407E-A947-70E740481C1C}">
-                <a14:useLocalDpi xmlns:a14="http://schemas.microsoft.com/office/drawing/2010/main" val="0"/>
+                <a14:useLocalDpi xmlns:a14="http://schemas.microsoft.com/office/drawing/2010/main" xmlns="" val="0"/>
               </a:ext>
             </a:extLst>
           </a:blip>
@@ -4153,7 +4205,7 @@
           <a:blip r:embed="rId2" cstate="print">
             <a:extLst>
               <a:ext uri="{28A0092B-C50C-407E-A947-70E740481C1C}">
-                <a14:useLocalDpi xmlns:a14="http://schemas.microsoft.com/office/drawing/2010/main" val="0"/>
+                <a14:useLocalDpi xmlns:a14="http://schemas.microsoft.com/office/drawing/2010/main" xmlns="" val="0"/>
               </a:ext>
             </a:extLst>
           </a:blip>
@@ -4183,7 +4235,7 @@
           <a:blip r:embed="rId2" cstate="print">
             <a:extLst>
               <a:ext uri="{28A0092B-C50C-407E-A947-70E740481C1C}">
-                <a14:useLocalDpi xmlns:a14="http://schemas.microsoft.com/office/drawing/2010/main" val="0"/>
+                <a14:useLocalDpi xmlns:a14="http://schemas.microsoft.com/office/drawing/2010/main" xmlns="" val="0"/>
               </a:ext>
             </a:extLst>
           </a:blip>
@@ -4213,7 +4265,7 @@
           <a:blip r:embed="rId2" cstate="print">
             <a:extLst>
               <a:ext uri="{28A0092B-C50C-407E-A947-70E740481C1C}">
-                <a14:useLocalDpi xmlns:a14="http://schemas.microsoft.com/office/drawing/2010/main" val="0"/>
+                <a14:useLocalDpi xmlns:a14="http://schemas.microsoft.com/office/drawing/2010/main" xmlns="" val="0"/>
               </a:ext>
             </a:extLst>
           </a:blip>
@@ -4243,7 +4295,7 @@
           <a:blip r:embed="rId2" cstate="print">
             <a:extLst>
               <a:ext uri="{28A0092B-C50C-407E-A947-70E740481C1C}">
-                <a14:useLocalDpi xmlns:a14="http://schemas.microsoft.com/office/drawing/2010/main" val="0"/>
+                <a14:useLocalDpi xmlns:a14="http://schemas.microsoft.com/office/drawing/2010/main" xmlns="" val="0"/>
               </a:ext>
             </a:extLst>
           </a:blip>
@@ -4273,7 +4325,7 @@
           <a:blip r:embed="rId2" cstate="print">
             <a:extLst>
               <a:ext uri="{28A0092B-C50C-407E-A947-70E740481C1C}">
-                <a14:useLocalDpi xmlns:a14="http://schemas.microsoft.com/office/drawing/2010/main" val="0"/>
+                <a14:useLocalDpi xmlns:a14="http://schemas.microsoft.com/office/drawing/2010/main" xmlns="" val="0"/>
               </a:ext>
             </a:extLst>
           </a:blip>
@@ -4303,7 +4355,7 @@
           <a:blip r:embed="rId2" cstate="print">
             <a:extLst>
               <a:ext uri="{28A0092B-C50C-407E-A947-70E740481C1C}">
-                <a14:useLocalDpi xmlns:a14="http://schemas.microsoft.com/office/drawing/2010/main" val="0"/>
+                <a14:useLocalDpi xmlns:a14="http://schemas.microsoft.com/office/drawing/2010/main" xmlns="" val="0"/>
               </a:ext>
             </a:extLst>
           </a:blip>
@@ -4333,7 +4385,7 @@
           <a:blip r:embed="rId2" cstate="print">
             <a:extLst>
               <a:ext uri="{28A0092B-C50C-407E-A947-70E740481C1C}">
-                <a14:useLocalDpi xmlns:a14="http://schemas.microsoft.com/office/drawing/2010/main" val="0"/>
+                <a14:useLocalDpi xmlns:a14="http://schemas.microsoft.com/office/drawing/2010/main" xmlns="" val="0"/>
               </a:ext>
             </a:extLst>
           </a:blip>
@@ -4363,7 +4415,7 @@
           <a:blip r:embed="rId2" cstate="print">
             <a:extLst>
               <a:ext uri="{28A0092B-C50C-407E-A947-70E740481C1C}">
-                <a14:useLocalDpi xmlns:a14="http://schemas.microsoft.com/office/drawing/2010/main" val="0"/>
+                <a14:useLocalDpi xmlns:a14="http://schemas.microsoft.com/office/drawing/2010/main" xmlns="" val="0"/>
               </a:ext>
             </a:extLst>
           </a:blip>
@@ -4393,7 +4445,7 @@
           <a:blip r:embed="rId2" cstate="print">
             <a:extLst>
               <a:ext uri="{28A0092B-C50C-407E-A947-70E740481C1C}">
-                <a14:useLocalDpi xmlns:a14="http://schemas.microsoft.com/office/drawing/2010/main" val="0"/>
+                <a14:useLocalDpi xmlns:a14="http://schemas.microsoft.com/office/drawing/2010/main" xmlns="" val="0"/>
               </a:ext>
             </a:extLst>
           </a:blip>
@@ -4423,7 +4475,7 @@
           <a:blip r:embed="rId2" cstate="print">
             <a:extLst>
               <a:ext uri="{28A0092B-C50C-407E-A947-70E740481C1C}">
-                <a14:useLocalDpi xmlns:a14="http://schemas.microsoft.com/office/drawing/2010/main" val="0"/>
+                <a14:useLocalDpi xmlns:a14="http://schemas.microsoft.com/office/drawing/2010/main" xmlns="" val="0"/>
               </a:ext>
             </a:extLst>
           </a:blip>
@@ -4453,7 +4505,7 @@
           <a:blip r:embed="rId2" cstate="print">
             <a:extLst>
               <a:ext uri="{28A0092B-C50C-407E-A947-70E740481C1C}">
-                <a14:useLocalDpi xmlns:a14="http://schemas.microsoft.com/office/drawing/2010/main" val="0"/>
+                <a14:useLocalDpi xmlns:a14="http://schemas.microsoft.com/office/drawing/2010/main" xmlns="" val="0"/>
               </a:ext>
             </a:extLst>
           </a:blip>
@@ -4483,7 +4535,7 @@
           <a:blip r:embed="rId2" cstate="print">
             <a:extLst>
               <a:ext uri="{28A0092B-C50C-407E-A947-70E740481C1C}">
-                <a14:useLocalDpi xmlns:a14="http://schemas.microsoft.com/office/drawing/2010/main" val="0"/>
+                <a14:useLocalDpi xmlns:a14="http://schemas.microsoft.com/office/drawing/2010/main" xmlns="" val="0"/>
               </a:ext>
             </a:extLst>
           </a:blip>
@@ -4513,7 +4565,7 @@
           <a:blip r:embed="rId2" cstate="print">
             <a:extLst>
               <a:ext uri="{28A0092B-C50C-407E-A947-70E740481C1C}">
-                <a14:useLocalDpi xmlns:a14="http://schemas.microsoft.com/office/drawing/2010/main" val="0"/>
+                <a14:useLocalDpi xmlns:a14="http://schemas.microsoft.com/office/drawing/2010/main" xmlns="" val="0"/>
               </a:ext>
             </a:extLst>
           </a:blip>
@@ -4543,7 +4595,7 @@
           <a:blip r:embed="rId2" cstate="print">
             <a:extLst>
               <a:ext uri="{28A0092B-C50C-407E-A947-70E740481C1C}">
-                <a14:useLocalDpi xmlns:a14="http://schemas.microsoft.com/office/drawing/2010/main" val="0"/>
+                <a14:useLocalDpi xmlns:a14="http://schemas.microsoft.com/office/drawing/2010/main" xmlns="" val="0"/>
               </a:ext>
             </a:extLst>
           </a:blip>
@@ -4573,7 +4625,7 @@
           <a:blip r:embed="rId2" cstate="print">
             <a:extLst>
               <a:ext uri="{28A0092B-C50C-407E-A947-70E740481C1C}">
-                <a14:useLocalDpi xmlns:a14="http://schemas.microsoft.com/office/drawing/2010/main" val="0"/>
+                <a14:useLocalDpi xmlns:a14="http://schemas.microsoft.com/office/drawing/2010/main" xmlns="" val="0"/>
               </a:ext>
             </a:extLst>
           </a:blip>
@@ -4603,7 +4655,7 @@
           <a:blip r:embed="rId2" cstate="print">
             <a:extLst>
               <a:ext uri="{28A0092B-C50C-407E-A947-70E740481C1C}">
-                <a14:useLocalDpi xmlns:a14="http://schemas.microsoft.com/office/drawing/2010/main" val="0"/>
+                <a14:useLocalDpi xmlns:a14="http://schemas.microsoft.com/office/drawing/2010/main" xmlns="" val="0"/>
               </a:ext>
             </a:extLst>
           </a:blip>
@@ -4633,7 +4685,7 @@
           <a:blip r:embed="rId2" cstate="print">
             <a:extLst>
               <a:ext uri="{28A0092B-C50C-407E-A947-70E740481C1C}">
-                <a14:useLocalDpi xmlns:a14="http://schemas.microsoft.com/office/drawing/2010/main" val="0"/>
+                <a14:useLocalDpi xmlns:a14="http://schemas.microsoft.com/office/drawing/2010/main" xmlns="" val="0"/>
               </a:ext>
             </a:extLst>
           </a:blip>
@@ -4663,7 +4715,7 @@
           <a:blip r:embed="rId2" cstate="print">
             <a:extLst>
               <a:ext uri="{28A0092B-C50C-407E-A947-70E740481C1C}">
-                <a14:useLocalDpi xmlns:a14="http://schemas.microsoft.com/office/drawing/2010/main" val="0"/>
+                <a14:useLocalDpi xmlns:a14="http://schemas.microsoft.com/office/drawing/2010/main" xmlns="" val="0"/>
               </a:ext>
             </a:extLst>
           </a:blip>
@@ -4693,7 +4745,7 @@
           <a:blip r:embed="rId2" cstate="print">
             <a:extLst>
               <a:ext uri="{28A0092B-C50C-407E-A947-70E740481C1C}">
-                <a14:useLocalDpi xmlns:a14="http://schemas.microsoft.com/office/drawing/2010/main" val="0"/>
+                <a14:useLocalDpi xmlns:a14="http://schemas.microsoft.com/office/drawing/2010/main" xmlns="" val="0"/>
               </a:ext>
             </a:extLst>
           </a:blip>
@@ -4723,7 +4775,7 @@
           <a:blip r:embed="rId2" cstate="print">
             <a:extLst>
               <a:ext uri="{28A0092B-C50C-407E-A947-70E740481C1C}">
-                <a14:useLocalDpi xmlns:a14="http://schemas.microsoft.com/office/drawing/2010/main" val="0"/>
+                <a14:useLocalDpi xmlns:a14="http://schemas.microsoft.com/office/drawing/2010/main" xmlns="" val="0"/>
               </a:ext>
             </a:extLst>
           </a:blip>
@@ -4753,7 +4805,7 @@
           <a:blip r:embed="rId2" cstate="print">
             <a:extLst>
               <a:ext uri="{28A0092B-C50C-407E-A947-70E740481C1C}">
-                <a14:useLocalDpi xmlns:a14="http://schemas.microsoft.com/office/drawing/2010/main" val="0"/>
+                <a14:useLocalDpi xmlns:a14="http://schemas.microsoft.com/office/drawing/2010/main" xmlns="" val="0"/>
               </a:ext>
             </a:extLst>
           </a:blip>
@@ -4783,7 +4835,7 @@
           <a:blip r:embed="rId2" cstate="print">
             <a:extLst>
               <a:ext uri="{28A0092B-C50C-407E-A947-70E740481C1C}">
-                <a14:useLocalDpi xmlns:a14="http://schemas.microsoft.com/office/drawing/2010/main" val="0"/>
+                <a14:useLocalDpi xmlns:a14="http://schemas.microsoft.com/office/drawing/2010/main" xmlns="" val="0"/>
               </a:ext>
             </a:extLst>
           </a:blip>
@@ -4813,7 +4865,7 @@
           <a:blip r:embed="rId2" cstate="print">
             <a:extLst>
               <a:ext uri="{28A0092B-C50C-407E-A947-70E740481C1C}">
-                <a14:useLocalDpi xmlns:a14="http://schemas.microsoft.com/office/drawing/2010/main" val="0"/>
+                <a14:useLocalDpi xmlns:a14="http://schemas.microsoft.com/office/drawing/2010/main" xmlns="" val="0"/>
               </a:ext>
             </a:extLst>
           </a:blip>
@@ -4843,7 +4895,7 @@
           <a:blip r:embed="rId2" cstate="print">
             <a:extLst>
               <a:ext uri="{28A0092B-C50C-407E-A947-70E740481C1C}">
-                <a14:useLocalDpi xmlns:a14="http://schemas.microsoft.com/office/drawing/2010/main" val="0"/>
+                <a14:useLocalDpi xmlns:a14="http://schemas.microsoft.com/office/drawing/2010/main" xmlns="" val="0"/>
               </a:ext>
             </a:extLst>
           </a:blip>
@@ -4873,7 +4925,7 @@
           <a:blip r:embed="rId2" cstate="print">
             <a:extLst>
               <a:ext uri="{28A0092B-C50C-407E-A947-70E740481C1C}">
-                <a14:useLocalDpi xmlns:a14="http://schemas.microsoft.com/office/drawing/2010/main" val="0"/>
+                <a14:useLocalDpi xmlns:a14="http://schemas.microsoft.com/office/drawing/2010/main" xmlns="" val="0"/>
               </a:ext>
             </a:extLst>
           </a:blip>
@@ -4903,7 +4955,7 @@
           <a:blip r:embed="rId2" cstate="print">
             <a:extLst>
               <a:ext uri="{28A0092B-C50C-407E-A947-70E740481C1C}">
-                <a14:useLocalDpi xmlns:a14="http://schemas.microsoft.com/office/drawing/2010/main" val="0"/>
+                <a14:useLocalDpi xmlns:a14="http://schemas.microsoft.com/office/drawing/2010/main" xmlns="" val="0"/>
               </a:ext>
             </a:extLst>
           </a:blip>
@@ -4933,7 +4985,7 @@
           <a:blip r:embed="rId2" cstate="print">
             <a:extLst>
               <a:ext uri="{28A0092B-C50C-407E-A947-70E740481C1C}">
-                <a14:useLocalDpi xmlns:a14="http://schemas.microsoft.com/office/drawing/2010/main" val="0"/>
+                <a14:useLocalDpi xmlns:a14="http://schemas.microsoft.com/office/drawing/2010/main" xmlns="" val="0"/>
               </a:ext>
             </a:extLst>
           </a:blip>
@@ -4963,7 +5015,7 @@
           <a:blip r:embed="rId2" cstate="print">
             <a:extLst>
               <a:ext uri="{28A0092B-C50C-407E-A947-70E740481C1C}">
-                <a14:useLocalDpi xmlns:a14="http://schemas.microsoft.com/office/drawing/2010/main" val="0"/>
+                <a14:useLocalDpi xmlns:a14="http://schemas.microsoft.com/office/drawing/2010/main" xmlns="" val="0"/>
               </a:ext>
             </a:extLst>
           </a:blip>
@@ -4993,7 +5045,7 @@
           <a:blip r:embed="rId2" cstate="print">
             <a:extLst>
               <a:ext uri="{28A0092B-C50C-407E-A947-70E740481C1C}">
-                <a14:useLocalDpi xmlns:a14="http://schemas.microsoft.com/office/drawing/2010/main" val="0"/>
+                <a14:useLocalDpi xmlns:a14="http://schemas.microsoft.com/office/drawing/2010/main" xmlns="" val="0"/>
               </a:ext>
             </a:extLst>
           </a:blip>
@@ -5023,7 +5075,7 @@
           <a:blip r:embed="rId2" cstate="print">
             <a:extLst>
               <a:ext uri="{28A0092B-C50C-407E-A947-70E740481C1C}">
-                <a14:useLocalDpi xmlns:a14="http://schemas.microsoft.com/office/drawing/2010/main" val="0"/>
+                <a14:useLocalDpi xmlns:a14="http://schemas.microsoft.com/office/drawing/2010/main" xmlns="" val="0"/>
               </a:ext>
             </a:extLst>
           </a:blip>
@@ -5053,7 +5105,7 @@
           <a:blip r:embed="rId2" cstate="print">
             <a:extLst>
               <a:ext uri="{28A0092B-C50C-407E-A947-70E740481C1C}">
-                <a14:useLocalDpi xmlns:a14="http://schemas.microsoft.com/office/drawing/2010/main" val="0"/>
+                <a14:useLocalDpi xmlns:a14="http://schemas.microsoft.com/office/drawing/2010/main" xmlns="" val="0"/>
               </a:ext>
             </a:extLst>
           </a:blip>
@@ -5083,7 +5135,7 @@
           <a:blip r:embed="rId2" cstate="print">
             <a:extLst>
               <a:ext uri="{28A0092B-C50C-407E-A947-70E740481C1C}">
-                <a14:useLocalDpi xmlns:a14="http://schemas.microsoft.com/office/drawing/2010/main" val="0"/>
+                <a14:useLocalDpi xmlns:a14="http://schemas.microsoft.com/office/drawing/2010/main" xmlns="" val="0"/>
               </a:ext>
             </a:extLst>
           </a:blip>
@@ -5113,7 +5165,7 @@
           <a:blip r:embed="rId2" cstate="print">
             <a:extLst>
               <a:ext uri="{28A0092B-C50C-407E-A947-70E740481C1C}">
-                <a14:useLocalDpi xmlns:a14="http://schemas.microsoft.com/office/drawing/2010/main" val="0"/>
+                <a14:useLocalDpi xmlns:a14="http://schemas.microsoft.com/office/drawing/2010/main" xmlns="" val="0"/>
               </a:ext>
             </a:extLst>
           </a:blip>
@@ -5143,7 +5195,7 @@
           <a:blip r:embed="rId2" cstate="print">
             <a:extLst>
               <a:ext uri="{28A0092B-C50C-407E-A947-70E740481C1C}">
-                <a14:useLocalDpi xmlns:a14="http://schemas.microsoft.com/office/drawing/2010/main" val="0"/>
+                <a14:useLocalDpi xmlns:a14="http://schemas.microsoft.com/office/drawing/2010/main" xmlns="" val="0"/>
               </a:ext>
             </a:extLst>
           </a:blip>
@@ -5173,7 +5225,7 @@
           <a:blip r:embed="rId2" cstate="print">
             <a:extLst>
               <a:ext uri="{28A0092B-C50C-407E-A947-70E740481C1C}">
-                <a14:useLocalDpi xmlns:a14="http://schemas.microsoft.com/office/drawing/2010/main" val="0"/>
+                <a14:useLocalDpi xmlns:a14="http://schemas.microsoft.com/office/drawing/2010/main" xmlns="" val="0"/>
               </a:ext>
             </a:extLst>
           </a:blip>
@@ -5203,7 +5255,7 @@
           <a:blip r:embed="rId2" cstate="print">
             <a:extLst>
               <a:ext uri="{28A0092B-C50C-407E-A947-70E740481C1C}">
-                <a14:useLocalDpi xmlns:a14="http://schemas.microsoft.com/office/drawing/2010/main" val="0"/>
+                <a14:useLocalDpi xmlns:a14="http://schemas.microsoft.com/office/drawing/2010/main" xmlns="" val="0"/>
               </a:ext>
             </a:extLst>
           </a:blip>
@@ -5233,7 +5285,7 @@
           <a:blip r:embed="rId2" cstate="print">
             <a:extLst>
               <a:ext uri="{28A0092B-C50C-407E-A947-70E740481C1C}">
-                <a14:useLocalDpi xmlns:a14="http://schemas.microsoft.com/office/drawing/2010/main" val="0"/>
+                <a14:useLocalDpi xmlns:a14="http://schemas.microsoft.com/office/drawing/2010/main" xmlns="" val="0"/>
               </a:ext>
             </a:extLst>
           </a:blip>
@@ -5263,7 +5315,7 @@
           <a:blip r:embed="rId2" cstate="print">
             <a:extLst>
               <a:ext uri="{28A0092B-C50C-407E-A947-70E740481C1C}">
-                <a14:useLocalDpi xmlns:a14="http://schemas.microsoft.com/office/drawing/2010/main" val="0"/>
+                <a14:useLocalDpi xmlns:a14="http://schemas.microsoft.com/office/drawing/2010/main" xmlns="" val="0"/>
               </a:ext>
             </a:extLst>
           </a:blip>
@@ -5293,7 +5345,7 @@
           <a:blip r:embed="rId2" cstate="print">
             <a:extLst>
               <a:ext uri="{28A0092B-C50C-407E-A947-70E740481C1C}">
-                <a14:useLocalDpi xmlns:a14="http://schemas.microsoft.com/office/drawing/2010/main" val="0"/>
+                <a14:useLocalDpi xmlns:a14="http://schemas.microsoft.com/office/drawing/2010/main" xmlns="" val="0"/>
               </a:ext>
             </a:extLst>
           </a:blip>
@@ -5384,7 +5436,7 @@
           <a:blip r:embed="rId2" cstate="print">
             <a:extLst>
               <a:ext uri="{28A0092B-C50C-407E-A947-70E740481C1C}">
-                <a14:useLocalDpi xmlns:a14="http://schemas.microsoft.com/office/drawing/2010/main" val="0"/>
+                <a14:useLocalDpi xmlns:a14="http://schemas.microsoft.com/office/drawing/2010/main" xmlns="" val="0"/>
               </a:ext>
             </a:extLst>
           </a:blip>
@@ -5414,7 +5466,7 @@
           <a:blip r:embed="rId2" cstate="print">
             <a:extLst>
               <a:ext uri="{28A0092B-C50C-407E-A947-70E740481C1C}">
-                <a14:useLocalDpi xmlns:a14="http://schemas.microsoft.com/office/drawing/2010/main" val="0"/>
+                <a14:useLocalDpi xmlns:a14="http://schemas.microsoft.com/office/drawing/2010/main" xmlns="" val="0"/>
               </a:ext>
             </a:extLst>
           </a:blip>
@@ -5444,7 +5496,7 @@
           <a:blip r:embed="rId2" cstate="print">
             <a:extLst>
               <a:ext uri="{28A0092B-C50C-407E-A947-70E740481C1C}">
-                <a14:useLocalDpi xmlns:a14="http://schemas.microsoft.com/office/drawing/2010/main" val="0"/>
+                <a14:useLocalDpi xmlns:a14="http://schemas.microsoft.com/office/drawing/2010/main" xmlns="" val="0"/>
               </a:ext>
             </a:extLst>
           </a:blip>
@@ -5474,7 +5526,7 @@
           <a:blip r:embed="rId2" cstate="print">
             <a:extLst>
               <a:ext uri="{28A0092B-C50C-407E-A947-70E740481C1C}">
-                <a14:useLocalDpi xmlns:a14="http://schemas.microsoft.com/office/drawing/2010/main" val="0"/>
+                <a14:useLocalDpi xmlns:a14="http://schemas.microsoft.com/office/drawing/2010/main" xmlns="" val="0"/>
               </a:ext>
             </a:extLst>
           </a:blip>
@@ -5504,7 +5556,7 @@
           <a:blip r:embed="rId2" cstate="print">
             <a:extLst>
               <a:ext uri="{28A0092B-C50C-407E-A947-70E740481C1C}">
-                <a14:useLocalDpi xmlns:a14="http://schemas.microsoft.com/office/drawing/2010/main" val="0"/>
+                <a14:useLocalDpi xmlns:a14="http://schemas.microsoft.com/office/drawing/2010/main" xmlns="" val="0"/>
               </a:ext>
             </a:extLst>
           </a:blip>
@@ -5534,7 +5586,7 @@
           <a:blip r:embed="rId2" cstate="print">
             <a:extLst>
               <a:ext uri="{28A0092B-C50C-407E-A947-70E740481C1C}">
-                <a14:useLocalDpi xmlns:a14="http://schemas.microsoft.com/office/drawing/2010/main" val="0"/>
+                <a14:useLocalDpi xmlns:a14="http://schemas.microsoft.com/office/drawing/2010/main" xmlns="" val="0"/>
               </a:ext>
             </a:extLst>
           </a:blip>
@@ -5564,7 +5616,7 @@
           <a:blip r:embed="rId2" cstate="print">
             <a:extLst>
               <a:ext uri="{28A0092B-C50C-407E-A947-70E740481C1C}">
-                <a14:useLocalDpi xmlns:a14="http://schemas.microsoft.com/office/drawing/2010/main" val="0"/>
+                <a14:useLocalDpi xmlns:a14="http://schemas.microsoft.com/office/drawing/2010/main" xmlns="" val="0"/>
               </a:ext>
             </a:extLst>
           </a:blip>
@@ -5594,7 +5646,7 @@
           <a:blip r:embed="rId2" cstate="print">
             <a:extLst>
               <a:ext uri="{28A0092B-C50C-407E-A947-70E740481C1C}">
-                <a14:useLocalDpi xmlns:a14="http://schemas.microsoft.com/office/drawing/2010/main" val="0"/>
+                <a14:useLocalDpi xmlns:a14="http://schemas.microsoft.com/office/drawing/2010/main" xmlns="" val="0"/>
               </a:ext>
             </a:extLst>
           </a:blip>
@@ -5624,7 +5676,7 @@
           <a:blip r:embed="rId2" cstate="print">
             <a:extLst>
               <a:ext uri="{28A0092B-C50C-407E-A947-70E740481C1C}">
-                <a14:useLocalDpi xmlns:a14="http://schemas.microsoft.com/office/drawing/2010/main" val="0"/>
+                <a14:useLocalDpi xmlns:a14="http://schemas.microsoft.com/office/drawing/2010/main" xmlns="" val="0"/>
               </a:ext>
             </a:extLst>
           </a:blip>
@@ -5654,7 +5706,7 @@
           <a:blip r:embed="rId2" cstate="print">
             <a:extLst>
               <a:ext uri="{28A0092B-C50C-407E-A947-70E740481C1C}">
-                <a14:useLocalDpi xmlns:a14="http://schemas.microsoft.com/office/drawing/2010/main" val="0"/>
+                <a14:useLocalDpi xmlns:a14="http://schemas.microsoft.com/office/drawing/2010/main" xmlns="" val="0"/>
               </a:ext>
             </a:extLst>
           </a:blip>
@@ -5684,7 +5736,7 @@
           <a:blip r:embed="rId2" cstate="print">
             <a:extLst>
               <a:ext uri="{28A0092B-C50C-407E-A947-70E740481C1C}">
-                <a14:useLocalDpi xmlns:a14="http://schemas.microsoft.com/office/drawing/2010/main" val="0"/>
+                <a14:useLocalDpi xmlns:a14="http://schemas.microsoft.com/office/drawing/2010/main" xmlns="" val="0"/>
               </a:ext>
             </a:extLst>
           </a:blip>
@@ -5714,7 +5766,7 @@
           <a:blip r:embed="rId2" cstate="print">
             <a:extLst>
               <a:ext uri="{28A0092B-C50C-407E-A947-70E740481C1C}">
-                <a14:useLocalDpi xmlns:a14="http://schemas.microsoft.com/office/drawing/2010/main" val="0"/>
+                <a14:useLocalDpi xmlns:a14="http://schemas.microsoft.com/office/drawing/2010/main" xmlns="" val="0"/>
               </a:ext>
             </a:extLst>
           </a:blip>
@@ -5735,7 +5787,7 @@
     </p:spTree>
     <p:extLst>
       <p:ext uri="{BB962C8B-B14F-4D97-AF65-F5344CB8AC3E}">
-        <p14:creationId xmlns:p14="http://schemas.microsoft.com/office/powerpoint/2010/main" val="3237648164"/>
+        <p14:creationId xmlns:p14="http://schemas.microsoft.com/office/powerpoint/2010/main" xmlns="" val="3237648164"/>
       </p:ext>
     </p:extLst>
   </p:cSld>
@@ -6404,7 +6456,7 @@
           <a:blip r:embed="rId2" cstate="print">
             <a:extLst>
               <a:ext uri="{28A0092B-C50C-407E-A947-70E740481C1C}">
-                <a14:useLocalDpi xmlns:a14="http://schemas.microsoft.com/office/drawing/2010/main" val="0"/>
+                <a14:useLocalDpi xmlns:a14="http://schemas.microsoft.com/office/drawing/2010/main" xmlns="" val="0"/>
               </a:ext>
             </a:extLst>
           </a:blip>
@@ -6455,7 +6507,7 @@
     </p:spTree>
     <p:extLst>
       <p:ext uri="{BB962C8B-B14F-4D97-AF65-F5344CB8AC3E}">
-        <p14:creationId xmlns:p14="http://schemas.microsoft.com/office/powerpoint/2010/main" val="3896966021"/>
+        <p14:creationId xmlns:p14="http://schemas.microsoft.com/office/powerpoint/2010/main" xmlns="" val="3896966021"/>
       </p:ext>
     </p:extLst>
   </p:cSld>
@@ -6501,7 +6553,7 @@
           <a:blip r:embed="rId2" cstate="print">
             <a:extLst>
               <a:ext uri="{28A0092B-C50C-407E-A947-70E740481C1C}">
-                <a14:useLocalDpi xmlns:a14="http://schemas.microsoft.com/office/drawing/2010/main" val="0"/>
+                <a14:useLocalDpi xmlns:a14="http://schemas.microsoft.com/office/drawing/2010/main" xmlns="" val="0"/>
               </a:ext>
             </a:extLst>
           </a:blip>
@@ -6585,7 +6637,23 @@
             </a:r>
             <a:r>
               <a:rPr lang="zh-CN" altLang="en-US" sz="3600" dirty="0"/>
-              <a:t>永远都是未知的，不可预测的，如果因为未来的未知而感到恐惧，那么就不断的问自己到底在恐惧什么，知道问到自己哑口无言的时候，自己就会得到释然。</a:t>
+              <a:t>永远都是未知的，不可预测的，如果因为未来的未知而感到恐惧，那么就不断的问自己到底在恐惧什么</a:t>
+            </a:r>
+            <a:r>
+              <a:rPr lang="zh-CN" altLang="en-US" sz="3600" dirty="0" smtClean="0"/>
+              <a:t>，</a:t>
+            </a:r>
+            <a:r>
+              <a:rPr lang="zh-CN" altLang="en-US" sz="3600" dirty="0" smtClean="0"/>
+              <a:t>直到</a:t>
+            </a:r>
+            <a:r>
+              <a:rPr lang="zh-CN" altLang="en-US" sz="3600" dirty="0" smtClean="0"/>
+              <a:t>问</a:t>
+            </a:r>
+            <a:r>
+              <a:rPr lang="zh-CN" altLang="en-US" sz="3600" dirty="0"/>
+              <a:t>到自己哑口无言的时候，自己就会得到释然。</a:t>
             </a:r>
           </a:p>
         </p:txBody>
@@ -6593,7 +6661,7 @@
     </p:spTree>
     <p:extLst>
       <p:ext uri="{BB962C8B-B14F-4D97-AF65-F5344CB8AC3E}">
-        <p14:creationId xmlns:p14="http://schemas.microsoft.com/office/powerpoint/2010/main" val="3142238618"/>
+        <p14:creationId xmlns:p14="http://schemas.microsoft.com/office/powerpoint/2010/main" xmlns="" val="3142238618"/>
       </p:ext>
     </p:extLst>
   </p:cSld>
@@ -6824,7 +6892,7 @@
           <a:blip r:embed="rId2" cstate="print">
             <a:extLst>
               <a:ext uri="{28A0092B-C50C-407E-A947-70E740481C1C}">
-                <a14:useLocalDpi xmlns:a14="http://schemas.microsoft.com/office/drawing/2010/main" val="0"/>
+                <a14:useLocalDpi xmlns:a14="http://schemas.microsoft.com/office/drawing/2010/main" xmlns="" val="0"/>
               </a:ext>
             </a:extLst>
           </a:blip>
@@ -6875,7 +6943,7 @@
     </p:spTree>
     <p:extLst>
       <p:ext uri="{BB962C8B-B14F-4D97-AF65-F5344CB8AC3E}">
-        <p14:creationId xmlns:p14="http://schemas.microsoft.com/office/powerpoint/2010/main" val="3919978315"/>
+        <p14:creationId xmlns:p14="http://schemas.microsoft.com/office/powerpoint/2010/main" xmlns="" val="3919978315"/>
       </p:ext>
     </p:extLst>
   </p:cSld>
@@ -7113,7 +7181,7 @@
     </p:spTree>
     <p:extLst>
       <p:ext uri="{BB962C8B-B14F-4D97-AF65-F5344CB8AC3E}">
-        <p14:creationId xmlns:p14="http://schemas.microsoft.com/office/powerpoint/2010/main" val="4223806462"/>
+        <p14:creationId xmlns:p14="http://schemas.microsoft.com/office/powerpoint/2010/main" xmlns="" val="4223806462"/>
       </p:ext>
     </p:extLst>
   </p:cSld>
@@ -7455,7 +7523,7 @@
     </p:spTree>
     <p:extLst>
       <p:ext uri="{BB962C8B-B14F-4D97-AF65-F5344CB8AC3E}">
-        <p14:creationId xmlns:p14="http://schemas.microsoft.com/office/powerpoint/2010/main" val="1830856526"/>
+        <p14:creationId xmlns:p14="http://schemas.microsoft.com/office/powerpoint/2010/main" xmlns="" val="1830856526"/>
       </p:ext>
     </p:extLst>
   </p:cSld>
@@ -7741,7 +7809,7 @@
           <a:blip r:embed="rId2" cstate="print">
             <a:extLst>
               <a:ext uri="{28A0092B-C50C-407E-A947-70E740481C1C}">
-                <a14:useLocalDpi xmlns:a14="http://schemas.microsoft.com/office/drawing/2010/main" val="0"/>
+                <a14:useLocalDpi xmlns:a14="http://schemas.microsoft.com/office/drawing/2010/main" xmlns="" val="0"/>
               </a:ext>
             </a:extLst>
           </a:blip>
@@ -7762,7 +7830,7 @@
     </p:spTree>
     <p:extLst>
       <p:ext uri="{BB962C8B-B14F-4D97-AF65-F5344CB8AC3E}">
-        <p14:creationId xmlns:p14="http://schemas.microsoft.com/office/powerpoint/2010/main" val="4223806462"/>
+        <p14:creationId xmlns:p14="http://schemas.microsoft.com/office/powerpoint/2010/main" xmlns="" val="4223806462"/>
       </p:ext>
     </p:extLst>
   </p:cSld>
@@ -8008,7 +8076,7 @@
     </p:spTree>
     <p:extLst>
       <p:ext uri="{BB962C8B-B14F-4D97-AF65-F5344CB8AC3E}">
-        <p14:creationId xmlns:p14="http://schemas.microsoft.com/office/powerpoint/2010/main" val="4223806462"/>
+        <p14:creationId xmlns:p14="http://schemas.microsoft.com/office/powerpoint/2010/main" xmlns="" val="4223806462"/>
       </p:ext>
     </p:extLst>
   </p:cSld>
@@ -8350,7 +8418,7 @@
     </p:spTree>
     <p:extLst>
       <p:ext uri="{BB962C8B-B14F-4D97-AF65-F5344CB8AC3E}">
-        <p14:creationId xmlns:p14="http://schemas.microsoft.com/office/powerpoint/2010/main" val="4223806462"/>
+        <p14:creationId xmlns:p14="http://schemas.microsoft.com/office/powerpoint/2010/main" xmlns="" val="4223806462"/>
       </p:ext>
     </p:extLst>
   </p:cSld>
@@ -8826,7 +8894,7 @@
   <a:extraClrSchemeLst/>
   <a:extLst>
     <a:ext uri="{05A4C25C-085E-4340-85A3-A5531E510DB2}">
-      <thm15:themeFamily xmlns:thm15="http://schemas.microsoft.com/office/thememl/2012/main" name="Office Theme" id="{62F939B6-93AF-4DB8-9C6B-D6C7DFDC589F}" vid="{4A3C46E8-61CC-4603-A589-7422A47A8E4A}"/>
+      <thm15:themeFamily xmlns:thm15="http://schemas.microsoft.com/office/thememl/2012/main" xmlns="" name="Office Theme" id="{62F939B6-93AF-4DB8-9C6B-D6C7DFDC589F}" vid="{4A3C46E8-61CC-4603-A589-7422A47A8E4A}"/>
     </a:ext>
   </a:extLst>
 </a:theme>

--- a/激情演讲.pptx
+++ b/激情演讲.pptx
@@ -117,7 +117,7 @@
   </p:defaultTextStyle>
   <p:extLst>
     <p:ext uri="{EFAFB233-063F-42B5-8137-9DF3F51BA10A}">
-      <p15:sldGuideLst xmlns:p15="http://schemas.microsoft.com/office/powerpoint/2012/main" xmlns="">
+      <p15:sldGuideLst xmlns="" xmlns:p15="http://schemas.microsoft.com/office/powerpoint/2012/main">
         <p15:guide id="1" orient="horz" pos="2160">
           <p15:clr>
             <a:srgbClr val="A4A3A4"/>
@@ -318,7 +318,7 @@
     </p:spTree>
     <p:extLst>
       <p:ext uri="{BB962C8B-B14F-4D97-AF65-F5344CB8AC3E}">
-        <p14:creationId xmlns:p14="http://schemas.microsoft.com/office/powerpoint/2010/main" xmlns="" val="3243702133"/>
+        <p14:creationId xmlns="" xmlns:p14="http://schemas.microsoft.com/office/powerpoint/2010/main" val="3243702133"/>
       </p:ext>
     </p:extLst>
   </p:cSld>
@@ -490,7 +490,7 @@
     </p:spTree>
     <p:extLst>
       <p:ext uri="{BB962C8B-B14F-4D97-AF65-F5344CB8AC3E}">
-        <p14:creationId xmlns:p14="http://schemas.microsoft.com/office/powerpoint/2010/main" xmlns="" val="1240899321"/>
+        <p14:creationId xmlns="" xmlns:p14="http://schemas.microsoft.com/office/powerpoint/2010/main" val="1240899321"/>
       </p:ext>
     </p:extLst>
   </p:cSld>
@@ -672,7 +672,7 @@
     </p:spTree>
     <p:extLst>
       <p:ext uri="{BB962C8B-B14F-4D97-AF65-F5344CB8AC3E}">
-        <p14:creationId xmlns:p14="http://schemas.microsoft.com/office/powerpoint/2010/main" xmlns="" val="2590562766"/>
+        <p14:creationId xmlns="" xmlns:p14="http://schemas.microsoft.com/office/powerpoint/2010/main" val="2590562766"/>
       </p:ext>
     </p:extLst>
   </p:cSld>
@@ -844,7 +844,7 @@
     </p:spTree>
     <p:extLst>
       <p:ext uri="{BB962C8B-B14F-4D97-AF65-F5344CB8AC3E}">
-        <p14:creationId xmlns:p14="http://schemas.microsoft.com/office/powerpoint/2010/main" xmlns="" val="2613875596"/>
+        <p14:creationId xmlns="" xmlns:p14="http://schemas.microsoft.com/office/powerpoint/2010/main" val="2613875596"/>
       </p:ext>
     </p:extLst>
   </p:cSld>
@@ -1092,7 +1092,7 @@
     </p:spTree>
     <p:extLst>
       <p:ext uri="{BB962C8B-B14F-4D97-AF65-F5344CB8AC3E}">
-        <p14:creationId xmlns:p14="http://schemas.microsoft.com/office/powerpoint/2010/main" xmlns="" val="213276529"/>
+        <p14:creationId xmlns="" xmlns:p14="http://schemas.microsoft.com/office/powerpoint/2010/main" val="213276529"/>
       </p:ext>
     </p:extLst>
   </p:cSld>
@@ -1326,7 +1326,7 @@
     </p:spTree>
     <p:extLst>
       <p:ext uri="{BB962C8B-B14F-4D97-AF65-F5344CB8AC3E}">
-        <p14:creationId xmlns:p14="http://schemas.microsoft.com/office/powerpoint/2010/main" xmlns="" val="247186576"/>
+        <p14:creationId xmlns="" xmlns:p14="http://schemas.microsoft.com/office/powerpoint/2010/main" val="247186576"/>
       </p:ext>
     </p:extLst>
   </p:cSld>
@@ -1695,7 +1695,7 @@
     </p:spTree>
     <p:extLst>
       <p:ext uri="{BB962C8B-B14F-4D97-AF65-F5344CB8AC3E}">
-        <p14:creationId xmlns:p14="http://schemas.microsoft.com/office/powerpoint/2010/main" xmlns="" val="2155751304"/>
+        <p14:creationId xmlns="" xmlns:p14="http://schemas.microsoft.com/office/powerpoint/2010/main" val="2155751304"/>
       </p:ext>
     </p:extLst>
   </p:cSld>
@@ -1815,7 +1815,7 @@
     </p:spTree>
     <p:extLst>
       <p:ext uri="{BB962C8B-B14F-4D97-AF65-F5344CB8AC3E}">
-        <p14:creationId xmlns:p14="http://schemas.microsoft.com/office/powerpoint/2010/main" xmlns="" val="3260696510"/>
+        <p14:creationId xmlns="" xmlns:p14="http://schemas.microsoft.com/office/powerpoint/2010/main" val="3260696510"/>
       </p:ext>
     </p:extLst>
   </p:cSld>
@@ -1912,7 +1912,7 @@
     </p:spTree>
     <p:extLst>
       <p:ext uri="{BB962C8B-B14F-4D97-AF65-F5344CB8AC3E}">
-        <p14:creationId xmlns:p14="http://schemas.microsoft.com/office/powerpoint/2010/main" xmlns="" val="4159628063"/>
+        <p14:creationId xmlns="" xmlns:p14="http://schemas.microsoft.com/office/powerpoint/2010/main" val="4159628063"/>
       </p:ext>
     </p:extLst>
   </p:cSld>
@@ -2191,7 +2191,7 @@
     </p:spTree>
     <p:extLst>
       <p:ext uri="{BB962C8B-B14F-4D97-AF65-F5344CB8AC3E}">
-        <p14:creationId xmlns:p14="http://schemas.microsoft.com/office/powerpoint/2010/main" xmlns="" val="2139939528"/>
+        <p14:creationId xmlns="" xmlns:p14="http://schemas.microsoft.com/office/powerpoint/2010/main" val="2139939528"/>
       </p:ext>
     </p:extLst>
   </p:cSld>
@@ -2446,7 +2446,7 @@
     </p:spTree>
     <p:extLst>
       <p:ext uri="{BB962C8B-B14F-4D97-AF65-F5344CB8AC3E}">
-        <p14:creationId xmlns:p14="http://schemas.microsoft.com/office/powerpoint/2010/main" xmlns="" val="270694529"/>
+        <p14:creationId xmlns="" xmlns:p14="http://schemas.microsoft.com/office/powerpoint/2010/main" val="270694529"/>
       </p:ext>
     </p:extLst>
   </p:cSld>
@@ -2697,7 +2697,7 @@
     </p:spTree>
     <p:extLst>
       <p:ext uri="{BB962C8B-B14F-4D97-AF65-F5344CB8AC3E}">
-        <p14:creationId xmlns:p14="http://schemas.microsoft.com/office/powerpoint/2010/main" xmlns="" val="3518305882"/>
+        <p14:creationId xmlns="" xmlns:p14="http://schemas.microsoft.com/office/powerpoint/2010/main" val="3518305882"/>
       </p:ext>
     </p:extLst>
   </p:cSld>
@@ -3125,7 +3125,7 @@
           <a:blip r:embed="rId2" cstate="print">
             <a:extLst>
               <a:ext uri="{28A0092B-C50C-407E-A947-70E740481C1C}">
-                <a14:useLocalDpi xmlns:a14="http://schemas.microsoft.com/office/drawing/2010/main" xmlns="" val="0"/>
+                <a14:useLocalDpi xmlns="" xmlns:a14="http://schemas.microsoft.com/office/drawing/2010/main" val="0"/>
               </a:ext>
             </a:extLst>
           </a:blip>
@@ -3237,11 +3237,7 @@
             </a:r>
             <a:r>
               <a:rPr lang="zh-CN" altLang="en-US" dirty="0" smtClean="0"/>
-              <a:t>发现稿子太长了但是问题</a:t>
-            </a:r>
-            <a:r>
-              <a:rPr lang="zh-CN" altLang="en-US" dirty="0" smtClean="0"/>
-              <a:t>不大</a:t>
+              <a:t>发现稿子太长了但是问题不大</a:t>
             </a:r>
             <a:endParaRPr lang="en-US" altLang="zh-CN" dirty="0" smtClean="0"/>
           </a:p>
@@ -3252,19 +3248,88 @@
             </a:r>
             <a:r>
               <a:rPr lang="zh-CN" altLang="en-US" dirty="0" smtClean="0"/>
-              <a:t>最终定稿</a:t>
+              <a:t>最终</a:t>
+            </a:r>
+            <a:r>
+              <a:rPr lang="zh-CN" altLang="en-US" dirty="0" smtClean="0"/>
+              <a:t>定稿（为什么会有人听演讲不看 </a:t>
+            </a:r>
+            <a:r>
+              <a:rPr lang="en-US" altLang="zh-CN" dirty="0" smtClean="0"/>
+              <a:t>PPT</a:t>
             </a:r>
             <a:endParaRPr lang="en-US" altLang="zh-CN" dirty="0" smtClean="0"/>
           </a:p>
           <a:p>
             <a:endParaRPr lang="zh-CN" altLang="en-US" sz="1600" dirty="0"/>
+          </a:p>
+        </p:txBody>
+      </p:sp>
+      <p:sp>
+        <p:nvSpPr>
+          <p:cNvPr id="8" name="TextBox 7"/>
+          <p:cNvSpPr txBox="1"/>
+          <p:nvPr/>
+        </p:nvSpPr>
+        <p:spPr>
+          <a:xfrm>
+            <a:off x="7359445" y="0"/>
+            <a:ext cx="4832555" cy="830997"/>
+          </a:xfrm>
+          <a:prstGeom prst="rect">
+            <a:avLst/>
+          </a:prstGeom>
+          <a:noFill/>
+        </p:spPr>
+        <p:txBody>
+          <a:bodyPr wrap="square" rtlCol="0">
+            <a:spAutoFit/>
+          </a:bodyPr>
+          <a:lstStyle/>
+          <a:p>
+            <a:r>
+              <a:rPr lang="zh-CN" altLang="en-US" sz="2400" dirty="0" smtClean="0"/>
+              <a:t>请大家看 </a:t>
+            </a:r>
+            <a:r>
+              <a:rPr lang="en-US" altLang="zh-CN" sz="2400" dirty="0" smtClean="0"/>
+              <a:t>PPT</a:t>
+            </a:r>
+            <a:r>
+              <a:rPr lang="zh-CN" altLang="en-US" sz="2400" dirty="0" smtClean="0"/>
+              <a:t> 谢谢你们</a:t>
+            </a:r>
+            <a:endParaRPr lang="en-US" altLang="zh-CN" sz="2400" dirty="0" smtClean="0"/>
+          </a:p>
+          <a:p>
+            <a:r>
+              <a:rPr lang="zh-CN" altLang="en-US" sz="2400" dirty="0" smtClean="0"/>
+              <a:t>不看 </a:t>
+            </a:r>
+            <a:r>
+              <a:rPr lang="en-US" altLang="zh-CN" sz="2400" dirty="0" smtClean="0"/>
+              <a:t>PPT </a:t>
+            </a:r>
+            <a:r>
+              <a:rPr lang="en-US" altLang="zh-CN" sz="2400" dirty="0" err="1" smtClean="0"/>
+              <a:t>Bamboo_Day</a:t>
+            </a:r>
+            <a:r>
+              <a:rPr lang="en-US" altLang="zh-CN" sz="2400" dirty="0" smtClean="0"/>
+              <a:t> </a:t>
+            </a:r>
+            <a:r>
+              <a:rPr lang="zh-CN" altLang="en-US" sz="2400" dirty="0" smtClean="0"/>
+              <a:t>会伤心的</a:t>
+            </a:r>
+            <a:endParaRPr lang="zh-CN" altLang="en-US" sz="2400" dirty="0"/>
           </a:p>
         </p:txBody>
       </p:sp>
     </p:spTree>
     <p:extLst>
       <p:ext uri="{BB962C8B-B14F-4D97-AF65-F5344CB8AC3E}">
-        <p14:creationId xmlns:p14="http://schemas.microsoft.com/office/powerpoint/2010/main" xmlns="" val="353376672"/>
+        <p14:creationId xmlns="" xmlns:p14="http://schemas.microsoft.com/office/powerpoint/2010/main" val="353376672"/>
       </p:ext>
     </p:extLst>
   </p:cSld>
@@ -3423,7 +3488,7 @@
     </p:spTree>
     <p:extLst>
       <p:ext uri="{BB962C8B-B14F-4D97-AF65-F5344CB8AC3E}">
-        <p14:creationId xmlns:p14="http://schemas.microsoft.com/office/powerpoint/2010/main" xmlns="" val="4223806462"/>
+        <p14:creationId xmlns="" xmlns:p14="http://schemas.microsoft.com/office/powerpoint/2010/main" val="4223806462"/>
       </p:ext>
     </p:extLst>
   </p:cSld>
@@ -3875,7 +3940,7 @@
           <a:blip r:embed="rId2" cstate="print">
             <a:extLst>
               <a:ext uri="{28A0092B-C50C-407E-A947-70E740481C1C}">
-                <a14:useLocalDpi xmlns:a14="http://schemas.microsoft.com/office/drawing/2010/main" xmlns="" val="0"/>
+                <a14:useLocalDpi xmlns="" xmlns:a14="http://schemas.microsoft.com/office/drawing/2010/main" val="0"/>
               </a:ext>
             </a:extLst>
           </a:blip>
@@ -3905,7 +3970,7 @@
           <a:blip r:embed="rId2" cstate="print">
             <a:extLst>
               <a:ext uri="{28A0092B-C50C-407E-A947-70E740481C1C}">
-                <a14:useLocalDpi xmlns:a14="http://schemas.microsoft.com/office/drawing/2010/main" xmlns="" val="0"/>
+                <a14:useLocalDpi xmlns="" xmlns:a14="http://schemas.microsoft.com/office/drawing/2010/main" val="0"/>
               </a:ext>
             </a:extLst>
           </a:blip>
@@ -3935,7 +4000,7 @@
           <a:blip r:embed="rId2" cstate="print">
             <a:extLst>
               <a:ext uri="{28A0092B-C50C-407E-A947-70E740481C1C}">
-                <a14:useLocalDpi xmlns:a14="http://schemas.microsoft.com/office/drawing/2010/main" xmlns="" val="0"/>
+                <a14:useLocalDpi xmlns="" xmlns:a14="http://schemas.microsoft.com/office/drawing/2010/main" val="0"/>
               </a:ext>
             </a:extLst>
           </a:blip>
@@ -3965,7 +4030,7 @@
           <a:blip r:embed="rId2" cstate="print">
             <a:extLst>
               <a:ext uri="{28A0092B-C50C-407E-A947-70E740481C1C}">
-                <a14:useLocalDpi xmlns:a14="http://schemas.microsoft.com/office/drawing/2010/main" xmlns="" val="0"/>
+                <a14:useLocalDpi xmlns="" xmlns:a14="http://schemas.microsoft.com/office/drawing/2010/main" val="0"/>
               </a:ext>
             </a:extLst>
           </a:blip>
@@ -3995,7 +4060,7 @@
           <a:blip r:embed="rId2" cstate="print">
             <a:extLst>
               <a:ext uri="{28A0092B-C50C-407E-A947-70E740481C1C}">
-                <a14:useLocalDpi xmlns:a14="http://schemas.microsoft.com/office/drawing/2010/main" xmlns="" val="0"/>
+                <a14:useLocalDpi xmlns="" xmlns:a14="http://schemas.microsoft.com/office/drawing/2010/main" val="0"/>
               </a:ext>
             </a:extLst>
           </a:blip>
@@ -4025,7 +4090,7 @@
           <a:blip r:embed="rId2" cstate="print">
             <a:extLst>
               <a:ext uri="{28A0092B-C50C-407E-A947-70E740481C1C}">
-                <a14:useLocalDpi xmlns:a14="http://schemas.microsoft.com/office/drawing/2010/main" xmlns="" val="0"/>
+                <a14:useLocalDpi xmlns="" xmlns:a14="http://schemas.microsoft.com/office/drawing/2010/main" val="0"/>
               </a:ext>
             </a:extLst>
           </a:blip>
@@ -4055,7 +4120,7 @@
           <a:blip r:embed="rId2" cstate="print">
             <a:extLst>
               <a:ext uri="{28A0092B-C50C-407E-A947-70E740481C1C}">
-                <a14:useLocalDpi xmlns:a14="http://schemas.microsoft.com/office/drawing/2010/main" xmlns="" val="0"/>
+                <a14:useLocalDpi xmlns="" xmlns:a14="http://schemas.microsoft.com/office/drawing/2010/main" val="0"/>
               </a:ext>
             </a:extLst>
           </a:blip>
@@ -4085,7 +4150,7 @@
           <a:blip r:embed="rId2" cstate="print">
             <a:extLst>
               <a:ext uri="{28A0092B-C50C-407E-A947-70E740481C1C}">
-                <a14:useLocalDpi xmlns:a14="http://schemas.microsoft.com/office/drawing/2010/main" xmlns="" val="0"/>
+                <a14:useLocalDpi xmlns="" xmlns:a14="http://schemas.microsoft.com/office/drawing/2010/main" val="0"/>
               </a:ext>
             </a:extLst>
           </a:blip>
@@ -4115,7 +4180,7 @@
           <a:blip r:embed="rId2" cstate="print">
             <a:extLst>
               <a:ext uri="{28A0092B-C50C-407E-A947-70E740481C1C}">
-                <a14:useLocalDpi xmlns:a14="http://schemas.microsoft.com/office/drawing/2010/main" xmlns="" val="0"/>
+                <a14:useLocalDpi xmlns="" xmlns:a14="http://schemas.microsoft.com/office/drawing/2010/main" val="0"/>
               </a:ext>
             </a:extLst>
           </a:blip>
@@ -4145,7 +4210,7 @@
           <a:blip r:embed="rId2" cstate="print">
             <a:extLst>
               <a:ext uri="{28A0092B-C50C-407E-A947-70E740481C1C}">
-                <a14:useLocalDpi xmlns:a14="http://schemas.microsoft.com/office/drawing/2010/main" xmlns="" val="0"/>
+                <a14:useLocalDpi xmlns="" xmlns:a14="http://schemas.microsoft.com/office/drawing/2010/main" val="0"/>
               </a:ext>
             </a:extLst>
           </a:blip>
@@ -4175,7 +4240,7 @@
           <a:blip r:embed="rId2" cstate="print">
             <a:extLst>
               <a:ext uri="{28A0092B-C50C-407E-A947-70E740481C1C}">
-                <a14:useLocalDpi xmlns:a14="http://schemas.microsoft.com/office/drawing/2010/main" xmlns="" val="0"/>
+                <a14:useLocalDpi xmlns="" xmlns:a14="http://schemas.microsoft.com/office/drawing/2010/main" val="0"/>
               </a:ext>
             </a:extLst>
           </a:blip>
@@ -4205,7 +4270,7 @@
           <a:blip r:embed="rId2" cstate="print">
             <a:extLst>
               <a:ext uri="{28A0092B-C50C-407E-A947-70E740481C1C}">
-                <a14:useLocalDpi xmlns:a14="http://schemas.microsoft.com/office/drawing/2010/main" xmlns="" val="0"/>
+                <a14:useLocalDpi xmlns="" xmlns:a14="http://schemas.microsoft.com/office/drawing/2010/main" val="0"/>
               </a:ext>
             </a:extLst>
           </a:blip>
@@ -4235,7 +4300,7 @@
           <a:blip r:embed="rId2" cstate="print">
             <a:extLst>
               <a:ext uri="{28A0092B-C50C-407E-A947-70E740481C1C}">
-                <a14:useLocalDpi xmlns:a14="http://schemas.microsoft.com/office/drawing/2010/main" xmlns="" val="0"/>
+                <a14:useLocalDpi xmlns="" xmlns:a14="http://schemas.microsoft.com/office/drawing/2010/main" val="0"/>
               </a:ext>
             </a:extLst>
           </a:blip>
@@ -4265,7 +4330,7 @@
           <a:blip r:embed="rId2" cstate="print">
             <a:extLst>
               <a:ext uri="{28A0092B-C50C-407E-A947-70E740481C1C}">
-                <a14:useLocalDpi xmlns:a14="http://schemas.microsoft.com/office/drawing/2010/main" xmlns="" val="0"/>
+                <a14:useLocalDpi xmlns="" xmlns:a14="http://schemas.microsoft.com/office/drawing/2010/main" val="0"/>
               </a:ext>
             </a:extLst>
           </a:blip>
@@ -4295,7 +4360,7 @@
           <a:blip r:embed="rId2" cstate="print">
             <a:extLst>
               <a:ext uri="{28A0092B-C50C-407E-A947-70E740481C1C}">
-                <a14:useLocalDpi xmlns:a14="http://schemas.microsoft.com/office/drawing/2010/main" xmlns="" val="0"/>
+                <a14:useLocalDpi xmlns="" xmlns:a14="http://schemas.microsoft.com/office/drawing/2010/main" val="0"/>
               </a:ext>
             </a:extLst>
           </a:blip>
@@ -4325,7 +4390,7 @@
           <a:blip r:embed="rId2" cstate="print">
             <a:extLst>
               <a:ext uri="{28A0092B-C50C-407E-A947-70E740481C1C}">
-                <a14:useLocalDpi xmlns:a14="http://schemas.microsoft.com/office/drawing/2010/main" xmlns="" val="0"/>
+                <a14:useLocalDpi xmlns="" xmlns:a14="http://schemas.microsoft.com/office/drawing/2010/main" val="0"/>
               </a:ext>
             </a:extLst>
           </a:blip>
@@ -4355,7 +4420,7 @@
           <a:blip r:embed="rId2" cstate="print">
             <a:extLst>
               <a:ext uri="{28A0092B-C50C-407E-A947-70E740481C1C}">
-                <a14:useLocalDpi xmlns:a14="http://schemas.microsoft.com/office/drawing/2010/main" xmlns="" val="0"/>
+                <a14:useLocalDpi xmlns="" xmlns:a14="http://schemas.microsoft.com/office/drawing/2010/main" val="0"/>
               </a:ext>
             </a:extLst>
           </a:blip>
@@ -4385,7 +4450,7 @@
           <a:blip r:embed="rId2" cstate="print">
             <a:extLst>
               <a:ext uri="{28A0092B-C50C-407E-A947-70E740481C1C}">
-                <a14:useLocalDpi xmlns:a14="http://schemas.microsoft.com/office/drawing/2010/main" xmlns="" val="0"/>
+                <a14:useLocalDpi xmlns="" xmlns:a14="http://schemas.microsoft.com/office/drawing/2010/main" val="0"/>
               </a:ext>
             </a:extLst>
           </a:blip>
@@ -4415,7 +4480,7 @@
           <a:blip r:embed="rId2" cstate="print">
             <a:extLst>
               <a:ext uri="{28A0092B-C50C-407E-A947-70E740481C1C}">
-                <a14:useLocalDpi xmlns:a14="http://schemas.microsoft.com/office/drawing/2010/main" xmlns="" val="0"/>
+                <a14:useLocalDpi xmlns="" xmlns:a14="http://schemas.microsoft.com/office/drawing/2010/main" val="0"/>
               </a:ext>
             </a:extLst>
           </a:blip>
@@ -4445,7 +4510,7 @@
           <a:blip r:embed="rId2" cstate="print">
             <a:extLst>
               <a:ext uri="{28A0092B-C50C-407E-A947-70E740481C1C}">
-                <a14:useLocalDpi xmlns:a14="http://schemas.microsoft.com/office/drawing/2010/main" xmlns="" val="0"/>
+                <a14:useLocalDpi xmlns="" xmlns:a14="http://schemas.microsoft.com/office/drawing/2010/main" val="0"/>
               </a:ext>
             </a:extLst>
           </a:blip>
@@ -4475,7 +4540,7 @@
           <a:blip r:embed="rId2" cstate="print">
             <a:extLst>
               <a:ext uri="{28A0092B-C50C-407E-A947-70E740481C1C}">
-                <a14:useLocalDpi xmlns:a14="http://schemas.microsoft.com/office/drawing/2010/main" xmlns="" val="0"/>
+                <a14:useLocalDpi xmlns="" xmlns:a14="http://schemas.microsoft.com/office/drawing/2010/main" val="0"/>
               </a:ext>
             </a:extLst>
           </a:blip>
@@ -4505,7 +4570,7 @@
           <a:blip r:embed="rId2" cstate="print">
             <a:extLst>
               <a:ext uri="{28A0092B-C50C-407E-A947-70E740481C1C}">
-                <a14:useLocalDpi xmlns:a14="http://schemas.microsoft.com/office/drawing/2010/main" xmlns="" val="0"/>
+                <a14:useLocalDpi xmlns="" xmlns:a14="http://schemas.microsoft.com/office/drawing/2010/main" val="0"/>
               </a:ext>
             </a:extLst>
           </a:blip>
@@ -4535,7 +4600,7 @@
           <a:blip r:embed="rId2" cstate="print">
             <a:extLst>
               <a:ext uri="{28A0092B-C50C-407E-A947-70E740481C1C}">
-                <a14:useLocalDpi xmlns:a14="http://schemas.microsoft.com/office/drawing/2010/main" xmlns="" val="0"/>
+                <a14:useLocalDpi xmlns="" xmlns:a14="http://schemas.microsoft.com/office/drawing/2010/main" val="0"/>
               </a:ext>
             </a:extLst>
           </a:blip>
@@ -4565,7 +4630,7 @@
           <a:blip r:embed="rId2" cstate="print">
             <a:extLst>
               <a:ext uri="{28A0092B-C50C-407E-A947-70E740481C1C}">
-                <a14:useLocalDpi xmlns:a14="http://schemas.microsoft.com/office/drawing/2010/main" xmlns="" val="0"/>
+                <a14:useLocalDpi xmlns="" xmlns:a14="http://schemas.microsoft.com/office/drawing/2010/main" val="0"/>
               </a:ext>
             </a:extLst>
           </a:blip>
@@ -4595,7 +4660,7 @@
           <a:blip r:embed="rId2" cstate="print">
             <a:extLst>
               <a:ext uri="{28A0092B-C50C-407E-A947-70E740481C1C}">
-                <a14:useLocalDpi xmlns:a14="http://schemas.microsoft.com/office/drawing/2010/main" xmlns="" val="0"/>
+                <a14:useLocalDpi xmlns="" xmlns:a14="http://schemas.microsoft.com/office/drawing/2010/main" val="0"/>
               </a:ext>
             </a:extLst>
           </a:blip>
@@ -4625,7 +4690,7 @@
           <a:blip r:embed="rId2" cstate="print">
             <a:extLst>
               <a:ext uri="{28A0092B-C50C-407E-A947-70E740481C1C}">
-                <a14:useLocalDpi xmlns:a14="http://schemas.microsoft.com/office/drawing/2010/main" xmlns="" val="0"/>
+                <a14:useLocalDpi xmlns="" xmlns:a14="http://schemas.microsoft.com/office/drawing/2010/main" val="0"/>
               </a:ext>
             </a:extLst>
           </a:blip>
@@ -4655,7 +4720,7 @@
           <a:blip r:embed="rId2" cstate="print">
             <a:extLst>
               <a:ext uri="{28A0092B-C50C-407E-A947-70E740481C1C}">
-                <a14:useLocalDpi xmlns:a14="http://schemas.microsoft.com/office/drawing/2010/main" xmlns="" val="0"/>
+                <a14:useLocalDpi xmlns="" xmlns:a14="http://schemas.microsoft.com/office/drawing/2010/main" val="0"/>
               </a:ext>
             </a:extLst>
           </a:blip>
@@ -4685,7 +4750,7 @@
           <a:blip r:embed="rId2" cstate="print">
             <a:extLst>
               <a:ext uri="{28A0092B-C50C-407E-A947-70E740481C1C}">
-                <a14:useLocalDpi xmlns:a14="http://schemas.microsoft.com/office/drawing/2010/main" xmlns="" val="0"/>
+                <a14:useLocalDpi xmlns="" xmlns:a14="http://schemas.microsoft.com/office/drawing/2010/main" val="0"/>
               </a:ext>
             </a:extLst>
           </a:blip>
@@ -4715,7 +4780,7 @@
           <a:blip r:embed="rId2" cstate="print">
             <a:extLst>
               <a:ext uri="{28A0092B-C50C-407E-A947-70E740481C1C}">
-                <a14:useLocalDpi xmlns:a14="http://schemas.microsoft.com/office/drawing/2010/main" xmlns="" val="0"/>
+                <a14:useLocalDpi xmlns="" xmlns:a14="http://schemas.microsoft.com/office/drawing/2010/main" val="0"/>
               </a:ext>
             </a:extLst>
           </a:blip>
@@ -4745,7 +4810,7 @@
           <a:blip r:embed="rId2" cstate="print">
             <a:extLst>
               <a:ext uri="{28A0092B-C50C-407E-A947-70E740481C1C}">
-                <a14:useLocalDpi xmlns:a14="http://schemas.microsoft.com/office/drawing/2010/main" xmlns="" val="0"/>
+                <a14:useLocalDpi xmlns="" xmlns:a14="http://schemas.microsoft.com/office/drawing/2010/main" val="0"/>
               </a:ext>
             </a:extLst>
           </a:blip>
@@ -4775,7 +4840,7 @@
           <a:blip r:embed="rId2" cstate="print">
             <a:extLst>
               <a:ext uri="{28A0092B-C50C-407E-A947-70E740481C1C}">
-                <a14:useLocalDpi xmlns:a14="http://schemas.microsoft.com/office/drawing/2010/main" xmlns="" val="0"/>
+                <a14:useLocalDpi xmlns="" xmlns:a14="http://schemas.microsoft.com/office/drawing/2010/main" val="0"/>
               </a:ext>
             </a:extLst>
           </a:blip>
@@ -4805,7 +4870,7 @@
           <a:blip r:embed="rId2" cstate="print">
             <a:extLst>
               <a:ext uri="{28A0092B-C50C-407E-A947-70E740481C1C}">
-                <a14:useLocalDpi xmlns:a14="http://schemas.microsoft.com/office/drawing/2010/main" xmlns="" val="0"/>
+                <a14:useLocalDpi xmlns="" xmlns:a14="http://schemas.microsoft.com/office/drawing/2010/main" val="0"/>
               </a:ext>
             </a:extLst>
           </a:blip>
@@ -4835,7 +4900,7 @@
           <a:blip r:embed="rId2" cstate="print">
             <a:extLst>
               <a:ext uri="{28A0092B-C50C-407E-A947-70E740481C1C}">
-                <a14:useLocalDpi xmlns:a14="http://schemas.microsoft.com/office/drawing/2010/main" xmlns="" val="0"/>
+                <a14:useLocalDpi xmlns="" xmlns:a14="http://schemas.microsoft.com/office/drawing/2010/main" val="0"/>
               </a:ext>
             </a:extLst>
           </a:blip>
@@ -4865,7 +4930,7 @@
           <a:blip r:embed="rId2" cstate="print">
             <a:extLst>
               <a:ext uri="{28A0092B-C50C-407E-A947-70E740481C1C}">
-                <a14:useLocalDpi xmlns:a14="http://schemas.microsoft.com/office/drawing/2010/main" xmlns="" val="0"/>
+                <a14:useLocalDpi xmlns="" xmlns:a14="http://schemas.microsoft.com/office/drawing/2010/main" val="0"/>
               </a:ext>
             </a:extLst>
           </a:blip>
@@ -4895,7 +4960,7 @@
           <a:blip r:embed="rId2" cstate="print">
             <a:extLst>
               <a:ext uri="{28A0092B-C50C-407E-A947-70E740481C1C}">
-                <a14:useLocalDpi xmlns:a14="http://schemas.microsoft.com/office/drawing/2010/main" xmlns="" val="0"/>
+                <a14:useLocalDpi xmlns="" xmlns:a14="http://schemas.microsoft.com/office/drawing/2010/main" val="0"/>
               </a:ext>
             </a:extLst>
           </a:blip>
@@ -4925,7 +4990,7 @@
           <a:blip r:embed="rId2" cstate="print">
             <a:extLst>
               <a:ext uri="{28A0092B-C50C-407E-A947-70E740481C1C}">
-                <a14:useLocalDpi xmlns:a14="http://schemas.microsoft.com/office/drawing/2010/main" xmlns="" val="0"/>
+                <a14:useLocalDpi xmlns="" xmlns:a14="http://schemas.microsoft.com/office/drawing/2010/main" val="0"/>
               </a:ext>
             </a:extLst>
           </a:blip>
@@ -4955,7 +5020,7 @@
           <a:blip r:embed="rId2" cstate="print">
             <a:extLst>
               <a:ext uri="{28A0092B-C50C-407E-A947-70E740481C1C}">
-                <a14:useLocalDpi xmlns:a14="http://schemas.microsoft.com/office/drawing/2010/main" xmlns="" val="0"/>
+                <a14:useLocalDpi xmlns="" xmlns:a14="http://schemas.microsoft.com/office/drawing/2010/main" val="0"/>
               </a:ext>
             </a:extLst>
           </a:blip>
@@ -4985,7 +5050,7 @@
           <a:blip r:embed="rId2" cstate="print">
             <a:extLst>
               <a:ext uri="{28A0092B-C50C-407E-A947-70E740481C1C}">
-                <a14:useLocalDpi xmlns:a14="http://schemas.microsoft.com/office/drawing/2010/main" xmlns="" val="0"/>
+                <a14:useLocalDpi xmlns="" xmlns:a14="http://schemas.microsoft.com/office/drawing/2010/main" val="0"/>
               </a:ext>
             </a:extLst>
           </a:blip>
@@ -5015,7 +5080,7 @@
           <a:blip r:embed="rId2" cstate="print">
             <a:extLst>
               <a:ext uri="{28A0092B-C50C-407E-A947-70E740481C1C}">
-                <a14:useLocalDpi xmlns:a14="http://schemas.microsoft.com/office/drawing/2010/main" xmlns="" val="0"/>
+                <a14:useLocalDpi xmlns="" xmlns:a14="http://schemas.microsoft.com/office/drawing/2010/main" val="0"/>
               </a:ext>
             </a:extLst>
           </a:blip>
@@ -5045,7 +5110,7 @@
           <a:blip r:embed="rId2" cstate="print">
             <a:extLst>
               <a:ext uri="{28A0092B-C50C-407E-A947-70E740481C1C}">
-                <a14:useLocalDpi xmlns:a14="http://schemas.microsoft.com/office/drawing/2010/main" xmlns="" val="0"/>
+                <a14:useLocalDpi xmlns="" xmlns:a14="http://schemas.microsoft.com/office/drawing/2010/main" val="0"/>
               </a:ext>
             </a:extLst>
           </a:blip>
@@ -5075,7 +5140,7 @@
           <a:blip r:embed="rId2" cstate="print">
             <a:extLst>
               <a:ext uri="{28A0092B-C50C-407E-A947-70E740481C1C}">
-                <a14:useLocalDpi xmlns:a14="http://schemas.microsoft.com/office/drawing/2010/main" xmlns="" val="0"/>
+                <a14:useLocalDpi xmlns="" xmlns:a14="http://schemas.microsoft.com/office/drawing/2010/main" val="0"/>
               </a:ext>
             </a:extLst>
           </a:blip>
@@ -5105,7 +5170,7 @@
           <a:blip r:embed="rId2" cstate="print">
             <a:extLst>
               <a:ext uri="{28A0092B-C50C-407E-A947-70E740481C1C}">
-                <a14:useLocalDpi xmlns:a14="http://schemas.microsoft.com/office/drawing/2010/main" xmlns="" val="0"/>
+                <a14:useLocalDpi xmlns="" xmlns:a14="http://schemas.microsoft.com/office/drawing/2010/main" val="0"/>
               </a:ext>
             </a:extLst>
           </a:blip>
@@ -5135,7 +5200,7 @@
           <a:blip r:embed="rId2" cstate="print">
             <a:extLst>
               <a:ext uri="{28A0092B-C50C-407E-A947-70E740481C1C}">
-                <a14:useLocalDpi xmlns:a14="http://schemas.microsoft.com/office/drawing/2010/main" xmlns="" val="0"/>
+                <a14:useLocalDpi xmlns="" xmlns:a14="http://schemas.microsoft.com/office/drawing/2010/main" val="0"/>
               </a:ext>
             </a:extLst>
           </a:blip>
@@ -5165,7 +5230,7 @@
           <a:blip r:embed="rId2" cstate="print">
             <a:extLst>
               <a:ext uri="{28A0092B-C50C-407E-A947-70E740481C1C}">
-                <a14:useLocalDpi xmlns:a14="http://schemas.microsoft.com/office/drawing/2010/main" xmlns="" val="0"/>
+                <a14:useLocalDpi xmlns="" xmlns:a14="http://schemas.microsoft.com/office/drawing/2010/main" val="0"/>
               </a:ext>
             </a:extLst>
           </a:blip>
@@ -5195,7 +5260,7 @@
           <a:blip r:embed="rId2" cstate="print">
             <a:extLst>
               <a:ext uri="{28A0092B-C50C-407E-A947-70E740481C1C}">
-                <a14:useLocalDpi xmlns:a14="http://schemas.microsoft.com/office/drawing/2010/main" xmlns="" val="0"/>
+                <a14:useLocalDpi xmlns="" xmlns:a14="http://schemas.microsoft.com/office/drawing/2010/main" val="0"/>
               </a:ext>
             </a:extLst>
           </a:blip>
@@ -5225,7 +5290,7 @@
           <a:blip r:embed="rId2" cstate="print">
             <a:extLst>
               <a:ext uri="{28A0092B-C50C-407E-A947-70E740481C1C}">
-                <a14:useLocalDpi xmlns:a14="http://schemas.microsoft.com/office/drawing/2010/main" xmlns="" val="0"/>
+                <a14:useLocalDpi xmlns="" xmlns:a14="http://schemas.microsoft.com/office/drawing/2010/main" val="0"/>
               </a:ext>
             </a:extLst>
           </a:blip>
@@ -5255,7 +5320,7 @@
           <a:blip r:embed="rId2" cstate="print">
             <a:extLst>
               <a:ext uri="{28A0092B-C50C-407E-A947-70E740481C1C}">
-                <a14:useLocalDpi xmlns:a14="http://schemas.microsoft.com/office/drawing/2010/main" xmlns="" val="0"/>
+                <a14:useLocalDpi xmlns="" xmlns:a14="http://schemas.microsoft.com/office/drawing/2010/main" val="0"/>
               </a:ext>
             </a:extLst>
           </a:blip>
@@ -5285,7 +5350,7 @@
           <a:blip r:embed="rId2" cstate="print">
             <a:extLst>
               <a:ext uri="{28A0092B-C50C-407E-A947-70E740481C1C}">
-                <a14:useLocalDpi xmlns:a14="http://schemas.microsoft.com/office/drawing/2010/main" xmlns="" val="0"/>
+                <a14:useLocalDpi xmlns="" xmlns:a14="http://schemas.microsoft.com/office/drawing/2010/main" val="0"/>
               </a:ext>
             </a:extLst>
           </a:blip>
@@ -5315,7 +5380,7 @@
           <a:blip r:embed="rId2" cstate="print">
             <a:extLst>
               <a:ext uri="{28A0092B-C50C-407E-A947-70E740481C1C}">
-                <a14:useLocalDpi xmlns:a14="http://schemas.microsoft.com/office/drawing/2010/main" xmlns="" val="0"/>
+                <a14:useLocalDpi xmlns="" xmlns:a14="http://schemas.microsoft.com/office/drawing/2010/main" val="0"/>
               </a:ext>
             </a:extLst>
           </a:blip>
@@ -5345,7 +5410,7 @@
           <a:blip r:embed="rId2" cstate="print">
             <a:extLst>
               <a:ext uri="{28A0092B-C50C-407E-A947-70E740481C1C}">
-                <a14:useLocalDpi xmlns:a14="http://schemas.microsoft.com/office/drawing/2010/main" xmlns="" val="0"/>
+                <a14:useLocalDpi xmlns="" xmlns:a14="http://schemas.microsoft.com/office/drawing/2010/main" val="0"/>
               </a:ext>
             </a:extLst>
           </a:blip>
@@ -5436,7 +5501,7 @@
           <a:blip r:embed="rId2" cstate="print">
             <a:extLst>
               <a:ext uri="{28A0092B-C50C-407E-A947-70E740481C1C}">
-                <a14:useLocalDpi xmlns:a14="http://schemas.microsoft.com/office/drawing/2010/main" xmlns="" val="0"/>
+                <a14:useLocalDpi xmlns="" xmlns:a14="http://schemas.microsoft.com/office/drawing/2010/main" val="0"/>
               </a:ext>
             </a:extLst>
           </a:blip>
@@ -5466,7 +5531,7 @@
           <a:blip r:embed="rId2" cstate="print">
             <a:extLst>
               <a:ext uri="{28A0092B-C50C-407E-A947-70E740481C1C}">
-                <a14:useLocalDpi xmlns:a14="http://schemas.microsoft.com/office/drawing/2010/main" xmlns="" val="0"/>
+                <a14:useLocalDpi xmlns="" xmlns:a14="http://schemas.microsoft.com/office/drawing/2010/main" val="0"/>
               </a:ext>
             </a:extLst>
           </a:blip>
@@ -5496,7 +5561,7 @@
           <a:blip r:embed="rId2" cstate="print">
             <a:extLst>
               <a:ext uri="{28A0092B-C50C-407E-A947-70E740481C1C}">
-                <a14:useLocalDpi xmlns:a14="http://schemas.microsoft.com/office/drawing/2010/main" xmlns="" val="0"/>
+                <a14:useLocalDpi xmlns="" xmlns:a14="http://schemas.microsoft.com/office/drawing/2010/main" val="0"/>
               </a:ext>
             </a:extLst>
           </a:blip>
@@ -5526,7 +5591,7 @@
           <a:blip r:embed="rId2" cstate="print">
             <a:extLst>
               <a:ext uri="{28A0092B-C50C-407E-A947-70E740481C1C}">
-                <a14:useLocalDpi xmlns:a14="http://schemas.microsoft.com/office/drawing/2010/main" xmlns="" val="0"/>
+                <a14:useLocalDpi xmlns="" xmlns:a14="http://schemas.microsoft.com/office/drawing/2010/main" val="0"/>
               </a:ext>
             </a:extLst>
           </a:blip>
@@ -5556,7 +5621,7 @@
           <a:blip r:embed="rId2" cstate="print">
             <a:extLst>
               <a:ext uri="{28A0092B-C50C-407E-A947-70E740481C1C}">
-                <a14:useLocalDpi xmlns:a14="http://schemas.microsoft.com/office/drawing/2010/main" xmlns="" val="0"/>
+                <a14:useLocalDpi xmlns="" xmlns:a14="http://schemas.microsoft.com/office/drawing/2010/main" val="0"/>
               </a:ext>
             </a:extLst>
           </a:blip>
@@ -5586,7 +5651,7 @@
           <a:blip r:embed="rId2" cstate="print">
             <a:extLst>
               <a:ext uri="{28A0092B-C50C-407E-A947-70E740481C1C}">
-                <a14:useLocalDpi xmlns:a14="http://schemas.microsoft.com/office/drawing/2010/main" xmlns="" val="0"/>
+                <a14:useLocalDpi xmlns="" xmlns:a14="http://schemas.microsoft.com/office/drawing/2010/main" val="0"/>
               </a:ext>
             </a:extLst>
           </a:blip>
@@ -5616,7 +5681,7 @@
           <a:blip r:embed="rId2" cstate="print">
             <a:extLst>
               <a:ext uri="{28A0092B-C50C-407E-A947-70E740481C1C}">
-                <a14:useLocalDpi xmlns:a14="http://schemas.microsoft.com/office/drawing/2010/main" xmlns="" val="0"/>
+                <a14:useLocalDpi xmlns="" xmlns:a14="http://schemas.microsoft.com/office/drawing/2010/main" val="0"/>
               </a:ext>
             </a:extLst>
           </a:blip>
@@ -5646,7 +5711,7 @@
           <a:blip r:embed="rId2" cstate="print">
             <a:extLst>
               <a:ext uri="{28A0092B-C50C-407E-A947-70E740481C1C}">
-                <a14:useLocalDpi xmlns:a14="http://schemas.microsoft.com/office/drawing/2010/main" xmlns="" val="0"/>
+                <a14:useLocalDpi xmlns="" xmlns:a14="http://schemas.microsoft.com/office/drawing/2010/main" val="0"/>
               </a:ext>
             </a:extLst>
           </a:blip>
@@ -5676,7 +5741,7 @@
           <a:blip r:embed="rId2" cstate="print">
             <a:extLst>
               <a:ext uri="{28A0092B-C50C-407E-A947-70E740481C1C}">
-                <a14:useLocalDpi xmlns:a14="http://schemas.microsoft.com/office/drawing/2010/main" xmlns="" val="0"/>
+                <a14:useLocalDpi xmlns="" xmlns:a14="http://schemas.microsoft.com/office/drawing/2010/main" val="0"/>
               </a:ext>
             </a:extLst>
           </a:blip>
@@ -5706,7 +5771,7 @@
           <a:blip r:embed="rId2" cstate="print">
             <a:extLst>
               <a:ext uri="{28A0092B-C50C-407E-A947-70E740481C1C}">
-                <a14:useLocalDpi xmlns:a14="http://schemas.microsoft.com/office/drawing/2010/main" xmlns="" val="0"/>
+                <a14:useLocalDpi xmlns="" xmlns:a14="http://schemas.microsoft.com/office/drawing/2010/main" val="0"/>
               </a:ext>
             </a:extLst>
           </a:blip>
@@ -5736,7 +5801,7 @@
           <a:blip r:embed="rId2" cstate="print">
             <a:extLst>
               <a:ext uri="{28A0092B-C50C-407E-A947-70E740481C1C}">
-                <a14:useLocalDpi xmlns:a14="http://schemas.microsoft.com/office/drawing/2010/main" xmlns="" val="0"/>
+                <a14:useLocalDpi xmlns="" xmlns:a14="http://schemas.microsoft.com/office/drawing/2010/main" val="0"/>
               </a:ext>
             </a:extLst>
           </a:blip>
@@ -5766,7 +5831,7 @@
           <a:blip r:embed="rId2" cstate="print">
             <a:extLst>
               <a:ext uri="{28A0092B-C50C-407E-A947-70E740481C1C}">
-                <a14:useLocalDpi xmlns:a14="http://schemas.microsoft.com/office/drawing/2010/main" xmlns="" val="0"/>
+                <a14:useLocalDpi xmlns="" xmlns:a14="http://schemas.microsoft.com/office/drawing/2010/main" val="0"/>
               </a:ext>
             </a:extLst>
           </a:blip>
@@ -5787,7 +5852,7 @@
     </p:spTree>
     <p:extLst>
       <p:ext uri="{BB962C8B-B14F-4D97-AF65-F5344CB8AC3E}">
-        <p14:creationId xmlns:p14="http://schemas.microsoft.com/office/powerpoint/2010/main" xmlns="" val="3237648164"/>
+        <p14:creationId xmlns="" xmlns:p14="http://schemas.microsoft.com/office/powerpoint/2010/main" val="3237648164"/>
       </p:ext>
     </p:extLst>
   </p:cSld>
@@ -6456,7 +6521,7 @@
           <a:blip r:embed="rId2" cstate="print">
             <a:extLst>
               <a:ext uri="{28A0092B-C50C-407E-A947-70E740481C1C}">
-                <a14:useLocalDpi xmlns:a14="http://schemas.microsoft.com/office/drawing/2010/main" xmlns="" val="0"/>
+                <a14:useLocalDpi xmlns="" xmlns:a14="http://schemas.microsoft.com/office/drawing/2010/main" val="0"/>
               </a:ext>
             </a:extLst>
           </a:blip>
@@ -6507,7 +6572,7 @@
     </p:spTree>
     <p:extLst>
       <p:ext uri="{BB962C8B-B14F-4D97-AF65-F5344CB8AC3E}">
-        <p14:creationId xmlns:p14="http://schemas.microsoft.com/office/powerpoint/2010/main" xmlns="" val="3896966021"/>
+        <p14:creationId xmlns="" xmlns:p14="http://schemas.microsoft.com/office/powerpoint/2010/main" val="3896966021"/>
       </p:ext>
     </p:extLst>
   </p:cSld>
@@ -6553,7 +6618,7 @@
           <a:blip r:embed="rId2" cstate="print">
             <a:extLst>
               <a:ext uri="{28A0092B-C50C-407E-A947-70E740481C1C}">
-                <a14:useLocalDpi xmlns:a14="http://schemas.microsoft.com/office/drawing/2010/main" xmlns="" val="0"/>
+                <a14:useLocalDpi xmlns="" xmlns:a14="http://schemas.microsoft.com/office/drawing/2010/main" val="0"/>
               </a:ext>
             </a:extLst>
           </a:blip>
@@ -6641,15 +6706,7 @@
             </a:r>
             <a:r>
               <a:rPr lang="zh-CN" altLang="en-US" sz="3600" dirty="0" smtClean="0"/>
-              <a:t>，</a:t>
-            </a:r>
-            <a:r>
-              <a:rPr lang="zh-CN" altLang="en-US" sz="3600" dirty="0" smtClean="0"/>
-              <a:t>直到</a:t>
-            </a:r>
-            <a:r>
-              <a:rPr lang="zh-CN" altLang="en-US" sz="3600" dirty="0" smtClean="0"/>
-              <a:t>问</a:t>
+              <a:t>，直到问</a:t>
             </a:r>
             <a:r>
               <a:rPr lang="zh-CN" altLang="en-US" sz="3600" dirty="0"/>
@@ -6661,7 +6718,7 @@
     </p:spTree>
     <p:extLst>
       <p:ext uri="{BB962C8B-B14F-4D97-AF65-F5344CB8AC3E}">
-        <p14:creationId xmlns:p14="http://schemas.microsoft.com/office/powerpoint/2010/main" xmlns="" val="3142238618"/>
+        <p14:creationId xmlns="" xmlns:p14="http://schemas.microsoft.com/office/powerpoint/2010/main" val="3142238618"/>
       </p:ext>
     </p:extLst>
   </p:cSld>
@@ -6892,7 +6949,7 @@
           <a:blip r:embed="rId2" cstate="print">
             <a:extLst>
               <a:ext uri="{28A0092B-C50C-407E-A947-70E740481C1C}">
-                <a14:useLocalDpi xmlns:a14="http://schemas.microsoft.com/office/drawing/2010/main" xmlns="" val="0"/>
+                <a14:useLocalDpi xmlns="" xmlns:a14="http://schemas.microsoft.com/office/drawing/2010/main" val="0"/>
               </a:ext>
             </a:extLst>
           </a:blip>
@@ -6943,7 +7000,7 @@
     </p:spTree>
     <p:extLst>
       <p:ext uri="{BB962C8B-B14F-4D97-AF65-F5344CB8AC3E}">
-        <p14:creationId xmlns:p14="http://schemas.microsoft.com/office/powerpoint/2010/main" xmlns="" val="3919978315"/>
+        <p14:creationId xmlns="" xmlns:p14="http://schemas.microsoft.com/office/powerpoint/2010/main" val="3919978315"/>
       </p:ext>
     </p:extLst>
   </p:cSld>
@@ -7181,7 +7238,7 @@
     </p:spTree>
     <p:extLst>
       <p:ext uri="{BB962C8B-B14F-4D97-AF65-F5344CB8AC3E}">
-        <p14:creationId xmlns:p14="http://schemas.microsoft.com/office/powerpoint/2010/main" xmlns="" val="4223806462"/>
+        <p14:creationId xmlns="" xmlns:p14="http://schemas.microsoft.com/office/powerpoint/2010/main" val="4223806462"/>
       </p:ext>
     </p:extLst>
   </p:cSld>
@@ -7523,7 +7580,7 @@
     </p:spTree>
     <p:extLst>
       <p:ext uri="{BB962C8B-B14F-4D97-AF65-F5344CB8AC3E}">
-        <p14:creationId xmlns:p14="http://schemas.microsoft.com/office/powerpoint/2010/main" xmlns="" val="1830856526"/>
+        <p14:creationId xmlns="" xmlns:p14="http://schemas.microsoft.com/office/powerpoint/2010/main" val="1830856526"/>
       </p:ext>
     </p:extLst>
   </p:cSld>
@@ -7809,7 +7866,7 @@
           <a:blip r:embed="rId2" cstate="print">
             <a:extLst>
               <a:ext uri="{28A0092B-C50C-407E-A947-70E740481C1C}">
-                <a14:useLocalDpi xmlns:a14="http://schemas.microsoft.com/office/drawing/2010/main" xmlns="" val="0"/>
+                <a14:useLocalDpi xmlns="" xmlns:a14="http://schemas.microsoft.com/office/drawing/2010/main" val="0"/>
               </a:ext>
             </a:extLst>
           </a:blip>
@@ -7830,7 +7887,7 @@
     </p:spTree>
     <p:extLst>
       <p:ext uri="{BB962C8B-B14F-4D97-AF65-F5344CB8AC3E}">
-        <p14:creationId xmlns:p14="http://schemas.microsoft.com/office/powerpoint/2010/main" xmlns="" val="4223806462"/>
+        <p14:creationId xmlns="" xmlns:p14="http://schemas.microsoft.com/office/powerpoint/2010/main" val="4223806462"/>
       </p:ext>
     </p:extLst>
   </p:cSld>
@@ -8076,7 +8133,7 @@
     </p:spTree>
     <p:extLst>
       <p:ext uri="{BB962C8B-B14F-4D97-AF65-F5344CB8AC3E}">
-        <p14:creationId xmlns:p14="http://schemas.microsoft.com/office/powerpoint/2010/main" xmlns="" val="4223806462"/>
+        <p14:creationId xmlns="" xmlns:p14="http://schemas.microsoft.com/office/powerpoint/2010/main" val="4223806462"/>
       </p:ext>
     </p:extLst>
   </p:cSld>
@@ -8418,7 +8475,7 @@
     </p:spTree>
     <p:extLst>
       <p:ext uri="{BB962C8B-B14F-4D97-AF65-F5344CB8AC3E}">
-        <p14:creationId xmlns:p14="http://schemas.microsoft.com/office/powerpoint/2010/main" xmlns="" val="4223806462"/>
+        <p14:creationId xmlns="" xmlns:p14="http://schemas.microsoft.com/office/powerpoint/2010/main" val="4223806462"/>
       </p:ext>
     </p:extLst>
   </p:cSld>
@@ -8894,7 +8951,7 @@
   <a:extraClrSchemeLst/>
   <a:extLst>
     <a:ext uri="{05A4C25C-085E-4340-85A3-A5531E510DB2}">
-      <thm15:themeFamily xmlns:thm15="http://schemas.microsoft.com/office/thememl/2012/main" xmlns="" name="Office Theme" id="{62F939B6-93AF-4DB8-9C6B-D6C7DFDC589F}" vid="{4A3C46E8-61CC-4603-A589-7422A47A8E4A}"/>
+      <thm15:themeFamily xmlns="" xmlns:thm15="http://schemas.microsoft.com/office/thememl/2012/main" name="Office Theme" id="{62F939B6-93AF-4DB8-9C6B-D6C7DFDC589F}" vid="{4A3C46E8-61CC-4603-A589-7422A47A8E4A}"/>
     </a:ext>
   </a:extLst>
 </a:theme>

--- a/激情演讲.pptx
+++ b/激情演讲.pptx
@@ -117,7 +117,7 @@
   </p:defaultTextStyle>
   <p:extLst>
     <p:ext uri="{EFAFB233-063F-42B5-8137-9DF3F51BA10A}">
-      <p15:sldGuideLst xmlns="" xmlns:p15="http://schemas.microsoft.com/office/powerpoint/2012/main">
+      <p15:sldGuideLst xmlns:p15="http://schemas.microsoft.com/office/powerpoint/2012/main">
         <p15:guide id="1" orient="horz" pos="2160">
           <p15:clr>
             <a:srgbClr val="A4A3A4"/>
@@ -266,7 +266,7 @@
             <a:fld id="{088B0906-6CF8-4B6F-9999-52E9B8B394F6}" type="datetimeFigureOut">
               <a:rPr lang="zh-CN" altLang="en-US" smtClean="0"/>
               <a:pPr/>
-              <a:t>2023/12/10</a:t>
+              <a:t>2023/12/13</a:t>
             </a:fld>
             <a:endParaRPr lang="zh-CN" altLang="en-US"/>
           </a:p>
@@ -318,7 +318,7 @@
     </p:spTree>
     <p:extLst>
       <p:ext uri="{BB962C8B-B14F-4D97-AF65-F5344CB8AC3E}">
-        <p14:creationId xmlns="" xmlns:p14="http://schemas.microsoft.com/office/powerpoint/2010/main" val="3243702133"/>
+        <p14:creationId xmlns:p14="http://schemas.microsoft.com/office/powerpoint/2010/main" val="3243702133"/>
       </p:ext>
     </p:extLst>
   </p:cSld>
@@ -438,7 +438,7 @@
             <a:fld id="{088B0906-6CF8-4B6F-9999-52E9B8B394F6}" type="datetimeFigureOut">
               <a:rPr lang="zh-CN" altLang="en-US" smtClean="0"/>
               <a:pPr/>
-              <a:t>2023/12/10</a:t>
+              <a:t>2023/12/13</a:t>
             </a:fld>
             <a:endParaRPr lang="zh-CN" altLang="en-US"/>
           </a:p>
@@ -490,7 +490,7 @@
     </p:spTree>
     <p:extLst>
       <p:ext uri="{BB962C8B-B14F-4D97-AF65-F5344CB8AC3E}">
-        <p14:creationId xmlns="" xmlns:p14="http://schemas.microsoft.com/office/powerpoint/2010/main" val="1240899321"/>
+        <p14:creationId xmlns:p14="http://schemas.microsoft.com/office/powerpoint/2010/main" val="1240899321"/>
       </p:ext>
     </p:extLst>
   </p:cSld>
@@ -620,7 +620,7 @@
             <a:fld id="{088B0906-6CF8-4B6F-9999-52E9B8B394F6}" type="datetimeFigureOut">
               <a:rPr lang="zh-CN" altLang="en-US" smtClean="0"/>
               <a:pPr/>
-              <a:t>2023/12/10</a:t>
+              <a:t>2023/12/13</a:t>
             </a:fld>
             <a:endParaRPr lang="zh-CN" altLang="en-US"/>
           </a:p>
@@ -672,7 +672,7 @@
     </p:spTree>
     <p:extLst>
       <p:ext uri="{BB962C8B-B14F-4D97-AF65-F5344CB8AC3E}">
-        <p14:creationId xmlns="" xmlns:p14="http://schemas.microsoft.com/office/powerpoint/2010/main" val="2590562766"/>
+        <p14:creationId xmlns:p14="http://schemas.microsoft.com/office/powerpoint/2010/main" val="2590562766"/>
       </p:ext>
     </p:extLst>
   </p:cSld>
@@ -792,7 +792,7 @@
             <a:fld id="{088B0906-6CF8-4B6F-9999-52E9B8B394F6}" type="datetimeFigureOut">
               <a:rPr lang="zh-CN" altLang="en-US" smtClean="0"/>
               <a:pPr/>
-              <a:t>2023/12/10</a:t>
+              <a:t>2023/12/13</a:t>
             </a:fld>
             <a:endParaRPr lang="zh-CN" altLang="en-US"/>
           </a:p>
@@ -844,7 +844,7 @@
     </p:spTree>
     <p:extLst>
       <p:ext uri="{BB962C8B-B14F-4D97-AF65-F5344CB8AC3E}">
-        <p14:creationId xmlns="" xmlns:p14="http://schemas.microsoft.com/office/powerpoint/2010/main" val="2613875596"/>
+        <p14:creationId xmlns:p14="http://schemas.microsoft.com/office/powerpoint/2010/main" val="2613875596"/>
       </p:ext>
     </p:extLst>
   </p:cSld>
@@ -1040,7 +1040,7 @@
             <a:fld id="{088B0906-6CF8-4B6F-9999-52E9B8B394F6}" type="datetimeFigureOut">
               <a:rPr lang="zh-CN" altLang="en-US" smtClean="0"/>
               <a:pPr/>
-              <a:t>2023/12/10</a:t>
+              <a:t>2023/12/13</a:t>
             </a:fld>
             <a:endParaRPr lang="zh-CN" altLang="en-US"/>
           </a:p>
@@ -1092,7 +1092,7 @@
     </p:spTree>
     <p:extLst>
       <p:ext uri="{BB962C8B-B14F-4D97-AF65-F5344CB8AC3E}">
-        <p14:creationId xmlns="" xmlns:p14="http://schemas.microsoft.com/office/powerpoint/2010/main" val="213276529"/>
+        <p14:creationId xmlns:p14="http://schemas.microsoft.com/office/powerpoint/2010/main" val="213276529"/>
       </p:ext>
     </p:extLst>
   </p:cSld>
@@ -1274,7 +1274,7 @@
             <a:fld id="{088B0906-6CF8-4B6F-9999-52E9B8B394F6}" type="datetimeFigureOut">
               <a:rPr lang="zh-CN" altLang="en-US" smtClean="0"/>
               <a:pPr/>
-              <a:t>2023/12/10</a:t>
+              <a:t>2023/12/13</a:t>
             </a:fld>
             <a:endParaRPr lang="zh-CN" altLang="en-US"/>
           </a:p>
@@ -1326,7 +1326,7 @@
     </p:spTree>
     <p:extLst>
       <p:ext uri="{BB962C8B-B14F-4D97-AF65-F5344CB8AC3E}">
-        <p14:creationId xmlns="" xmlns:p14="http://schemas.microsoft.com/office/powerpoint/2010/main" val="247186576"/>
+        <p14:creationId xmlns:p14="http://schemas.microsoft.com/office/powerpoint/2010/main" val="247186576"/>
       </p:ext>
     </p:extLst>
   </p:cSld>
@@ -1643,7 +1643,7 @@
             <a:fld id="{088B0906-6CF8-4B6F-9999-52E9B8B394F6}" type="datetimeFigureOut">
               <a:rPr lang="zh-CN" altLang="en-US" smtClean="0"/>
               <a:pPr/>
-              <a:t>2023/12/10</a:t>
+              <a:t>2023/12/13</a:t>
             </a:fld>
             <a:endParaRPr lang="zh-CN" altLang="en-US"/>
           </a:p>
@@ -1695,7 +1695,7 @@
     </p:spTree>
     <p:extLst>
       <p:ext uri="{BB962C8B-B14F-4D97-AF65-F5344CB8AC3E}">
-        <p14:creationId xmlns="" xmlns:p14="http://schemas.microsoft.com/office/powerpoint/2010/main" val="2155751304"/>
+        <p14:creationId xmlns:p14="http://schemas.microsoft.com/office/powerpoint/2010/main" val="2155751304"/>
       </p:ext>
     </p:extLst>
   </p:cSld>
@@ -1763,7 +1763,7 @@
             <a:fld id="{088B0906-6CF8-4B6F-9999-52E9B8B394F6}" type="datetimeFigureOut">
               <a:rPr lang="zh-CN" altLang="en-US" smtClean="0"/>
               <a:pPr/>
-              <a:t>2023/12/10</a:t>
+              <a:t>2023/12/13</a:t>
             </a:fld>
             <a:endParaRPr lang="zh-CN" altLang="en-US"/>
           </a:p>
@@ -1815,7 +1815,7 @@
     </p:spTree>
     <p:extLst>
       <p:ext uri="{BB962C8B-B14F-4D97-AF65-F5344CB8AC3E}">
-        <p14:creationId xmlns="" xmlns:p14="http://schemas.microsoft.com/office/powerpoint/2010/main" val="3260696510"/>
+        <p14:creationId xmlns:p14="http://schemas.microsoft.com/office/powerpoint/2010/main" val="3260696510"/>
       </p:ext>
     </p:extLst>
   </p:cSld>
@@ -1860,7 +1860,7 @@
             <a:fld id="{088B0906-6CF8-4B6F-9999-52E9B8B394F6}" type="datetimeFigureOut">
               <a:rPr lang="zh-CN" altLang="en-US" smtClean="0"/>
               <a:pPr/>
-              <a:t>2023/12/10</a:t>
+              <a:t>2023/12/13</a:t>
             </a:fld>
             <a:endParaRPr lang="zh-CN" altLang="en-US"/>
           </a:p>
@@ -1912,7 +1912,7 @@
     </p:spTree>
     <p:extLst>
       <p:ext uri="{BB962C8B-B14F-4D97-AF65-F5344CB8AC3E}">
-        <p14:creationId xmlns="" xmlns:p14="http://schemas.microsoft.com/office/powerpoint/2010/main" val="4159628063"/>
+        <p14:creationId xmlns:p14="http://schemas.microsoft.com/office/powerpoint/2010/main" val="4159628063"/>
       </p:ext>
     </p:extLst>
   </p:cSld>
@@ -2139,7 +2139,7 @@
             <a:fld id="{088B0906-6CF8-4B6F-9999-52E9B8B394F6}" type="datetimeFigureOut">
               <a:rPr lang="zh-CN" altLang="en-US" smtClean="0"/>
               <a:pPr/>
-              <a:t>2023/12/10</a:t>
+              <a:t>2023/12/13</a:t>
             </a:fld>
             <a:endParaRPr lang="zh-CN" altLang="en-US"/>
           </a:p>
@@ -2191,7 +2191,7 @@
     </p:spTree>
     <p:extLst>
       <p:ext uri="{BB962C8B-B14F-4D97-AF65-F5344CB8AC3E}">
-        <p14:creationId xmlns="" xmlns:p14="http://schemas.microsoft.com/office/powerpoint/2010/main" val="2139939528"/>
+        <p14:creationId xmlns:p14="http://schemas.microsoft.com/office/powerpoint/2010/main" val="2139939528"/>
       </p:ext>
     </p:extLst>
   </p:cSld>
@@ -2394,7 +2394,7 @@
             <a:fld id="{088B0906-6CF8-4B6F-9999-52E9B8B394F6}" type="datetimeFigureOut">
               <a:rPr lang="zh-CN" altLang="en-US" smtClean="0"/>
               <a:pPr/>
-              <a:t>2023/12/10</a:t>
+              <a:t>2023/12/13</a:t>
             </a:fld>
             <a:endParaRPr lang="zh-CN" altLang="en-US"/>
           </a:p>
@@ -2446,7 +2446,7 @@
     </p:spTree>
     <p:extLst>
       <p:ext uri="{BB962C8B-B14F-4D97-AF65-F5344CB8AC3E}">
-        <p14:creationId xmlns="" xmlns:p14="http://schemas.microsoft.com/office/powerpoint/2010/main" val="270694529"/>
+        <p14:creationId xmlns:p14="http://schemas.microsoft.com/office/powerpoint/2010/main" val="270694529"/>
       </p:ext>
     </p:extLst>
   </p:cSld>
@@ -2609,7 +2609,7 @@
             <a:fld id="{088B0906-6CF8-4B6F-9999-52E9B8B394F6}" type="datetimeFigureOut">
               <a:rPr lang="zh-CN" altLang="en-US" smtClean="0"/>
               <a:pPr/>
-              <a:t>2023/12/10</a:t>
+              <a:t>2023/12/13</a:t>
             </a:fld>
             <a:endParaRPr lang="zh-CN" altLang="en-US"/>
           </a:p>
@@ -2697,7 +2697,7 @@
     </p:spTree>
     <p:extLst>
       <p:ext uri="{BB962C8B-B14F-4D97-AF65-F5344CB8AC3E}">
-        <p14:creationId xmlns="" xmlns:p14="http://schemas.microsoft.com/office/powerpoint/2010/main" val="3518305882"/>
+        <p14:creationId xmlns:p14="http://schemas.microsoft.com/office/powerpoint/2010/main" val="3518305882"/>
       </p:ext>
     </p:extLst>
   </p:cSld>
@@ -3125,7 +3125,7 @@
           <a:blip r:embed="rId2" cstate="print">
             <a:extLst>
               <a:ext uri="{28A0092B-C50C-407E-A947-70E740481C1C}">
-                <a14:useLocalDpi xmlns="" xmlns:a14="http://schemas.microsoft.com/office/drawing/2010/main" val="0"/>
+                <a14:useLocalDpi xmlns:a14="http://schemas.microsoft.com/office/drawing/2010/main" val="0"/>
               </a:ext>
             </a:extLst>
           </a:blip>
@@ -3189,8 +3189,8 @@
         </p:nvSpPr>
         <p:spPr>
           <a:xfrm>
-            <a:off x="99644" y="129929"/>
-            <a:ext cx="5902803" cy="1754326"/>
+            <a:off x="73267" y="156306"/>
+            <a:ext cx="5902803" cy="2031325"/>
           </a:xfrm>
           <a:prstGeom prst="rect">
             <a:avLst/>
@@ -3248,15 +3248,33 @@
             </a:r>
             <a:r>
               <a:rPr lang="zh-CN" altLang="en-US" dirty="0" smtClean="0"/>
-              <a:t>最终</a:t>
-            </a:r>
-            <a:r>
-              <a:rPr lang="zh-CN" altLang="en-US" dirty="0" smtClean="0"/>
-              <a:t>定稿（为什么会有人听演讲不看 </a:t>
+              <a:t>最终定稿（为什么会有人听演讲不看 </a:t>
             </a:r>
             <a:r>
               <a:rPr lang="en-US" altLang="zh-CN" dirty="0" smtClean="0"/>
               <a:t>PPT</a:t>
+            </a:r>
+          </a:p>
+          <a:p>
+            <a:r>
+              <a:rPr lang="en-US" altLang="zh-CN" dirty="0" smtClean="0"/>
+              <a:t>2023.12.13 </a:t>
+            </a:r>
+            <a:r>
+              <a:rPr lang="zh-CN" altLang="en-US" dirty="0" smtClean="0"/>
+              <a:t>国家公祭</a:t>
+            </a:r>
+            <a:r>
+              <a:rPr lang="zh-CN" altLang="en-US" dirty="0" smtClean="0"/>
+              <a:t>日</a:t>
+            </a:r>
+            <a:r>
+              <a:rPr lang="en-US" altLang="zh-CN" dirty="0" smtClean="0"/>
+              <a:t>(</a:t>
+            </a:r>
+            <a:r>
+              <a:rPr lang="zh-CN" altLang="en-US" dirty="0" smtClean="0"/>
+              <a:t>默哀</a:t>
             </a:r>
             <a:endParaRPr lang="en-US" altLang="zh-CN" dirty="0" smtClean="0"/>
           </a:p>
@@ -3329,7 +3347,7 @@
     </p:spTree>
     <p:extLst>
       <p:ext uri="{BB962C8B-B14F-4D97-AF65-F5344CB8AC3E}">
-        <p14:creationId xmlns="" xmlns:p14="http://schemas.microsoft.com/office/powerpoint/2010/main" val="353376672"/>
+        <p14:creationId xmlns:p14="http://schemas.microsoft.com/office/powerpoint/2010/main" val="353376672"/>
       </p:ext>
     </p:extLst>
   </p:cSld>
@@ -3488,7 +3506,7 @@
     </p:spTree>
     <p:extLst>
       <p:ext uri="{BB962C8B-B14F-4D97-AF65-F5344CB8AC3E}">
-        <p14:creationId xmlns="" xmlns:p14="http://schemas.microsoft.com/office/powerpoint/2010/main" val="4223806462"/>
+        <p14:creationId xmlns:p14="http://schemas.microsoft.com/office/powerpoint/2010/main" val="4223806462"/>
       </p:ext>
     </p:extLst>
   </p:cSld>
@@ -3759,7 +3777,7 @@
         </p:nvSpPr>
         <p:spPr>
           <a:xfrm>
-            <a:off x="5013101" y="2906786"/>
+            <a:off x="1342483" y="2412088"/>
             <a:ext cx="10515600" cy="1325563"/>
           </a:xfrm>
         </p:spPr>
@@ -3770,12 +3788,18 @@
           <a:lstStyle/>
           <a:p>
             <a:r>
-              <a:rPr lang="zh-CN" altLang="en-US" sz="13800" dirty="0">
-                <a:latin typeface="黑体" panose="02010609060101010101" pitchFamily="49" charset="-122"/>
+              <a:rPr lang="en-US" altLang="zh-CN" dirty="0" smtClean="0">
+                <a:latin typeface="Times New Roman" panose="02020603050405020304" pitchFamily="18" charset="0"/>
                 <a:ea typeface="黑体" panose="02010609060101010101" pitchFamily="49" charset="-122"/>
+                <a:cs typeface="Times New Roman" panose="02020603050405020304" pitchFamily="18" charset="0"/>
               </a:rPr>
-              <a:t>完</a:t>
-            </a:r>
+              <a:t>WE ALL CAN FLY TO THE SKY!</a:t>
+            </a:r>
+            <a:endParaRPr lang="zh-CN" altLang="en-US" dirty="0">
+              <a:latin typeface="Times New Roman" panose="02020603050405020304" pitchFamily="18" charset="0"/>
+              <a:ea typeface="黑体" panose="02010609060101010101" pitchFamily="49" charset="-122"/>
+              <a:cs typeface="Times New Roman" panose="02020603050405020304" pitchFamily="18" charset="0"/>
+            </a:endParaRPr>
           </a:p>
         </p:txBody>
       </p:sp>
@@ -3940,7 +3964,7 @@
           <a:blip r:embed="rId2" cstate="print">
             <a:extLst>
               <a:ext uri="{28A0092B-C50C-407E-A947-70E740481C1C}">
-                <a14:useLocalDpi xmlns="" xmlns:a14="http://schemas.microsoft.com/office/drawing/2010/main" val="0"/>
+                <a14:useLocalDpi xmlns:a14="http://schemas.microsoft.com/office/drawing/2010/main" val="0"/>
               </a:ext>
             </a:extLst>
           </a:blip>
@@ -3970,7 +3994,7 @@
           <a:blip r:embed="rId2" cstate="print">
             <a:extLst>
               <a:ext uri="{28A0092B-C50C-407E-A947-70E740481C1C}">
-                <a14:useLocalDpi xmlns="" xmlns:a14="http://schemas.microsoft.com/office/drawing/2010/main" val="0"/>
+                <a14:useLocalDpi xmlns:a14="http://schemas.microsoft.com/office/drawing/2010/main" val="0"/>
               </a:ext>
             </a:extLst>
           </a:blip>
@@ -4000,7 +4024,7 @@
           <a:blip r:embed="rId2" cstate="print">
             <a:extLst>
               <a:ext uri="{28A0092B-C50C-407E-A947-70E740481C1C}">
-                <a14:useLocalDpi xmlns="" xmlns:a14="http://schemas.microsoft.com/office/drawing/2010/main" val="0"/>
+                <a14:useLocalDpi xmlns:a14="http://schemas.microsoft.com/office/drawing/2010/main" val="0"/>
               </a:ext>
             </a:extLst>
           </a:blip>
@@ -4030,7 +4054,7 @@
           <a:blip r:embed="rId2" cstate="print">
             <a:extLst>
               <a:ext uri="{28A0092B-C50C-407E-A947-70E740481C1C}">
-                <a14:useLocalDpi xmlns="" xmlns:a14="http://schemas.microsoft.com/office/drawing/2010/main" val="0"/>
+                <a14:useLocalDpi xmlns:a14="http://schemas.microsoft.com/office/drawing/2010/main" val="0"/>
               </a:ext>
             </a:extLst>
           </a:blip>
@@ -4060,7 +4084,7 @@
           <a:blip r:embed="rId2" cstate="print">
             <a:extLst>
               <a:ext uri="{28A0092B-C50C-407E-A947-70E740481C1C}">
-                <a14:useLocalDpi xmlns="" xmlns:a14="http://schemas.microsoft.com/office/drawing/2010/main" val="0"/>
+                <a14:useLocalDpi xmlns:a14="http://schemas.microsoft.com/office/drawing/2010/main" val="0"/>
               </a:ext>
             </a:extLst>
           </a:blip>
@@ -4090,7 +4114,7 @@
           <a:blip r:embed="rId2" cstate="print">
             <a:extLst>
               <a:ext uri="{28A0092B-C50C-407E-A947-70E740481C1C}">
-                <a14:useLocalDpi xmlns="" xmlns:a14="http://schemas.microsoft.com/office/drawing/2010/main" val="0"/>
+                <a14:useLocalDpi xmlns:a14="http://schemas.microsoft.com/office/drawing/2010/main" val="0"/>
               </a:ext>
             </a:extLst>
           </a:blip>
@@ -4120,7 +4144,7 @@
           <a:blip r:embed="rId2" cstate="print">
             <a:extLst>
               <a:ext uri="{28A0092B-C50C-407E-A947-70E740481C1C}">
-                <a14:useLocalDpi xmlns="" xmlns:a14="http://schemas.microsoft.com/office/drawing/2010/main" val="0"/>
+                <a14:useLocalDpi xmlns:a14="http://schemas.microsoft.com/office/drawing/2010/main" val="0"/>
               </a:ext>
             </a:extLst>
           </a:blip>
@@ -4150,7 +4174,7 @@
           <a:blip r:embed="rId2" cstate="print">
             <a:extLst>
               <a:ext uri="{28A0092B-C50C-407E-A947-70E740481C1C}">
-                <a14:useLocalDpi xmlns="" xmlns:a14="http://schemas.microsoft.com/office/drawing/2010/main" val="0"/>
+                <a14:useLocalDpi xmlns:a14="http://schemas.microsoft.com/office/drawing/2010/main" val="0"/>
               </a:ext>
             </a:extLst>
           </a:blip>
@@ -4180,7 +4204,7 @@
           <a:blip r:embed="rId2" cstate="print">
             <a:extLst>
               <a:ext uri="{28A0092B-C50C-407E-A947-70E740481C1C}">
-                <a14:useLocalDpi xmlns="" xmlns:a14="http://schemas.microsoft.com/office/drawing/2010/main" val="0"/>
+                <a14:useLocalDpi xmlns:a14="http://schemas.microsoft.com/office/drawing/2010/main" val="0"/>
               </a:ext>
             </a:extLst>
           </a:blip>
@@ -4210,7 +4234,7 @@
           <a:blip r:embed="rId2" cstate="print">
             <a:extLst>
               <a:ext uri="{28A0092B-C50C-407E-A947-70E740481C1C}">
-                <a14:useLocalDpi xmlns="" xmlns:a14="http://schemas.microsoft.com/office/drawing/2010/main" val="0"/>
+                <a14:useLocalDpi xmlns:a14="http://schemas.microsoft.com/office/drawing/2010/main" val="0"/>
               </a:ext>
             </a:extLst>
           </a:blip>
@@ -4240,7 +4264,7 @@
           <a:blip r:embed="rId2" cstate="print">
             <a:extLst>
               <a:ext uri="{28A0092B-C50C-407E-A947-70E740481C1C}">
-                <a14:useLocalDpi xmlns="" xmlns:a14="http://schemas.microsoft.com/office/drawing/2010/main" val="0"/>
+                <a14:useLocalDpi xmlns:a14="http://schemas.microsoft.com/office/drawing/2010/main" val="0"/>
               </a:ext>
             </a:extLst>
           </a:blip>
@@ -4270,7 +4294,7 @@
           <a:blip r:embed="rId2" cstate="print">
             <a:extLst>
               <a:ext uri="{28A0092B-C50C-407E-A947-70E740481C1C}">
-                <a14:useLocalDpi xmlns="" xmlns:a14="http://schemas.microsoft.com/office/drawing/2010/main" val="0"/>
+                <a14:useLocalDpi xmlns:a14="http://schemas.microsoft.com/office/drawing/2010/main" val="0"/>
               </a:ext>
             </a:extLst>
           </a:blip>
@@ -4300,7 +4324,7 @@
           <a:blip r:embed="rId2" cstate="print">
             <a:extLst>
               <a:ext uri="{28A0092B-C50C-407E-A947-70E740481C1C}">
-                <a14:useLocalDpi xmlns="" xmlns:a14="http://schemas.microsoft.com/office/drawing/2010/main" val="0"/>
+                <a14:useLocalDpi xmlns:a14="http://schemas.microsoft.com/office/drawing/2010/main" val="0"/>
               </a:ext>
             </a:extLst>
           </a:blip>
@@ -4330,7 +4354,7 @@
           <a:blip r:embed="rId2" cstate="print">
             <a:extLst>
               <a:ext uri="{28A0092B-C50C-407E-A947-70E740481C1C}">
-                <a14:useLocalDpi xmlns="" xmlns:a14="http://schemas.microsoft.com/office/drawing/2010/main" val="0"/>
+                <a14:useLocalDpi xmlns:a14="http://schemas.microsoft.com/office/drawing/2010/main" val="0"/>
               </a:ext>
             </a:extLst>
           </a:blip>
@@ -4360,7 +4384,7 @@
           <a:blip r:embed="rId2" cstate="print">
             <a:extLst>
               <a:ext uri="{28A0092B-C50C-407E-A947-70E740481C1C}">
-                <a14:useLocalDpi xmlns="" xmlns:a14="http://schemas.microsoft.com/office/drawing/2010/main" val="0"/>
+                <a14:useLocalDpi xmlns:a14="http://schemas.microsoft.com/office/drawing/2010/main" val="0"/>
               </a:ext>
             </a:extLst>
           </a:blip>
@@ -4390,7 +4414,7 @@
           <a:blip r:embed="rId2" cstate="print">
             <a:extLst>
               <a:ext uri="{28A0092B-C50C-407E-A947-70E740481C1C}">
-                <a14:useLocalDpi xmlns="" xmlns:a14="http://schemas.microsoft.com/office/drawing/2010/main" val="0"/>
+                <a14:useLocalDpi xmlns:a14="http://schemas.microsoft.com/office/drawing/2010/main" val="0"/>
               </a:ext>
             </a:extLst>
           </a:blip>
@@ -4420,7 +4444,7 @@
           <a:blip r:embed="rId2" cstate="print">
             <a:extLst>
               <a:ext uri="{28A0092B-C50C-407E-A947-70E740481C1C}">
-                <a14:useLocalDpi xmlns="" xmlns:a14="http://schemas.microsoft.com/office/drawing/2010/main" val="0"/>
+                <a14:useLocalDpi xmlns:a14="http://schemas.microsoft.com/office/drawing/2010/main" val="0"/>
               </a:ext>
             </a:extLst>
           </a:blip>
@@ -4450,7 +4474,7 @@
           <a:blip r:embed="rId2" cstate="print">
             <a:extLst>
               <a:ext uri="{28A0092B-C50C-407E-A947-70E740481C1C}">
-                <a14:useLocalDpi xmlns="" xmlns:a14="http://schemas.microsoft.com/office/drawing/2010/main" val="0"/>
+                <a14:useLocalDpi xmlns:a14="http://schemas.microsoft.com/office/drawing/2010/main" val="0"/>
               </a:ext>
             </a:extLst>
           </a:blip>
@@ -4480,7 +4504,7 @@
           <a:blip r:embed="rId2" cstate="print">
             <a:extLst>
               <a:ext uri="{28A0092B-C50C-407E-A947-70E740481C1C}">
-                <a14:useLocalDpi xmlns="" xmlns:a14="http://schemas.microsoft.com/office/drawing/2010/main" val="0"/>
+                <a14:useLocalDpi xmlns:a14="http://schemas.microsoft.com/office/drawing/2010/main" val="0"/>
               </a:ext>
             </a:extLst>
           </a:blip>
@@ -4510,7 +4534,7 @@
           <a:blip r:embed="rId2" cstate="print">
             <a:extLst>
               <a:ext uri="{28A0092B-C50C-407E-A947-70E740481C1C}">
-                <a14:useLocalDpi xmlns="" xmlns:a14="http://schemas.microsoft.com/office/drawing/2010/main" val="0"/>
+                <a14:useLocalDpi xmlns:a14="http://schemas.microsoft.com/office/drawing/2010/main" val="0"/>
               </a:ext>
             </a:extLst>
           </a:blip>
@@ -4540,7 +4564,7 @@
           <a:blip r:embed="rId2" cstate="print">
             <a:extLst>
               <a:ext uri="{28A0092B-C50C-407E-A947-70E740481C1C}">
-                <a14:useLocalDpi xmlns="" xmlns:a14="http://schemas.microsoft.com/office/drawing/2010/main" val="0"/>
+                <a14:useLocalDpi xmlns:a14="http://schemas.microsoft.com/office/drawing/2010/main" val="0"/>
               </a:ext>
             </a:extLst>
           </a:blip>
@@ -4570,7 +4594,7 @@
           <a:blip r:embed="rId2" cstate="print">
             <a:extLst>
               <a:ext uri="{28A0092B-C50C-407E-A947-70E740481C1C}">
-                <a14:useLocalDpi xmlns="" xmlns:a14="http://schemas.microsoft.com/office/drawing/2010/main" val="0"/>
+                <a14:useLocalDpi xmlns:a14="http://schemas.microsoft.com/office/drawing/2010/main" val="0"/>
               </a:ext>
             </a:extLst>
           </a:blip>
@@ -4600,7 +4624,7 @@
           <a:blip r:embed="rId2" cstate="print">
             <a:extLst>
               <a:ext uri="{28A0092B-C50C-407E-A947-70E740481C1C}">
-                <a14:useLocalDpi xmlns="" xmlns:a14="http://schemas.microsoft.com/office/drawing/2010/main" val="0"/>
+                <a14:useLocalDpi xmlns:a14="http://schemas.microsoft.com/office/drawing/2010/main" val="0"/>
               </a:ext>
             </a:extLst>
           </a:blip>
@@ -4630,7 +4654,7 @@
           <a:blip r:embed="rId2" cstate="print">
             <a:extLst>
               <a:ext uri="{28A0092B-C50C-407E-A947-70E740481C1C}">
-                <a14:useLocalDpi xmlns="" xmlns:a14="http://schemas.microsoft.com/office/drawing/2010/main" val="0"/>
+                <a14:useLocalDpi xmlns:a14="http://schemas.microsoft.com/office/drawing/2010/main" val="0"/>
               </a:ext>
             </a:extLst>
           </a:blip>
@@ -4660,7 +4684,7 @@
           <a:blip r:embed="rId2" cstate="print">
             <a:extLst>
               <a:ext uri="{28A0092B-C50C-407E-A947-70E740481C1C}">
-                <a14:useLocalDpi xmlns="" xmlns:a14="http://schemas.microsoft.com/office/drawing/2010/main" val="0"/>
+                <a14:useLocalDpi xmlns:a14="http://schemas.microsoft.com/office/drawing/2010/main" val="0"/>
               </a:ext>
             </a:extLst>
           </a:blip>
@@ -4690,7 +4714,7 @@
           <a:blip r:embed="rId2" cstate="print">
             <a:extLst>
               <a:ext uri="{28A0092B-C50C-407E-A947-70E740481C1C}">
-                <a14:useLocalDpi xmlns="" xmlns:a14="http://schemas.microsoft.com/office/drawing/2010/main" val="0"/>
+                <a14:useLocalDpi xmlns:a14="http://schemas.microsoft.com/office/drawing/2010/main" val="0"/>
               </a:ext>
             </a:extLst>
           </a:blip>
@@ -4720,7 +4744,7 @@
           <a:blip r:embed="rId2" cstate="print">
             <a:extLst>
               <a:ext uri="{28A0092B-C50C-407E-A947-70E740481C1C}">
-                <a14:useLocalDpi xmlns="" xmlns:a14="http://schemas.microsoft.com/office/drawing/2010/main" val="0"/>
+                <a14:useLocalDpi xmlns:a14="http://schemas.microsoft.com/office/drawing/2010/main" val="0"/>
               </a:ext>
             </a:extLst>
           </a:blip>
@@ -4731,126 +4755,6 @@
         <p:spPr>
           <a:xfrm>
             <a:off x="166789" y="2546491"/>
-            <a:ext cx="1002146" cy="1002146"/>
-          </a:xfrm>
-          <a:prstGeom prst="rect">
-            <a:avLst/>
-          </a:prstGeom>
-        </p:spPr>
-      </p:pic>
-      <p:pic>
-        <p:nvPicPr>
-          <p:cNvPr id="50" name="图片 49"/>
-          <p:cNvPicPr>
-            <a:picLocks noChangeAspect="1"/>
-          </p:cNvPicPr>
-          <p:nvPr/>
-        </p:nvPicPr>
-        <p:blipFill>
-          <a:blip r:embed="rId2" cstate="print">
-            <a:extLst>
-              <a:ext uri="{28A0092B-C50C-407E-A947-70E740481C1C}">
-                <a14:useLocalDpi xmlns="" xmlns:a14="http://schemas.microsoft.com/office/drawing/2010/main" val="0"/>
-              </a:ext>
-            </a:extLst>
-          </a:blip>
-          <a:stretch>
-            <a:fillRect/>
-          </a:stretch>
-        </p:blipFill>
-        <p:spPr>
-          <a:xfrm>
-            <a:off x="1168935" y="2546491"/>
-            <a:ext cx="1002146" cy="1002146"/>
-          </a:xfrm>
-          <a:prstGeom prst="rect">
-            <a:avLst/>
-          </a:prstGeom>
-        </p:spPr>
-      </p:pic>
-      <p:pic>
-        <p:nvPicPr>
-          <p:cNvPr id="51" name="图片 50"/>
-          <p:cNvPicPr>
-            <a:picLocks noChangeAspect="1"/>
-          </p:cNvPicPr>
-          <p:nvPr/>
-        </p:nvPicPr>
-        <p:blipFill>
-          <a:blip r:embed="rId2" cstate="print">
-            <a:extLst>
-              <a:ext uri="{28A0092B-C50C-407E-A947-70E740481C1C}">
-                <a14:useLocalDpi xmlns="" xmlns:a14="http://schemas.microsoft.com/office/drawing/2010/main" val="0"/>
-              </a:ext>
-            </a:extLst>
-          </a:blip>
-          <a:stretch>
-            <a:fillRect/>
-          </a:stretch>
-        </p:blipFill>
-        <p:spPr>
-          <a:xfrm>
-            <a:off x="2171081" y="2546491"/>
-            <a:ext cx="1002146" cy="1002146"/>
-          </a:xfrm>
-          <a:prstGeom prst="rect">
-            <a:avLst/>
-          </a:prstGeom>
-        </p:spPr>
-      </p:pic>
-      <p:pic>
-        <p:nvPicPr>
-          <p:cNvPr id="52" name="图片 51"/>
-          <p:cNvPicPr>
-            <a:picLocks noChangeAspect="1"/>
-          </p:cNvPicPr>
-          <p:nvPr/>
-        </p:nvPicPr>
-        <p:blipFill>
-          <a:blip r:embed="rId2" cstate="print">
-            <a:extLst>
-              <a:ext uri="{28A0092B-C50C-407E-A947-70E740481C1C}">
-                <a14:useLocalDpi xmlns="" xmlns:a14="http://schemas.microsoft.com/office/drawing/2010/main" val="0"/>
-              </a:ext>
-            </a:extLst>
-          </a:blip>
-          <a:stretch>
-            <a:fillRect/>
-          </a:stretch>
-        </p:blipFill>
-        <p:spPr>
-          <a:xfrm>
-            <a:off x="3173227" y="2570519"/>
-            <a:ext cx="1002146" cy="1002146"/>
-          </a:xfrm>
-          <a:prstGeom prst="rect">
-            <a:avLst/>
-          </a:prstGeom>
-        </p:spPr>
-      </p:pic>
-      <p:pic>
-        <p:nvPicPr>
-          <p:cNvPr id="53" name="图片 52"/>
-          <p:cNvPicPr>
-            <a:picLocks noChangeAspect="1"/>
-          </p:cNvPicPr>
-          <p:nvPr/>
-        </p:nvPicPr>
-        <p:blipFill>
-          <a:blip r:embed="rId2" cstate="print">
-            <a:extLst>
-              <a:ext uri="{28A0092B-C50C-407E-A947-70E740481C1C}">
-                <a14:useLocalDpi xmlns="" xmlns:a14="http://schemas.microsoft.com/office/drawing/2010/main" val="0"/>
-              </a:ext>
-            </a:extLst>
-          </a:blip>
-          <a:stretch>
-            <a:fillRect/>
-          </a:stretch>
-        </p:blipFill>
-        <p:spPr>
-          <a:xfrm>
-            <a:off x="4175373" y="2546491"/>
             <a:ext cx="1002146" cy="1002146"/>
           </a:xfrm>
           <a:prstGeom prst="rect">
@@ -4870,7 +4774,7 @@
           <a:blip r:embed="rId2" cstate="print">
             <a:extLst>
               <a:ext uri="{28A0092B-C50C-407E-A947-70E740481C1C}">
-                <a14:useLocalDpi xmlns="" xmlns:a14="http://schemas.microsoft.com/office/drawing/2010/main" val="0"/>
+                <a14:useLocalDpi xmlns:a14="http://schemas.microsoft.com/office/drawing/2010/main" val="0"/>
               </a:ext>
             </a:extLst>
           </a:blip>
@@ -4900,7 +4804,7 @@
           <a:blip r:embed="rId2" cstate="print">
             <a:extLst>
               <a:ext uri="{28A0092B-C50C-407E-A947-70E740481C1C}">
-                <a14:useLocalDpi xmlns="" xmlns:a14="http://schemas.microsoft.com/office/drawing/2010/main" val="0"/>
+                <a14:useLocalDpi xmlns:a14="http://schemas.microsoft.com/office/drawing/2010/main" val="0"/>
               </a:ext>
             </a:extLst>
           </a:blip>
@@ -4911,96 +4815,6 @@
         <p:spPr>
           <a:xfrm>
             <a:off x="10178127" y="4433992"/>
-            <a:ext cx="1002146" cy="1002146"/>
-          </a:xfrm>
-          <a:prstGeom prst="rect">
-            <a:avLst/>
-          </a:prstGeom>
-        </p:spPr>
-      </p:pic>
-      <p:pic>
-        <p:nvPicPr>
-          <p:cNvPr id="56" name="图片 55"/>
-          <p:cNvPicPr>
-            <a:picLocks noChangeAspect="1"/>
-          </p:cNvPicPr>
-          <p:nvPr/>
-        </p:nvPicPr>
-        <p:blipFill>
-          <a:blip r:embed="rId2" cstate="print">
-            <a:extLst>
-              <a:ext uri="{28A0092B-C50C-407E-A947-70E740481C1C}">
-                <a14:useLocalDpi xmlns="" xmlns:a14="http://schemas.microsoft.com/office/drawing/2010/main" val="0"/>
-              </a:ext>
-            </a:extLst>
-          </a:blip>
-          <a:stretch>
-            <a:fillRect/>
-          </a:stretch>
-        </p:blipFill>
-        <p:spPr>
-          <a:xfrm>
-            <a:off x="7181811" y="2546491"/>
-            <a:ext cx="1002146" cy="1002146"/>
-          </a:xfrm>
-          <a:prstGeom prst="rect">
-            <a:avLst/>
-          </a:prstGeom>
-        </p:spPr>
-      </p:pic>
-      <p:pic>
-        <p:nvPicPr>
-          <p:cNvPr id="57" name="图片 56"/>
-          <p:cNvPicPr>
-            <a:picLocks noChangeAspect="1"/>
-          </p:cNvPicPr>
-          <p:nvPr/>
-        </p:nvPicPr>
-        <p:blipFill>
-          <a:blip r:embed="rId2" cstate="print">
-            <a:extLst>
-              <a:ext uri="{28A0092B-C50C-407E-A947-70E740481C1C}">
-                <a14:useLocalDpi xmlns="" xmlns:a14="http://schemas.microsoft.com/office/drawing/2010/main" val="0"/>
-              </a:ext>
-            </a:extLst>
-          </a:blip>
-          <a:stretch>
-            <a:fillRect/>
-          </a:stretch>
-        </p:blipFill>
-        <p:spPr>
-          <a:xfrm>
-            <a:off x="8180583" y="2553700"/>
-            <a:ext cx="1002146" cy="1002146"/>
-          </a:xfrm>
-          <a:prstGeom prst="rect">
-            <a:avLst/>
-          </a:prstGeom>
-        </p:spPr>
-      </p:pic>
-      <p:pic>
-        <p:nvPicPr>
-          <p:cNvPr id="58" name="图片 57"/>
-          <p:cNvPicPr>
-            <a:picLocks noChangeAspect="1"/>
-          </p:cNvPicPr>
-          <p:nvPr/>
-        </p:nvPicPr>
-        <p:blipFill>
-          <a:blip r:embed="rId2" cstate="print">
-            <a:extLst>
-              <a:ext uri="{28A0092B-C50C-407E-A947-70E740481C1C}">
-                <a14:useLocalDpi xmlns="" xmlns:a14="http://schemas.microsoft.com/office/drawing/2010/main" val="0"/>
-              </a:ext>
-            </a:extLst>
-          </a:blip>
-          <a:stretch>
-            <a:fillRect/>
-          </a:stretch>
-        </p:blipFill>
-        <p:spPr>
-          <a:xfrm>
-            <a:off x="9175981" y="2577728"/>
             <a:ext cx="1002146" cy="1002146"/>
           </a:xfrm>
           <a:prstGeom prst="rect">
@@ -5020,7 +4834,7 @@
           <a:blip r:embed="rId2" cstate="print">
             <a:extLst>
               <a:ext uri="{28A0092B-C50C-407E-A947-70E740481C1C}">
-                <a14:useLocalDpi xmlns="" xmlns:a14="http://schemas.microsoft.com/office/drawing/2010/main" val="0"/>
+                <a14:useLocalDpi xmlns:a14="http://schemas.microsoft.com/office/drawing/2010/main" val="0"/>
               </a:ext>
             </a:extLst>
           </a:blip>
@@ -5050,7 +4864,7 @@
           <a:blip r:embed="rId2" cstate="print">
             <a:extLst>
               <a:ext uri="{28A0092B-C50C-407E-A947-70E740481C1C}">
-                <a14:useLocalDpi xmlns="" xmlns:a14="http://schemas.microsoft.com/office/drawing/2010/main" val="0"/>
+                <a14:useLocalDpi xmlns:a14="http://schemas.microsoft.com/office/drawing/2010/main" val="0"/>
               </a:ext>
             </a:extLst>
           </a:blip>
@@ -5080,7 +4894,7 @@
           <a:blip r:embed="rId2" cstate="print">
             <a:extLst>
               <a:ext uri="{28A0092B-C50C-407E-A947-70E740481C1C}">
-                <a14:useLocalDpi xmlns="" xmlns:a14="http://schemas.microsoft.com/office/drawing/2010/main" val="0"/>
+                <a14:useLocalDpi xmlns:a14="http://schemas.microsoft.com/office/drawing/2010/main" val="0"/>
               </a:ext>
             </a:extLst>
           </a:blip>
@@ -5110,7 +4924,7 @@
           <a:blip r:embed="rId2" cstate="print">
             <a:extLst>
               <a:ext uri="{28A0092B-C50C-407E-A947-70E740481C1C}">
-                <a14:useLocalDpi xmlns="" xmlns:a14="http://schemas.microsoft.com/office/drawing/2010/main" val="0"/>
+                <a14:useLocalDpi xmlns:a14="http://schemas.microsoft.com/office/drawing/2010/main" val="0"/>
               </a:ext>
             </a:extLst>
           </a:blip>
@@ -5140,7 +4954,7 @@
           <a:blip r:embed="rId2" cstate="print">
             <a:extLst>
               <a:ext uri="{28A0092B-C50C-407E-A947-70E740481C1C}">
-                <a14:useLocalDpi xmlns="" xmlns:a14="http://schemas.microsoft.com/office/drawing/2010/main" val="0"/>
+                <a14:useLocalDpi xmlns:a14="http://schemas.microsoft.com/office/drawing/2010/main" val="0"/>
               </a:ext>
             </a:extLst>
           </a:blip>
@@ -5170,7 +4984,7 @@
           <a:blip r:embed="rId2" cstate="print">
             <a:extLst>
               <a:ext uri="{28A0092B-C50C-407E-A947-70E740481C1C}">
-                <a14:useLocalDpi xmlns="" xmlns:a14="http://schemas.microsoft.com/office/drawing/2010/main" val="0"/>
+                <a14:useLocalDpi xmlns:a14="http://schemas.microsoft.com/office/drawing/2010/main" val="0"/>
               </a:ext>
             </a:extLst>
           </a:blip>
@@ -5200,7 +5014,7 @@
           <a:blip r:embed="rId2" cstate="print">
             <a:extLst>
               <a:ext uri="{28A0092B-C50C-407E-A947-70E740481C1C}">
-                <a14:useLocalDpi xmlns="" xmlns:a14="http://schemas.microsoft.com/office/drawing/2010/main" val="0"/>
+                <a14:useLocalDpi xmlns:a14="http://schemas.microsoft.com/office/drawing/2010/main" val="0"/>
               </a:ext>
             </a:extLst>
           </a:blip>
@@ -5230,7 +5044,7 @@
           <a:blip r:embed="rId2" cstate="print">
             <a:extLst>
               <a:ext uri="{28A0092B-C50C-407E-A947-70E740481C1C}">
-                <a14:useLocalDpi xmlns="" xmlns:a14="http://schemas.microsoft.com/office/drawing/2010/main" val="0"/>
+                <a14:useLocalDpi xmlns:a14="http://schemas.microsoft.com/office/drawing/2010/main" val="0"/>
               </a:ext>
             </a:extLst>
           </a:blip>
@@ -5260,7 +5074,7 @@
           <a:blip r:embed="rId2" cstate="print">
             <a:extLst>
               <a:ext uri="{28A0092B-C50C-407E-A947-70E740481C1C}">
-                <a14:useLocalDpi xmlns="" xmlns:a14="http://schemas.microsoft.com/office/drawing/2010/main" val="0"/>
+                <a14:useLocalDpi xmlns:a14="http://schemas.microsoft.com/office/drawing/2010/main" val="0"/>
               </a:ext>
             </a:extLst>
           </a:blip>
@@ -5290,7 +5104,7 @@
           <a:blip r:embed="rId2" cstate="print">
             <a:extLst>
               <a:ext uri="{28A0092B-C50C-407E-A947-70E740481C1C}">
-                <a14:useLocalDpi xmlns="" xmlns:a14="http://schemas.microsoft.com/office/drawing/2010/main" val="0"/>
+                <a14:useLocalDpi xmlns:a14="http://schemas.microsoft.com/office/drawing/2010/main" val="0"/>
               </a:ext>
             </a:extLst>
           </a:blip>
@@ -5320,7 +5134,7 @@
           <a:blip r:embed="rId2" cstate="print">
             <a:extLst>
               <a:ext uri="{28A0092B-C50C-407E-A947-70E740481C1C}">
-                <a14:useLocalDpi xmlns="" xmlns:a14="http://schemas.microsoft.com/office/drawing/2010/main" val="0"/>
+                <a14:useLocalDpi xmlns:a14="http://schemas.microsoft.com/office/drawing/2010/main" val="0"/>
               </a:ext>
             </a:extLst>
           </a:blip>
@@ -5350,7 +5164,7 @@
           <a:blip r:embed="rId2" cstate="print">
             <a:extLst>
               <a:ext uri="{28A0092B-C50C-407E-A947-70E740481C1C}">
-                <a14:useLocalDpi xmlns="" xmlns:a14="http://schemas.microsoft.com/office/drawing/2010/main" val="0"/>
+                <a14:useLocalDpi xmlns:a14="http://schemas.microsoft.com/office/drawing/2010/main" val="0"/>
               </a:ext>
             </a:extLst>
           </a:blip>
@@ -5380,7 +5194,7 @@
           <a:blip r:embed="rId2" cstate="print">
             <a:extLst>
               <a:ext uri="{28A0092B-C50C-407E-A947-70E740481C1C}">
-                <a14:useLocalDpi xmlns="" xmlns:a14="http://schemas.microsoft.com/office/drawing/2010/main" val="0"/>
+                <a14:useLocalDpi xmlns:a14="http://schemas.microsoft.com/office/drawing/2010/main" val="0"/>
               </a:ext>
             </a:extLst>
           </a:blip>
@@ -5410,7 +5224,7 @@
           <a:blip r:embed="rId2" cstate="print">
             <a:extLst>
               <a:ext uri="{28A0092B-C50C-407E-A947-70E740481C1C}">
-                <a14:useLocalDpi xmlns="" xmlns:a14="http://schemas.microsoft.com/office/drawing/2010/main" val="0"/>
+                <a14:useLocalDpi xmlns:a14="http://schemas.microsoft.com/office/drawing/2010/main" val="0"/>
               </a:ext>
             </a:extLst>
           </a:blip>
@@ -5501,7 +5315,7 @@
           <a:blip r:embed="rId2" cstate="print">
             <a:extLst>
               <a:ext uri="{28A0092B-C50C-407E-A947-70E740481C1C}">
-                <a14:useLocalDpi xmlns="" xmlns:a14="http://schemas.microsoft.com/office/drawing/2010/main" val="0"/>
+                <a14:useLocalDpi xmlns:a14="http://schemas.microsoft.com/office/drawing/2010/main" val="0"/>
               </a:ext>
             </a:extLst>
           </a:blip>
@@ -5531,7 +5345,7 @@
           <a:blip r:embed="rId2" cstate="print">
             <a:extLst>
               <a:ext uri="{28A0092B-C50C-407E-A947-70E740481C1C}">
-                <a14:useLocalDpi xmlns="" xmlns:a14="http://schemas.microsoft.com/office/drawing/2010/main" val="0"/>
+                <a14:useLocalDpi xmlns:a14="http://schemas.microsoft.com/office/drawing/2010/main" val="0"/>
               </a:ext>
             </a:extLst>
           </a:blip>
@@ -5561,7 +5375,7 @@
           <a:blip r:embed="rId2" cstate="print">
             <a:extLst>
               <a:ext uri="{28A0092B-C50C-407E-A947-70E740481C1C}">
-                <a14:useLocalDpi xmlns="" xmlns:a14="http://schemas.microsoft.com/office/drawing/2010/main" val="0"/>
+                <a14:useLocalDpi xmlns:a14="http://schemas.microsoft.com/office/drawing/2010/main" val="0"/>
               </a:ext>
             </a:extLst>
           </a:blip>
@@ -5591,7 +5405,7 @@
           <a:blip r:embed="rId2" cstate="print">
             <a:extLst>
               <a:ext uri="{28A0092B-C50C-407E-A947-70E740481C1C}">
-                <a14:useLocalDpi xmlns="" xmlns:a14="http://schemas.microsoft.com/office/drawing/2010/main" val="0"/>
+                <a14:useLocalDpi xmlns:a14="http://schemas.microsoft.com/office/drawing/2010/main" val="0"/>
               </a:ext>
             </a:extLst>
           </a:blip>
@@ -5621,7 +5435,7 @@
           <a:blip r:embed="rId2" cstate="print">
             <a:extLst>
               <a:ext uri="{28A0092B-C50C-407E-A947-70E740481C1C}">
-                <a14:useLocalDpi xmlns="" xmlns:a14="http://schemas.microsoft.com/office/drawing/2010/main" val="0"/>
+                <a14:useLocalDpi xmlns:a14="http://schemas.microsoft.com/office/drawing/2010/main" val="0"/>
               </a:ext>
             </a:extLst>
           </a:blip>
@@ -5651,7 +5465,7 @@
           <a:blip r:embed="rId2" cstate="print">
             <a:extLst>
               <a:ext uri="{28A0092B-C50C-407E-A947-70E740481C1C}">
-                <a14:useLocalDpi xmlns="" xmlns:a14="http://schemas.microsoft.com/office/drawing/2010/main" val="0"/>
+                <a14:useLocalDpi xmlns:a14="http://schemas.microsoft.com/office/drawing/2010/main" val="0"/>
               </a:ext>
             </a:extLst>
           </a:blip>
@@ -5681,7 +5495,7 @@
           <a:blip r:embed="rId2" cstate="print">
             <a:extLst>
               <a:ext uri="{28A0092B-C50C-407E-A947-70E740481C1C}">
-                <a14:useLocalDpi xmlns="" xmlns:a14="http://schemas.microsoft.com/office/drawing/2010/main" val="0"/>
+                <a14:useLocalDpi xmlns:a14="http://schemas.microsoft.com/office/drawing/2010/main" val="0"/>
               </a:ext>
             </a:extLst>
           </a:blip>
@@ -5711,7 +5525,7 @@
           <a:blip r:embed="rId2" cstate="print">
             <a:extLst>
               <a:ext uri="{28A0092B-C50C-407E-A947-70E740481C1C}">
-                <a14:useLocalDpi xmlns="" xmlns:a14="http://schemas.microsoft.com/office/drawing/2010/main" val="0"/>
+                <a14:useLocalDpi xmlns:a14="http://schemas.microsoft.com/office/drawing/2010/main" val="0"/>
               </a:ext>
             </a:extLst>
           </a:blip>
@@ -5741,7 +5555,7 @@
           <a:blip r:embed="rId2" cstate="print">
             <a:extLst>
               <a:ext uri="{28A0092B-C50C-407E-A947-70E740481C1C}">
-                <a14:useLocalDpi xmlns="" xmlns:a14="http://schemas.microsoft.com/office/drawing/2010/main" val="0"/>
+                <a14:useLocalDpi xmlns:a14="http://schemas.microsoft.com/office/drawing/2010/main" val="0"/>
               </a:ext>
             </a:extLst>
           </a:blip>
@@ -5771,7 +5585,7 @@
           <a:blip r:embed="rId2" cstate="print">
             <a:extLst>
               <a:ext uri="{28A0092B-C50C-407E-A947-70E740481C1C}">
-                <a14:useLocalDpi xmlns="" xmlns:a14="http://schemas.microsoft.com/office/drawing/2010/main" val="0"/>
+                <a14:useLocalDpi xmlns:a14="http://schemas.microsoft.com/office/drawing/2010/main" val="0"/>
               </a:ext>
             </a:extLst>
           </a:blip>
@@ -5801,7 +5615,7 @@
           <a:blip r:embed="rId2" cstate="print">
             <a:extLst>
               <a:ext uri="{28A0092B-C50C-407E-A947-70E740481C1C}">
-                <a14:useLocalDpi xmlns="" xmlns:a14="http://schemas.microsoft.com/office/drawing/2010/main" val="0"/>
+                <a14:useLocalDpi xmlns:a14="http://schemas.microsoft.com/office/drawing/2010/main" val="0"/>
               </a:ext>
             </a:extLst>
           </a:blip>
@@ -5831,7 +5645,7 @@
           <a:blip r:embed="rId2" cstate="print">
             <a:extLst>
               <a:ext uri="{28A0092B-C50C-407E-A947-70E740481C1C}">
-                <a14:useLocalDpi xmlns="" xmlns:a14="http://schemas.microsoft.com/office/drawing/2010/main" val="0"/>
+                <a14:useLocalDpi xmlns:a14="http://schemas.microsoft.com/office/drawing/2010/main" val="0"/>
               </a:ext>
             </a:extLst>
           </a:blip>
@@ -5852,7 +5666,7 @@
     </p:spTree>
     <p:extLst>
       <p:ext uri="{BB962C8B-B14F-4D97-AF65-F5344CB8AC3E}">
-        <p14:creationId xmlns="" xmlns:p14="http://schemas.microsoft.com/office/powerpoint/2010/main" val="3237648164"/>
+        <p14:creationId xmlns:p14="http://schemas.microsoft.com/office/powerpoint/2010/main" val="3237648164"/>
       </p:ext>
     </p:extLst>
   </p:cSld>
@@ -6521,7 +6335,7 @@
           <a:blip r:embed="rId2" cstate="print">
             <a:extLst>
               <a:ext uri="{28A0092B-C50C-407E-A947-70E740481C1C}">
-                <a14:useLocalDpi xmlns="" xmlns:a14="http://schemas.microsoft.com/office/drawing/2010/main" val="0"/>
+                <a14:useLocalDpi xmlns:a14="http://schemas.microsoft.com/office/drawing/2010/main" val="0"/>
               </a:ext>
             </a:extLst>
           </a:blip>
@@ -6572,7 +6386,7 @@
     </p:spTree>
     <p:extLst>
       <p:ext uri="{BB962C8B-B14F-4D97-AF65-F5344CB8AC3E}">
-        <p14:creationId xmlns="" xmlns:p14="http://schemas.microsoft.com/office/powerpoint/2010/main" val="3896966021"/>
+        <p14:creationId xmlns:p14="http://schemas.microsoft.com/office/powerpoint/2010/main" val="3896966021"/>
       </p:ext>
     </p:extLst>
   </p:cSld>
@@ -6618,7 +6432,7 @@
           <a:blip r:embed="rId2" cstate="print">
             <a:extLst>
               <a:ext uri="{28A0092B-C50C-407E-A947-70E740481C1C}">
-                <a14:useLocalDpi xmlns="" xmlns:a14="http://schemas.microsoft.com/office/drawing/2010/main" val="0"/>
+                <a14:useLocalDpi xmlns:a14="http://schemas.microsoft.com/office/drawing/2010/main" val="0"/>
               </a:ext>
             </a:extLst>
           </a:blip>
@@ -6718,7 +6532,7 @@
     </p:spTree>
     <p:extLst>
       <p:ext uri="{BB962C8B-B14F-4D97-AF65-F5344CB8AC3E}">
-        <p14:creationId xmlns="" xmlns:p14="http://schemas.microsoft.com/office/powerpoint/2010/main" val="3142238618"/>
+        <p14:creationId xmlns:p14="http://schemas.microsoft.com/office/powerpoint/2010/main" val="3142238618"/>
       </p:ext>
     </p:extLst>
   </p:cSld>
@@ -6949,7 +6763,7 @@
           <a:blip r:embed="rId2" cstate="print">
             <a:extLst>
               <a:ext uri="{28A0092B-C50C-407E-A947-70E740481C1C}">
-                <a14:useLocalDpi xmlns="" xmlns:a14="http://schemas.microsoft.com/office/drawing/2010/main" val="0"/>
+                <a14:useLocalDpi xmlns:a14="http://schemas.microsoft.com/office/drawing/2010/main" val="0"/>
               </a:ext>
             </a:extLst>
           </a:blip>
@@ -7000,7 +6814,7 @@
     </p:spTree>
     <p:extLst>
       <p:ext uri="{BB962C8B-B14F-4D97-AF65-F5344CB8AC3E}">
-        <p14:creationId xmlns="" xmlns:p14="http://schemas.microsoft.com/office/powerpoint/2010/main" val="3919978315"/>
+        <p14:creationId xmlns:p14="http://schemas.microsoft.com/office/powerpoint/2010/main" val="3919978315"/>
       </p:ext>
     </p:extLst>
   </p:cSld>
@@ -7238,7 +7052,7 @@
     </p:spTree>
     <p:extLst>
       <p:ext uri="{BB962C8B-B14F-4D97-AF65-F5344CB8AC3E}">
-        <p14:creationId xmlns="" xmlns:p14="http://schemas.microsoft.com/office/powerpoint/2010/main" val="4223806462"/>
+        <p14:creationId xmlns:p14="http://schemas.microsoft.com/office/powerpoint/2010/main" val="4223806462"/>
       </p:ext>
     </p:extLst>
   </p:cSld>
@@ -7580,7 +7394,7 @@
     </p:spTree>
     <p:extLst>
       <p:ext uri="{BB962C8B-B14F-4D97-AF65-F5344CB8AC3E}">
-        <p14:creationId xmlns="" xmlns:p14="http://schemas.microsoft.com/office/powerpoint/2010/main" val="1830856526"/>
+        <p14:creationId xmlns:p14="http://schemas.microsoft.com/office/powerpoint/2010/main" val="1830856526"/>
       </p:ext>
     </p:extLst>
   </p:cSld>
@@ -7866,7 +7680,7 @@
           <a:blip r:embed="rId2" cstate="print">
             <a:extLst>
               <a:ext uri="{28A0092B-C50C-407E-A947-70E740481C1C}">
-                <a14:useLocalDpi xmlns="" xmlns:a14="http://schemas.microsoft.com/office/drawing/2010/main" val="0"/>
+                <a14:useLocalDpi xmlns:a14="http://schemas.microsoft.com/office/drawing/2010/main" val="0"/>
               </a:ext>
             </a:extLst>
           </a:blip>
@@ -7887,7 +7701,7 @@
     </p:spTree>
     <p:extLst>
       <p:ext uri="{BB962C8B-B14F-4D97-AF65-F5344CB8AC3E}">
-        <p14:creationId xmlns="" xmlns:p14="http://schemas.microsoft.com/office/powerpoint/2010/main" val="4223806462"/>
+        <p14:creationId xmlns:p14="http://schemas.microsoft.com/office/powerpoint/2010/main" val="4223806462"/>
       </p:ext>
     </p:extLst>
   </p:cSld>
@@ -8133,7 +7947,7 @@
     </p:spTree>
     <p:extLst>
       <p:ext uri="{BB962C8B-B14F-4D97-AF65-F5344CB8AC3E}">
-        <p14:creationId xmlns="" xmlns:p14="http://schemas.microsoft.com/office/powerpoint/2010/main" val="4223806462"/>
+        <p14:creationId xmlns:p14="http://schemas.microsoft.com/office/powerpoint/2010/main" val="4223806462"/>
       </p:ext>
     </p:extLst>
   </p:cSld>
@@ -8475,7 +8289,7 @@
     </p:spTree>
     <p:extLst>
       <p:ext uri="{BB962C8B-B14F-4D97-AF65-F5344CB8AC3E}">
-        <p14:creationId xmlns="" xmlns:p14="http://schemas.microsoft.com/office/powerpoint/2010/main" val="4223806462"/>
+        <p14:creationId xmlns:p14="http://schemas.microsoft.com/office/powerpoint/2010/main" val="4223806462"/>
       </p:ext>
     </p:extLst>
   </p:cSld>
@@ -8951,7 +8765,7 @@
   <a:extraClrSchemeLst/>
   <a:extLst>
     <a:ext uri="{05A4C25C-085E-4340-85A3-A5531E510DB2}">
-      <thm15:themeFamily xmlns="" xmlns:thm15="http://schemas.microsoft.com/office/thememl/2012/main" name="Office Theme" id="{62F939B6-93AF-4DB8-9C6B-D6C7DFDC589F}" vid="{4A3C46E8-61CC-4603-A589-7422A47A8E4A}"/>
+      <thm15:themeFamily xmlns:thm15="http://schemas.microsoft.com/office/thememl/2012/main" name="Office Theme" id="{62F939B6-93AF-4DB8-9C6B-D6C7DFDC589F}" vid="{4A3C46E8-61CC-4603-A589-7422A47A8E4A}"/>
     </a:ext>
   </a:extLst>
 </a:theme>

--- a/激情演讲.pptx
+++ b/激情演讲.pptx
@@ -5,18 +5,19 @@
     <p:sldMasterId id="2147483648" r:id="rId1"/>
   </p:sldMasterIdLst>
   <p:sldIdLst>
-    <p:sldId id="256" r:id="rId2"/>
-    <p:sldId id="257" r:id="rId3"/>
-    <p:sldId id="258" r:id="rId4"/>
-    <p:sldId id="259" r:id="rId5"/>
-    <p:sldId id="263" r:id="rId6"/>
-    <p:sldId id="268" r:id="rId7"/>
-    <p:sldId id="260" r:id="rId8"/>
-    <p:sldId id="265" r:id="rId9"/>
-    <p:sldId id="264" r:id="rId10"/>
-    <p:sldId id="266" r:id="rId11"/>
-    <p:sldId id="267" r:id="rId12"/>
-    <p:sldId id="261" r:id="rId13"/>
+    <p:sldId id="269" r:id="rId2"/>
+    <p:sldId id="256" r:id="rId3"/>
+    <p:sldId id="257" r:id="rId4"/>
+    <p:sldId id="258" r:id="rId5"/>
+    <p:sldId id="259" r:id="rId6"/>
+    <p:sldId id="263" r:id="rId7"/>
+    <p:sldId id="268" r:id="rId8"/>
+    <p:sldId id="260" r:id="rId9"/>
+    <p:sldId id="265" r:id="rId10"/>
+    <p:sldId id="264" r:id="rId11"/>
+    <p:sldId id="266" r:id="rId12"/>
+    <p:sldId id="267" r:id="rId13"/>
+    <p:sldId id="261" r:id="rId14"/>
   </p:sldIdLst>
   <p:sldSz cx="12192000" cy="6858000"/>
   <p:notesSz cx="6858000" cy="9144000"/>
@@ -266,7 +267,7 @@
             <a:fld id="{088B0906-6CF8-4B6F-9999-52E9B8B394F6}" type="datetimeFigureOut">
               <a:rPr lang="zh-CN" altLang="en-US" smtClean="0"/>
               <a:pPr/>
-              <a:t>2023/12/13</a:t>
+              <a:t>2023/12/16</a:t>
             </a:fld>
             <a:endParaRPr lang="zh-CN" altLang="en-US"/>
           </a:p>
@@ -438,7 +439,7 @@
             <a:fld id="{088B0906-6CF8-4B6F-9999-52E9B8B394F6}" type="datetimeFigureOut">
               <a:rPr lang="zh-CN" altLang="en-US" smtClean="0"/>
               <a:pPr/>
-              <a:t>2023/12/13</a:t>
+              <a:t>2023/12/16</a:t>
             </a:fld>
             <a:endParaRPr lang="zh-CN" altLang="en-US"/>
           </a:p>
@@ -620,7 +621,7 @@
             <a:fld id="{088B0906-6CF8-4B6F-9999-52E9B8B394F6}" type="datetimeFigureOut">
               <a:rPr lang="zh-CN" altLang="en-US" smtClean="0"/>
               <a:pPr/>
-              <a:t>2023/12/13</a:t>
+              <a:t>2023/12/16</a:t>
             </a:fld>
             <a:endParaRPr lang="zh-CN" altLang="en-US"/>
           </a:p>
@@ -792,7 +793,7 @@
             <a:fld id="{088B0906-6CF8-4B6F-9999-52E9B8B394F6}" type="datetimeFigureOut">
               <a:rPr lang="zh-CN" altLang="en-US" smtClean="0"/>
               <a:pPr/>
-              <a:t>2023/12/13</a:t>
+              <a:t>2023/12/16</a:t>
             </a:fld>
             <a:endParaRPr lang="zh-CN" altLang="en-US"/>
           </a:p>
@@ -1040,7 +1041,7 @@
             <a:fld id="{088B0906-6CF8-4B6F-9999-52E9B8B394F6}" type="datetimeFigureOut">
               <a:rPr lang="zh-CN" altLang="en-US" smtClean="0"/>
               <a:pPr/>
-              <a:t>2023/12/13</a:t>
+              <a:t>2023/12/16</a:t>
             </a:fld>
             <a:endParaRPr lang="zh-CN" altLang="en-US"/>
           </a:p>
@@ -1274,7 +1275,7 @@
             <a:fld id="{088B0906-6CF8-4B6F-9999-52E9B8B394F6}" type="datetimeFigureOut">
               <a:rPr lang="zh-CN" altLang="en-US" smtClean="0"/>
               <a:pPr/>
-              <a:t>2023/12/13</a:t>
+              <a:t>2023/12/16</a:t>
             </a:fld>
             <a:endParaRPr lang="zh-CN" altLang="en-US"/>
           </a:p>
@@ -1643,7 +1644,7 @@
             <a:fld id="{088B0906-6CF8-4B6F-9999-52E9B8B394F6}" type="datetimeFigureOut">
               <a:rPr lang="zh-CN" altLang="en-US" smtClean="0"/>
               <a:pPr/>
-              <a:t>2023/12/13</a:t>
+              <a:t>2023/12/16</a:t>
             </a:fld>
             <a:endParaRPr lang="zh-CN" altLang="en-US"/>
           </a:p>
@@ -1763,7 +1764,7 @@
             <a:fld id="{088B0906-6CF8-4B6F-9999-52E9B8B394F6}" type="datetimeFigureOut">
               <a:rPr lang="zh-CN" altLang="en-US" smtClean="0"/>
               <a:pPr/>
-              <a:t>2023/12/13</a:t>
+              <a:t>2023/12/16</a:t>
             </a:fld>
             <a:endParaRPr lang="zh-CN" altLang="en-US"/>
           </a:p>
@@ -1860,7 +1861,7 @@
             <a:fld id="{088B0906-6CF8-4B6F-9999-52E9B8B394F6}" type="datetimeFigureOut">
               <a:rPr lang="zh-CN" altLang="en-US" smtClean="0"/>
               <a:pPr/>
-              <a:t>2023/12/13</a:t>
+              <a:t>2023/12/16</a:t>
             </a:fld>
             <a:endParaRPr lang="zh-CN" altLang="en-US"/>
           </a:p>
@@ -2139,7 +2140,7 @@
             <a:fld id="{088B0906-6CF8-4B6F-9999-52E9B8B394F6}" type="datetimeFigureOut">
               <a:rPr lang="zh-CN" altLang="en-US" smtClean="0"/>
               <a:pPr/>
-              <a:t>2023/12/13</a:t>
+              <a:t>2023/12/16</a:t>
             </a:fld>
             <a:endParaRPr lang="zh-CN" altLang="en-US"/>
           </a:p>
@@ -2394,7 +2395,7 @@
             <a:fld id="{088B0906-6CF8-4B6F-9999-52E9B8B394F6}" type="datetimeFigureOut">
               <a:rPr lang="zh-CN" altLang="en-US" smtClean="0"/>
               <a:pPr/>
-              <a:t>2023/12/13</a:t>
+              <a:t>2023/12/16</a:t>
             </a:fld>
             <a:endParaRPr lang="zh-CN" altLang="en-US"/>
           </a:p>
@@ -2609,7 +2610,7 @@
             <a:fld id="{088B0906-6CF8-4B6F-9999-52E9B8B394F6}" type="datetimeFigureOut">
               <a:rPr lang="zh-CN" altLang="en-US" smtClean="0"/>
               <a:pPr/>
-              <a:t>2023/12/13</a:t>
+              <a:t>2023/12/16</a:t>
             </a:fld>
             <a:endParaRPr lang="zh-CN" altLang="en-US"/>
           </a:p>
@@ -3022,13 +3023,13 @@
             <a:spLocks noGrp="1"/>
           </p:cNvSpPr>
           <p:nvPr>
-            <p:ph type="ctrTitle"/>
+            <p:ph type="title"/>
           </p:nvPr>
         </p:nvSpPr>
         <p:spPr>
           <a:xfrm>
-            <a:off x="1277815" y="1759561"/>
-            <a:ext cx="9144000" cy="2387600"/>
+            <a:off x="3158324" y="2706807"/>
+            <a:ext cx="10515600" cy="1325563"/>
           </a:xfrm>
         </p:spPr>
         <p:txBody>
@@ -3038,316 +3039,47 @@
           <a:lstStyle/>
           <a:p>
             <a:r>
-              <a:rPr lang="zh-CN" altLang="en-US" sz="13800" b="1" dirty="0" smtClean="0">
-                <a:latin typeface="华文楷体" panose="02010600040101010101" pitchFamily="2" charset="-122"/>
-                <a:ea typeface="华文楷体" panose="02010600040101010101" pitchFamily="2" charset="-122"/>
+              <a:rPr lang="en-US" altLang="zh-CN" sz="6000" dirty="0" smtClean="0">
+                <a:latin typeface="Times New Roman" panose="02020603050405020304" pitchFamily="18" charset="0"/>
+                <a:cs typeface="Times New Roman" panose="02020603050405020304" pitchFamily="18" charset="0"/>
               </a:rPr>
-              <a:t>选择</a:t>
-            </a:r>
-            <a:endParaRPr lang="zh-CN" altLang="en-US" sz="13800" b="1" dirty="0">
-              <a:latin typeface="华文楷体" panose="02010600040101010101" pitchFamily="2" charset="-122"/>
-              <a:ea typeface="华文楷体" panose="02010600040101010101" pitchFamily="2" charset="-122"/>
+              <a:t>CAN WE FLY ?</a:t>
+            </a:r>
+            <a:endParaRPr lang="zh-CN" altLang="en-US" sz="6000" dirty="0">
+              <a:latin typeface="Times New Roman" panose="02020603050405020304" pitchFamily="18" charset="0"/>
+              <a:cs typeface="Times New Roman" panose="02020603050405020304" pitchFamily="18" charset="0"/>
             </a:endParaRPr>
           </a:p>
         </p:txBody>
       </p:sp>
       <p:sp>
         <p:nvSpPr>
-          <p:cNvPr id="3" name="副标题 2"/>
+          <p:cNvPr id="3" name="内容占位符 2"/>
           <p:cNvSpPr>
             <a:spLocks noGrp="1"/>
           </p:cNvSpPr>
           <p:nvPr>
-            <p:ph type="subTitle" idx="1"/>
+            <p:ph idx="1"/>
           </p:nvPr>
         </p:nvSpPr>
         <p:spPr>
           <a:xfrm>
-            <a:off x="8317523" y="6040315"/>
-            <a:ext cx="3757246" cy="738554"/>
+            <a:off x="6934200" y="2880702"/>
+            <a:ext cx="10515600" cy="4351338"/>
           </a:xfrm>
         </p:spPr>
         <p:txBody>
           <a:bodyPr/>
           <a:lstStyle/>
           <a:p>
-            <a:r>
-              <a:rPr lang="en-US" altLang="zh-CN" dirty="0" smtClean="0"/>
-              <a:t>  </a:t>
-            </a:r>
             <a:endParaRPr lang="zh-CN" altLang="en-US" dirty="0"/>
-          </a:p>
-        </p:txBody>
-      </p:sp>
-      <p:sp>
-        <p:nvSpPr>
-          <p:cNvPr id="4" name="文本框 3"/>
-          <p:cNvSpPr txBox="1"/>
-          <p:nvPr/>
-        </p:nvSpPr>
-        <p:spPr>
-          <a:xfrm>
-            <a:off x="8044960" y="6257762"/>
-            <a:ext cx="5802925" cy="461665"/>
-          </a:xfrm>
-          <a:prstGeom prst="rect">
-            <a:avLst/>
-          </a:prstGeom>
-          <a:noFill/>
-        </p:spPr>
-        <p:txBody>
-          <a:bodyPr wrap="square" rtlCol="0">
-            <a:spAutoFit/>
-          </a:bodyPr>
-          <a:lstStyle/>
-          <a:p>
-            <a:r>
-              <a:rPr lang="en-US" altLang="zh-CN" sz="2400" dirty="0" smtClean="0"/>
-              <a:t>2023.11.14 By </a:t>
-            </a:r>
-            <a:r>
-              <a:rPr lang="en-US" altLang="zh-CN" sz="2400" dirty="0" err="1" smtClean="0"/>
-              <a:t>Bamboo_Day</a:t>
-            </a:r>
-            <a:endParaRPr lang="en-US" altLang="zh-CN" sz="2400" dirty="0" smtClean="0"/>
-          </a:p>
-        </p:txBody>
-      </p:sp>
-      <p:pic>
-        <p:nvPicPr>
-          <p:cNvPr id="5" name="图片 4"/>
-          <p:cNvPicPr>
-            <a:picLocks noChangeAspect="1"/>
-          </p:cNvPicPr>
-          <p:nvPr/>
-        </p:nvPicPr>
-        <p:blipFill>
-          <a:blip r:embed="rId2" cstate="print">
-            <a:extLst>
-              <a:ext uri="{28A0092B-C50C-407E-A947-70E740481C1C}">
-                <a14:useLocalDpi xmlns:a14="http://schemas.microsoft.com/office/drawing/2010/main" val="0"/>
-              </a:ext>
-            </a:extLst>
-          </a:blip>
-          <a:stretch>
-            <a:fillRect/>
-          </a:stretch>
-        </p:blipFill>
-        <p:spPr>
-          <a:xfrm>
-            <a:off x="280814" y="4147161"/>
-            <a:ext cx="1994002" cy="2013053"/>
-          </a:xfrm>
-          <a:prstGeom prst="rect">
-            <a:avLst/>
-          </a:prstGeom>
-        </p:spPr>
-      </p:pic>
-      <p:sp>
-        <p:nvSpPr>
-          <p:cNvPr id="6" name="文本框 5"/>
-          <p:cNvSpPr txBox="1"/>
-          <p:nvPr/>
-        </p:nvSpPr>
-        <p:spPr>
-          <a:xfrm>
-            <a:off x="280814" y="6350095"/>
-            <a:ext cx="3886200" cy="369332"/>
-          </a:xfrm>
-          <a:prstGeom prst="rect">
-            <a:avLst/>
-          </a:prstGeom>
-          <a:noFill/>
-        </p:spPr>
-        <p:txBody>
-          <a:bodyPr wrap="square" rtlCol="0">
-            <a:spAutoFit/>
-          </a:bodyPr>
-          <a:lstStyle/>
-          <a:p>
-            <a:r>
-              <a:rPr lang="zh-CN" altLang="en-US" strike="sngStrike"/>
-              <a:t>有点丑凑合着看罢</a:t>
-            </a:r>
-            <a:r>
-              <a:rPr lang="zh-CN" altLang="en-US"/>
-              <a:t>（</a:t>
-            </a:r>
-            <a:r>
-              <a:rPr lang="en-US" altLang="zh-CN"/>
-              <a:t> </a:t>
-            </a:r>
-            <a:endParaRPr lang="zh-CN" altLang="en-US" dirty="0"/>
-          </a:p>
-        </p:txBody>
-      </p:sp>
-      <p:sp>
-        <p:nvSpPr>
-          <p:cNvPr id="7" name="文本框 6"/>
-          <p:cNvSpPr txBox="1"/>
-          <p:nvPr/>
-        </p:nvSpPr>
-        <p:spPr>
-          <a:xfrm>
-            <a:off x="73267" y="156306"/>
-            <a:ext cx="5902803" cy="2031325"/>
-          </a:xfrm>
-          <a:prstGeom prst="rect">
-            <a:avLst/>
-          </a:prstGeom>
-          <a:noFill/>
-        </p:spPr>
-        <p:txBody>
-          <a:bodyPr wrap="square" rtlCol="0">
-            <a:spAutoFit/>
-          </a:bodyPr>
-          <a:lstStyle/>
-          <a:p>
-            <a:r>
-              <a:rPr lang="en-US" altLang="zh-CN" sz="2000" b="1" dirty="0" smtClean="0"/>
-              <a:t>Update:</a:t>
-            </a:r>
-          </a:p>
-          <a:p>
-            <a:r>
-              <a:rPr lang="en-US" altLang="zh-CN" dirty="0" smtClean="0"/>
-              <a:t>2023.11.24 </a:t>
-            </a:r>
-            <a:r>
-              <a:rPr lang="zh-CN" altLang="en-US" dirty="0" smtClean="0"/>
-              <a:t>拥有提词器</a:t>
-            </a:r>
-            <a:endParaRPr lang="en-US" altLang="zh-CN" dirty="0" smtClean="0"/>
-          </a:p>
-          <a:p>
-            <a:r>
-              <a:rPr lang="en-US" altLang="zh-CN" dirty="0" smtClean="0"/>
-              <a:t>2023.11.26 </a:t>
-            </a:r>
-            <a:r>
-              <a:rPr lang="zh-CN" altLang="en-US" dirty="0" smtClean="0"/>
-              <a:t>增加图片</a:t>
-            </a:r>
-            <a:endParaRPr lang="en-US" altLang="zh-CN" dirty="0" smtClean="0"/>
-          </a:p>
-          <a:p>
-            <a:r>
-              <a:rPr lang="en-US" altLang="zh-CN" dirty="0" smtClean="0"/>
-              <a:t>2023.11.29 </a:t>
-            </a:r>
-            <a:r>
-              <a:rPr lang="zh-CN" altLang="en-US" dirty="0" smtClean="0"/>
-              <a:t>发现稿子太长了但是问题不大</a:t>
-            </a:r>
-            <a:endParaRPr lang="en-US" altLang="zh-CN" dirty="0" smtClean="0"/>
-          </a:p>
-          <a:p>
-            <a:r>
-              <a:rPr lang="en-US" altLang="zh-CN" dirty="0" smtClean="0"/>
-              <a:t>2023.12.10 </a:t>
-            </a:r>
-            <a:r>
-              <a:rPr lang="zh-CN" altLang="en-US" dirty="0" smtClean="0"/>
-              <a:t>最终定稿（为什么会有人听演讲不看 </a:t>
-            </a:r>
-            <a:r>
-              <a:rPr lang="en-US" altLang="zh-CN" dirty="0" smtClean="0"/>
-              <a:t>PPT</a:t>
-            </a:r>
-          </a:p>
-          <a:p>
-            <a:r>
-              <a:rPr lang="en-US" altLang="zh-CN" dirty="0" smtClean="0"/>
-              <a:t>2023.12.13 </a:t>
-            </a:r>
-            <a:r>
-              <a:rPr lang="zh-CN" altLang="en-US" dirty="0" smtClean="0"/>
-              <a:t>国家公祭</a:t>
-            </a:r>
-            <a:r>
-              <a:rPr lang="zh-CN" altLang="en-US" dirty="0" smtClean="0"/>
-              <a:t>日</a:t>
-            </a:r>
-            <a:r>
-              <a:rPr lang="en-US" altLang="zh-CN" dirty="0" smtClean="0"/>
-              <a:t>(</a:t>
-            </a:r>
-            <a:r>
-              <a:rPr lang="zh-CN" altLang="en-US" dirty="0" smtClean="0"/>
-              <a:t>默哀</a:t>
-            </a:r>
-            <a:endParaRPr lang="en-US" altLang="zh-CN" dirty="0" smtClean="0"/>
-          </a:p>
-          <a:p>
-            <a:endParaRPr lang="zh-CN" altLang="en-US" sz="1600" dirty="0"/>
-          </a:p>
-        </p:txBody>
-      </p:sp>
-      <p:sp>
-        <p:nvSpPr>
-          <p:cNvPr id="8" name="TextBox 7"/>
-          <p:cNvSpPr txBox="1"/>
-          <p:nvPr/>
-        </p:nvSpPr>
-        <p:spPr>
-          <a:xfrm>
-            <a:off x="7359445" y="0"/>
-            <a:ext cx="4832555" cy="830997"/>
-          </a:xfrm>
-          <a:prstGeom prst="rect">
-            <a:avLst/>
-          </a:prstGeom>
-          <a:noFill/>
-        </p:spPr>
-        <p:txBody>
-          <a:bodyPr wrap="square" rtlCol="0">
-            <a:spAutoFit/>
-          </a:bodyPr>
-          <a:lstStyle/>
-          <a:p>
-            <a:r>
-              <a:rPr lang="zh-CN" altLang="en-US" sz="2400" dirty="0" smtClean="0"/>
-              <a:t>请大家看 </a:t>
-            </a:r>
-            <a:r>
-              <a:rPr lang="en-US" altLang="zh-CN" sz="2400" dirty="0" smtClean="0"/>
-              <a:t>PPT</a:t>
-            </a:r>
-            <a:r>
-              <a:rPr lang="zh-CN" altLang="en-US" sz="2400" dirty="0" smtClean="0"/>
-              <a:t> 谢谢你们</a:t>
-            </a:r>
-            <a:endParaRPr lang="en-US" altLang="zh-CN" sz="2400" dirty="0" smtClean="0"/>
-          </a:p>
-          <a:p>
-            <a:r>
-              <a:rPr lang="zh-CN" altLang="en-US" sz="2400" dirty="0" smtClean="0"/>
-              <a:t>不看 </a:t>
-            </a:r>
-            <a:r>
-              <a:rPr lang="en-US" altLang="zh-CN" sz="2400" dirty="0" smtClean="0"/>
-              <a:t>PPT </a:t>
-            </a:r>
-            <a:r>
-              <a:rPr lang="en-US" altLang="zh-CN" sz="2400" dirty="0" err="1" smtClean="0"/>
-              <a:t>Bamboo_Day</a:t>
-            </a:r>
-            <a:r>
-              <a:rPr lang="en-US" altLang="zh-CN" sz="2400" dirty="0" smtClean="0"/>
-              <a:t> </a:t>
-            </a:r>
-            <a:r>
-              <a:rPr lang="zh-CN" altLang="en-US" sz="2400" dirty="0" smtClean="0"/>
-              <a:t>会伤心的</a:t>
-            </a:r>
-            <a:endParaRPr lang="zh-CN" altLang="en-US" sz="2400" dirty="0"/>
           </a:p>
         </p:txBody>
       </p:sp>
     </p:spTree>
     <p:extLst>
       <p:ext uri="{BB962C8B-B14F-4D97-AF65-F5344CB8AC3E}">
-        <p14:creationId xmlns:p14="http://schemas.microsoft.com/office/powerpoint/2010/main" val="353376672"/>
+        <p14:creationId xmlns:p14="http://schemas.microsoft.com/office/powerpoint/2010/main" val="3264331119"/>
       </p:ext>
     </p:extLst>
   </p:cSld>
@@ -3357,9 +3089,80 @@
   <p:timing>
     <p:tnLst>
       <p:par>
-        <p:cTn id="1" dur="indefinite" restart="never" nodeType="tmRoot"/>
+        <p:cTn id="1" dur="indefinite" restart="never" nodeType="tmRoot">
+          <p:childTnLst>
+            <p:seq concurrent="1" nextAc="seek">
+              <p:cTn id="2" dur="indefinite" nodeType="mainSeq">
+                <p:childTnLst>
+                  <p:par>
+                    <p:cTn id="3" fill="hold">
+                      <p:stCondLst>
+                        <p:cond delay="indefinite"/>
+                      </p:stCondLst>
+                      <p:childTnLst>
+                        <p:par>
+                          <p:cTn id="4" fill="hold">
+                            <p:stCondLst>
+                              <p:cond delay="0"/>
+                            </p:stCondLst>
+                            <p:childTnLst>
+                              <p:par>
+                                <p:cTn id="5" presetID="1" presetClass="entr" presetSubtype="0" fill="hold" grpId="0" nodeType="clickEffect">
+                                  <p:stCondLst>
+                                    <p:cond delay="0"/>
+                                  </p:stCondLst>
+                                  <p:childTnLst>
+                                    <p:set>
+                                      <p:cBhvr>
+                                        <p:cTn id="6" dur="1" fill="hold">
+                                          <p:stCondLst>
+                                            <p:cond delay="0"/>
+                                          </p:stCondLst>
+                                        </p:cTn>
+                                        <p:tgtEl>
+                                          <p:spTgt spid="2"/>
+                                        </p:tgtEl>
+                                        <p:attrNameLst>
+                                          <p:attrName>style.visibility</p:attrName>
+                                        </p:attrNameLst>
+                                      </p:cBhvr>
+                                      <p:to>
+                                        <p:strVal val="visible"/>
+                                      </p:to>
+                                    </p:set>
+                                  </p:childTnLst>
+                                </p:cTn>
+                              </p:par>
+                            </p:childTnLst>
+                          </p:cTn>
+                        </p:par>
+                      </p:childTnLst>
+                    </p:cTn>
+                  </p:par>
+                </p:childTnLst>
+              </p:cTn>
+              <p:prevCondLst>
+                <p:cond evt="onPrev" delay="0">
+                  <p:tgtEl>
+                    <p:sldTgt/>
+                  </p:tgtEl>
+                </p:cond>
+              </p:prevCondLst>
+              <p:nextCondLst>
+                <p:cond evt="onNext" delay="0">
+                  <p:tgtEl>
+                    <p:sldTgt/>
+                  </p:tgtEl>
+                </p:cond>
+              </p:nextCondLst>
+            </p:seq>
+          </p:childTnLst>
+        </p:cTn>
       </p:par>
     </p:tnLst>
+    <p:bldLst>
+      <p:bldP spid="2" grpId="0"/>
+    </p:bldLst>
   </p:timing>
 </p:sld>
 </file>
@@ -3393,7 +3196,7 @@
         </p:nvSpPr>
         <p:spPr>
           <a:xfrm>
-            <a:off x="0" y="965271"/>
+            <a:off x="282015" y="493323"/>
             <a:ext cx="10515600" cy="1325563"/>
           </a:xfrm>
         </p:spPr>
@@ -3442,15 +3245,8 @@
                 <a:latin typeface="微软雅黑" pitchFamily="34" charset="-122"/>
                 <a:ea typeface="微软雅黑" pitchFamily="34" charset="-122"/>
               </a:rPr>
-              <a:t>跟随自己的直觉</a:t>
-            </a:r>
-            <a:r>
-              <a:rPr lang="zh-CN" altLang="en-US" dirty="0" smtClean="0"/>
-              <a:t/>
-            </a:r>
-            <a:br>
-              <a:rPr lang="zh-CN" altLang="en-US" dirty="0" smtClean="0"/>
-            </a:br>
+              <a:t>问自己五个为什么</a:t>
+            </a:r>
             <a:r>
               <a:rPr lang="en-US" altLang="zh-CN" dirty="0">
                 <a:latin typeface="华文楷体" panose="02010600040101010101" pitchFamily="2" charset="-122"/>
@@ -3468,41 +3264,110 @@
           </a:p>
         </p:txBody>
       </p:sp>
-      <p:pic>
-        <p:nvPicPr>
-          <p:cNvPr id="2050" name="Picture 2"/>
-          <p:cNvPicPr>
-            <a:picLocks noGrp="1" noChangeAspect="1" noChangeArrowheads="1"/>
-          </p:cNvPicPr>
+      <p:sp>
+        <p:nvSpPr>
+          <p:cNvPr id="3" name="内容占位符 2"/>
+          <p:cNvSpPr>
+            <a:spLocks noGrp="1"/>
+          </p:cNvSpPr>
           <p:nvPr>
             <p:ph idx="1"/>
           </p:nvPr>
-        </p:nvPicPr>
-        <p:blipFill>
-          <a:blip r:embed="rId2" cstate="print"/>
-          <a:srcRect/>
-          <a:stretch>
-            <a:fillRect/>
-          </a:stretch>
-        </p:blipFill>
-        <p:spPr bwMode="auto">
-          <a:xfrm>
-            <a:off x="1430594" y="2071045"/>
-            <a:ext cx="7241458" cy="3798813"/>
+        </p:nvSpPr>
+        <p:spPr/>
+        <p:txBody>
+          <a:bodyPr>
+            <a:normAutofit lnSpcReduction="10000"/>
+          </a:bodyPr>
+          <a:lstStyle/>
+          <a:p>
+            <a:pPr>
+              <a:buNone/>
+            </a:pPr>
+            <a:r>
+              <a:rPr lang="en-US" altLang="zh-CN" sz="3600" dirty="0" smtClean="0"/>
+              <a:t>		</a:t>
+            </a:r>
+            <a:r>
+              <a:rPr lang="zh-CN" altLang="en-US" sz="3600" dirty="0" smtClean="0"/>
+              <a:t>“五个为什么”是丰田公司创始人丰田章男发明的一种解决问题的技巧。</a:t>
+            </a:r>
+            <a:endParaRPr lang="en-US" altLang="zh-CN" sz="3600" dirty="0" smtClean="0"/>
+          </a:p>
+          <a:p>
+            <a:pPr>
+              <a:buNone/>
+            </a:pPr>
+            <a:r>
+              <a:rPr lang="en-US" altLang="zh-CN" sz="3600" dirty="0" smtClean="0"/>
+              <a:t>		</a:t>
+            </a:r>
+            <a:r>
+              <a:rPr lang="zh-CN" altLang="en-US" sz="3600" dirty="0" smtClean="0"/>
+              <a:t>当某事出错时，你可以问自己“为什么？”  </a:t>
+            </a:r>
+            <a:endParaRPr lang="en-US" altLang="zh-CN" sz="3600" dirty="0" smtClean="0"/>
+          </a:p>
+          <a:p>
+            <a:pPr>
+              <a:buNone/>
+            </a:pPr>
+            <a:r>
+              <a:rPr lang="en-US" altLang="zh-CN" sz="3600" dirty="0" smtClean="0"/>
+              <a:t>		</a:t>
+            </a:r>
+            <a:r>
+              <a:rPr lang="zh-CN" altLang="en-US" sz="3600" dirty="0" smtClean="0"/>
+              <a:t>通过一遍又一遍地问为什么有些事情会失败，你最终就会找到根本原因。</a:t>
+            </a:r>
+            <a:endParaRPr lang="en-US" altLang="zh-CN" sz="3600" dirty="0" smtClean="0"/>
+          </a:p>
+          <a:p>
+            <a:pPr>
+              <a:buNone/>
+            </a:pPr>
+            <a:r>
+              <a:rPr lang="en-US" altLang="zh-CN" sz="3600" dirty="0" smtClean="0"/>
+              <a:t>		</a:t>
+            </a:r>
+            <a:r>
+              <a:rPr lang="zh-CN" altLang="en-US" sz="3600" dirty="0" smtClean="0"/>
+              <a:t>虽然“五个为什么”是一种解决问题的技巧，但它也能帮助你确定你正在考虑的选择是否符合你的核心价值观</a:t>
+            </a:r>
+            <a:endParaRPr lang="zh-CN" altLang="en-US" sz="3600" dirty="0"/>
+          </a:p>
+        </p:txBody>
+      </p:sp>
+      <p:sp>
+        <p:nvSpPr>
+          <p:cNvPr id="4" name="文本框 3"/>
+          <p:cNvSpPr txBox="1"/>
+          <p:nvPr/>
+        </p:nvSpPr>
+        <p:spPr>
+          <a:xfrm>
+            <a:off x="8713177" y="6176963"/>
+            <a:ext cx="3323492" cy="461665"/>
           </a:xfrm>
           <a:prstGeom prst="rect">
             <a:avLst/>
           </a:prstGeom>
           <a:noFill/>
-          <a:ln w="9525">
-            <a:noFill/>
-            <a:miter lim="800000"/>
-            <a:headEnd/>
-            <a:tailEnd/>
-          </a:ln>
-          <a:effectLst/>
-        </p:spPr>
-      </p:pic>
+        </p:spPr>
+        <p:txBody>
+          <a:bodyPr wrap="square" rtlCol="0">
+            <a:spAutoFit/>
+          </a:bodyPr>
+          <a:lstStyle/>
+          <a:p>
+            <a:r>
+              <a:rPr lang="zh-CN" altLang="en-US" sz="2400" dirty="0" smtClean="0"/>
+              <a:t>对不起这一页没有图</a:t>
+            </a:r>
+            <a:endParaRPr lang="zh-CN" altLang="en-US" sz="2400" dirty="0"/>
+          </a:p>
+        </p:txBody>
+      </p:sp>
     </p:spTree>
     <p:extLst>
       <p:ext uri="{BB962C8B-B14F-4D97-AF65-F5344CB8AC3E}">
@@ -3516,7 +3381,211 @@
   <p:timing>
     <p:tnLst>
       <p:par>
-        <p:cTn id="1" dur="indefinite" restart="never" nodeType="tmRoot"/>
+        <p:cTn id="1" dur="indefinite" restart="never" nodeType="tmRoot">
+          <p:childTnLst>
+            <p:seq concurrent="1" nextAc="seek">
+              <p:cTn id="2" dur="indefinite" nodeType="mainSeq">
+                <p:childTnLst>
+                  <p:par>
+                    <p:cTn id="3" fill="hold">
+                      <p:stCondLst>
+                        <p:cond delay="indefinite"/>
+                        <p:cond evt="onBegin" delay="0">
+                          <p:tn val="2"/>
+                        </p:cond>
+                      </p:stCondLst>
+                      <p:childTnLst>
+                        <p:par>
+                          <p:cTn id="4" fill="hold">
+                            <p:stCondLst>
+                              <p:cond delay="0"/>
+                            </p:stCondLst>
+                            <p:childTnLst>
+                              <p:par>
+                                <p:cTn id="5" presetID="1" presetClass="entr" presetSubtype="0" fill="hold" nodeType="withEffect">
+                                  <p:stCondLst>
+                                    <p:cond delay="0"/>
+                                  </p:stCondLst>
+                                  <p:childTnLst>
+                                    <p:set>
+                                      <p:cBhvr>
+                                        <p:cTn id="6" dur="1" fill="hold">
+                                          <p:stCondLst>
+                                            <p:cond delay="0"/>
+                                          </p:stCondLst>
+                                        </p:cTn>
+                                        <p:tgtEl>
+                                          <p:spTgt spid="3">
+                                            <p:txEl>
+                                              <p:pRg st="0" end="0"/>
+                                            </p:txEl>
+                                          </p:spTgt>
+                                        </p:tgtEl>
+                                        <p:attrNameLst>
+                                          <p:attrName>style.visibility</p:attrName>
+                                        </p:attrNameLst>
+                                      </p:cBhvr>
+                                      <p:to>
+                                        <p:strVal val="visible"/>
+                                      </p:to>
+                                    </p:set>
+                                  </p:childTnLst>
+                                </p:cTn>
+                              </p:par>
+                            </p:childTnLst>
+                          </p:cTn>
+                        </p:par>
+                      </p:childTnLst>
+                    </p:cTn>
+                  </p:par>
+                  <p:par>
+                    <p:cTn id="7" fill="hold">
+                      <p:stCondLst>
+                        <p:cond delay="indefinite"/>
+                      </p:stCondLst>
+                      <p:childTnLst>
+                        <p:par>
+                          <p:cTn id="8" fill="hold">
+                            <p:stCondLst>
+                              <p:cond delay="0"/>
+                            </p:stCondLst>
+                            <p:childTnLst>
+                              <p:par>
+                                <p:cTn id="9" presetID="1" presetClass="entr" presetSubtype="0" fill="hold" nodeType="clickEffect">
+                                  <p:stCondLst>
+                                    <p:cond delay="0"/>
+                                  </p:stCondLst>
+                                  <p:childTnLst>
+                                    <p:set>
+                                      <p:cBhvr>
+                                        <p:cTn id="10" dur="1" fill="hold">
+                                          <p:stCondLst>
+                                            <p:cond delay="0"/>
+                                          </p:stCondLst>
+                                        </p:cTn>
+                                        <p:tgtEl>
+                                          <p:spTgt spid="3">
+                                            <p:txEl>
+                                              <p:pRg st="1" end="1"/>
+                                            </p:txEl>
+                                          </p:spTgt>
+                                        </p:tgtEl>
+                                        <p:attrNameLst>
+                                          <p:attrName>style.visibility</p:attrName>
+                                        </p:attrNameLst>
+                                      </p:cBhvr>
+                                      <p:to>
+                                        <p:strVal val="visible"/>
+                                      </p:to>
+                                    </p:set>
+                                  </p:childTnLst>
+                                </p:cTn>
+                              </p:par>
+                              <p:par>
+                                <p:cTn id="11" presetID="1" presetClass="entr" presetSubtype="0" fill="hold" nodeType="withEffect">
+                                  <p:stCondLst>
+                                    <p:cond delay="0"/>
+                                  </p:stCondLst>
+                                  <p:childTnLst>
+                                    <p:set>
+                                      <p:cBhvr>
+                                        <p:cTn id="12" dur="1" fill="hold">
+                                          <p:stCondLst>
+                                            <p:cond delay="0"/>
+                                          </p:stCondLst>
+                                        </p:cTn>
+                                        <p:tgtEl>
+                                          <p:spTgt spid="3">
+                                            <p:txEl>
+                                              <p:pRg st="2" end="2"/>
+                                            </p:txEl>
+                                          </p:spTgt>
+                                        </p:tgtEl>
+                                        <p:attrNameLst>
+                                          <p:attrName>style.visibility</p:attrName>
+                                        </p:attrNameLst>
+                                      </p:cBhvr>
+                                      <p:to>
+                                        <p:strVal val="visible"/>
+                                      </p:to>
+                                    </p:set>
+                                  </p:childTnLst>
+                                </p:cTn>
+                              </p:par>
+                            </p:childTnLst>
+                          </p:cTn>
+                        </p:par>
+                      </p:childTnLst>
+                    </p:cTn>
+                  </p:par>
+                  <p:par>
+                    <p:cTn id="13" fill="hold">
+                      <p:stCondLst>
+                        <p:cond delay="indefinite"/>
+                      </p:stCondLst>
+                      <p:childTnLst>
+                        <p:par>
+                          <p:cTn id="14" fill="hold">
+                            <p:stCondLst>
+                              <p:cond delay="0"/>
+                            </p:stCondLst>
+                            <p:childTnLst>
+                              <p:par>
+                                <p:cTn id="15" presetID="1" presetClass="entr" presetSubtype="0" fill="hold" nodeType="clickEffect">
+                                  <p:stCondLst>
+                                    <p:cond delay="0"/>
+                                  </p:stCondLst>
+                                  <p:childTnLst>
+                                    <p:set>
+                                      <p:cBhvr>
+                                        <p:cTn id="16" dur="1" fill="hold">
+                                          <p:stCondLst>
+                                            <p:cond delay="0"/>
+                                          </p:stCondLst>
+                                        </p:cTn>
+                                        <p:tgtEl>
+                                          <p:spTgt spid="3">
+                                            <p:txEl>
+                                              <p:pRg st="3" end="3"/>
+                                            </p:txEl>
+                                          </p:spTgt>
+                                        </p:tgtEl>
+                                        <p:attrNameLst>
+                                          <p:attrName>style.visibility</p:attrName>
+                                        </p:attrNameLst>
+                                      </p:cBhvr>
+                                      <p:to>
+                                        <p:strVal val="visible"/>
+                                      </p:to>
+                                    </p:set>
+                                  </p:childTnLst>
+                                </p:cTn>
+                              </p:par>
+                            </p:childTnLst>
+                          </p:cTn>
+                        </p:par>
+                      </p:childTnLst>
+                    </p:cTn>
+                  </p:par>
+                </p:childTnLst>
+              </p:cTn>
+              <p:prevCondLst>
+                <p:cond evt="onPrev" delay="0">
+                  <p:tgtEl>
+                    <p:sldTgt/>
+                  </p:tgtEl>
+                </p:cond>
+              </p:prevCondLst>
+              <p:nextCondLst>
+                <p:cond evt="onNext" delay="0">
+                  <p:tgtEl>
+                    <p:sldTgt/>
+                  </p:tgtEl>
+                </p:cond>
+              </p:nextCondLst>
+            </p:seq>
+          </p:childTnLst>
+        </p:cTn>
       </p:par>
     </p:tnLst>
   </p:timing>
@@ -3550,6 +3619,165 @@
             <p:ph type="title"/>
           </p:nvPr>
         </p:nvSpPr>
+        <p:spPr>
+          <a:xfrm>
+            <a:off x="0" y="965271"/>
+            <a:ext cx="10515600" cy="1325563"/>
+          </a:xfrm>
+        </p:spPr>
+        <p:txBody>
+          <a:bodyPr>
+            <a:normAutofit fontScale="90000"/>
+          </a:bodyPr>
+          <a:lstStyle/>
+          <a:p>
+            <a:r>
+              <a:rPr lang="zh-CN" altLang="en-US" sz="7300" dirty="0">
+                <a:latin typeface="华文楷体" panose="02010600040101010101" pitchFamily="2" charset="-122"/>
+                <a:ea typeface="华文楷体" panose="02010600040101010101" pitchFamily="2" charset="-122"/>
+              </a:rPr>
+              <a:t>如何做出选择</a:t>
+            </a:r>
+            <a:r>
+              <a:rPr lang="en-US" altLang="zh-CN" sz="7300" dirty="0">
+                <a:latin typeface="华文楷体" panose="02010600040101010101" pitchFamily="2" charset="-122"/>
+                <a:ea typeface="华文楷体" panose="02010600040101010101" pitchFamily="2" charset="-122"/>
+              </a:rPr>
+              <a:t> </a:t>
+            </a:r>
+            <a:r>
+              <a:rPr lang="zh-CN" altLang="en-US" sz="7300" dirty="0" smtClean="0">
+                <a:latin typeface="华文楷体" panose="02010600040101010101" pitchFamily="2" charset="-122"/>
+                <a:ea typeface="华文楷体" panose="02010600040101010101" pitchFamily="2" charset="-122"/>
+              </a:rPr>
+              <a:t>？</a:t>
+            </a:r>
+            <a:r>
+              <a:rPr lang="en-US" altLang="zh-CN" sz="7300" dirty="0" smtClean="0">
+                <a:latin typeface="华文楷体" panose="02010600040101010101" pitchFamily="2" charset="-122"/>
+                <a:ea typeface="华文楷体" panose="02010600040101010101" pitchFamily="2" charset="-122"/>
+              </a:rPr>
+              <a:t/>
+            </a:r>
+            <a:br>
+              <a:rPr lang="en-US" altLang="zh-CN" sz="7300" dirty="0" smtClean="0">
+                <a:latin typeface="华文楷体" panose="02010600040101010101" pitchFamily="2" charset="-122"/>
+                <a:ea typeface="华文楷体" panose="02010600040101010101" pitchFamily="2" charset="-122"/>
+              </a:rPr>
+            </a:br>
+            <a:r>
+              <a:rPr lang="zh-CN" altLang="en-US" dirty="0" smtClean="0">
+                <a:latin typeface="微软雅黑" pitchFamily="34" charset="-122"/>
+                <a:ea typeface="微软雅黑" pitchFamily="34" charset="-122"/>
+              </a:rPr>
+              <a:t>跟随自己的直觉</a:t>
+            </a:r>
+            <a:r>
+              <a:rPr lang="zh-CN" altLang="en-US" dirty="0" smtClean="0"/>
+              <a:t/>
+            </a:r>
+            <a:br>
+              <a:rPr lang="zh-CN" altLang="en-US" dirty="0" smtClean="0"/>
+            </a:br>
+            <a:r>
+              <a:rPr lang="en-US" altLang="zh-CN" dirty="0">
+                <a:latin typeface="华文楷体" panose="02010600040101010101" pitchFamily="2" charset="-122"/>
+                <a:ea typeface="华文楷体" panose="02010600040101010101" pitchFamily="2" charset="-122"/>
+              </a:rPr>
+              <a:t/>
+            </a:r>
+            <a:br>
+              <a:rPr lang="en-US" altLang="zh-CN" dirty="0">
+                <a:latin typeface="华文楷体" panose="02010600040101010101" pitchFamily="2" charset="-122"/>
+                <a:ea typeface="华文楷体" panose="02010600040101010101" pitchFamily="2" charset="-122"/>
+              </a:rPr>
+            </a:br>
+            <a:endParaRPr lang="zh-CN" altLang="en-US" dirty="0"/>
+          </a:p>
+        </p:txBody>
+      </p:sp>
+      <p:pic>
+        <p:nvPicPr>
+          <p:cNvPr id="2050" name="Picture 2"/>
+          <p:cNvPicPr>
+            <a:picLocks noGrp="1" noChangeAspect="1" noChangeArrowheads="1"/>
+          </p:cNvPicPr>
+          <p:nvPr>
+            <p:ph idx="1"/>
+          </p:nvPr>
+        </p:nvPicPr>
+        <p:blipFill>
+          <a:blip r:embed="rId2" cstate="print"/>
+          <a:srcRect/>
+          <a:stretch>
+            <a:fillRect/>
+          </a:stretch>
+        </p:blipFill>
+        <p:spPr bwMode="auto">
+          <a:xfrm>
+            <a:off x="1430594" y="2071045"/>
+            <a:ext cx="7241458" cy="3798813"/>
+          </a:xfrm>
+          <a:prstGeom prst="rect">
+            <a:avLst/>
+          </a:prstGeom>
+          <a:noFill/>
+          <a:ln w="9525">
+            <a:noFill/>
+            <a:miter lim="800000"/>
+            <a:headEnd/>
+            <a:tailEnd/>
+          </a:ln>
+          <a:effectLst/>
+        </p:spPr>
+      </p:pic>
+    </p:spTree>
+    <p:extLst>
+      <p:ext uri="{BB962C8B-B14F-4D97-AF65-F5344CB8AC3E}">
+        <p14:creationId xmlns:p14="http://schemas.microsoft.com/office/powerpoint/2010/main" val="4223806462"/>
+      </p:ext>
+    </p:extLst>
+  </p:cSld>
+  <p:clrMapOvr>
+    <a:masterClrMapping/>
+  </p:clrMapOvr>
+  <p:timing>
+    <p:tnLst>
+      <p:par>
+        <p:cTn id="1" dur="indefinite" restart="never" nodeType="tmRoot"/>
+      </p:par>
+    </p:tnLst>
+  </p:timing>
+</p:sld>
+</file>
+
+<file path=ppt/slides/slide12.xml><?xml version="1.0" encoding="utf-8"?>
+<p:sld xmlns:a="http://schemas.openxmlformats.org/drawingml/2006/main" xmlns:r="http://schemas.openxmlformats.org/officeDocument/2006/relationships" xmlns:p="http://schemas.openxmlformats.org/presentationml/2006/main">
+  <p:cSld>
+    <p:spTree>
+      <p:nvGrpSpPr>
+        <p:cNvPr id="1" name=""/>
+        <p:cNvGrpSpPr/>
+        <p:nvPr/>
+      </p:nvGrpSpPr>
+      <p:grpSpPr>
+        <a:xfrm>
+          <a:off x="0" y="0"/>
+          <a:ext cx="0" cy="0"/>
+          <a:chOff x="0" y="0"/>
+          <a:chExt cx="0" cy="0"/>
+        </a:xfrm>
+      </p:grpSpPr>
+      <p:sp>
+        <p:nvSpPr>
+          <p:cNvPr id="2" name="标题 1"/>
+          <p:cNvSpPr>
+            <a:spLocks noGrp="1"/>
+          </p:cNvSpPr>
+          <p:nvPr>
+            <p:ph type="title"/>
+          </p:nvPr>
+        </p:nvSpPr>
         <p:spPr/>
         <p:txBody>
           <a:bodyPr/>
@@ -3577,84 +3805,9 @@
         </p:spPr>
         <p:txBody>
           <a:bodyPr>
-            <a:normAutofit fontScale="55000" lnSpcReduction="20000"/>
+            <a:normAutofit/>
           </a:bodyPr>
           <a:lstStyle/>
-          <a:p>
-            <a:pPr marL="0" indent="0">
-              <a:buNone/>
-            </a:pPr>
-            <a:r>
-              <a:rPr lang="en-US" altLang="zh-CN" sz="4400" dirty="0"/>
-              <a:t>I don't like it when others mention like "You are a loser..." "It's a bad deal."</a:t>
-            </a:r>
-          </a:p>
-          <a:p>
-            <a:pPr marL="0" indent="0">
-              <a:buNone/>
-            </a:pPr>
-            <a:r>
-              <a:rPr lang="en-US" altLang="zh-CN" sz="4400" dirty="0"/>
-              <a:t>My youth always belongs to myself. No one can give it an "effective" change.</a:t>
-            </a:r>
-          </a:p>
-          <a:p>
-            <a:pPr marL="0" indent="0">
-              <a:buNone/>
-            </a:pPr>
-            <a:r>
-              <a:rPr lang="en-US" altLang="zh-CN" sz="4400" dirty="0"/>
-              <a:t>But I still love those who keep me company during the tough days.</a:t>
-            </a:r>
-          </a:p>
-          <a:p>
-            <a:pPr marL="0" indent="0">
-              <a:buNone/>
-            </a:pPr>
-            <a:r>
-              <a:rPr lang="en-US" altLang="zh-CN" sz="4400" dirty="0"/>
-              <a:t>I love my family, I love my classmates, and I love all the people who help me tear the monsters of sorrow into pieces. Thank you all...</a:t>
-            </a:r>
-          </a:p>
-          <a:p>
-            <a:pPr marL="0" indent="0">
-              <a:buNone/>
-            </a:pPr>
-            <a:r>
-              <a:rPr lang="en-US" altLang="zh-CN" sz="4400" dirty="0"/>
-              <a:t>Yesterday, I wanted to sleep </a:t>
-            </a:r>
-            <a:r>
-              <a:rPr lang="en-US" altLang="zh-CN" sz="4400" dirty="0" smtClean="0"/>
-              <a:t>for a </a:t>
-            </a:r>
-            <a:r>
-              <a:rPr lang="en-US" altLang="zh-CN" sz="4400" dirty="0"/>
-              <a:t>rest, but </a:t>
-            </a:r>
-            <a:r>
-              <a:rPr lang="en-US" altLang="zh-CN" sz="4400" dirty="0" smtClean="0"/>
-              <a:t>will tomorrow </a:t>
-            </a:r>
-            <a:r>
-              <a:rPr lang="en-US" altLang="zh-CN" sz="4400" dirty="0"/>
-              <a:t>be the </a:t>
-            </a:r>
-            <a:r>
-              <a:rPr lang="en-US" altLang="zh-CN" sz="4400" dirty="0" smtClean="0"/>
-              <a:t>end ?</a:t>
-            </a:r>
-            <a:endParaRPr lang="en-US" altLang="zh-CN" sz="4400" dirty="0"/>
-          </a:p>
-          <a:p>
-            <a:pPr marL="0" indent="0">
-              <a:buNone/>
-            </a:pPr>
-            <a:r>
-              <a:rPr lang="en-US" altLang="zh-CN" sz="4400" dirty="0"/>
-              <a:t>No, it never has to be the end. Tomorrow is a new start.</a:t>
-            </a:r>
-          </a:p>
           <a:p>
             <a:pPr>
               <a:buNone/>
@@ -3748,7 +3901,7 @@
 </p:sld>
 </file>
 
-<file path=ppt/slides/slide12.xml><?xml version="1.0" encoding="utf-8"?>
+<file path=ppt/slides/slide13.xml><?xml version="1.0" encoding="utf-8"?>
 <p:sld xmlns:a="http://schemas.openxmlformats.org/drawingml/2006/main" xmlns:r="http://schemas.openxmlformats.org/officeDocument/2006/relationships" xmlns:p="http://schemas.openxmlformats.org/presentationml/2006/main">
   <p:cSld>
     <p:spTree>
@@ -6102,27 +6255,29 @@
             <a:spLocks noGrp="1"/>
           </p:cNvSpPr>
           <p:nvPr>
-            <p:ph type="title"/>
+            <p:ph type="ctrTitle"/>
           </p:nvPr>
         </p:nvSpPr>
         <p:spPr>
           <a:xfrm>
-            <a:off x="263769" y="149309"/>
-            <a:ext cx="10515600" cy="1325563"/>
-          </a:xfrm>
-        </p:spPr>
-        <p:txBody>
-          <a:bodyPr/>
+            <a:off x="1277815" y="1759561"/>
+            <a:ext cx="9144000" cy="2387600"/>
+          </a:xfrm>
+        </p:spPr>
+        <p:txBody>
+          <a:bodyPr>
+            <a:normAutofit/>
+          </a:bodyPr>
           <a:lstStyle/>
           <a:p>
             <a:r>
-              <a:rPr lang="zh-CN" altLang="en-US" dirty="0" smtClean="0">
+              <a:rPr lang="zh-CN" altLang="en-US" sz="13800" b="1" dirty="0" smtClean="0">
                 <a:latin typeface="华文楷体" panose="02010600040101010101" pitchFamily="2" charset="-122"/>
                 <a:ea typeface="华文楷体" panose="02010600040101010101" pitchFamily="2" charset="-122"/>
               </a:rPr>
-              <a:t>选择并不可怕</a:t>
-            </a:r>
-            <a:endParaRPr lang="zh-CN" altLang="en-US" dirty="0">
+              <a:t>选择</a:t>
+            </a:r>
+            <a:endParaRPr lang="zh-CN" altLang="en-US" sz="13800" b="1" dirty="0">
               <a:latin typeface="华文楷体" panose="02010600040101010101" pitchFamily="2" charset="-122"/>
               <a:ea typeface="华文楷体" panose="02010600040101010101" pitchFamily="2" charset="-122"/>
             </a:endParaRPr>
@@ -6131,88 +6286,29 @@
       </p:sp>
       <p:sp>
         <p:nvSpPr>
-          <p:cNvPr id="3" name="内容占位符 2"/>
+          <p:cNvPr id="3" name="副标题 2"/>
           <p:cNvSpPr>
             <a:spLocks noGrp="1"/>
           </p:cNvSpPr>
           <p:nvPr>
-            <p:ph idx="1"/>
+            <p:ph type="subTitle" idx="1"/>
           </p:nvPr>
         </p:nvSpPr>
         <p:spPr>
           <a:xfrm>
-            <a:off x="838200" y="1825625"/>
-            <a:ext cx="10515600" cy="2086952"/>
-          </a:xfrm>
-        </p:spPr>
-        <p:txBody>
-          <a:bodyPr>
-            <a:normAutofit/>
-          </a:bodyPr>
+            <a:off x="8317523" y="6040315"/>
+            <a:ext cx="3757246" cy="738554"/>
+          </a:xfrm>
+        </p:spPr>
+        <p:txBody>
+          <a:bodyPr/>
           <a:lstStyle/>
           <a:p>
-            <a:pPr marL="457200" lvl="1" indent="0">
-              <a:buNone/>
-            </a:pPr>
-            <a:r>
-              <a:rPr lang="zh-CN" altLang="en-US" sz="3200" dirty="0" smtClean="0"/>
-              <a:t>“</a:t>
-            </a:r>
-            <a:r>
-              <a:rPr lang="en-US" altLang="zh-CN" sz="3200" dirty="0" smtClean="0"/>
-              <a:t>……</a:t>
-            </a:r>
-            <a:r>
-              <a:rPr lang="zh-CN" altLang="en-US" sz="3200" dirty="0" smtClean="0"/>
-              <a:t>无论</a:t>
-            </a:r>
-            <a:r>
-              <a:rPr lang="zh-CN" altLang="en-US" sz="3200" dirty="0"/>
-              <a:t>当前的我们做出何种选择，得到怎样的结果，总会有另一个你在你不知道的地方做出另外一种选择，</a:t>
-            </a:r>
-            <a:r>
-              <a:rPr lang="zh-CN" altLang="en-US" sz="3200" dirty="0" smtClean="0"/>
-              <a:t>所以从理论上来说，每</a:t>
-            </a:r>
-            <a:r>
-              <a:rPr lang="zh-CN" altLang="en-US" sz="3200" dirty="0"/>
-              <a:t>种结果都是可达的，从某种意义上来说，或许我们都能</a:t>
-            </a:r>
-            <a:r>
-              <a:rPr lang="zh-CN" altLang="en-US" sz="3200" dirty="0" smtClean="0"/>
-              <a:t>飞”   </a:t>
-            </a:r>
-            <a:r>
-              <a:rPr lang="en-US" altLang="zh-CN" sz="3200" dirty="0" smtClean="0"/>
-              <a:t>——</a:t>
-            </a:r>
-            <a:r>
-              <a:rPr lang="zh-CN" altLang="en-US" sz="3200" dirty="0" smtClean="0"/>
-              <a:t>选自</a:t>
-            </a:r>
-            <a:r>
-              <a:rPr lang="en-US" altLang="zh-CN" sz="3200" dirty="0" smtClean="0"/>
-              <a:t>《</a:t>
-            </a:r>
-            <a:r>
-              <a:rPr lang="zh-CN" altLang="en-US" sz="3200" dirty="0" smtClean="0"/>
-              <a:t>命运论</a:t>
-            </a:r>
-            <a:r>
-              <a:rPr lang="en-US" altLang="zh-CN" sz="3200" dirty="0" smtClean="0"/>
-              <a:t>》</a:t>
-            </a:r>
-            <a:r>
-              <a:rPr lang="zh-CN" altLang="en-US" sz="3200" dirty="0" smtClean="0"/>
-              <a:t>第三章</a:t>
-            </a:r>
-            <a:endParaRPr lang="en-US" altLang="zh-CN" sz="3200" dirty="0" smtClean="0"/>
-          </a:p>
-          <a:p>
-            <a:pPr marL="457200" lvl="1" indent="0">
-              <a:buNone/>
-            </a:pPr>
-            <a:endParaRPr lang="en-US" altLang="zh-CN" sz="3200" dirty="0" smtClean="0"/>
+            <a:r>
+              <a:rPr lang="en-US" altLang="zh-CN" dirty="0" smtClean="0"/>
+              <a:t>  </a:t>
+            </a:r>
+            <a:endParaRPr lang="zh-CN" altLang="en-US" dirty="0"/>
           </a:p>
         </p:txBody>
       </p:sp>
@@ -6224,8 +6320,8 @@
         </p:nvSpPr>
         <p:spPr>
           <a:xfrm>
-            <a:off x="1308588" y="4739055"/>
-            <a:ext cx="9574823" cy="1323439"/>
+            <a:off x="8044960" y="6257762"/>
+            <a:ext cx="5802925" cy="461665"/>
           </a:xfrm>
           <a:prstGeom prst="rect">
             <a:avLst/>
@@ -6239,87 +6335,14 @@
           <a:lstStyle/>
           <a:p>
             <a:r>
-              <a:rPr lang="zh-CN" altLang="en-US" sz="2000" dirty="0" smtClean="0"/>
-              <a:t>关于</a:t>
-            </a:r>
-            <a:r>
-              <a:rPr lang="en-US" altLang="zh-CN" sz="2000" dirty="0" smtClean="0"/>
-              <a:t>《</a:t>
-            </a:r>
-            <a:r>
-              <a:rPr lang="zh-CN" altLang="en-US" sz="2000" dirty="0" smtClean="0"/>
-              <a:t>命运论</a:t>
-            </a:r>
-            <a:r>
-              <a:rPr lang="en-US" altLang="zh-CN" sz="2000" dirty="0" smtClean="0"/>
-              <a:t>》</a:t>
-            </a:r>
-            <a:r>
-              <a:rPr lang="zh-CN" altLang="en-US" sz="2000" dirty="0" smtClean="0"/>
-              <a:t>：</a:t>
-            </a:r>
-            <a:endParaRPr lang="en-US" altLang="zh-CN" sz="2000" dirty="0" smtClean="0"/>
-          </a:p>
-          <a:p>
-            <a:r>
-              <a:rPr lang="en-US" altLang="zh-CN" sz="2000" dirty="0"/>
-              <a:t>	</a:t>
-            </a:r>
-            <a:r>
-              <a:rPr lang="zh-CN" altLang="en-US" sz="2000" dirty="0" smtClean="0"/>
-              <a:t>这是一位不知名的无为青年 </a:t>
-            </a:r>
-            <a:r>
-              <a:rPr lang="en-US" altLang="zh-CN" sz="2000" dirty="0" smtClean="0"/>
-              <a:t>BambooDay</a:t>
-            </a:r>
-            <a:r>
-              <a:rPr lang="en-US" altLang="zh-CN" sz="2000" dirty="0"/>
-              <a:t> </a:t>
-            </a:r>
-            <a:r>
-              <a:rPr lang="zh-CN" altLang="en-US" sz="2000" dirty="0" smtClean="0"/>
-              <a:t>提出的 </a:t>
-            </a:r>
-            <a:endParaRPr lang="en-US" altLang="zh-CN" sz="2000" dirty="0" smtClean="0"/>
-          </a:p>
-          <a:p>
-            <a:r>
-              <a:rPr lang="en-US" altLang="zh-CN" sz="2000" dirty="0"/>
-              <a:t>	</a:t>
-            </a:r>
-            <a:r>
-              <a:rPr lang="en-US" altLang="zh-CN" sz="2000" strike="sngStrike" dirty="0" smtClean="0"/>
-              <a:t>BambooDay </a:t>
-            </a:r>
-            <a:r>
-              <a:rPr lang="zh-CN" altLang="en-US" sz="2000" strike="sngStrike" dirty="0" smtClean="0"/>
-              <a:t>的言论关我 </a:t>
-            </a:r>
-            <a:r>
-              <a:rPr lang="en-US" altLang="zh-CN" sz="2000" strike="sngStrike" dirty="0" err="1" smtClean="0"/>
+              <a:rPr lang="en-US" altLang="zh-CN" sz="2400" dirty="0" smtClean="0"/>
+              <a:t>2023.11.14 By </a:t>
+            </a:r>
+            <a:r>
+              <a:rPr lang="en-US" altLang="zh-CN" sz="2400" dirty="0" err="1" smtClean="0"/>
               <a:t>Bamboo_Day</a:t>
             </a:r>
-            <a:r>
-              <a:rPr lang="en-US" altLang="zh-CN" sz="2000" strike="sngStrike" dirty="0" smtClean="0"/>
-              <a:t> </a:t>
-            </a:r>
-            <a:r>
-              <a:rPr lang="zh-CN" altLang="en-US" sz="2000" strike="sngStrike" dirty="0" smtClean="0"/>
-              <a:t>什么事</a:t>
-            </a:r>
-            <a:endParaRPr lang="en-US" altLang="zh-CN" sz="2000" strike="sngStrike" dirty="0" smtClean="0"/>
-          </a:p>
-          <a:p>
-            <a:r>
-              <a:rPr lang="en-US" altLang="zh-CN" sz="2000" dirty="0"/>
-              <a:t>	</a:t>
-            </a:r>
-            <a:r>
-              <a:rPr lang="en-US" altLang="zh-CN" sz="2000" strike="sngStrike" dirty="0" smtClean="0"/>
-              <a:t>Don‘t fly in class.</a:t>
-            </a:r>
-            <a:endParaRPr lang="zh-CN" altLang="en-US" sz="2000" strike="sngStrike" dirty="0"/>
+            <a:endParaRPr lang="en-US" altLang="zh-CN" sz="2400" dirty="0" smtClean="0"/>
           </a:p>
         </p:txBody>
       </p:sp>
@@ -6345,6 +6368,677 @@
         </p:blipFill>
         <p:spPr>
           <a:xfrm>
+            <a:off x="280814" y="4147161"/>
+            <a:ext cx="1994002" cy="2013053"/>
+          </a:xfrm>
+          <a:prstGeom prst="rect">
+            <a:avLst/>
+          </a:prstGeom>
+        </p:spPr>
+      </p:pic>
+      <p:sp>
+        <p:nvSpPr>
+          <p:cNvPr id="6" name="文本框 5"/>
+          <p:cNvSpPr txBox="1"/>
+          <p:nvPr/>
+        </p:nvSpPr>
+        <p:spPr>
+          <a:xfrm>
+            <a:off x="280814" y="6350095"/>
+            <a:ext cx="3886200" cy="369332"/>
+          </a:xfrm>
+          <a:prstGeom prst="rect">
+            <a:avLst/>
+          </a:prstGeom>
+          <a:noFill/>
+        </p:spPr>
+        <p:txBody>
+          <a:bodyPr wrap="square" rtlCol="0">
+            <a:spAutoFit/>
+          </a:bodyPr>
+          <a:lstStyle/>
+          <a:p>
+            <a:r>
+              <a:rPr lang="zh-CN" altLang="en-US" strike="sngStrike"/>
+              <a:t>有点丑凑合着看罢</a:t>
+            </a:r>
+            <a:r>
+              <a:rPr lang="zh-CN" altLang="en-US"/>
+              <a:t>（</a:t>
+            </a:r>
+            <a:r>
+              <a:rPr lang="en-US" altLang="zh-CN"/>
+              <a:t> </a:t>
+            </a:r>
+            <a:endParaRPr lang="zh-CN" altLang="en-US" dirty="0"/>
+          </a:p>
+        </p:txBody>
+      </p:sp>
+      <p:sp>
+        <p:nvSpPr>
+          <p:cNvPr id="7" name="文本框 6"/>
+          <p:cNvSpPr txBox="1"/>
+          <p:nvPr/>
+        </p:nvSpPr>
+        <p:spPr>
+          <a:xfrm>
+            <a:off x="73267" y="156306"/>
+            <a:ext cx="5902803" cy="2862322"/>
+          </a:xfrm>
+          <a:prstGeom prst="rect">
+            <a:avLst/>
+          </a:prstGeom>
+          <a:noFill/>
+        </p:spPr>
+        <p:txBody>
+          <a:bodyPr wrap="square" rtlCol="0">
+            <a:spAutoFit/>
+          </a:bodyPr>
+          <a:lstStyle/>
+          <a:p>
+            <a:r>
+              <a:rPr lang="en-US" altLang="zh-CN" sz="2000" b="1" dirty="0" smtClean="0"/>
+              <a:t>Update:</a:t>
+            </a:r>
+          </a:p>
+          <a:p>
+            <a:r>
+              <a:rPr lang="en-US" altLang="zh-CN" dirty="0" smtClean="0"/>
+              <a:t>2023.11.24 </a:t>
+            </a:r>
+            <a:r>
+              <a:rPr lang="zh-CN" altLang="en-US" dirty="0" smtClean="0"/>
+              <a:t>拥有提词器</a:t>
+            </a:r>
+            <a:endParaRPr lang="en-US" altLang="zh-CN" dirty="0" smtClean="0"/>
+          </a:p>
+          <a:p>
+            <a:r>
+              <a:rPr lang="en-US" altLang="zh-CN" dirty="0" smtClean="0"/>
+              <a:t>2023.11.26 </a:t>
+            </a:r>
+            <a:r>
+              <a:rPr lang="zh-CN" altLang="en-US" dirty="0" smtClean="0"/>
+              <a:t>增加图片</a:t>
+            </a:r>
+            <a:endParaRPr lang="en-US" altLang="zh-CN" dirty="0" smtClean="0"/>
+          </a:p>
+          <a:p>
+            <a:r>
+              <a:rPr lang="en-US" altLang="zh-CN" dirty="0" smtClean="0"/>
+              <a:t>2023.11.29 </a:t>
+            </a:r>
+            <a:r>
+              <a:rPr lang="zh-CN" altLang="en-US" dirty="0" smtClean="0"/>
+              <a:t>发现稿子太长了但是问题不大</a:t>
+            </a:r>
+            <a:endParaRPr lang="en-US" altLang="zh-CN" dirty="0" smtClean="0"/>
+          </a:p>
+          <a:p>
+            <a:r>
+              <a:rPr lang="en-US" altLang="zh-CN" dirty="0" smtClean="0"/>
+              <a:t>2023.12.10 </a:t>
+            </a:r>
+            <a:r>
+              <a:rPr lang="zh-CN" altLang="en-US" dirty="0" smtClean="0"/>
+              <a:t>最终定稿（为什么会有人听演讲不看 </a:t>
+            </a:r>
+            <a:r>
+              <a:rPr lang="en-US" altLang="zh-CN" dirty="0" smtClean="0"/>
+              <a:t>PPT</a:t>
+            </a:r>
+          </a:p>
+          <a:p>
+            <a:r>
+              <a:rPr lang="en-US" altLang="zh-CN" dirty="0" smtClean="0"/>
+              <a:t>2023.12.13 </a:t>
+            </a:r>
+            <a:r>
+              <a:rPr lang="zh-CN" altLang="en-US" dirty="0" smtClean="0"/>
+              <a:t>国家公祭日</a:t>
+            </a:r>
+            <a:r>
+              <a:rPr lang="en-US" altLang="zh-CN" dirty="0" smtClean="0"/>
+              <a:t>(</a:t>
+            </a:r>
+            <a:r>
+              <a:rPr lang="zh-CN" altLang="en-US" dirty="0" smtClean="0"/>
+              <a:t>默哀</a:t>
+            </a:r>
+            <a:endParaRPr lang="en-US" altLang="zh-CN" dirty="0" smtClean="0"/>
+          </a:p>
+          <a:p>
+            <a:r>
+              <a:rPr lang="en-US" altLang="zh-CN" dirty="0" smtClean="0"/>
+              <a:t>2023.12.16 </a:t>
+            </a:r>
+            <a:r>
+              <a:rPr lang="zh-CN" altLang="en-US" dirty="0" smtClean="0"/>
+              <a:t>为首尾呼应增加一张片</a:t>
+            </a:r>
+            <a:endParaRPr lang="en-US" altLang="zh-CN" dirty="0" smtClean="0"/>
+          </a:p>
+          <a:p>
+            <a:r>
+              <a:rPr lang="en-US" altLang="zh-CN" dirty="0"/>
+              <a:t>	 </a:t>
+            </a:r>
+            <a:r>
+              <a:rPr lang="en-US" altLang="zh-CN" dirty="0" smtClean="0"/>
+              <a:t>   </a:t>
+            </a:r>
+            <a:r>
+              <a:rPr lang="zh-CN" altLang="en-US" dirty="0" smtClean="0"/>
+              <a:t>祝 </a:t>
+            </a:r>
+            <a:r>
+              <a:rPr lang="en-US" altLang="zh-CN" dirty="0" err="1" smtClean="0"/>
+              <a:t>BambooDay</a:t>
+            </a:r>
+            <a:r>
+              <a:rPr lang="en-US" altLang="zh-CN" dirty="0" smtClean="0"/>
+              <a:t> </a:t>
+            </a:r>
+            <a:r>
+              <a:rPr lang="zh-CN" altLang="en-US" dirty="0" smtClean="0"/>
+              <a:t>生日快乐</a:t>
+            </a:r>
+            <a:endParaRPr lang="en-US" altLang="zh-CN" dirty="0" smtClean="0"/>
+          </a:p>
+          <a:p>
+            <a:r>
+              <a:rPr lang="en-US" altLang="zh-CN" dirty="0"/>
+              <a:t>	</a:t>
+            </a:r>
+            <a:r>
+              <a:rPr lang="en-US" altLang="zh-CN" dirty="0" smtClean="0"/>
+              <a:t>	</a:t>
+            </a:r>
+            <a:endParaRPr lang="en-US" altLang="zh-CN" dirty="0" smtClean="0"/>
+          </a:p>
+          <a:p>
+            <a:endParaRPr lang="zh-CN" altLang="en-US" sz="1600" dirty="0"/>
+          </a:p>
+        </p:txBody>
+      </p:sp>
+      <p:sp>
+        <p:nvSpPr>
+          <p:cNvPr id="8" name="TextBox 7"/>
+          <p:cNvSpPr txBox="1"/>
+          <p:nvPr/>
+        </p:nvSpPr>
+        <p:spPr>
+          <a:xfrm>
+            <a:off x="7359445" y="0"/>
+            <a:ext cx="4832555" cy="830997"/>
+          </a:xfrm>
+          <a:prstGeom prst="rect">
+            <a:avLst/>
+          </a:prstGeom>
+          <a:noFill/>
+        </p:spPr>
+        <p:txBody>
+          <a:bodyPr wrap="square" rtlCol="0">
+            <a:spAutoFit/>
+          </a:bodyPr>
+          <a:lstStyle/>
+          <a:p>
+            <a:r>
+              <a:rPr lang="zh-CN" altLang="en-US" sz="2400" dirty="0" smtClean="0"/>
+              <a:t>请大家看 </a:t>
+            </a:r>
+            <a:r>
+              <a:rPr lang="en-US" altLang="zh-CN" sz="2400" dirty="0" smtClean="0"/>
+              <a:t>PPT</a:t>
+            </a:r>
+            <a:r>
+              <a:rPr lang="zh-CN" altLang="en-US" sz="2400" dirty="0" smtClean="0"/>
+              <a:t> 谢谢你们</a:t>
+            </a:r>
+            <a:endParaRPr lang="en-US" altLang="zh-CN" sz="2400" dirty="0" smtClean="0"/>
+          </a:p>
+          <a:p>
+            <a:r>
+              <a:rPr lang="zh-CN" altLang="en-US" sz="2400" dirty="0" smtClean="0"/>
+              <a:t>不看 </a:t>
+            </a:r>
+            <a:r>
+              <a:rPr lang="en-US" altLang="zh-CN" sz="2400" dirty="0" smtClean="0"/>
+              <a:t>PPT </a:t>
+            </a:r>
+            <a:r>
+              <a:rPr lang="en-US" altLang="zh-CN" sz="2400" dirty="0" err="1" smtClean="0"/>
+              <a:t>Bamboo_Day</a:t>
+            </a:r>
+            <a:r>
+              <a:rPr lang="en-US" altLang="zh-CN" sz="2400" dirty="0" smtClean="0"/>
+              <a:t> </a:t>
+            </a:r>
+            <a:r>
+              <a:rPr lang="zh-CN" altLang="en-US" sz="2400" dirty="0" smtClean="0"/>
+              <a:t>会伤心的</a:t>
+            </a:r>
+            <a:endParaRPr lang="zh-CN" altLang="en-US" sz="2400" dirty="0"/>
+          </a:p>
+        </p:txBody>
+      </p:sp>
+      <p:sp>
+        <p:nvSpPr>
+          <p:cNvPr id="9" name="文本框 8"/>
+          <p:cNvSpPr txBox="1"/>
+          <p:nvPr/>
+        </p:nvSpPr>
+        <p:spPr>
+          <a:xfrm>
+            <a:off x="6951785" y="4763990"/>
+            <a:ext cx="5325207" cy="1323439"/>
+          </a:xfrm>
+          <a:prstGeom prst="rect">
+            <a:avLst/>
+          </a:prstGeom>
+          <a:noFill/>
+        </p:spPr>
+        <p:txBody>
+          <a:bodyPr wrap="square" rtlCol="0">
+            <a:spAutoFit/>
+          </a:bodyPr>
+          <a:lstStyle/>
+          <a:p>
+            <a:r>
+              <a:rPr lang="zh-CN" altLang="en-US" sz="2000" dirty="0" smtClean="0"/>
+              <a:t>一些概念辨析：</a:t>
+            </a:r>
+            <a:endParaRPr lang="en-US" altLang="zh-CN" sz="2000" dirty="0" smtClean="0"/>
+          </a:p>
+          <a:p>
+            <a:r>
+              <a:rPr lang="en-US" altLang="zh-CN" sz="2000" dirty="0" err="1" smtClean="0"/>
+              <a:t>Bamboo_Day</a:t>
+            </a:r>
+            <a:r>
+              <a:rPr lang="en-US" altLang="zh-CN" sz="2000" dirty="0" smtClean="0"/>
+              <a:t> </a:t>
+            </a:r>
+            <a:r>
+              <a:rPr lang="zh-CN" altLang="en-US" sz="2000" dirty="0" smtClean="0"/>
+              <a:t>和 </a:t>
+            </a:r>
+            <a:r>
+              <a:rPr lang="en-US" altLang="zh-CN" sz="2000" dirty="0" err="1" smtClean="0"/>
+              <a:t>BambooDay</a:t>
+            </a:r>
+            <a:r>
+              <a:rPr lang="en-US" altLang="zh-CN" sz="2000" dirty="0" smtClean="0"/>
+              <a:t> </a:t>
+            </a:r>
+            <a:r>
+              <a:rPr lang="zh-CN" altLang="en-US" sz="2000" dirty="0" smtClean="0"/>
+              <a:t>的表达式</a:t>
+            </a:r>
+            <a:endParaRPr lang="en-US" altLang="zh-CN" sz="2000" dirty="0" smtClean="0"/>
+          </a:p>
+          <a:p>
+            <a:r>
+              <a:rPr lang="zh-CN" altLang="en-US" sz="2000" dirty="0" smtClean="0"/>
+              <a:t>虽然都是</a:t>
+            </a:r>
+            <a:r>
+              <a:rPr lang="en-US" altLang="zh-CN" sz="2000" dirty="0" smtClean="0"/>
+              <a:t>(C</a:t>
+            </a:r>
+            <a:r>
+              <a:rPr lang="en-US" altLang="zh-CN" sz="2000" baseline="-25000" dirty="0" smtClean="0"/>
+              <a:t>6</a:t>
+            </a:r>
+            <a:r>
+              <a:rPr lang="en-US" altLang="zh-CN" sz="2000" dirty="0" smtClean="0"/>
+              <a:t>H</a:t>
+            </a:r>
+            <a:r>
+              <a:rPr lang="en-US" altLang="zh-CN" sz="2000" baseline="-25000" dirty="0" smtClean="0"/>
+              <a:t>10</a:t>
+            </a:r>
+            <a:r>
+              <a:rPr lang="en-US" altLang="zh-CN" sz="2000" dirty="0" smtClean="0"/>
+              <a:t>O</a:t>
+            </a:r>
+            <a:r>
+              <a:rPr lang="en-US" altLang="zh-CN" sz="2000" baseline="-25000" dirty="0" smtClean="0"/>
+              <a:t>5</a:t>
+            </a:r>
+            <a:r>
+              <a:rPr lang="en-US" altLang="zh-CN" sz="2000" dirty="0" smtClean="0"/>
+              <a:t>)</a:t>
+            </a:r>
+            <a:r>
+              <a:rPr lang="en-US" altLang="zh-CN" sz="2000" baseline="-25000" dirty="0" smtClean="0"/>
+              <a:t>n</a:t>
+            </a:r>
+            <a:r>
+              <a:rPr lang="en-US" altLang="zh-CN" sz="2000" dirty="0" smtClean="0"/>
+              <a:t> </a:t>
+            </a:r>
+          </a:p>
+          <a:p>
+            <a:r>
+              <a:rPr lang="zh-CN" altLang="en-US" sz="2000" dirty="0" smtClean="0"/>
+              <a:t>但 </a:t>
+            </a:r>
+            <a:r>
+              <a:rPr lang="en-US" altLang="zh-CN" sz="2000" dirty="0" err="1" smtClean="0"/>
+              <a:t>Bamboo_Day</a:t>
+            </a:r>
+            <a:r>
+              <a:rPr lang="en-US" altLang="zh-CN" sz="2000" dirty="0" smtClean="0"/>
+              <a:t> </a:t>
+            </a:r>
+            <a:r>
+              <a:rPr lang="zh-CN" altLang="en-US" sz="2000" dirty="0" smtClean="0"/>
+              <a:t>是纤维素 </a:t>
+            </a:r>
+            <a:r>
+              <a:rPr lang="en-US" altLang="zh-CN" sz="2000" dirty="0" err="1" smtClean="0"/>
+              <a:t>BambooDay</a:t>
+            </a:r>
+            <a:r>
+              <a:rPr lang="en-US" altLang="zh-CN" sz="2000" dirty="0" smtClean="0"/>
+              <a:t> </a:t>
+            </a:r>
+            <a:r>
+              <a:rPr lang="zh-CN" altLang="en-US" sz="2000" dirty="0" smtClean="0"/>
+              <a:t>是淀粉</a:t>
+            </a:r>
+            <a:endParaRPr lang="en-US" altLang="zh-CN" sz="2000" dirty="0" smtClean="0"/>
+          </a:p>
+        </p:txBody>
+      </p:sp>
+    </p:spTree>
+    <p:extLst>
+      <p:ext uri="{BB962C8B-B14F-4D97-AF65-F5344CB8AC3E}">
+        <p14:creationId xmlns:p14="http://schemas.microsoft.com/office/powerpoint/2010/main" val="353376672"/>
+      </p:ext>
+    </p:extLst>
+  </p:cSld>
+  <p:clrMapOvr>
+    <a:masterClrMapping/>
+  </p:clrMapOvr>
+  <p:timing>
+    <p:tnLst>
+      <p:par>
+        <p:cTn id="1" dur="indefinite" restart="never" nodeType="tmRoot"/>
+      </p:par>
+    </p:tnLst>
+  </p:timing>
+</p:sld>
+</file>
+
+<file path=ppt/slides/slide3.xml><?xml version="1.0" encoding="utf-8"?>
+<p:sld xmlns:a="http://schemas.openxmlformats.org/drawingml/2006/main" xmlns:r="http://schemas.openxmlformats.org/officeDocument/2006/relationships" xmlns:p="http://schemas.openxmlformats.org/presentationml/2006/main">
+  <p:cSld>
+    <p:spTree>
+      <p:nvGrpSpPr>
+        <p:cNvPr id="1" name=""/>
+        <p:cNvGrpSpPr/>
+        <p:nvPr/>
+      </p:nvGrpSpPr>
+      <p:grpSpPr>
+        <a:xfrm>
+          <a:off x="0" y="0"/>
+          <a:ext cx="0" cy="0"/>
+          <a:chOff x="0" y="0"/>
+          <a:chExt cx="0" cy="0"/>
+        </a:xfrm>
+      </p:grpSpPr>
+      <p:sp>
+        <p:nvSpPr>
+          <p:cNvPr id="2" name="标题 1"/>
+          <p:cNvSpPr>
+            <a:spLocks noGrp="1"/>
+          </p:cNvSpPr>
+          <p:nvPr>
+            <p:ph type="title"/>
+          </p:nvPr>
+        </p:nvSpPr>
+        <p:spPr>
+          <a:xfrm>
+            <a:off x="263769" y="149309"/>
+            <a:ext cx="10515600" cy="1325563"/>
+          </a:xfrm>
+        </p:spPr>
+        <p:txBody>
+          <a:bodyPr/>
+          <a:lstStyle/>
+          <a:p>
+            <a:r>
+              <a:rPr lang="zh-CN" altLang="en-US" dirty="0" smtClean="0">
+                <a:latin typeface="华文楷体" panose="02010600040101010101" pitchFamily="2" charset="-122"/>
+                <a:ea typeface="华文楷体" panose="02010600040101010101" pitchFamily="2" charset="-122"/>
+              </a:rPr>
+              <a:t>选择并不可怕</a:t>
+            </a:r>
+            <a:endParaRPr lang="zh-CN" altLang="en-US" dirty="0">
+              <a:latin typeface="华文楷体" panose="02010600040101010101" pitchFamily="2" charset="-122"/>
+              <a:ea typeface="华文楷体" panose="02010600040101010101" pitchFamily="2" charset="-122"/>
+            </a:endParaRPr>
+          </a:p>
+        </p:txBody>
+      </p:sp>
+      <p:sp>
+        <p:nvSpPr>
+          <p:cNvPr id="3" name="内容占位符 2"/>
+          <p:cNvSpPr>
+            <a:spLocks noGrp="1"/>
+          </p:cNvSpPr>
+          <p:nvPr>
+            <p:ph idx="1"/>
+          </p:nvPr>
+        </p:nvSpPr>
+        <p:spPr>
+          <a:xfrm>
+            <a:off x="838200" y="1825625"/>
+            <a:ext cx="10515600" cy="2086952"/>
+          </a:xfrm>
+        </p:spPr>
+        <p:txBody>
+          <a:bodyPr>
+            <a:normAutofit/>
+          </a:bodyPr>
+          <a:lstStyle/>
+          <a:p>
+            <a:pPr marL="457200" lvl="1" indent="0">
+              <a:buNone/>
+            </a:pPr>
+            <a:r>
+              <a:rPr lang="zh-CN" altLang="en-US" sz="3200" dirty="0" smtClean="0"/>
+              <a:t>“</a:t>
+            </a:r>
+            <a:r>
+              <a:rPr lang="en-US" altLang="zh-CN" sz="3200" dirty="0" smtClean="0"/>
+              <a:t>……</a:t>
+            </a:r>
+            <a:r>
+              <a:rPr lang="zh-CN" altLang="en-US" sz="3200" dirty="0" smtClean="0"/>
+              <a:t>无论</a:t>
+            </a:r>
+            <a:r>
+              <a:rPr lang="zh-CN" altLang="en-US" sz="3200" dirty="0"/>
+              <a:t>当前的我们做出何种选择，得到怎样的结果，总会有另一个你在你不知道的地方做出另外一种选择，</a:t>
+            </a:r>
+            <a:r>
+              <a:rPr lang="zh-CN" altLang="en-US" sz="3200" dirty="0" smtClean="0"/>
+              <a:t>所以从理论上来说，每</a:t>
+            </a:r>
+            <a:r>
+              <a:rPr lang="zh-CN" altLang="en-US" sz="3200" dirty="0"/>
+              <a:t>种结果都是可达的，从某种意义上来说，或许我们都能</a:t>
+            </a:r>
+            <a:r>
+              <a:rPr lang="zh-CN" altLang="en-US" sz="3200" dirty="0" smtClean="0"/>
+              <a:t>飞”   </a:t>
+            </a:r>
+            <a:r>
+              <a:rPr lang="en-US" altLang="zh-CN" sz="3200" dirty="0" smtClean="0"/>
+              <a:t>——</a:t>
+            </a:r>
+            <a:r>
+              <a:rPr lang="zh-CN" altLang="en-US" sz="3200" dirty="0" smtClean="0"/>
+              <a:t>选自</a:t>
+            </a:r>
+            <a:r>
+              <a:rPr lang="en-US" altLang="zh-CN" sz="3200" dirty="0" smtClean="0"/>
+              <a:t>《</a:t>
+            </a:r>
+            <a:r>
+              <a:rPr lang="zh-CN" altLang="en-US" sz="3200" dirty="0" smtClean="0"/>
+              <a:t>命运论</a:t>
+            </a:r>
+            <a:r>
+              <a:rPr lang="en-US" altLang="zh-CN" sz="3200" dirty="0" smtClean="0"/>
+              <a:t>》</a:t>
+            </a:r>
+            <a:r>
+              <a:rPr lang="zh-CN" altLang="en-US" sz="3200" dirty="0" smtClean="0"/>
+              <a:t>第三章</a:t>
+            </a:r>
+            <a:endParaRPr lang="en-US" altLang="zh-CN" sz="3200" dirty="0" smtClean="0"/>
+          </a:p>
+          <a:p>
+            <a:pPr marL="457200" lvl="1" indent="0">
+              <a:buNone/>
+            </a:pPr>
+            <a:endParaRPr lang="en-US" altLang="zh-CN" sz="3200" dirty="0" smtClean="0"/>
+          </a:p>
+        </p:txBody>
+      </p:sp>
+      <p:sp>
+        <p:nvSpPr>
+          <p:cNvPr id="4" name="文本框 3"/>
+          <p:cNvSpPr txBox="1"/>
+          <p:nvPr/>
+        </p:nvSpPr>
+        <p:spPr>
+          <a:xfrm>
+            <a:off x="1308588" y="4739055"/>
+            <a:ext cx="9574823" cy="1323439"/>
+          </a:xfrm>
+          <a:prstGeom prst="rect">
+            <a:avLst/>
+          </a:prstGeom>
+          <a:noFill/>
+        </p:spPr>
+        <p:txBody>
+          <a:bodyPr wrap="square" rtlCol="0">
+            <a:spAutoFit/>
+          </a:bodyPr>
+          <a:lstStyle/>
+          <a:p>
+            <a:r>
+              <a:rPr lang="zh-CN" altLang="en-US" sz="2000" dirty="0" smtClean="0"/>
+              <a:t>关于</a:t>
+            </a:r>
+            <a:r>
+              <a:rPr lang="en-US" altLang="zh-CN" sz="2000" dirty="0" smtClean="0"/>
+              <a:t>《</a:t>
+            </a:r>
+            <a:r>
+              <a:rPr lang="zh-CN" altLang="en-US" sz="2000" dirty="0" smtClean="0"/>
+              <a:t>命运论</a:t>
+            </a:r>
+            <a:r>
+              <a:rPr lang="en-US" altLang="zh-CN" sz="2000" dirty="0" smtClean="0"/>
+              <a:t>》</a:t>
+            </a:r>
+            <a:r>
+              <a:rPr lang="zh-CN" altLang="en-US" sz="2000" dirty="0" smtClean="0"/>
+              <a:t>：</a:t>
+            </a:r>
+            <a:endParaRPr lang="en-US" altLang="zh-CN" sz="2000" dirty="0" smtClean="0"/>
+          </a:p>
+          <a:p>
+            <a:r>
+              <a:rPr lang="en-US" altLang="zh-CN" sz="2000" dirty="0"/>
+              <a:t>	</a:t>
+            </a:r>
+            <a:r>
+              <a:rPr lang="zh-CN" altLang="en-US" sz="2000" dirty="0" smtClean="0"/>
+              <a:t>这是一位不知名的无为青年 </a:t>
+            </a:r>
+            <a:r>
+              <a:rPr lang="en-US" altLang="zh-CN" sz="2000" dirty="0" smtClean="0"/>
+              <a:t>BambooDay</a:t>
+            </a:r>
+            <a:r>
+              <a:rPr lang="en-US" altLang="zh-CN" sz="2000" dirty="0"/>
+              <a:t> </a:t>
+            </a:r>
+            <a:r>
+              <a:rPr lang="zh-CN" altLang="en-US" sz="2000" dirty="0" smtClean="0"/>
+              <a:t>提出的 </a:t>
+            </a:r>
+            <a:endParaRPr lang="en-US" altLang="zh-CN" sz="2000" dirty="0" smtClean="0"/>
+          </a:p>
+          <a:p>
+            <a:r>
+              <a:rPr lang="en-US" altLang="zh-CN" sz="2000" dirty="0"/>
+              <a:t>	</a:t>
+            </a:r>
+            <a:r>
+              <a:rPr lang="en-US" altLang="zh-CN" sz="2000" strike="sngStrike" dirty="0" smtClean="0"/>
+              <a:t>BambooDay </a:t>
+            </a:r>
+            <a:r>
+              <a:rPr lang="zh-CN" altLang="en-US" sz="2000" strike="sngStrike" dirty="0" smtClean="0"/>
+              <a:t>的言论关我 </a:t>
+            </a:r>
+            <a:r>
+              <a:rPr lang="en-US" altLang="zh-CN" sz="2000" strike="sngStrike" dirty="0" err="1" smtClean="0"/>
+              <a:t>Bamboo_Day</a:t>
+            </a:r>
+            <a:r>
+              <a:rPr lang="en-US" altLang="zh-CN" sz="2000" strike="sngStrike" dirty="0" smtClean="0"/>
+              <a:t> </a:t>
+            </a:r>
+            <a:r>
+              <a:rPr lang="zh-CN" altLang="en-US" sz="2000" strike="sngStrike" dirty="0" smtClean="0"/>
+              <a:t>什么事</a:t>
+            </a:r>
+            <a:endParaRPr lang="en-US" altLang="zh-CN" sz="2000" strike="sngStrike" dirty="0" smtClean="0"/>
+          </a:p>
+          <a:p>
+            <a:r>
+              <a:rPr lang="en-US" altLang="zh-CN" sz="2000" dirty="0"/>
+              <a:t>	</a:t>
+            </a:r>
+            <a:r>
+              <a:rPr lang="en-US" altLang="zh-CN" sz="2000" strike="sngStrike" dirty="0" smtClean="0"/>
+              <a:t>Don‘t fly in class.</a:t>
+            </a:r>
+            <a:endParaRPr lang="zh-CN" altLang="en-US" sz="2000" strike="sngStrike" dirty="0"/>
+          </a:p>
+        </p:txBody>
+      </p:sp>
+      <p:pic>
+        <p:nvPicPr>
+          <p:cNvPr id="5" name="图片 4"/>
+          <p:cNvPicPr>
+            <a:picLocks noChangeAspect="1"/>
+          </p:cNvPicPr>
+          <p:nvPr/>
+        </p:nvPicPr>
+        <p:blipFill>
+          <a:blip r:embed="rId2" cstate="print">
+            <a:extLst>
+              <a:ext uri="{28A0092B-C50C-407E-A947-70E740481C1C}">
+                <a14:useLocalDpi xmlns:a14="http://schemas.microsoft.com/office/drawing/2010/main" val="0"/>
+              </a:ext>
+            </a:extLst>
+          </a:blip>
+          <a:stretch>
+            <a:fillRect/>
+          </a:stretch>
+        </p:blipFill>
+        <p:spPr>
+          <a:xfrm>
             <a:off x="9220199" y="3852694"/>
             <a:ext cx="2209800" cy="2209800"/>
           </a:xfrm>
@@ -6403,7 +7097,7 @@
 </p:sld>
 </file>
 
-<file path=ppt/slides/slide3.xml><?xml version="1.0" encoding="utf-8"?>
+<file path=ppt/slides/slide4.xml><?xml version="1.0" encoding="utf-8"?>
 <p:sld xmlns:a="http://schemas.openxmlformats.org/drawingml/2006/main" xmlns:r="http://schemas.openxmlformats.org/officeDocument/2006/relationships" xmlns:p="http://schemas.openxmlformats.org/presentationml/2006/main">
   <p:cSld>
     <p:spTree>
@@ -6549,7 +7243,7 @@
 </p:sld>
 </file>
 
-<file path=ppt/slides/slide4.xml><?xml version="1.0" encoding="utf-8"?>
+<file path=ppt/slides/slide5.xml><?xml version="1.0" encoding="utf-8"?>
 <p:sld xmlns:a="http://schemas.openxmlformats.org/drawingml/2006/main" xmlns:r="http://schemas.openxmlformats.org/officeDocument/2006/relationships" xmlns:p="http://schemas.openxmlformats.org/presentationml/2006/main">
   <p:cSld>
     <p:spTree>
@@ -6831,7 +7525,7 @@
 </p:sld>
 </file>
 
-<file path=ppt/slides/slide5.xml><?xml version="1.0" encoding="utf-8"?>
+<file path=ppt/slides/slide6.xml><?xml version="1.0" encoding="utf-8"?>
 <p:sld xmlns:a="http://schemas.openxmlformats.org/drawingml/2006/main" xmlns:r="http://schemas.openxmlformats.org/officeDocument/2006/relationships" xmlns:p="http://schemas.openxmlformats.org/presentationml/2006/main">
   <p:cSld>
     <p:spTree>
@@ -7227,7 +7921,7 @@
 </p:sld>
 </file>
 
-<file path=ppt/slides/slide6.xml><?xml version="1.0" encoding="utf-8"?>
+<file path=ppt/slides/slide7.xml><?xml version="1.0" encoding="utf-8"?>
 <p:sld xmlns:a="http://schemas.openxmlformats.org/drawingml/2006/main" xmlns:r="http://schemas.openxmlformats.org/officeDocument/2006/relationships" xmlns:p="http://schemas.openxmlformats.org/presentationml/2006/main">
   <p:cSld>
     <p:spTree>
@@ -7388,6 +8082,78 @@
               <a:t>差不多。谁能成为游戏的赢家，谁能在游戏的最后得到更高的分数，和谁看的更远想的更深有一定的关系。</a:t>
             </a:r>
             <a:endParaRPr lang="en-US" altLang="zh-CN" sz="4400" dirty="0" smtClean="0"/>
+          </a:p>
+        </p:txBody>
+      </p:sp>
+      <p:sp>
+        <p:nvSpPr>
+          <p:cNvPr id="4" name="文本框 3"/>
+          <p:cNvSpPr txBox="1"/>
+          <p:nvPr/>
+        </p:nvSpPr>
+        <p:spPr>
+          <a:xfrm>
+            <a:off x="1022155" y="5308846"/>
+            <a:ext cx="11575258" cy="830997"/>
+          </a:xfrm>
+          <a:prstGeom prst="rect">
+            <a:avLst/>
+          </a:prstGeom>
+          <a:noFill/>
+        </p:spPr>
+        <p:txBody>
+          <a:bodyPr wrap="square" rtlCol="0">
+            <a:spAutoFit/>
+          </a:bodyPr>
+          <a:lstStyle/>
+          <a:p>
+            <a:r>
+              <a:rPr lang="en-US" altLang="zh-CN" sz="2400" dirty="0" err="1" smtClean="0"/>
+              <a:t>Dp</a:t>
+            </a:r>
+            <a:r>
+              <a:rPr lang="en-US" altLang="zh-CN" sz="2400" dirty="0" smtClean="0"/>
+              <a:t>: </a:t>
+            </a:r>
+            <a:r>
+              <a:rPr lang="zh-CN" altLang="en-US" sz="2400" dirty="0" smtClean="0"/>
+              <a:t>动态规划</a:t>
+            </a:r>
+            <a:r>
+              <a:rPr lang="en-US" altLang="zh-CN" sz="2400" dirty="0" smtClean="0"/>
+              <a:t>(Dynamic Programming)</a:t>
+            </a:r>
+            <a:r>
+              <a:rPr lang="zh-CN" altLang="en-US" sz="2400" dirty="0" smtClean="0"/>
+              <a:t>是</a:t>
+            </a:r>
+            <a:r>
+              <a:rPr lang="zh-CN" altLang="en-US" sz="2400" dirty="0"/>
+              <a:t>运筹学的一个</a:t>
+            </a:r>
+            <a:r>
+              <a:rPr lang="zh-CN" altLang="en-US" sz="2400" dirty="0" smtClean="0"/>
+              <a:t>分支</a:t>
+            </a:r>
+            <a:r>
+              <a:rPr lang="en-US" altLang="zh-CN" sz="2400" dirty="0" smtClean="0"/>
+              <a:t>,</a:t>
+            </a:r>
+          </a:p>
+          <a:p>
+            <a:r>
+              <a:rPr lang="en-US" altLang="zh-CN" sz="2400" dirty="0"/>
+              <a:t>	</a:t>
+            </a:r>
+            <a:r>
+              <a:rPr lang="zh-CN" altLang="en-US" sz="2400" dirty="0" smtClean="0"/>
+              <a:t>是求解决策过程最优化</a:t>
+            </a:r>
+            <a:r>
+              <a:rPr lang="zh-CN" altLang="en-US" sz="2400" dirty="0"/>
+              <a:t>的过程</a:t>
+            </a:r>
+            <a:endParaRPr lang="zh-CN" altLang="en-US" sz="2400" dirty="0"/>
           </a:p>
         </p:txBody>
       </p:sp>
@@ -7464,6 +8230,33 @@
                                   </p:childTnLst>
                                 </p:cTn>
                               </p:par>
+                              <p:par>
+                                <p:cTn id="8" presetID="1" presetClass="entr" presetSubtype="0" fill="hold" grpId="0" nodeType="withEffect">
+                                  <p:stCondLst>
+                                    <p:cond delay="0"/>
+                                  </p:stCondLst>
+                                  <p:childTnLst>
+                                    <p:set>
+                                      <p:cBhvr>
+                                        <p:cTn id="9" dur="1" fill="hold">
+                                          <p:stCondLst>
+                                            <p:cond delay="0"/>
+                                          </p:stCondLst>
+                                        </p:cTn>
+                                        <p:tgtEl>
+                                          <p:spTgt spid="4"/>
+                                        </p:tgtEl>
+                                        <p:attrNameLst>
+                                          <p:attrName>style.visibility</p:attrName>
+                                        </p:attrNameLst>
+                                      </p:cBhvr>
+                                      <p:to>
+                                        <p:strVal val="visible"/>
+                                      </p:to>
+                                    </p:set>
+                                  </p:childTnLst>
+                                </p:cTn>
+                              </p:par>
                             </p:childTnLst>
                           </p:cTn>
                         </p:par>
@@ -7493,12 +8286,13 @@
     </p:tnLst>
     <p:bldLst>
       <p:bldP spid="3" grpId="0" build="p"/>
+      <p:bldP spid="4" grpId="0"/>
     </p:bldLst>
   </p:timing>
 </p:sld>
 </file>
 
-<file path=ppt/slides/slide7.xml><?xml version="1.0" encoding="utf-8"?>
+<file path=ppt/slides/slide8.xml><?xml version="1.0" encoding="utf-8"?>
 <p:sld xmlns:a="http://schemas.openxmlformats.org/drawingml/2006/main" xmlns:r="http://schemas.openxmlformats.org/officeDocument/2006/relationships" xmlns:p="http://schemas.openxmlformats.org/presentationml/2006/main">
   <p:cSld>
     <p:spTree>
@@ -7698,6 +8492,79 @@
           </a:prstGeom>
         </p:spPr>
       </p:pic>
+      <p:sp>
+        <p:nvSpPr>
+          <p:cNvPr id="4" name="文本框 3"/>
+          <p:cNvSpPr txBox="1"/>
+          <p:nvPr/>
+        </p:nvSpPr>
+        <p:spPr>
+          <a:xfrm>
+            <a:off x="808701" y="5178669"/>
+            <a:ext cx="8097907" cy="830997"/>
+          </a:xfrm>
+          <a:prstGeom prst="rect">
+            <a:avLst/>
+          </a:prstGeom>
+          <a:noFill/>
+        </p:spPr>
+        <p:txBody>
+          <a:bodyPr wrap="square" rtlCol="0">
+            <a:spAutoFit/>
+          </a:bodyPr>
+          <a:lstStyle/>
+          <a:p>
+            <a:r>
+              <a:rPr lang="en-US" altLang="zh-CN" sz="2400" dirty="0" err="1" smtClean="0"/>
+              <a:t>Floyed</a:t>
+            </a:r>
+            <a:r>
+              <a:rPr lang="en-US" altLang="zh-CN" sz="2400" dirty="0" smtClean="0"/>
+              <a:t>:</a:t>
+            </a:r>
+            <a:r>
+              <a:rPr lang="zh-CN" altLang="en-US" sz="2400" dirty="0" smtClean="0"/>
+              <a:t> </a:t>
+            </a:r>
+            <a:r>
+              <a:rPr lang="zh-CN" altLang="en-US" sz="2400" dirty="0"/>
+              <a:t>一</a:t>
+            </a:r>
+            <a:r>
+              <a:rPr lang="zh-CN" altLang="en-US" sz="2400" dirty="0" smtClean="0"/>
+              <a:t>种能在 </a:t>
+            </a:r>
+            <a:r>
+              <a:rPr lang="en-US" altLang="zh-CN" sz="2400" dirty="0" smtClean="0"/>
+              <a:t>n^3 </a:t>
+            </a:r>
+            <a:r>
+              <a:rPr lang="zh-CN" altLang="en-US" sz="2400" dirty="0" smtClean="0"/>
+              <a:t>时间内完成两两点对间的最短路算法</a:t>
+            </a:r>
+            <a:endParaRPr lang="en-US" altLang="zh-CN" sz="2400" dirty="0" smtClean="0"/>
+          </a:p>
+          <a:p>
+            <a:r>
+              <a:rPr lang="en-US" altLang="zh-CN" sz="2400" dirty="0" smtClean="0"/>
+              <a:t>TLE</a:t>
+            </a:r>
+            <a:r>
+              <a:rPr lang="zh-CN" altLang="en-US" sz="2400" dirty="0" smtClean="0"/>
+              <a:t>：</a:t>
+            </a:r>
+            <a:r>
+              <a:rPr lang="en-US" altLang="zh-CN" sz="2400" dirty="0" smtClean="0"/>
+              <a:t>Time Limit Error </a:t>
+            </a:r>
+            <a:r>
+              <a:rPr lang="zh-CN" altLang="en-US" sz="2400" dirty="0" smtClean="0"/>
+              <a:t>超时错误</a:t>
+            </a:r>
+            <a:endParaRPr lang="en-US" altLang="zh-CN" sz="2400" dirty="0" smtClean="0"/>
+          </a:p>
+        </p:txBody>
+      </p:sp>
     </p:spTree>
     <p:extLst>
       <p:ext uri="{BB962C8B-B14F-4D97-AF65-F5344CB8AC3E}">
@@ -7759,6 +8626,68 @@
                                   </p:childTnLst>
                                 </p:cTn>
                               </p:par>
+                              <p:par>
+                                <p:cTn id="7" presetID="1" presetClass="entr" presetSubtype="0" fill="hold" nodeType="withEffect">
+                                  <p:stCondLst>
+                                    <p:cond delay="0"/>
+                                  </p:stCondLst>
+                                  <p:childTnLst>
+                                    <p:set>
+                                      <p:cBhvr>
+                                        <p:cTn id="8" dur="1" fill="hold">
+                                          <p:stCondLst>
+                                            <p:cond delay="0"/>
+                                          </p:stCondLst>
+                                        </p:cTn>
+                                        <p:tgtEl>
+                                          <p:spTgt spid="4">
+                                            <p:txEl>
+                                              <p:pRg st="0" end="0"/>
+                                            </p:txEl>
+                                          </p:spTgt>
+                                        </p:tgtEl>
+                                        <p:attrNameLst>
+                                          <p:attrName>style.visibility</p:attrName>
+                                        </p:attrNameLst>
+                                      </p:cBhvr>
+                                      <p:to>
+                                        <p:strVal val="visible"/>
+                                      </p:to>
+                                    </p:set>
+                                  </p:childTnLst>
+                                </p:cTn>
+                              </p:par>
+                              <p:par>
+                                <p:cTn id="9" presetID="1" presetClass="entr" presetSubtype="0" fill="hold" nodeType="withEffect">
+                                  <p:stCondLst>
+                                    <p:cond delay="0"/>
+                                  </p:stCondLst>
+                                  <p:childTnLst>
+                                    <p:set>
+                                      <p:cBhvr>
+                                        <p:cTn id="10" dur="1" fill="hold">
+                                          <p:stCondLst>
+                                            <p:cond delay="0"/>
+                                          </p:stCondLst>
+                                        </p:cTn>
+                                        <p:tgtEl>
+                                          <p:spTgt spid="4">
+                                            <p:txEl>
+                                              <p:pRg st="1" end="1"/>
+                                            </p:txEl>
+                                          </p:spTgt>
+                                        </p:tgtEl>
+                                        <p:attrNameLst>
+                                          <p:attrName>style.visibility</p:attrName>
+                                        </p:attrNameLst>
+                                      </p:cBhvr>
+                                      <p:to>
+                                        <p:strVal val="visible"/>
+                                      </p:to>
+                                    </p:set>
+                                  </p:childTnLst>
+                                </p:cTn>
+                              </p:par>
                             </p:childTnLst>
                           </p:cTn>
                         </p:par>
@@ -7790,7 +8719,7 @@
 </p:sld>
 </file>
 
-<file path=ppt/slides/slide8.xml><?xml version="1.0" encoding="utf-8"?>
+<file path=ppt/slides/slide9.xml><?xml version="1.0" encoding="utf-8"?>
 <p:sld xmlns:a="http://schemas.openxmlformats.org/drawingml/2006/main" xmlns:r="http://schemas.openxmlformats.org/officeDocument/2006/relationships" xmlns:p="http://schemas.openxmlformats.org/presentationml/2006/main">
   <p:cSld>
     <p:spTree>
@@ -8040,431 +8969,6 @@
                                           <p:spTgt spid="3">
                                             <p:txEl>
                                               <p:pRg st="2" end="2"/>
-                                            </p:txEl>
-                                          </p:spTgt>
-                                        </p:tgtEl>
-                                        <p:attrNameLst>
-                                          <p:attrName>style.visibility</p:attrName>
-                                        </p:attrNameLst>
-                                      </p:cBhvr>
-                                      <p:to>
-                                        <p:strVal val="visible"/>
-                                      </p:to>
-                                    </p:set>
-                                  </p:childTnLst>
-                                </p:cTn>
-                              </p:par>
-                            </p:childTnLst>
-                          </p:cTn>
-                        </p:par>
-                      </p:childTnLst>
-                    </p:cTn>
-                  </p:par>
-                </p:childTnLst>
-              </p:cTn>
-              <p:prevCondLst>
-                <p:cond evt="onPrev" delay="0">
-                  <p:tgtEl>
-                    <p:sldTgt/>
-                  </p:tgtEl>
-                </p:cond>
-              </p:prevCondLst>
-              <p:nextCondLst>
-                <p:cond evt="onNext" delay="0">
-                  <p:tgtEl>
-                    <p:sldTgt/>
-                  </p:tgtEl>
-                </p:cond>
-              </p:nextCondLst>
-            </p:seq>
-          </p:childTnLst>
-        </p:cTn>
-      </p:par>
-    </p:tnLst>
-  </p:timing>
-</p:sld>
-</file>
-
-<file path=ppt/slides/slide9.xml><?xml version="1.0" encoding="utf-8"?>
-<p:sld xmlns:a="http://schemas.openxmlformats.org/drawingml/2006/main" xmlns:r="http://schemas.openxmlformats.org/officeDocument/2006/relationships" xmlns:p="http://schemas.openxmlformats.org/presentationml/2006/main">
-  <p:cSld>
-    <p:spTree>
-      <p:nvGrpSpPr>
-        <p:cNvPr id="1" name=""/>
-        <p:cNvGrpSpPr/>
-        <p:nvPr/>
-      </p:nvGrpSpPr>
-      <p:grpSpPr>
-        <a:xfrm>
-          <a:off x="0" y="0"/>
-          <a:ext cx="0" cy="0"/>
-          <a:chOff x="0" y="0"/>
-          <a:chExt cx="0" cy="0"/>
-        </a:xfrm>
-      </p:grpSpPr>
-      <p:sp>
-        <p:nvSpPr>
-          <p:cNvPr id="2" name="标题 1"/>
-          <p:cNvSpPr>
-            <a:spLocks noGrp="1"/>
-          </p:cNvSpPr>
-          <p:nvPr>
-            <p:ph type="title"/>
-          </p:nvPr>
-        </p:nvSpPr>
-        <p:spPr>
-          <a:xfrm>
-            <a:off x="282015" y="493323"/>
-            <a:ext cx="10515600" cy="1325563"/>
-          </a:xfrm>
-        </p:spPr>
-        <p:txBody>
-          <a:bodyPr>
-            <a:normAutofit fontScale="90000"/>
-          </a:bodyPr>
-          <a:lstStyle/>
-          <a:p>
-            <a:r>
-              <a:rPr lang="zh-CN" altLang="en-US" sz="7300" dirty="0">
-                <a:latin typeface="华文楷体" panose="02010600040101010101" pitchFamily="2" charset="-122"/>
-                <a:ea typeface="华文楷体" panose="02010600040101010101" pitchFamily="2" charset="-122"/>
-              </a:rPr>
-              <a:t>如何做出选择</a:t>
-            </a:r>
-            <a:r>
-              <a:rPr lang="en-US" altLang="zh-CN" sz="7300" dirty="0">
-                <a:latin typeface="华文楷体" panose="02010600040101010101" pitchFamily="2" charset="-122"/>
-                <a:ea typeface="华文楷体" panose="02010600040101010101" pitchFamily="2" charset="-122"/>
-              </a:rPr>
-              <a:t> </a:t>
-            </a:r>
-            <a:r>
-              <a:rPr lang="zh-CN" altLang="en-US" sz="7300" dirty="0" smtClean="0">
-                <a:latin typeface="华文楷体" panose="02010600040101010101" pitchFamily="2" charset="-122"/>
-                <a:ea typeface="华文楷体" panose="02010600040101010101" pitchFamily="2" charset="-122"/>
-              </a:rPr>
-              <a:t>？</a:t>
-            </a:r>
-            <a:r>
-              <a:rPr lang="en-US" altLang="zh-CN" sz="7300" dirty="0" smtClean="0">
-                <a:latin typeface="华文楷体" panose="02010600040101010101" pitchFamily="2" charset="-122"/>
-                <a:ea typeface="华文楷体" panose="02010600040101010101" pitchFamily="2" charset="-122"/>
-              </a:rPr>
-              <a:t/>
-            </a:r>
-            <a:br>
-              <a:rPr lang="en-US" altLang="zh-CN" sz="7300" dirty="0" smtClean="0">
-                <a:latin typeface="华文楷体" panose="02010600040101010101" pitchFamily="2" charset="-122"/>
-                <a:ea typeface="华文楷体" panose="02010600040101010101" pitchFamily="2" charset="-122"/>
-              </a:rPr>
-            </a:br>
-            <a:r>
-              <a:rPr lang="zh-CN" altLang="en-US" dirty="0" smtClean="0">
-                <a:latin typeface="微软雅黑" pitchFamily="34" charset="-122"/>
-                <a:ea typeface="微软雅黑" pitchFamily="34" charset="-122"/>
-              </a:rPr>
-              <a:t>问自己五个为什么</a:t>
-            </a:r>
-            <a:r>
-              <a:rPr lang="en-US" altLang="zh-CN" dirty="0">
-                <a:latin typeface="华文楷体" panose="02010600040101010101" pitchFamily="2" charset="-122"/>
-                <a:ea typeface="华文楷体" panose="02010600040101010101" pitchFamily="2" charset="-122"/>
-              </a:rPr>
-              <a:t/>
-            </a:r>
-            <a:br>
-              <a:rPr lang="en-US" altLang="zh-CN" dirty="0">
-                <a:latin typeface="华文楷体" panose="02010600040101010101" pitchFamily="2" charset="-122"/>
-                <a:ea typeface="华文楷体" panose="02010600040101010101" pitchFamily="2" charset="-122"/>
-              </a:rPr>
-            </a:br>
-            <a:endParaRPr lang="zh-CN" altLang="en-US" dirty="0"/>
-          </a:p>
-        </p:txBody>
-      </p:sp>
-      <p:sp>
-        <p:nvSpPr>
-          <p:cNvPr id="3" name="内容占位符 2"/>
-          <p:cNvSpPr>
-            <a:spLocks noGrp="1"/>
-          </p:cNvSpPr>
-          <p:nvPr>
-            <p:ph idx="1"/>
-          </p:nvPr>
-        </p:nvSpPr>
-        <p:spPr/>
-        <p:txBody>
-          <a:bodyPr>
-            <a:normAutofit lnSpcReduction="10000"/>
-          </a:bodyPr>
-          <a:lstStyle/>
-          <a:p>
-            <a:pPr>
-              <a:buNone/>
-            </a:pPr>
-            <a:r>
-              <a:rPr lang="en-US" altLang="zh-CN" sz="3600" dirty="0" smtClean="0"/>
-              <a:t>		</a:t>
-            </a:r>
-            <a:r>
-              <a:rPr lang="zh-CN" altLang="en-US" sz="3600" dirty="0" smtClean="0"/>
-              <a:t>“五个为什么”是丰田公司创始人丰田章男发明的一种解决问题的技巧。</a:t>
-            </a:r>
-            <a:endParaRPr lang="en-US" altLang="zh-CN" sz="3600" dirty="0" smtClean="0"/>
-          </a:p>
-          <a:p>
-            <a:pPr>
-              <a:buNone/>
-            </a:pPr>
-            <a:r>
-              <a:rPr lang="en-US" altLang="zh-CN" sz="3600" dirty="0" smtClean="0"/>
-              <a:t>		</a:t>
-            </a:r>
-            <a:r>
-              <a:rPr lang="zh-CN" altLang="en-US" sz="3600" dirty="0" smtClean="0"/>
-              <a:t>当某事出错时，你可以问自己“为什么？”  </a:t>
-            </a:r>
-            <a:endParaRPr lang="en-US" altLang="zh-CN" sz="3600" dirty="0" smtClean="0"/>
-          </a:p>
-          <a:p>
-            <a:pPr>
-              <a:buNone/>
-            </a:pPr>
-            <a:r>
-              <a:rPr lang="en-US" altLang="zh-CN" sz="3600" dirty="0" smtClean="0"/>
-              <a:t>		</a:t>
-            </a:r>
-            <a:r>
-              <a:rPr lang="zh-CN" altLang="en-US" sz="3600" dirty="0" smtClean="0"/>
-              <a:t>通过一遍又一遍地问为什么有些事情会失败，你最终就会找到根本原因。</a:t>
-            </a:r>
-            <a:endParaRPr lang="en-US" altLang="zh-CN" sz="3600" dirty="0" smtClean="0"/>
-          </a:p>
-          <a:p>
-            <a:pPr>
-              <a:buNone/>
-            </a:pPr>
-            <a:r>
-              <a:rPr lang="en-US" altLang="zh-CN" sz="3600" dirty="0" smtClean="0"/>
-              <a:t>		</a:t>
-            </a:r>
-            <a:r>
-              <a:rPr lang="zh-CN" altLang="en-US" sz="3600" dirty="0" smtClean="0"/>
-              <a:t>虽然“五个为什么”是一种解决问题的技巧，但它也能帮助你确定你正在考虑的选择是否符合你的核心价值观</a:t>
-            </a:r>
-            <a:endParaRPr lang="zh-CN" altLang="en-US" sz="3600" dirty="0"/>
-          </a:p>
-        </p:txBody>
-      </p:sp>
-      <p:sp>
-        <p:nvSpPr>
-          <p:cNvPr id="4" name="文本框 3"/>
-          <p:cNvSpPr txBox="1"/>
-          <p:nvPr/>
-        </p:nvSpPr>
-        <p:spPr>
-          <a:xfrm>
-            <a:off x="8713177" y="6176963"/>
-            <a:ext cx="3323492" cy="461665"/>
-          </a:xfrm>
-          <a:prstGeom prst="rect">
-            <a:avLst/>
-          </a:prstGeom>
-          <a:noFill/>
-        </p:spPr>
-        <p:txBody>
-          <a:bodyPr wrap="square" rtlCol="0">
-            <a:spAutoFit/>
-          </a:bodyPr>
-          <a:lstStyle/>
-          <a:p>
-            <a:r>
-              <a:rPr lang="zh-CN" altLang="en-US" sz="2400" dirty="0" smtClean="0"/>
-              <a:t>对不起这一页没有图</a:t>
-            </a:r>
-            <a:endParaRPr lang="zh-CN" altLang="en-US" sz="2400" dirty="0"/>
-          </a:p>
-        </p:txBody>
-      </p:sp>
-    </p:spTree>
-    <p:extLst>
-      <p:ext uri="{BB962C8B-B14F-4D97-AF65-F5344CB8AC3E}">
-        <p14:creationId xmlns:p14="http://schemas.microsoft.com/office/powerpoint/2010/main" val="4223806462"/>
-      </p:ext>
-    </p:extLst>
-  </p:cSld>
-  <p:clrMapOvr>
-    <a:masterClrMapping/>
-  </p:clrMapOvr>
-  <p:timing>
-    <p:tnLst>
-      <p:par>
-        <p:cTn id="1" dur="indefinite" restart="never" nodeType="tmRoot">
-          <p:childTnLst>
-            <p:seq concurrent="1" nextAc="seek">
-              <p:cTn id="2" dur="indefinite" nodeType="mainSeq">
-                <p:childTnLst>
-                  <p:par>
-                    <p:cTn id="3" fill="hold">
-                      <p:stCondLst>
-                        <p:cond delay="indefinite"/>
-                        <p:cond evt="onBegin" delay="0">
-                          <p:tn val="2"/>
-                        </p:cond>
-                      </p:stCondLst>
-                      <p:childTnLst>
-                        <p:par>
-                          <p:cTn id="4" fill="hold">
-                            <p:stCondLst>
-                              <p:cond delay="0"/>
-                            </p:stCondLst>
-                            <p:childTnLst>
-                              <p:par>
-                                <p:cTn id="5" presetID="1" presetClass="entr" presetSubtype="0" fill="hold" nodeType="withEffect">
-                                  <p:stCondLst>
-                                    <p:cond delay="0"/>
-                                  </p:stCondLst>
-                                  <p:childTnLst>
-                                    <p:set>
-                                      <p:cBhvr>
-                                        <p:cTn id="6" dur="1" fill="hold">
-                                          <p:stCondLst>
-                                            <p:cond delay="0"/>
-                                          </p:stCondLst>
-                                        </p:cTn>
-                                        <p:tgtEl>
-                                          <p:spTgt spid="3">
-                                            <p:txEl>
-                                              <p:pRg st="0" end="0"/>
-                                            </p:txEl>
-                                          </p:spTgt>
-                                        </p:tgtEl>
-                                        <p:attrNameLst>
-                                          <p:attrName>style.visibility</p:attrName>
-                                        </p:attrNameLst>
-                                      </p:cBhvr>
-                                      <p:to>
-                                        <p:strVal val="visible"/>
-                                      </p:to>
-                                    </p:set>
-                                  </p:childTnLst>
-                                </p:cTn>
-                              </p:par>
-                            </p:childTnLst>
-                          </p:cTn>
-                        </p:par>
-                      </p:childTnLst>
-                    </p:cTn>
-                  </p:par>
-                  <p:par>
-                    <p:cTn id="7" fill="hold">
-                      <p:stCondLst>
-                        <p:cond delay="indefinite"/>
-                      </p:stCondLst>
-                      <p:childTnLst>
-                        <p:par>
-                          <p:cTn id="8" fill="hold">
-                            <p:stCondLst>
-                              <p:cond delay="0"/>
-                            </p:stCondLst>
-                            <p:childTnLst>
-                              <p:par>
-                                <p:cTn id="9" presetID="1" presetClass="entr" presetSubtype="0" fill="hold" nodeType="clickEffect">
-                                  <p:stCondLst>
-                                    <p:cond delay="0"/>
-                                  </p:stCondLst>
-                                  <p:childTnLst>
-                                    <p:set>
-                                      <p:cBhvr>
-                                        <p:cTn id="10" dur="1" fill="hold">
-                                          <p:stCondLst>
-                                            <p:cond delay="0"/>
-                                          </p:stCondLst>
-                                        </p:cTn>
-                                        <p:tgtEl>
-                                          <p:spTgt spid="3">
-                                            <p:txEl>
-                                              <p:pRg st="1" end="1"/>
-                                            </p:txEl>
-                                          </p:spTgt>
-                                        </p:tgtEl>
-                                        <p:attrNameLst>
-                                          <p:attrName>style.visibility</p:attrName>
-                                        </p:attrNameLst>
-                                      </p:cBhvr>
-                                      <p:to>
-                                        <p:strVal val="visible"/>
-                                      </p:to>
-                                    </p:set>
-                                  </p:childTnLst>
-                                </p:cTn>
-                              </p:par>
-                              <p:par>
-                                <p:cTn id="11" presetID="1" presetClass="entr" presetSubtype="0" fill="hold" nodeType="withEffect">
-                                  <p:stCondLst>
-                                    <p:cond delay="0"/>
-                                  </p:stCondLst>
-                                  <p:childTnLst>
-                                    <p:set>
-                                      <p:cBhvr>
-                                        <p:cTn id="12" dur="1" fill="hold">
-                                          <p:stCondLst>
-                                            <p:cond delay="0"/>
-                                          </p:stCondLst>
-                                        </p:cTn>
-                                        <p:tgtEl>
-                                          <p:spTgt spid="3">
-                                            <p:txEl>
-                                              <p:pRg st="2" end="2"/>
-                                            </p:txEl>
-                                          </p:spTgt>
-                                        </p:tgtEl>
-                                        <p:attrNameLst>
-                                          <p:attrName>style.visibility</p:attrName>
-                                        </p:attrNameLst>
-                                      </p:cBhvr>
-                                      <p:to>
-                                        <p:strVal val="visible"/>
-                                      </p:to>
-                                    </p:set>
-                                  </p:childTnLst>
-                                </p:cTn>
-                              </p:par>
-                            </p:childTnLst>
-                          </p:cTn>
-                        </p:par>
-                      </p:childTnLst>
-                    </p:cTn>
-                  </p:par>
-                  <p:par>
-                    <p:cTn id="13" fill="hold">
-                      <p:stCondLst>
-                        <p:cond delay="indefinite"/>
-                      </p:stCondLst>
-                      <p:childTnLst>
-                        <p:par>
-                          <p:cTn id="14" fill="hold">
-                            <p:stCondLst>
-                              <p:cond delay="0"/>
-                            </p:stCondLst>
-                            <p:childTnLst>
-                              <p:par>
-                                <p:cTn id="15" presetID="1" presetClass="entr" presetSubtype="0" fill="hold" nodeType="clickEffect">
-                                  <p:stCondLst>
-                                    <p:cond delay="0"/>
-                                  </p:stCondLst>
-                                  <p:childTnLst>
-                                    <p:set>
-                                      <p:cBhvr>
-                                        <p:cTn id="16" dur="1" fill="hold">
-                                          <p:stCondLst>
-                                            <p:cond delay="0"/>
-                                          </p:stCondLst>
-                                        </p:cTn>
-                                        <p:tgtEl>
-                                          <p:spTgt spid="3">
-                                            <p:txEl>
-                                              <p:pRg st="3" end="3"/>
                                             </p:txEl>
                                           </p:spTgt>
                                         </p:tgtEl>
